--- a/ServerLecture/PT/4강 멀티스레딩 기초.pptx
+++ b/ServerLecture/PT/4강 멀티스레딩 기초.pptx
@@ -5,7 +5,7 @@
     <p:sldMasterId id="2147483648" r:id="rId1"/>
   </p:sldMasterIdLst>
   <p:notesMasterIdLst>
-    <p:notesMasterId r:id="rId12"/>
+    <p:notesMasterId r:id="rId38"/>
   </p:notesMasterIdLst>
   <p:sldIdLst>
     <p:sldId id="256" r:id="rId2"/>
@@ -17,7 +17,33 @@
     <p:sldId id="311" r:id="rId8"/>
     <p:sldId id="312" r:id="rId9"/>
     <p:sldId id="313" r:id="rId10"/>
-    <p:sldId id="305" r:id="rId11"/>
+    <p:sldId id="314" r:id="rId11"/>
+    <p:sldId id="315" r:id="rId12"/>
+    <p:sldId id="316" r:id="rId13"/>
+    <p:sldId id="317" r:id="rId14"/>
+    <p:sldId id="318" r:id="rId15"/>
+    <p:sldId id="320" r:id="rId16"/>
+    <p:sldId id="321" r:id="rId17"/>
+    <p:sldId id="319" r:id="rId18"/>
+    <p:sldId id="322" r:id="rId19"/>
+    <p:sldId id="323" r:id="rId20"/>
+    <p:sldId id="324" r:id="rId21"/>
+    <p:sldId id="325" r:id="rId22"/>
+    <p:sldId id="326" r:id="rId23"/>
+    <p:sldId id="327" r:id="rId24"/>
+    <p:sldId id="328" r:id="rId25"/>
+    <p:sldId id="329" r:id="rId26"/>
+    <p:sldId id="330" r:id="rId27"/>
+    <p:sldId id="331" r:id="rId28"/>
+    <p:sldId id="332" r:id="rId29"/>
+    <p:sldId id="333" r:id="rId30"/>
+    <p:sldId id="334" r:id="rId31"/>
+    <p:sldId id="335" r:id="rId32"/>
+    <p:sldId id="336" r:id="rId33"/>
+    <p:sldId id="337" r:id="rId34"/>
+    <p:sldId id="338" r:id="rId35"/>
+    <p:sldId id="339" r:id="rId36"/>
+    <p:sldId id="305" r:id="rId37"/>
   </p:sldIdLst>
   <p:sldSz cx="12192000" cy="6858000"/>
   <p:notesSz cx="6858000" cy="9144000"/>
@@ -116,6 +142,11 @@
       </a:defRPr>
     </a:lvl9pPr>
   </p:defaultTextStyle>
+  <p:extLst>
+    <p:ext uri="{EFAFB233-063F-42B5-8137-9DF3F51BA10A}">
+      <p15:sldGuideLst xmlns:p15="http://schemas.microsoft.com/office/powerpoint/2012/main"/>
+    </p:ext>
+  </p:extLst>
 </p:presentation>
 </file>
 
@@ -617,7 +648,7 @@
           <a:p>
             <a:fld id="{D8DCC404-E41A-4BC0-921C-BBFB3AB1AB4E}" type="slidenum">
               <a:rPr lang="ko-KR" altLang="en-US" smtClean="0"/>
-              <a:t>10</a:t>
+              <a:t>36</a:t>
             </a:fld>
             <a:endParaRPr lang="ko-KR" altLang="en-US"/>
           </a:p>
@@ -3991,66 +4022,10 @@
       </p:grpSpPr>
       <p:sp>
         <p:nvSpPr>
-          <p:cNvPr id="16" name="직사각형 15">
-            <a:extLst>
-              <a:ext uri="{FF2B5EF4-FFF2-40B4-BE49-F238E27FC236}">
-                <a16:creationId xmlns:a16="http://schemas.microsoft.com/office/drawing/2014/main" id="{B89DD7D4-9ED1-4D39-BC0C-EA5A5B8B6EF9}"/>
-              </a:ext>
-            </a:extLst>
-          </p:cNvPr>
-          <p:cNvSpPr/>
-          <p:nvPr/>
-        </p:nvSpPr>
-        <p:spPr>
-          <a:xfrm>
-            <a:off x="188540" y="197967"/>
-            <a:ext cx="12192000" cy="6858000"/>
-          </a:xfrm>
-          <a:prstGeom prst="rect">
-            <a:avLst/>
-          </a:prstGeom>
-          <a:solidFill>
-            <a:schemeClr val="tx1">
-              <a:alpha val="65000"/>
-            </a:schemeClr>
-          </a:solidFill>
-          <a:ln>
-            <a:solidFill>
-              <a:schemeClr val="tx1"/>
-            </a:solidFill>
-          </a:ln>
-        </p:spPr>
-        <p:style>
-          <a:lnRef idx="2">
-            <a:schemeClr val="accent1">
-              <a:shade val="50000"/>
-            </a:schemeClr>
-          </a:lnRef>
-          <a:fillRef idx="1">
-            <a:schemeClr val="accent1"/>
-          </a:fillRef>
-          <a:effectRef idx="0">
-            <a:schemeClr val="accent1"/>
-          </a:effectRef>
-          <a:fontRef idx="minor">
-            <a:schemeClr val="lt1"/>
-          </a:fontRef>
-        </p:style>
-        <p:txBody>
-          <a:bodyPr rtlCol="0" anchor="ctr"/>
-          <a:lstStyle/>
-          <a:p>
-            <a:pPr algn="ctr"/>
-            <a:endParaRPr lang="ko-KR" altLang="en-US" sz="1600" dirty="0"/>
-          </a:p>
-        </p:txBody>
-      </p:sp>
-      <p:sp>
-        <p:nvSpPr>
-          <p:cNvPr id="4" name="직사각형 3">
-            <a:extLst>
-              <a:ext uri="{FF2B5EF4-FFF2-40B4-BE49-F238E27FC236}">
-                <a16:creationId xmlns:a16="http://schemas.microsoft.com/office/drawing/2014/main" id="{CA35C8A5-4B03-43E5-B493-90F4E795A7AE}"/>
+          <p:cNvPr id="3" name="직사각형 2">
+            <a:extLst>
+              <a:ext uri="{FF2B5EF4-FFF2-40B4-BE49-F238E27FC236}">
+                <a16:creationId xmlns:a16="http://schemas.microsoft.com/office/drawing/2014/main" id="{CE97CBAA-9474-4762-9A45-7F1C1229323D}"/>
               </a:ext>
             </a:extLst>
           </p:cNvPr>
@@ -4096,31 +4071,200 @@
           <a:p>
             <a:pPr algn="ctr"/>
             <a:r>
-              <a:rPr lang="en-US" altLang="ko-KR" sz="4400" dirty="0">
-                <a:solidFill>
-                  <a:schemeClr val="bg1"/>
-                </a:solidFill>
+              <a:rPr lang="ko-KR" altLang="en-US" sz="4400" dirty="0">
                 <a:latin typeface="태나다체 " panose="02000000000000000000" pitchFamily="2" charset="-127"/>
                 <a:ea typeface="태나다체 " panose="02000000000000000000" pitchFamily="2" charset="-127"/>
               </a:rPr>
-              <a:t>title</a:t>
-            </a:r>
-            <a:endParaRPr lang="ko-KR" altLang="en-US" sz="4400" dirty="0">
-              <a:solidFill>
-                <a:schemeClr val="bg1"/>
-              </a:solidFill>
-              <a:latin typeface="태나다체 " panose="02000000000000000000" pitchFamily="2" charset="-127"/>
-              <a:ea typeface="태나다체 " panose="02000000000000000000" pitchFamily="2" charset="-127"/>
-            </a:endParaRPr>
-          </a:p>
-        </p:txBody>
-      </p:sp>
-      <p:sp>
-        <p:nvSpPr>
-          <p:cNvPr id="11" name="직사각형 10">
-            <a:extLst>
-              <a:ext uri="{FF2B5EF4-FFF2-40B4-BE49-F238E27FC236}">
-                <a16:creationId xmlns:a16="http://schemas.microsoft.com/office/drawing/2014/main" id="{6C22D0AA-FCE8-49A4-888D-F1CCB0BBB1BD}"/>
+              <a:t>프로젝트 생성</a:t>
+            </a:r>
+          </a:p>
+        </p:txBody>
+      </p:sp>
+      <p:pic>
+        <p:nvPicPr>
+          <p:cNvPr id="5" name="그림 4">
+            <a:extLst>
+              <a:ext uri="{FF2B5EF4-FFF2-40B4-BE49-F238E27FC236}">
+                <a16:creationId xmlns:a16="http://schemas.microsoft.com/office/drawing/2014/main" id="{041EF791-1BEC-4CC0-A653-ECDDA3843D8B}"/>
+              </a:ext>
+            </a:extLst>
+          </p:cNvPr>
+          <p:cNvPicPr>
+            <a:picLocks noChangeAspect="1"/>
+          </p:cNvPicPr>
+          <p:nvPr/>
+        </p:nvPicPr>
+        <p:blipFill>
+          <a:blip r:embed="rId2"/>
+          <a:stretch>
+            <a:fillRect/>
+          </a:stretch>
+        </p:blipFill>
+        <p:spPr>
+          <a:xfrm>
+            <a:off x="3729060" y="507591"/>
+            <a:ext cx="8337250" cy="5842817"/>
+          </a:xfrm>
+          <a:prstGeom prst="rect">
+            <a:avLst/>
+          </a:prstGeom>
+        </p:spPr>
+      </p:pic>
+    </p:spTree>
+    <p:extLst>
+      <p:ext uri="{BB962C8B-B14F-4D97-AF65-F5344CB8AC3E}">
+        <p14:creationId xmlns:p14="http://schemas.microsoft.com/office/powerpoint/2010/main" val="708372053"/>
+      </p:ext>
+    </p:extLst>
+  </p:cSld>
+  <p:clrMapOvr>
+    <a:masterClrMapping/>
+  </p:clrMapOvr>
+</p:sld>
+</file>
+
+<file path=ppt/slides/slide11.xml><?xml version="1.0" encoding="utf-8"?>
+<p:sld xmlns:a="http://schemas.openxmlformats.org/drawingml/2006/main" xmlns:r="http://schemas.openxmlformats.org/officeDocument/2006/relationships" xmlns:p="http://schemas.openxmlformats.org/presentationml/2006/main">
+  <p:cSld>
+    <p:spTree>
+      <p:nvGrpSpPr>
+        <p:cNvPr id="1" name=""/>
+        <p:cNvGrpSpPr/>
+        <p:nvPr/>
+      </p:nvGrpSpPr>
+      <p:grpSpPr>
+        <a:xfrm>
+          <a:off x="0" y="0"/>
+          <a:ext cx="0" cy="0"/>
+          <a:chOff x="0" y="0"/>
+          <a:chExt cx="0" cy="0"/>
+        </a:xfrm>
+      </p:grpSpPr>
+      <p:sp>
+        <p:nvSpPr>
+          <p:cNvPr id="3" name="직사각형 2">
+            <a:extLst>
+              <a:ext uri="{FF2B5EF4-FFF2-40B4-BE49-F238E27FC236}">
+                <a16:creationId xmlns:a16="http://schemas.microsoft.com/office/drawing/2014/main" id="{CE97CBAA-9474-4762-9A45-7F1C1229323D}"/>
+              </a:ext>
+            </a:extLst>
+          </p:cNvPr>
+          <p:cNvSpPr/>
+          <p:nvPr/>
+        </p:nvSpPr>
+        <p:spPr>
+          <a:xfrm>
+            <a:off x="0" y="339365"/>
+            <a:ext cx="3619893" cy="1221117"/>
+          </a:xfrm>
+          <a:prstGeom prst="rect">
+            <a:avLst/>
+          </a:prstGeom>
+          <a:solidFill>
+            <a:schemeClr val="tx1"/>
+          </a:solidFill>
+          <a:ln>
+            <a:solidFill>
+              <a:schemeClr val="tx1"/>
+            </a:solidFill>
+          </a:ln>
+        </p:spPr>
+        <p:style>
+          <a:lnRef idx="2">
+            <a:schemeClr val="accent1">
+              <a:shade val="50000"/>
+            </a:schemeClr>
+          </a:lnRef>
+          <a:fillRef idx="1">
+            <a:schemeClr val="accent1"/>
+          </a:fillRef>
+          <a:effectRef idx="0">
+            <a:schemeClr val="accent1"/>
+          </a:effectRef>
+          <a:fontRef idx="minor">
+            <a:schemeClr val="lt1"/>
+          </a:fontRef>
+        </p:style>
+        <p:txBody>
+          <a:bodyPr rtlCol="0" anchor="ctr"/>
+          <a:lstStyle/>
+          <a:p>
+            <a:pPr algn="ctr"/>
+            <a:r>
+              <a:rPr lang="ko-KR" altLang="en-US" sz="4400" dirty="0">
+                <a:latin typeface="태나다체 " panose="02000000000000000000" pitchFamily="2" charset="-127"/>
+                <a:ea typeface="태나다체 " panose="02000000000000000000" pitchFamily="2" charset="-127"/>
+              </a:rPr>
+              <a:t>프로젝트 생성</a:t>
+            </a:r>
+          </a:p>
+        </p:txBody>
+      </p:sp>
+      <p:pic>
+        <p:nvPicPr>
+          <p:cNvPr id="2" name="그림 1">
+            <a:extLst>
+              <a:ext uri="{FF2B5EF4-FFF2-40B4-BE49-F238E27FC236}">
+                <a16:creationId xmlns:a16="http://schemas.microsoft.com/office/drawing/2014/main" id="{0C66A7B6-84FA-4AF9-9BAC-20978F0AF239}"/>
+              </a:ext>
+            </a:extLst>
+          </p:cNvPr>
+          <p:cNvPicPr>
+            <a:picLocks noChangeAspect="1"/>
+          </p:cNvPicPr>
+          <p:nvPr/>
+        </p:nvPicPr>
+        <p:blipFill rotWithShape="1">
+          <a:blip r:embed="rId2"/>
+          <a:srcRect l="375"/>
+          <a:stretch/>
+        </p:blipFill>
+        <p:spPr>
+          <a:xfrm>
+            <a:off x="3827282" y="615972"/>
+            <a:ext cx="8028686" cy="5626055"/>
+          </a:xfrm>
+          <a:prstGeom prst="rect">
+            <a:avLst/>
+          </a:prstGeom>
+        </p:spPr>
+      </p:pic>
+    </p:spTree>
+    <p:extLst>
+      <p:ext uri="{BB962C8B-B14F-4D97-AF65-F5344CB8AC3E}">
+        <p14:creationId xmlns:p14="http://schemas.microsoft.com/office/powerpoint/2010/main" val="2685569075"/>
+      </p:ext>
+    </p:extLst>
+  </p:cSld>
+  <p:clrMapOvr>
+    <a:masterClrMapping/>
+  </p:clrMapOvr>
+</p:sld>
+</file>
+
+<file path=ppt/slides/slide12.xml><?xml version="1.0" encoding="utf-8"?>
+<p:sld xmlns:a="http://schemas.openxmlformats.org/drawingml/2006/main" xmlns:r="http://schemas.openxmlformats.org/officeDocument/2006/relationships" xmlns:p="http://schemas.openxmlformats.org/presentationml/2006/main">
+  <p:cSld>
+    <p:spTree>
+      <p:nvGrpSpPr>
+        <p:cNvPr id="1" name=""/>
+        <p:cNvGrpSpPr/>
+        <p:nvPr/>
+      </p:nvGrpSpPr>
+      <p:grpSpPr>
+        <a:xfrm>
+          <a:off x="0" y="0"/>
+          <a:ext cx="0" cy="0"/>
+          <a:chOff x="0" y="0"/>
+          <a:chExt cx="0" cy="0"/>
+        </a:xfrm>
+      </p:grpSpPr>
+      <p:sp>
+        <p:nvSpPr>
+          <p:cNvPr id="6" name="직사각형 5">
+            <a:extLst>
+              <a:ext uri="{FF2B5EF4-FFF2-40B4-BE49-F238E27FC236}">
+                <a16:creationId xmlns:a16="http://schemas.microsoft.com/office/drawing/2014/main" id="{E7EEDDA4-C768-447B-A35B-AA3E54E7249A}"/>
               </a:ext>
             </a:extLst>
           </p:cNvPr>
@@ -4267,7 +4411,7 @@
                 <a:latin typeface="태나다체 " panose="02000000000000000000" pitchFamily="2" charset="-127"/>
                 <a:ea typeface="태나다체 " panose="02000000000000000000" pitchFamily="2" charset="-127"/>
               </a:rPr>
-              <a:t>embed</a:t>
+              <a:t>Thread</a:t>
             </a:r>
             <a:endParaRPr lang="ko-KR" altLang="en-US" sz="4800" dirty="0">
               <a:solidFill>
@@ -4279,12 +4423,42 @@
           </a:p>
         </p:txBody>
       </p:sp>
-      <p:sp>
-        <p:nvSpPr>
-          <p:cNvPr id="17" name="직사각형 16">
-            <a:extLst>
-              <a:ext uri="{FF2B5EF4-FFF2-40B4-BE49-F238E27FC236}">
-                <a16:creationId xmlns:a16="http://schemas.microsoft.com/office/drawing/2014/main" id="{6421B016-1033-4C6F-947D-8DF71B6D0E2F}"/>
+    </p:spTree>
+    <p:extLst>
+      <p:ext uri="{BB962C8B-B14F-4D97-AF65-F5344CB8AC3E}">
+        <p14:creationId xmlns:p14="http://schemas.microsoft.com/office/powerpoint/2010/main" val="2990985763"/>
+      </p:ext>
+    </p:extLst>
+  </p:cSld>
+  <p:clrMapOvr>
+    <a:masterClrMapping/>
+  </p:clrMapOvr>
+</p:sld>
+</file>
+
+<file path=ppt/slides/slide13.xml><?xml version="1.0" encoding="utf-8"?>
+<p:sld xmlns:a="http://schemas.openxmlformats.org/drawingml/2006/main" xmlns:r="http://schemas.openxmlformats.org/officeDocument/2006/relationships" xmlns:p="http://schemas.openxmlformats.org/presentationml/2006/main">
+  <p:cSld>
+    <p:spTree>
+      <p:nvGrpSpPr>
+        <p:cNvPr id="1" name=""/>
+        <p:cNvGrpSpPr/>
+        <p:nvPr/>
+      </p:nvGrpSpPr>
+      <p:grpSpPr>
+        <a:xfrm>
+          <a:off x="0" y="0"/>
+          <a:ext cx="0" cy="0"/>
+          <a:chOff x="0" y="0"/>
+          <a:chExt cx="0" cy="0"/>
+        </a:xfrm>
+      </p:grpSpPr>
+      <p:sp>
+        <p:nvSpPr>
+          <p:cNvPr id="3" name="직사각형 2">
+            <a:extLst>
+              <a:ext uri="{FF2B5EF4-FFF2-40B4-BE49-F238E27FC236}">
+                <a16:creationId xmlns:a16="http://schemas.microsoft.com/office/drawing/2014/main" id="{CE97CBAA-9474-4762-9A45-7F1C1229323D}"/>
               </a:ext>
             </a:extLst>
           </p:cNvPr>
@@ -4293,43 +4467,912 @@
         </p:nvSpPr>
         <p:spPr>
           <a:xfrm>
-            <a:off x="4822927" y="1098817"/>
-            <a:ext cx="2546146" cy="923330"/>
+            <a:off x="0" y="339365"/>
+            <a:ext cx="3619893" cy="1221117"/>
           </a:xfrm>
           <a:prstGeom prst="rect">
             <a:avLst/>
           </a:prstGeom>
-        </p:spPr>
-        <p:txBody>
-          <a:bodyPr wrap="none">
-            <a:spAutoFit/>
-          </a:bodyPr>
+          <a:solidFill>
+            <a:schemeClr val="tx1"/>
+          </a:solidFill>
+          <a:ln>
+            <a:solidFill>
+              <a:schemeClr val="tx1"/>
+            </a:solidFill>
+          </a:ln>
+        </p:spPr>
+        <p:style>
+          <a:lnRef idx="2">
+            <a:schemeClr val="accent1">
+              <a:shade val="50000"/>
+            </a:schemeClr>
+          </a:lnRef>
+          <a:fillRef idx="1">
+            <a:schemeClr val="accent1"/>
+          </a:fillRef>
+          <a:effectRef idx="0">
+            <a:schemeClr val="accent1"/>
+          </a:effectRef>
+          <a:fontRef idx="minor">
+            <a:schemeClr val="lt1"/>
+          </a:fontRef>
+        </p:style>
+        <p:txBody>
+          <a:bodyPr rtlCol="0" anchor="ctr"/>
           <a:lstStyle/>
           <a:p>
-            <a:r>
-              <a:rPr lang="en-US" altLang="ko-KR" sz="5400" dirty="0">
-                <a:solidFill>
-                  <a:schemeClr val="bg1"/>
-                </a:solidFill>
-                <a:latin typeface="배달의민족 주아" panose="02020603020101020101" pitchFamily="18" charset="-127"/>
-                <a:ea typeface="배달의민족 주아" panose="02020603020101020101" pitchFamily="18" charset="-127"/>
+            <a:pPr algn="ctr"/>
+            <a:r>
+              <a:rPr lang="en-US" altLang="ko-KR" sz="3600" dirty="0">
+                <a:latin typeface="태나다체 " panose="02000000000000000000" pitchFamily="2" charset="-127"/>
+                <a:ea typeface="태나다체 " panose="02000000000000000000" pitchFamily="2" charset="-127"/>
               </a:rPr>
-              <a:t>content</a:t>
-            </a:r>
-            <a:endParaRPr lang="ko-KR" altLang="en-US" sz="5400" dirty="0">
-              <a:solidFill>
-                <a:schemeClr val="bg1"/>
-              </a:solidFill>
-              <a:latin typeface="배달의민족 주아" panose="02020603020101020101" pitchFamily="18" charset="-127"/>
-              <a:ea typeface="배달의민족 주아" panose="02020603020101020101" pitchFamily="18" charset="-127"/>
+              <a:t>ThreadTest1</a:t>
+            </a:r>
+            <a:endParaRPr lang="ko-KR" altLang="en-US" sz="3600" dirty="0">
+              <a:latin typeface="태나다체 " panose="02000000000000000000" pitchFamily="2" charset="-127"/>
+              <a:ea typeface="태나다체 " panose="02000000000000000000" pitchFamily="2" charset="-127"/>
             </a:endParaRPr>
           </a:p>
         </p:txBody>
       </p:sp>
+      <p:pic>
+        <p:nvPicPr>
+          <p:cNvPr id="7" name="그림 6">
+            <a:extLst>
+              <a:ext uri="{FF2B5EF4-FFF2-40B4-BE49-F238E27FC236}">
+                <a16:creationId xmlns:a16="http://schemas.microsoft.com/office/drawing/2014/main" id="{31849113-7A16-4205-A25C-FC00389E0A6A}"/>
+              </a:ext>
+            </a:extLst>
+          </p:cNvPr>
+          <p:cNvPicPr>
+            <a:picLocks noChangeAspect="1"/>
+          </p:cNvPicPr>
+          <p:nvPr/>
+        </p:nvPicPr>
+        <p:blipFill>
+          <a:blip r:embed="rId2">
+            <a:extLst>
+              <a:ext uri="{28A0092B-C50C-407E-A947-70E740481C1C}">
+                <a14:useLocalDpi xmlns:a14="http://schemas.microsoft.com/office/drawing/2010/main" val="0"/>
+              </a:ext>
+            </a:extLst>
+          </a:blip>
+          <a:stretch>
+            <a:fillRect/>
+          </a:stretch>
+        </p:blipFill>
+        <p:spPr>
+          <a:xfrm>
+            <a:off x="4472075" y="49595"/>
+            <a:ext cx="6594992" cy="6758810"/>
+          </a:xfrm>
+          <a:prstGeom prst="rect">
+            <a:avLst/>
+          </a:prstGeom>
+        </p:spPr>
+      </p:pic>
     </p:spTree>
     <p:extLst>
       <p:ext uri="{BB962C8B-B14F-4D97-AF65-F5344CB8AC3E}">
-        <p14:creationId xmlns:p14="http://schemas.microsoft.com/office/powerpoint/2010/main" val="1057666607"/>
+        <p14:creationId xmlns:p14="http://schemas.microsoft.com/office/powerpoint/2010/main" val="1147020497"/>
+      </p:ext>
+    </p:extLst>
+  </p:cSld>
+  <p:clrMapOvr>
+    <a:masterClrMapping/>
+  </p:clrMapOvr>
+</p:sld>
+</file>
+
+<file path=ppt/slides/slide14.xml><?xml version="1.0" encoding="utf-8"?>
+<p:sld xmlns:a="http://schemas.openxmlformats.org/drawingml/2006/main" xmlns:r="http://schemas.openxmlformats.org/officeDocument/2006/relationships" xmlns:p="http://schemas.openxmlformats.org/presentationml/2006/main">
+  <p:cSld>
+    <p:spTree>
+      <p:nvGrpSpPr>
+        <p:cNvPr id="1" name=""/>
+        <p:cNvGrpSpPr/>
+        <p:nvPr/>
+      </p:nvGrpSpPr>
+      <p:grpSpPr>
+        <a:xfrm>
+          <a:off x="0" y="0"/>
+          <a:ext cx="0" cy="0"/>
+          <a:chOff x="0" y="0"/>
+          <a:chExt cx="0" cy="0"/>
+        </a:xfrm>
+      </p:grpSpPr>
+      <p:sp>
+        <p:nvSpPr>
+          <p:cNvPr id="3" name="직사각형 2">
+            <a:extLst>
+              <a:ext uri="{FF2B5EF4-FFF2-40B4-BE49-F238E27FC236}">
+                <a16:creationId xmlns:a16="http://schemas.microsoft.com/office/drawing/2014/main" id="{CE97CBAA-9474-4762-9A45-7F1C1229323D}"/>
+              </a:ext>
+            </a:extLst>
+          </p:cNvPr>
+          <p:cNvSpPr/>
+          <p:nvPr/>
+        </p:nvSpPr>
+        <p:spPr>
+          <a:xfrm>
+            <a:off x="0" y="339365"/>
+            <a:ext cx="3619893" cy="1221117"/>
+          </a:xfrm>
+          <a:prstGeom prst="rect">
+            <a:avLst/>
+          </a:prstGeom>
+          <a:solidFill>
+            <a:schemeClr val="tx1"/>
+          </a:solidFill>
+          <a:ln>
+            <a:solidFill>
+              <a:schemeClr val="tx1"/>
+            </a:solidFill>
+          </a:ln>
+        </p:spPr>
+        <p:style>
+          <a:lnRef idx="2">
+            <a:schemeClr val="accent1">
+              <a:shade val="50000"/>
+            </a:schemeClr>
+          </a:lnRef>
+          <a:fillRef idx="1">
+            <a:schemeClr val="accent1"/>
+          </a:fillRef>
+          <a:effectRef idx="0">
+            <a:schemeClr val="accent1"/>
+          </a:effectRef>
+          <a:fontRef idx="minor">
+            <a:schemeClr val="lt1"/>
+          </a:fontRef>
+        </p:style>
+        <p:txBody>
+          <a:bodyPr rtlCol="0" anchor="ctr"/>
+          <a:lstStyle/>
+          <a:p>
+            <a:pPr algn="ctr"/>
+            <a:r>
+              <a:rPr lang="en-US" altLang="ko-KR" sz="3600" dirty="0">
+                <a:latin typeface="태나다체 " panose="02000000000000000000" pitchFamily="2" charset="-127"/>
+                <a:ea typeface="태나다체 " panose="02000000000000000000" pitchFamily="2" charset="-127"/>
+              </a:rPr>
+              <a:t>ThreadTest1</a:t>
+            </a:r>
+            <a:endParaRPr lang="ko-KR" altLang="en-US" sz="3600" dirty="0">
+              <a:latin typeface="태나다체 " panose="02000000000000000000" pitchFamily="2" charset="-127"/>
+              <a:ea typeface="태나다체 " panose="02000000000000000000" pitchFamily="2" charset="-127"/>
+            </a:endParaRPr>
+          </a:p>
+        </p:txBody>
+      </p:sp>
+      <p:pic>
+        <p:nvPicPr>
+          <p:cNvPr id="4" name="그림 3">
+            <a:extLst>
+              <a:ext uri="{FF2B5EF4-FFF2-40B4-BE49-F238E27FC236}">
+                <a16:creationId xmlns:a16="http://schemas.microsoft.com/office/drawing/2014/main" id="{8587174F-8868-4A4F-BE6C-8F036FB152AA}"/>
+              </a:ext>
+            </a:extLst>
+          </p:cNvPr>
+          <p:cNvPicPr>
+            <a:picLocks noChangeAspect="1"/>
+          </p:cNvPicPr>
+          <p:nvPr/>
+        </p:nvPicPr>
+        <p:blipFill>
+          <a:blip r:embed="rId2">
+            <a:extLst>
+              <a:ext uri="{28A0092B-C50C-407E-A947-70E740481C1C}">
+                <a14:useLocalDpi xmlns:a14="http://schemas.microsoft.com/office/drawing/2010/main" val="0"/>
+              </a:ext>
+            </a:extLst>
+          </a:blip>
+          <a:stretch>
+            <a:fillRect/>
+          </a:stretch>
+        </p:blipFill>
+        <p:spPr>
+          <a:xfrm>
+            <a:off x="1445693" y="1816628"/>
+            <a:ext cx="6742808" cy="4702007"/>
+          </a:xfrm>
+          <a:prstGeom prst="rect">
+            <a:avLst/>
+          </a:prstGeom>
+        </p:spPr>
+      </p:pic>
+      <p:pic>
+        <p:nvPicPr>
+          <p:cNvPr id="6" name="그림 5">
+            <a:extLst>
+              <a:ext uri="{FF2B5EF4-FFF2-40B4-BE49-F238E27FC236}">
+                <a16:creationId xmlns:a16="http://schemas.microsoft.com/office/drawing/2014/main" id="{91FDE168-BA01-43DC-A067-4493E5D447B1}"/>
+              </a:ext>
+            </a:extLst>
+          </p:cNvPr>
+          <p:cNvPicPr>
+            <a:picLocks noChangeAspect="1"/>
+          </p:cNvPicPr>
+          <p:nvPr/>
+        </p:nvPicPr>
+        <p:blipFill>
+          <a:blip r:embed="rId3">
+            <a:extLst>
+              <a:ext uri="{28A0092B-C50C-407E-A947-70E740481C1C}">
+                <a14:useLocalDpi xmlns:a14="http://schemas.microsoft.com/office/drawing/2010/main" val="0"/>
+              </a:ext>
+            </a:extLst>
+          </a:blip>
+          <a:stretch>
+            <a:fillRect/>
+          </a:stretch>
+        </p:blipFill>
+        <p:spPr>
+          <a:xfrm>
+            <a:off x="4346458" y="1179449"/>
+            <a:ext cx="6742808" cy="4733113"/>
+          </a:xfrm>
+          <a:prstGeom prst="rect">
+            <a:avLst/>
+          </a:prstGeom>
+        </p:spPr>
+      </p:pic>
+    </p:spTree>
+    <p:extLst>
+      <p:ext uri="{BB962C8B-B14F-4D97-AF65-F5344CB8AC3E}">
+        <p14:creationId xmlns:p14="http://schemas.microsoft.com/office/powerpoint/2010/main" val="4284824360"/>
+      </p:ext>
+    </p:extLst>
+  </p:cSld>
+  <p:clrMapOvr>
+    <a:masterClrMapping/>
+  </p:clrMapOvr>
+</p:sld>
+</file>
+
+<file path=ppt/slides/slide15.xml><?xml version="1.0" encoding="utf-8"?>
+<p:sld xmlns:a="http://schemas.openxmlformats.org/drawingml/2006/main" xmlns:r="http://schemas.openxmlformats.org/officeDocument/2006/relationships" xmlns:p="http://schemas.openxmlformats.org/presentationml/2006/main">
+  <p:cSld>
+    <p:spTree>
+      <p:nvGrpSpPr>
+        <p:cNvPr id="1" name=""/>
+        <p:cNvGrpSpPr/>
+        <p:nvPr/>
+      </p:nvGrpSpPr>
+      <p:grpSpPr>
+        <a:xfrm>
+          <a:off x="0" y="0"/>
+          <a:ext cx="0" cy="0"/>
+          <a:chOff x="0" y="0"/>
+          <a:chExt cx="0" cy="0"/>
+        </a:xfrm>
+      </p:grpSpPr>
+      <p:sp>
+        <p:nvSpPr>
+          <p:cNvPr id="3" name="직사각형 2">
+            <a:extLst>
+              <a:ext uri="{FF2B5EF4-FFF2-40B4-BE49-F238E27FC236}">
+                <a16:creationId xmlns:a16="http://schemas.microsoft.com/office/drawing/2014/main" id="{CE97CBAA-9474-4762-9A45-7F1C1229323D}"/>
+              </a:ext>
+            </a:extLst>
+          </p:cNvPr>
+          <p:cNvSpPr/>
+          <p:nvPr/>
+        </p:nvSpPr>
+        <p:spPr>
+          <a:xfrm>
+            <a:off x="0" y="339365"/>
+            <a:ext cx="3619893" cy="1221117"/>
+          </a:xfrm>
+          <a:prstGeom prst="rect">
+            <a:avLst/>
+          </a:prstGeom>
+          <a:solidFill>
+            <a:schemeClr val="tx1"/>
+          </a:solidFill>
+          <a:ln>
+            <a:solidFill>
+              <a:schemeClr val="tx1"/>
+            </a:solidFill>
+          </a:ln>
+        </p:spPr>
+        <p:style>
+          <a:lnRef idx="2">
+            <a:schemeClr val="accent1">
+              <a:shade val="50000"/>
+            </a:schemeClr>
+          </a:lnRef>
+          <a:fillRef idx="1">
+            <a:schemeClr val="accent1"/>
+          </a:fillRef>
+          <a:effectRef idx="0">
+            <a:schemeClr val="accent1"/>
+          </a:effectRef>
+          <a:fontRef idx="minor">
+            <a:schemeClr val="lt1"/>
+          </a:fontRef>
+        </p:style>
+        <p:txBody>
+          <a:bodyPr rtlCol="0" anchor="ctr"/>
+          <a:lstStyle/>
+          <a:p>
+            <a:pPr algn="ctr"/>
+            <a:r>
+              <a:rPr lang="en-US" altLang="ko-KR" sz="3600" dirty="0">
+                <a:latin typeface="태나다체 " panose="02000000000000000000" pitchFamily="2" charset="-127"/>
+                <a:ea typeface="태나다체 " panose="02000000000000000000" pitchFamily="2" charset="-127"/>
+              </a:rPr>
+              <a:t>ThreadTest2</a:t>
+            </a:r>
+            <a:endParaRPr lang="ko-KR" altLang="en-US" sz="3600" dirty="0">
+              <a:latin typeface="태나다체 " panose="02000000000000000000" pitchFamily="2" charset="-127"/>
+              <a:ea typeface="태나다체 " panose="02000000000000000000" pitchFamily="2" charset="-127"/>
+            </a:endParaRPr>
+          </a:p>
+        </p:txBody>
+      </p:sp>
+      <p:pic>
+        <p:nvPicPr>
+          <p:cNvPr id="4" name="그림 3">
+            <a:extLst>
+              <a:ext uri="{FF2B5EF4-FFF2-40B4-BE49-F238E27FC236}">
+                <a16:creationId xmlns:a16="http://schemas.microsoft.com/office/drawing/2014/main" id="{508DE7DA-1894-4DCA-A2C0-9A12D8C48C27}"/>
+              </a:ext>
+            </a:extLst>
+          </p:cNvPr>
+          <p:cNvPicPr>
+            <a:picLocks noChangeAspect="1"/>
+          </p:cNvPicPr>
+          <p:nvPr/>
+        </p:nvPicPr>
+        <p:blipFill>
+          <a:blip r:embed="rId2">
+            <a:extLst>
+              <a:ext uri="{28A0092B-C50C-407E-A947-70E740481C1C}">
+                <a14:useLocalDpi xmlns:a14="http://schemas.microsoft.com/office/drawing/2010/main" val="0"/>
+              </a:ext>
+            </a:extLst>
+          </a:blip>
+          <a:stretch>
+            <a:fillRect/>
+          </a:stretch>
+        </p:blipFill>
+        <p:spPr>
+          <a:xfrm>
+            <a:off x="5356748" y="169682"/>
+            <a:ext cx="4864026" cy="6518635"/>
+          </a:xfrm>
+          <a:prstGeom prst="rect">
+            <a:avLst/>
+          </a:prstGeom>
+        </p:spPr>
+      </p:pic>
+    </p:spTree>
+    <p:extLst>
+      <p:ext uri="{BB962C8B-B14F-4D97-AF65-F5344CB8AC3E}">
+        <p14:creationId xmlns:p14="http://schemas.microsoft.com/office/powerpoint/2010/main" val="2781833974"/>
+      </p:ext>
+    </p:extLst>
+  </p:cSld>
+  <p:clrMapOvr>
+    <a:masterClrMapping/>
+  </p:clrMapOvr>
+</p:sld>
+</file>
+
+<file path=ppt/slides/slide16.xml><?xml version="1.0" encoding="utf-8"?>
+<p:sld xmlns:a="http://schemas.openxmlformats.org/drawingml/2006/main" xmlns:r="http://schemas.openxmlformats.org/officeDocument/2006/relationships" xmlns:p="http://schemas.openxmlformats.org/presentationml/2006/main">
+  <p:cSld>
+    <p:spTree>
+      <p:nvGrpSpPr>
+        <p:cNvPr id="1" name=""/>
+        <p:cNvGrpSpPr/>
+        <p:nvPr/>
+      </p:nvGrpSpPr>
+      <p:grpSpPr>
+        <a:xfrm>
+          <a:off x="0" y="0"/>
+          <a:ext cx="0" cy="0"/>
+          <a:chOff x="0" y="0"/>
+          <a:chExt cx="0" cy="0"/>
+        </a:xfrm>
+      </p:grpSpPr>
+      <p:sp>
+        <p:nvSpPr>
+          <p:cNvPr id="3" name="직사각형 2">
+            <a:extLst>
+              <a:ext uri="{FF2B5EF4-FFF2-40B4-BE49-F238E27FC236}">
+                <a16:creationId xmlns:a16="http://schemas.microsoft.com/office/drawing/2014/main" id="{CE97CBAA-9474-4762-9A45-7F1C1229323D}"/>
+              </a:ext>
+            </a:extLst>
+          </p:cNvPr>
+          <p:cNvSpPr/>
+          <p:nvPr/>
+        </p:nvSpPr>
+        <p:spPr>
+          <a:xfrm>
+            <a:off x="0" y="339365"/>
+            <a:ext cx="3619893" cy="1221117"/>
+          </a:xfrm>
+          <a:prstGeom prst="rect">
+            <a:avLst/>
+          </a:prstGeom>
+          <a:solidFill>
+            <a:schemeClr val="tx1"/>
+          </a:solidFill>
+          <a:ln>
+            <a:solidFill>
+              <a:schemeClr val="tx1"/>
+            </a:solidFill>
+          </a:ln>
+        </p:spPr>
+        <p:style>
+          <a:lnRef idx="2">
+            <a:schemeClr val="accent1">
+              <a:shade val="50000"/>
+            </a:schemeClr>
+          </a:lnRef>
+          <a:fillRef idx="1">
+            <a:schemeClr val="accent1"/>
+          </a:fillRef>
+          <a:effectRef idx="0">
+            <a:schemeClr val="accent1"/>
+          </a:effectRef>
+          <a:fontRef idx="minor">
+            <a:schemeClr val="lt1"/>
+          </a:fontRef>
+        </p:style>
+        <p:txBody>
+          <a:bodyPr rtlCol="0" anchor="ctr"/>
+          <a:lstStyle/>
+          <a:p>
+            <a:pPr algn="ctr"/>
+            <a:r>
+              <a:rPr lang="en-US" altLang="ko-KR" sz="3600" dirty="0">
+                <a:latin typeface="태나다체 " panose="02000000000000000000" pitchFamily="2" charset="-127"/>
+                <a:ea typeface="태나다체 " panose="02000000000000000000" pitchFamily="2" charset="-127"/>
+              </a:rPr>
+              <a:t>ThreadTest2</a:t>
+            </a:r>
+            <a:endParaRPr lang="ko-KR" altLang="en-US" sz="3600" dirty="0">
+              <a:latin typeface="태나다체 " panose="02000000000000000000" pitchFamily="2" charset="-127"/>
+              <a:ea typeface="태나다체 " panose="02000000000000000000" pitchFamily="2" charset="-127"/>
+            </a:endParaRPr>
+          </a:p>
+        </p:txBody>
+      </p:sp>
+      <p:pic>
+        <p:nvPicPr>
+          <p:cNvPr id="4" name="그림 3">
+            <a:extLst>
+              <a:ext uri="{FF2B5EF4-FFF2-40B4-BE49-F238E27FC236}">
+                <a16:creationId xmlns:a16="http://schemas.microsoft.com/office/drawing/2014/main" id="{35F153F3-4F58-4E63-AC13-C69C9944131E}"/>
+              </a:ext>
+            </a:extLst>
+          </p:cNvPr>
+          <p:cNvPicPr>
+            <a:picLocks noChangeAspect="1"/>
+          </p:cNvPicPr>
+          <p:nvPr/>
+        </p:nvPicPr>
+        <p:blipFill>
+          <a:blip r:embed="rId2">
+            <a:extLst>
+              <a:ext uri="{28A0092B-C50C-407E-A947-70E740481C1C}">
+                <a14:useLocalDpi xmlns:a14="http://schemas.microsoft.com/office/drawing/2010/main" val="0"/>
+              </a:ext>
+            </a:extLst>
+          </a:blip>
+          <a:stretch>
+            <a:fillRect/>
+          </a:stretch>
+        </p:blipFill>
+        <p:spPr>
+          <a:xfrm>
+            <a:off x="4299209" y="902016"/>
+            <a:ext cx="7288889" cy="5053968"/>
+          </a:xfrm>
+          <a:prstGeom prst="rect">
+            <a:avLst/>
+          </a:prstGeom>
+        </p:spPr>
+      </p:pic>
+    </p:spTree>
+    <p:extLst>
+      <p:ext uri="{BB962C8B-B14F-4D97-AF65-F5344CB8AC3E}">
+        <p14:creationId xmlns:p14="http://schemas.microsoft.com/office/powerpoint/2010/main" val="339261370"/>
+      </p:ext>
+    </p:extLst>
+  </p:cSld>
+  <p:clrMapOvr>
+    <a:masterClrMapping/>
+  </p:clrMapOvr>
+</p:sld>
+</file>
+
+<file path=ppt/slides/slide17.xml><?xml version="1.0" encoding="utf-8"?>
+<p:sld xmlns:a="http://schemas.openxmlformats.org/drawingml/2006/main" xmlns:r="http://schemas.openxmlformats.org/officeDocument/2006/relationships" xmlns:p="http://schemas.openxmlformats.org/presentationml/2006/main">
+  <p:cSld>
+    <p:spTree>
+      <p:nvGrpSpPr>
+        <p:cNvPr id="1" name=""/>
+        <p:cNvGrpSpPr/>
+        <p:nvPr/>
+      </p:nvGrpSpPr>
+      <p:grpSpPr>
+        <a:xfrm>
+          <a:off x="0" y="0"/>
+          <a:ext cx="0" cy="0"/>
+          <a:chOff x="0" y="0"/>
+          <a:chExt cx="0" cy="0"/>
+        </a:xfrm>
+      </p:grpSpPr>
+      <p:sp>
+        <p:nvSpPr>
+          <p:cNvPr id="3" name="직사각형 2">
+            <a:extLst>
+              <a:ext uri="{FF2B5EF4-FFF2-40B4-BE49-F238E27FC236}">
+                <a16:creationId xmlns:a16="http://schemas.microsoft.com/office/drawing/2014/main" id="{CE97CBAA-9474-4762-9A45-7F1C1229323D}"/>
+              </a:ext>
+            </a:extLst>
+          </p:cNvPr>
+          <p:cNvSpPr/>
+          <p:nvPr/>
+        </p:nvSpPr>
+        <p:spPr>
+          <a:xfrm>
+            <a:off x="0" y="339365"/>
+            <a:ext cx="3619893" cy="1221117"/>
+          </a:xfrm>
+          <a:prstGeom prst="rect">
+            <a:avLst/>
+          </a:prstGeom>
+          <a:solidFill>
+            <a:schemeClr val="tx1"/>
+          </a:solidFill>
+          <a:ln>
+            <a:solidFill>
+              <a:schemeClr val="tx1"/>
+            </a:solidFill>
+          </a:ln>
+        </p:spPr>
+        <p:style>
+          <a:lnRef idx="2">
+            <a:schemeClr val="accent1">
+              <a:shade val="50000"/>
+            </a:schemeClr>
+          </a:lnRef>
+          <a:fillRef idx="1">
+            <a:schemeClr val="accent1"/>
+          </a:fillRef>
+          <a:effectRef idx="0">
+            <a:schemeClr val="accent1"/>
+          </a:effectRef>
+          <a:fontRef idx="minor">
+            <a:schemeClr val="lt1"/>
+          </a:fontRef>
+        </p:style>
+        <p:txBody>
+          <a:bodyPr rtlCol="0" anchor="ctr"/>
+          <a:lstStyle/>
+          <a:p>
+            <a:pPr algn="ctr"/>
+            <a:r>
+              <a:rPr lang="en-US" altLang="ko-KR" sz="3600" dirty="0">
+                <a:latin typeface="태나다체 " panose="02000000000000000000" pitchFamily="2" charset="-127"/>
+                <a:ea typeface="태나다체 " panose="02000000000000000000" pitchFamily="2" charset="-127"/>
+              </a:rPr>
+              <a:t>ThreadTest2</a:t>
+            </a:r>
+            <a:endParaRPr lang="ko-KR" altLang="en-US" sz="3600" dirty="0">
+              <a:latin typeface="태나다체 " panose="02000000000000000000" pitchFamily="2" charset="-127"/>
+              <a:ea typeface="태나다체 " panose="02000000000000000000" pitchFamily="2" charset="-127"/>
+            </a:endParaRPr>
+          </a:p>
+        </p:txBody>
+      </p:sp>
+      <p:pic>
+        <p:nvPicPr>
+          <p:cNvPr id="5" name="그림 4">
+            <a:extLst>
+              <a:ext uri="{FF2B5EF4-FFF2-40B4-BE49-F238E27FC236}">
+                <a16:creationId xmlns:a16="http://schemas.microsoft.com/office/drawing/2014/main" id="{1BD1A156-3553-442D-B325-124DE723788B}"/>
+              </a:ext>
+            </a:extLst>
+          </p:cNvPr>
+          <p:cNvPicPr>
+            <a:picLocks noChangeAspect="1"/>
+          </p:cNvPicPr>
+          <p:nvPr/>
+        </p:nvPicPr>
+        <p:blipFill>
+          <a:blip r:embed="rId2">
+            <a:extLst>
+              <a:ext uri="{28A0092B-C50C-407E-A947-70E740481C1C}">
+                <a14:useLocalDpi xmlns:a14="http://schemas.microsoft.com/office/drawing/2010/main" val="0"/>
+              </a:ext>
+            </a:extLst>
+          </a:blip>
+          <a:stretch>
+            <a:fillRect/>
+          </a:stretch>
+        </p:blipFill>
+        <p:spPr>
+          <a:xfrm>
+            <a:off x="5281937" y="169682"/>
+            <a:ext cx="4719513" cy="6518635"/>
+          </a:xfrm>
+          <a:prstGeom prst="rect">
+            <a:avLst/>
+          </a:prstGeom>
+        </p:spPr>
+      </p:pic>
+    </p:spTree>
+    <p:extLst>
+      <p:ext uri="{BB962C8B-B14F-4D97-AF65-F5344CB8AC3E}">
+        <p14:creationId xmlns:p14="http://schemas.microsoft.com/office/powerpoint/2010/main" val="3281910584"/>
+      </p:ext>
+    </p:extLst>
+  </p:cSld>
+  <p:clrMapOvr>
+    <a:masterClrMapping/>
+  </p:clrMapOvr>
+</p:sld>
+</file>
+
+<file path=ppt/slides/slide18.xml><?xml version="1.0" encoding="utf-8"?>
+<p:sld xmlns:a="http://schemas.openxmlformats.org/drawingml/2006/main" xmlns:r="http://schemas.openxmlformats.org/officeDocument/2006/relationships" xmlns:p="http://schemas.openxmlformats.org/presentationml/2006/main">
+  <p:cSld>
+    <p:spTree>
+      <p:nvGrpSpPr>
+        <p:cNvPr id="1" name=""/>
+        <p:cNvGrpSpPr/>
+        <p:nvPr/>
+      </p:nvGrpSpPr>
+      <p:grpSpPr>
+        <a:xfrm>
+          <a:off x="0" y="0"/>
+          <a:ext cx="0" cy="0"/>
+          <a:chOff x="0" y="0"/>
+          <a:chExt cx="0" cy="0"/>
+        </a:xfrm>
+      </p:grpSpPr>
+      <p:sp>
+        <p:nvSpPr>
+          <p:cNvPr id="3" name="직사각형 2">
+            <a:extLst>
+              <a:ext uri="{FF2B5EF4-FFF2-40B4-BE49-F238E27FC236}">
+                <a16:creationId xmlns:a16="http://schemas.microsoft.com/office/drawing/2014/main" id="{CE97CBAA-9474-4762-9A45-7F1C1229323D}"/>
+              </a:ext>
+            </a:extLst>
+          </p:cNvPr>
+          <p:cNvSpPr/>
+          <p:nvPr/>
+        </p:nvSpPr>
+        <p:spPr>
+          <a:xfrm>
+            <a:off x="0" y="339365"/>
+            <a:ext cx="3619893" cy="1221117"/>
+          </a:xfrm>
+          <a:prstGeom prst="rect">
+            <a:avLst/>
+          </a:prstGeom>
+          <a:solidFill>
+            <a:schemeClr val="tx1"/>
+          </a:solidFill>
+          <a:ln>
+            <a:solidFill>
+              <a:schemeClr val="tx1"/>
+            </a:solidFill>
+          </a:ln>
+        </p:spPr>
+        <p:style>
+          <a:lnRef idx="2">
+            <a:schemeClr val="accent1">
+              <a:shade val="50000"/>
+            </a:schemeClr>
+          </a:lnRef>
+          <a:fillRef idx="1">
+            <a:schemeClr val="accent1"/>
+          </a:fillRef>
+          <a:effectRef idx="0">
+            <a:schemeClr val="accent1"/>
+          </a:effectRef>
+          <a:fontRef idx="minor">
+            <a:schemeClr val="lt1"/>
+          </a:fontRef>
+        </p:style>
+        <p:txBody>
+          <a:bodyPr rtlCol="0" anchor="ctr"/>
+          <a:lstStyle/>
+          <a:p>
+            <a:pPr algn="ctr"/>
+            <a:r>
+              <a:rPr lang="en-US" altLang="ko-KR" sz="3600" dirty="0">
+                <a:latin typeface="태나다체 " panose="02000000000000000000" pitchFamily="2" charset="-127"/>
+                <a:ea typeface="태나다체 " panose="02000000000000000000" pitchFamily="2" charset="-127"/>
+              </a:rPr>
+              <a:t>ThreadTest2</a:t>
+            </a:r>
+            <a:endParaRPr lang="ko-KR" altLang="en-US" sz="3600" dirty="0">
+              <a:latin typeface="태나다체 " panose="02000000000000000000" pitchFamily="2" charset="-127"/>
+              <a:ea typeface="태나다체 " panose="02000000000000000000" pitchFamily="2" charset="-127"/>
+            </a:endParaRPr>
+          </a:p>
+        </p:txBody>
+      </p:sp>
+      <p:pic>
+        <p:nvPicPr>
+          <p:cNvPr id="5" name="그림 4">
+            <a:extLst>
+              <a:ext uri="{FF2B5EF4-FFF2-40B4-BE49-F238E27FC236}">
+                <a16:creationId xmlns:a16="http://schemas.microsoft.com/office/drawing/2014/main" id="{5D1E8A98-A4E6-4825-B118-6347A5F792E1}"/>
+              </a:ext>
+            </a:extLst>
+          </p:cNvPr>
+          <p:cNvPicPr>
+            <a:picLocks noChangeAspect="1"/>
+          </p:cNvPicPr>
+          <p:nvPr/>
+        </p:nvPicPr>
+        <p:blipFill>
+          <a:blip r:embed="rId2">
+            <a:extLst>
+              <a:ext uri="{28A0092B-C50C-407E-A947-70E740481C1C}">
+                <a14:useLocalDpi xmlns:a14="http://schemas.microsoft.com/office/drawing/2010/main" val="0"/>
+              </a:ext>
+            </a:extLst>
+          </a:blip>
+          <a:stretch>
+            <a:fillRect/>
+          </a:stretch>
+        </p:blipFill>
+        <p:spPr>
+          <a:xfrm>
+            <a:off x="3941181" y="1047284"/>
+            <a:ext cx="7968274" cy="4763431"/>
+          </a:xfrm>
+          <a:prstGeom prst="rect">
+            <a:avLst/>
+          </a:prstGeom>
+        </p:spPr>
+      </p:pic>
+    </p:spTree>
+    <p:extLst>
+      <p:ext uri="{BB962C8B-B14F-4D97-AF65-F5344CB8AC3E}">
+        <p14:creationId xmlns:p14="http://schemas.microsoft.com/office/powerpoint/2010/main" val="4197435503"/>
+      </p:ext>
+    </p:extLst>
+  </p:cSld>
+  <p:clrMapOvr>
+    <a:masterClrMapping/>
+  </p:clrMapOvr>
+</p:sld>
+</file>
+
+<file path=ppt/slides/slide19.xml><?xml version="1.0" encoding="utf-8"?>
+<p:sld xmlns:a="http://schemas.openxmlformats.org/drawingml/2006/main" xmlns:r="http://schemas.openxmlformats.org/officeDocument/2006/relationships" xmlns:p="http://schemas.openxmlformats.org/presentationml/2006/main">
+  <p:cSld>
+    <p:spTree>
+      <p:nvGrpSpPr>
+        <p:cNvPr id="1" name=""/>
+        <p:cNvGrpSpPr/>
+        <p:nvPr/>
+      </p:nvGrpSpPr>
+      <p:grpSpPr>
+        <a:xfrm>
+          <a:off x="0" y="0"/>
+          <a:ext cx="0" cy="0"/>
+          <a:chOff x="0" y="0"/>
+          <a:chExt cx="0" cy="0"/>
+        </a:xfrm>
+      </p:grpSpPr>
+      <p:sp>
+        <p:nvSpPr>
+          <p:cNvPr id="3" name="직사각형 2">
+            <a:extLst>
+              <a:ext uri="{FF2B5EF4-FFF2-40B4-BE49-F238E27FC236}">
+                <a16:creationId xmlns:a16="http://schemas.microsoft.com/office/drawing/2014/main" id="{CE97CBAA-9474-4762-9A45-7F1C1229323D}"/>
+              </a:ext>
+            </a:extLst>
+          </p:cNvPr>
+          <p:cNvSpPr/>
+          <p:nvPr/>
+        </p:nvSpPr>
+        <p:spPr>
+          <a:xfrm>
+            <a:off x="0" y="339365"/>
+            <a:ext cx="3619893" cy="1221117"/>
+          </a:xfrm>
+          <a:prstGeom prst="rect">
+            <a:avLst/>
+          </a:prstGeom>
+          <a:solidFill>
+            <a:schemeClr val="tx1"/>
+          </a:solidFill>
+          <a:ln>
+            <a:solidFill>
+              <a:schemeClr val="tx1"/>
+            </a:solidFill>
+          </a:ln>
+        </p:spPr>
+        <p:style>
+          <a:lnRef idx="2">
+            <a:schemeClr val="accent1">
+              <a:shade val="50000"/>
+            </a:schemeClr>
+          </a:lnRef>
+          <a:fillRef idx="1">
+            <a:schemeClr val="accent1"/>
+          </a:fillRef>
+          <a:effectRef idx="0">
+            <a:schemeClr val="accent1"/>
+          </a:effectRef>
+          <a:fontRef idx="minor">
+            <a:schemeClr val="lt1"/>
+          </a:fontRef>
+        </p:style>
+        <p:txBody>
+          <a:bodyPr rtlCol="0" anchor="ctr"/>
+          <a:lstStyle/>
+          <a:p>
+            <a:pPr algn="ctr"/>
+            <a:r>
+              <a:rPr lang="en-US" altLang="ko-KR" sz="3600" dirty="0">
+                <a:latin typeface="태나다체 " panose="02000000000000000000" pitchFamily="2" charset="-127"/>
+                <a:ea typeface="태나다체 " panose="02000000000000000000" pitchFamily="2" charset="-127"/>
+              </a:rPr>
+              <a:t>ThreadTest3</a:t>
+            </a:r>
+            <a:endParaRPr lang="ko-KR" altLang="en-US" sz="3600" dirty="0">
+              <a:latin typeface="태나다체 " panose="02000000000000000000" pitchFamily="2" charset="-127"/>
+              <a:ea typeface="태나다체 " panose="02000000000000000000" pitchFamily="2" charset="-127"/>
+            </a:endParaRPr>
+          </a:p>
+        </p:txBody>
+      </p:sp>
+      <p:pic>
+        <p:nvPicPr>
+          <p:cNvPr id="4" name="그림 3">
+            <a:extLst>
+              <a:ext uri="{FF2B5EF4-FFF2-40B4-BE49-F238E27FC236}">
+                <a16:creationId xmlns:a16="http://schemas.microsoft.com/office/drawing/2014/main" id="{9783C19B-396A-4584-AC0C-8FD5D48B8284}"/>
+              </a:ext>
+            </a:extLst>
+          </p:cNvPr>
+          <p:cNvPicPr>
+            <a:picLocks noChangeAspect="1"/>
+          </p:cNvPicPr>
+          <p:nvPr/>
+        </p:nvPicPr>
+        <p:blipFill>
+          <a:blip r:embed="rId2">
+            <a:extLst>
+              <a:ext uri="{28A0092B-C50C-407E-A947-70E740481C1C}">
+                <a14:useLocalDpi xmlns:a14="http://schemas.microsoft.com/office/drawing/2010/main" val="0"/>
+              </a:ext>
+            </a:extLst>
+          </a:blip>
+          <a:stretch>
+            <a:fillRect/>
+          </a:stretch>
+        </p:blipFill>
+        <p:spPr>
+          <a:xfrm>
+            <a:off x="5343880" y="292231"/>
+            <a:ext cx="5150203" cy="6273538"/>
+          </a:xfrm>
+          <a:prstGeom prst="rect">
+            <a:avLst/>
+          </a:prstGeom>
+        </p:spPr>
+      </p:pic>
+    </p:spTree>
+    <p:extLst>
+      <p:ext uri="{BB962C8B-B14F-4D97-AF65-F5344CB8AC3E}">
+        <p14:creationId xmlns:p14="http://schemas.microsoft.com/office/powerpoint/2010/main" val="3375419994"/>
       </p:ext>
     </p:extLst>
   </p:cSld>
@@ -4526,7 +5569,7 @@
 </p:sld>
 </file>
 
-<file path=ppt/slides/slide3.xml><?xml version="1.0" encoding="utf-8"?>
+<file path=ppt/slides/slide20.xml><?xml version="1.0" encoding="utf-8"?>
 <p:sld xmlns:a="http://schemas.openxmlformats.org/drawingml/2006/main" xmlns:r="http://schemas.openxmlformats.org/officeDocument/2006/relationships" xmlns:p="http://schemas.openxmlformats.org/presentationml/2006/main">
   <p:cSld>
     <p:spTree>
@@ -4594,78 +5637,95 @@
           <a:p>
             <a:pPr algn="ctr"/>
             <a:r>
-              <a:rPr lang="ko-KR" altLang="en-US" sz="3600" dirty="0">
-                <a:solidFill>
-                  <a:schemeClr val="bg1"/>
-                </a:solidFill>
+              <a:rPr lang="en-US" altLang="ko-KR" sz="3600" dirty="0">
                 <a:latin typeface="태나다체 " panose="02000000000000000000" pitchFamily="2" charset="-127"/>
                 <a:ea typeface="태나다체 " panose="02000000000000000000" pitchFamily="2" charset="-127"/>
               </a:rPr>
-              <a:t>스레드 사용 방법</a:t>
-            </a:r>
-          </a:p>
-        </p:txBody>
-      </p:sp>
-      <p:sp>
-        <p:nvSpPr>
-          <p:cNvPr id="4" name="직사각형 3">
-            <a:extLst>
-              <a:ext uri="{FF2B5EF4-FFF2-40B4-BE49-F238E27FC236}">
-                <a16:creationId xmlns:a16="http://schemas.microsoft.com/office/drawing/2014/main" id="{E6623C1D-3AFF-46E1-A505-904A011B63E0}"/>
-              </a:ext>
-            </a:extLst>
-          </p:cNvPr>
-          <p:cNvSpPr/>
+              <a:t>ThreadTest3</a:t>
+            </a:r>
+            <a:endParaRPr lang="ko-KR" altLang="en-US" sz="3600" dirty="0">
+              <a:latin typeface="태나다체 " panose="02000000000000000000" pitchFamily="2" charset="-127"/>
+              <a:ea typeface="태나다체 " panose="02000000000000000000" pitchFamily="2" charset="-127"/>
+            </a:endParaRPr>
+          </a:p>
+        </p:txBody>
+      </p:sp>
+      <p:pic>
+        <p:nvPicPr>
+          <p:cNvPr id="6" name="그림 5">
+            <a:extLst>
+              <a:ext uri="{FF2B5EF4-FFF2-40B4-BE49-F238E27FC236}">
+                <a16:creationId xmlns:a16="http://schemas.microsoft.com/office/drawing/2014/main" id="{EB8E1101-2357-41E7-BA62-DF63E699CCFA}"/>
+              </a:ext>
+            </a:extLst>
+          </p:cNvPr>
+          <p:cNvPicPr>
+            <a:picLocks noChangeAspect="1"/>
+          </p:cNvPicPr>
           <p:nvPr/>
-        </p:nvSpPr>
-        <p:spPr>
-          <a:xfrm>
-            <a:off x="517838" y="3429000"/>
-            <a:ext cx="11156323" cy="1015663"/>
+        </p:nvPicPr>
+        <p:blipFill>
+          <a:blip r:embed="rId2">
+            <a:extLst>
+              <a:ext uri="{28A0092B-C50C-407E-A947-70E740481C1C}">
+                <a14:useLocalDpi xmlns:a14="http://schemas.microsoft.com/office/drawing/2010/main" val="0"/>
+              </a:ext>
+            </a:extLst>
+          </a:blip>
+          <a:stretch>
+            <a:fillRect/>
+          </a:stretch>
+        </p:blipFill>
+        <p:spPr>
+          <a:xfrm>
+            <a:off x="1458408" y="1943369"/>
+            <a:ext cx="6928609" cy="4421113"/>
           </a:xfrm>
           <a:prstGeom prst="rect">
             <a:avLst/>
           </a:prstGeom>
         </p:spPr>
-        <p:txBody>
-          <a:bodyPr wrap="none">
-            <a:spAutoFit/>
-          </a:bodyPr>
-          <a:lstStyle/>
-          <a:p>
-            <a:pPr algn="ctr"/>
-            <a:r>
-              <a:rPr lang="en-US" altLang="ko-KR" sz="6000" dirty="0">
-                <a:latin typeface="배달의민족 주아" panose="02020603020101020101" pitchFamily="18" charset="-127"/>
-                <a:ea typeface="배달의민족 주아" panose="02020603020101020101" pitchFamily="18" charset="-127"/>
-              </a:rPr>
-              <a:t>Thread, </a:t>
-            </a:r>
-            <a:r>
-              <a:rPr lang="en-US" altLang="ko-KR" sz="6000" dirty="0" err="1">
-                <a:latin typeface="배달의민족 주아" panose="02020603020101020101" pitchFamily="18" charset="-127"/>
-                <a:ea typeface="배달의민족 주아" panose="02020603020101020101" pitchFamily="18" charset="-127"/>
-              </a:rPr>
-              <a:t>ThreadPool</a:t>
-            </a:r>
-            <a:r>
-              <a:rPr lang="en-US" altLang="ko-KR" sz="6000" dirty="0">
-                <a:latin typeface="배달의민족 주아" panose="02020603020101020101" pitchFamily="18" charset="-127"/>
-                <a:ea typeface="배달의민족 주아" panose="02020603020101020101" pitchFamily="18" charset="-127"/>
-              </a:rPr>
-              <a:t>, Task, Async</a:t>
-            </a:r>
-            <a:endParaRPr lang="ko-KR" altLang="en-US" sz="6000" dirty="0">
-              <a:latin typeface="배달의민족 주아" panose="02020603020101020101" pitchFamily="18" charset="-127"/>
-              <a:ea typeface="배달의민족 주아" panose="02020603020101020101" pitchFamily="18" charset="-127"/>
-            </a:endParaRPr>
-          </a:p>
-        </p:txBody>
-      </p:sp>
+      </p:pic>
+      <p:pic>
+        <p:nvPicPr>
+          <p:cNvPr id="8" name="그림 7">
+            <a:extLst>
+              <a:ext uri="{FF2B5EF4-FFF2-40B4-BE49-F238E27FC236}">
+                <a16:creationId xmlns:a16="http://schemas.microsoft.com/office/drawing/2014/main" id="{B5F3A923-08E4-4B15-BC30-F45D2E65B900}"/>
+              </a:ext>
+            </a:extLst>
+          </p:cNvPr>
+          <p:cNvPicPr>
+            <a:picLocks noChangeAspect="1"/>
+          </p:cNvPicPr>
+          <p:nvPr/>
+        </p:nvPicPr>
+        <p:blipFill>
+          <a:blip r:embed="rId3">
+            <a:extLst>
+              <a:ext uri="{28A0092B-C50C-407E-A947-70E740481C1C}">
+                <a14:useLocalDpi xmlns:a14="http://schemas.microsoft.com/office/drawing/2010/main" val="0"/>
+              </a:ext>
+            </a:extLst>
+          </a:blip>
+          <a:stretch>
+            <a:fillRect/>
+          </a:stretch>
+        </p:blipFill>
+        <p:spPr>
+          <a:xfrm>
+            <a:off x="4577444" y="493518"/>
+            <a:ext cx="7256300" cy="4635729"/>
+          </a:xfrm>
+          <a:prstGeom prst="rect">
+            <a:avLst/>
+          </a:prstGeom>
+        </p:spPr>
+      </p:pic>
     </p:spTree>
     <p:extLst>
       <p:ext uri="{BB962C8B-B14F-4D97-AF65-F5344CB8AC3E}">
-        <p14:creationId xmlns:p14="http://schemas.microsoft.com/office/powerpoint/2010/main" val="1831033514"/>
+        <p14:creationId xmlns:p14="http://schemas.microsoft.com/office/powerpoint/2010/main" val="1171048871"/>
       </p:ext>
     </p:extLst>
   </p:cSld>
@@ -4675,7 +5735,7 @@
 </p:sld>
 </file>
 
-<file path=ppt/slides/slide4.xml><?xml version="1.0" encoding="utf-8"?>
+<file path=ppt/slides/slide21.xml><?xml version="1.0" encoding="utf-8"?>
 <p:sld xmlns:a="http://schemas.openxmlformats.org/drawingml/2006/main" xmlns:r="http://schemas.openxmlformats.org/officeDocument/2006/relationships" xmlns:p="http://schemas.openxmlformats.org/presentationml/2006/main">
   <p:cSld>
     <p:spTree>
@@ -4743,205 +5803,59 @@
           <a:p>
             <a:pPr algn="ctr"/>
             <a:r>
-              <a:rPr lang="en-US" altLang="ko-KR" sz="4400" dirty="0">
+              <a:rPr lang="en-US" altLang="ko-KR" sz="3600" dirty="0">
                 <a:latin typeface="태나다체 " panose="02000000000000000000" pitchFamily="2" charset="-127"/>
                 <a:ea typeface="태나다체 " panose="02000000000000000000" pitchFamily="2" charset="-127"/>
               </a:rPr>
-              <a:t>Thread</a:t>
-            </a:r>
-            <a:endParaRPr lang="ko-KR" altLang="en-US" sz="4400" dirty="0">
+              <a:t>ThreadTest3</a:t>
+            </a:r>
+            <a:endParaRPr lang="ko-KR" altLang="en-US" sz="3600" dirty="0">
               <a:latin typeface="태나다체 " panose="02000000000000000000" pitchFamily="2" charset="-127"/>
               <a:ea typeface="태나다체 " panose="02000000000000000000" pitchFamily="2" charset="-127"/>
             </a:endParaRPr>
           </a:p>
         </p:txBody>
       </p:sp>
-      <p:sp>
-        <p:nvSpPr>
-          <p:cNvPr id="6" name="사각형: 둥근 모서리 5">
-            <a:extLst>
-              <a:ext uri="{FF2B5EF4-FFF2-40B4-BE49-F238E27FC236}">
-                <a16:creationId xmlns:a16="http://schemas.microsoft.com/office/drawing/2014/main" id="{728CFB98-403A-4C6F-8C44-0AFE81D3DDDA}"/>
-              </a:ext>
-            </a:extLst>
-          </p:cNvPr>
-          <p:cNvSpPr/>
+      <p:pic>
+        <p:nvPicPr>
+          <p:cNvPr id="5" name="그림 4">
+            <a:extLst>
+              <a:ext uri="{FF2B5EF4-FFF2-40B4-BE49-F238E27FC236}">
+                <a16:creationId xmlns:a16="http://schemas.microsoft.com/office/drawing/2014/main" id="{AD7DFFCF-994E-4197-9275-79C006D9DC45}"/>
+              </a:ext>
+            </a:extLst>
+          </p:cNvPr>
+          <p:cNvPicPr>
+            <a:picLocks noChangeAspect="1"/>
+          </p:cNvPicPr>
           <p:nvPr/>
-        </p:nvSpPr>
-        <p:spPr>
-          <a:xfrm>
-            <a:off x="7108723" y="2674374"/>
-            <a:ext cx="3706761" cy="3533501"/>
-          </a:xfrm>
-          <a:prstGeom prst="roundRect">
+        </p:nvPicPr>
+        <p:blipFill>
+          <a:blip r:embed="rId2">
+            <a:extLst>
+              <a:ext uri="{28A0092B-C50C-407E-A947-70E740481C1C}">
+                <a14:useLocalDpi xmlns:a14="http://schemas.microsoft.com/office/drawing/2010/main" val="0"/>
+              </a:ext>
+            </a:extLst>
+          </a:blip>
+          <a:stretch>
+            <a:fillRect/>
+          </a:stretch>
+        </p:blipFill>
+        <p:spPr>
+          <a:xfrm>
+            <a:off x="5487704" y="288499"/>
+            <a:ext cx="4740379" cy="6281002"/>
+          </a:xfrm>
+          <a:prstGeom prst="rect">
             <a:avLst/>
           </a:prstGeom>
-          <a:solidFill>
-            <a:schemeClr val="bg1"/>
-          </a:solidFill>
-          <a:ln w="28575">
-            <a:solidFill>
-              <a:schemeClr val="tx1"/>
-            </a:solidFill>
-          </a:ln>
-        </p:spPr>
-        <p:style>
-          <a:lnRef idx="2">
-            <a:schemeClr val="accent1">
-              <a:shade val="50000"/>
-            </a:schemeClr>
-          </a:lnRef>
-          <a:fillRef idx="1">
-            <a:schemeClr val="accent1"/>
-          </a:fillRef>
-          <a:effectRef idx="0">
-            <a:schemeClr val="accent1"/>
-          </a:effectRef>
-          <a:fontRef idx="minor">
-            <a:schemeClr val="lt1"/>
-          </a:fontRef>
-        </p:style>
-        <p:txBody>
-          <a:bodyPr rtlCol="0" anchor="ctr"/>
-          <a:lstStyle/>
-          <a:p>
-            <a:pPr algn="ctr"/>
-            <a:r>
-              <a:rPr lang="ko-KR" altLang="en-US" sz="3600" dirty="0">
-                <a:solidFill>
-                  <a:schemeClr val="tx1"/>
-                </a:solidFill>
-                <a:latin typeface="배달의민족 주아" panose="02020603020101020101" pitchFamily="18" charset="-127"/>
-                <a:ea typeface="배달의민족 주아" panose="02020603020101020101" pitchFamily="18" charset="-127"/>
-              </a:rPr>
-              <a:t>프로세스</a:t>
-            </a:r>
-          </a:p>
-        </p:txBody>
-      </p:sp>
-      <p:cxnSp>
-        <p:nvCxnSpPr>
-          <p:cNvPr id="8" name="연결선: 구부러짐 7">
-            <a:extLst>
-              <a:ext uri="{FF2B5EF4-FFF2-40B4-BE49-F238E27FC236}">
-                <a16:creationId xmlns:a16="http://schemas.microsoft.com/office/drawing/2014/main" id="{D79C2DD0-D722-4A3D-82AD-9AF756341564}"/>
-              </a:ext>
-            </a:extLst>
-          </p:cNvPr>
-          <p:cNvCxnSpPr>
-            <a:cxnSpLocks/>
-            <a:stCxn id="11" idx="3"/>
-            <a:endCxn id="6" idx="0"/>
-          </p:cNvCxnSpPr>
-          <p:nvPr/>
-        </p:nvCxnSpPr>
-        <p:spPr>
-          <a:xfrm flipV="1">
-            <a:off x="5104563" y="2674374"/>
-            <a:ext cx="3857541" cy="1129515"/>
-          </a:xfrm>
-          <a:prstGeom prst="curvedConnector4">
-            <a:avLst>
-              <a:gd name="adj1" fmla="val 21644"/>
-              <a:gd name="adj2" fmla="val 236884"/>
-            </a:avLst>
-          </a:prstGeom>
-          <a:ln w="76200">
-            <a:solidFill>
-              <a:schemeClr val="tx1"/>
-            </a:solidFill>
-            <a:tailEnd type="triangle"/>
-          </a:ln>
-        </p:spPr>
-        <p:style>
-          <a:lnRef idx="1">
-            <a:schemeClr val="accent1"/>
-          </a:lnRef>
-          <a:fillRef idx="0">
-            <a:schemeClr val="accent1"/>
-          </a:fillRef>
-          <a:effectRef idx="0">
-            <a:schemeClr val="accent1"/>
-          </a:effectRef>
-          <a:fontRef idx="minor">
-            <a:schemeClr val="tx1"/>
-          </a:fontRef>
-        </p:style>
-      </p:cxnSp>
-      <p:sp>
-        <p:nvSpPr>
-          <p:cNvPr id="11" name="사각형: 둥근 모서리 10">
-            <a:extLst>
-              <a:ext uri="{FF2B5EF4-FFF2-40B4-BE49-F238E27FC236}">
-                <a16:creationId xmlns:a16="http://schemas.microsoft.com/office/drawing/2014/main" id="{935A1622-4A9D-4449-917E-949E2BDECF16}"/>
-              </a:ext>
-            </a:extLst>
-          </p:cNvPr>
-          <p:cNvSpPr/>
-          <p:nvPr/>
-        </p:nvSpPr>
-        <p:spPr>
-          <a:xfrm>
-            <a:off x="1247023" y="3325147"/>
-            <a:ext cx="3857540" cy="957483"/>
-          </a:xfrm>
-          <a:prstGeom prst="roundRect">
-            <a:avLst/>
-          </a:prstGeom>
-          <a:solidFill>
-            <a:schemeClr val="bg1"/>
-          </a:solidFill>
-          <a:ln w="38100">
-            <a:solidFill>
-              <a:schemeClr val="tx1"/>
-            </a:solidFill>
-          </a:ln>
-        </p:spPr>
-        <p:style>
-          <a:lnRef idx="2">
-            <a:schemeClr val="accent1">
-              <a:shade val="50000"/>
-            </a:schemeClr>
-          </a:lnRef>
-          <a:fillRef idx="1">
-            <a:schemeClr val="accent1"/>
-          </a:fillRef>
-          <a:effectRef idx="0">
-            <a:schemeClr val="accent1"/>
-          </a:effectRef>
-          <a:fontRef idx="minor">
-            <a:schemeClr val="lt1"/>
-          </a:fontRef>
-        </p:style>
-        <p:txBody>
-          <a:bodyPr rtlCol="0" anchor="ctr"/>
-          <a:lstStyle/>
-          <a:p>
-            <a:pPr algn="ctr"/>
-            <a:r>
-              <a:rPr lang="en-US" altLang="ko-KR" sz="4000" dirty="0">
-                <a:solidFill>
-                  <a:schemeClr val="tx1"/>
-                </a:solidFill>
-                <a:latin typeface="배달의민족 주아" panose="02020603020101020101" pitchFamily="18" charset="-127"/>
-                <a:ea typeface="배달의민족 주아" panose="02020603020101020101" pitchFamily="18" charset="-127"/>
-              </a:rPr>
-              <a:t>New Thread()</a:t>
-            </a:r>
-            <a:endParaRPr lang="ko-KR" altLang="en-US" sz="4000" dirty="0">
-              <a:solidFill>
-                <a:schemeClr val="tx1"/>
-              </a:solidFill>
-              <a:latin typeface="배달의민족 주아" panose="02020603020101020101" pitchFamily="18" charset="-127"/>
-              <a:ea typeface="배달의민족 주아" panose="02020603020101020101" pitchFamily="18" charset="-127"/>
-            </a:endParaRPr>
-          </a:p>
-        </p:txBody>
-      </p:sp>
+        </p:spPr>
+      </p:pic>
     </p:spTree>
     <p:extLst>
       <p:ext uri="{BB962C8B-B14F-4D97-AF65-F5344CB8AC3E}">
-        <p14:creationId xmlns:p14="http://schemas.microsoft.com/office/powerpoint/2010/main" val="1205757688"/>
+        <p14:creationId xmlns:p14="http://schemas.microsoft.com/office/powerpoint/2010/main" val="2169039012"/>
       </p:ext>
     </p:extLst>
   </p:cSld>
@@ -4951,7 +5865,7 @@
 </p:sld>
 </file>
 
-<file path=ppt/slides/slide5.xml><?xml version="1.0" encoding="utf-8"?>
+<file path=ppt/slides/slide22.xml><?xml version="1.0" encoding="utf-8"?>
 <p:sld xmlns:a="http://schemas.openxmlformats.org/drawingml/2006/main" xmlns:r="http://schemas.openxmlformats.org/officeDocument/2006/relationships" xmlns:p="http://schemas.openxmlformats.org/presentationml/2006/main">
   <p:cSld>
     <p:spTree>
@@ -5019,830 +5933,59 @@
           <a:p>
             <a:pPr algn="ctr"/>
             <a:r>
-              <a:rPr lang="en-US" altLang="ko-KR" sz="4000" dirty="0" err="1">
+              <a:rPr lang="en-US" altLang="ko-KR" sz="3600" dirty="0">
                 <a:latin typeface="태나다체 " panose="02000000000000000000" pitchFamily="2" charset="-127"/>
                 <a:ea typeface="태나다체 " panose="02000000000000000000" pitchFamily="2" charset="-127"/>
               </a:rPr>
-              <a:t>ThreadPool</a:t>
-            </a:r>
-            <a:endParaRPr lang="ko-KR" altLang="en-US" sz="4000" dirty="0">
+              <a:t>ThreadTest3</a:t>
+            </a:r>
+            <a:endParaRPr lang="ko-KR" altLang="en-US" sz="3600" dirty="0">
               <a:latin typeface="태나다체 " panose="02000000000000000000" pitchFamily="2" charset="-127"/>
               <a:ea typeface="태나다체 " panose="02000000000000000000" pitchFamily="2" charset="-127"/>
             </a:endParaRPr>
           </a:p>
         </p:txBody>
       </p:sp>
-      <p:sp>
-        <p:nvSpPr>
-          <p:cNvPr id="6" name="사각형: 둥근 모서리 5">
-            <a:extLst>
-              <a:ext uri="{FF2B5EF4-FFF2-40B4-BE49-F238E27FC236}">
-                <a16:creationId xmlns:a16="http://schemas.microsoft.com/office/drawing/2014/main" id="{728CFB98-403A-4C6F-8C44-0AFE81D3DDDA}"/>
-              </a:ext>
-            </a:extLst>
-          </p:cNvPr>
-          <p:cNvSpPr/>
+      <p:pic>
+        <p:nvPicPr>
+          <p:cNvPr id="4" name="그림 3">
+            <a:extLst>
+              <a:ext uri="{FF2B5EF4-FFF2-40B4-BE49-F238E27FC236}">
+                <a16:creationId xmlns:a16="http://schemas.microsoft.com/office/drawing/2014/main" id="{684FE61D-2A39-4278-BC1E-746994446CE4}"/>
+              </a:ext>
+            </a:extLst>
+          </p:cNvPr>
+          <p:cNvPicPr>
+            <a:picLocks noChangeAspect="1"/>
+          </p:cNvPicPr>
           <p:nvPr/>
-        </p:nvSpPr>
-        <p:spPr>
-          <a:xfrm>
-            <a:off x="8170607" y="494745"/>
-            <a:ext cx="3706761" cy="5868510"/>
-          </a:xfrm>
-          <a:prstGeom prst="roundRect">
-            <a:avLst/>
-          </a:prstGeom>
-          <a:solidFill>
-            <a:schemeClr val="bg1"/>
-          </a:solidFill>
-          <a:ln w="28575">
-            <a:solidFill>
-              <a:schemeClr val="tx1"/>
-            </a:solidFill>
-          </a:ln>
-        </p:spPr>
-        <p:style>
-          <a:lnRef idx="2">
-            <a:schemeClr val="accent1">
-              <a:shade val="50000"/>
-            </a:schemeClr>
-          </a:lnRef>
-          <a:fillRef idx="1">
-            <a:schemeClr val="accent1"/>
-          </a:fillRef>
-          <a:effectRef idx="0">
-            <a:schemeClr val="accent1"/>
-          </a:effectRef>
-          <a:fontRef idx="minor">
-            <a:schemeClr val="lt1"/>
-          </a:fontRef>
-        </p:style>
-        <p:txBody>
-          <a:bodyPr rtlCol="0" anchor="ctr"/>
-          <a:lstStyle/>
-          <a:p>
-            <a:pPr algn="ctr"/>
-            <a:r>
-              <a:rPr lang="ko-KR" altLang="en-US" sz="3600" dirty="0">
-                <a:solidFill>
-                  <a:schemeClr val="tx1"/>
-                </a:solidFill>
-                <a:latin typeface="배달의민족 주아" panose="02020603020101020101" pitchFamily="18" charset="-127"/>
-                <a:ea typeface="배달의민족 주아" panose="02020603020101020101" pitchFamily="18" charset="-127"/>
-              </a:rPr>
-              <a:t>프로세스</a:t>
-            </a:r>
-          </a:p>
-        </p:txBody>
-      </p:sp>
-      <p:sp>
-        <p:nvSpPr>
-          <p:cNvPr id="11" name="사각형: 둥근 모서리 10">
-            <a:extLst>
-              <a:ext uri="{FF2B5EF4-FFF2-40B4-BE49-F238E27FC236}">
-                <a16:creationId xmlns:a16="http://schemas.microsoft.com/office/drawing/2014/main" id="{935A1622-4A9D-4449-917E-949E2BDECF16}"/>
-              </a:ext>
-            </a:extLst>
-          </p:cNvPr>
-          <p:cNvSpPr/>
-          <p:nvPr/>
-        </p:nvSpPr>
-        <p:spPr>
-          <a:xfrm>
-            <a:off x="5196348" y="1236902"/>
-            <a:ext cx="2043488" cy="957483"/>
-          </a:xfrm>
-          <a:prstGeom prst="roundRect">
-            <a:avLst/>
-          </a:prstGeom>
-          <a:solidFill>
-            <a:schemeClr val="bg1"/>
-          </a:solidFill>
-          <a:ln w="38100">
-            <a:solidFill>
-              <a:schemeClr val="tx1"/>
-            </a:solidFill>
-          </a:ln>
-        </p:spPr>
-        <p:style>
-          <a:lnRef idx="2">
-            <a:schemeClr val="accent1">
-              <a:shade val="50000"/>
-            </a:schemeClr>
-          </a:lnRef>
-          <a:fillRef idx="1">
-            <a:schemeClr val="accent1"/>
-          </a:fillRef>
-          <a:effectRef idx="0">
-            <a:schemeClr val="accent1"/>
-          </a:effectRef>
-          <a:fontRef idx="minor">
-            <a:schemeClr val="lt1"/>
-          </a:fontRef>
-        </p:style>
-        <p:txBody>
-          <a:bodyPr rtlCol="0" anchor="ctr"/>
-          <a:lstStyle/>
-          <a:p>
-            <a:pPr algn="ctr"/>
-            <a:r>
-              <a:rPr lang="en-US" altLang="ko-KR" sz="4000" dirty="0">
-                <a:solidFill>
-                  <a:schemeClr val="tx1"/>
-                </a:solidFill>
-                <a:latin typeface="배달의민족 주아" panose="02020603020101020101" pitchFamily="18" charset="-127"/>
-                <a:ea typeface="배달의민족 주아" panose="02020603020101020101" pitchFamily="18" charset="-127"/>
-              </a:rPr>
-              <a:t>Thread</a:t>
-            </a:r>
-            <a:endParaRPr lang="ko-KR" altLang="en-US" sz="4000" dirty="0">
-              <a:solidFill>
-                <a:schemeClr val="tx1"/>
-              </a:solidFill>
-              <a:latin typeface="배달의민족 주아" panose="02020603020101020101" pitchFamily="18" charset="-127"/>
-              <a:ea typeface="배달의민족 주아" panose="02020603020101020101" pitchFamily="18" charset="-127"/>
-            </a:endParaRPr>
-          </a:p>
-        </p:txBody>
-      </p:sp>
-      <p:sp>
-        <p:nvSpPr>
-          <p:cNvPr id="9" name="사각형: 둥근 모서리 8">
-            <a:extLst>
-              <a:ext uri="{FF2B5EF4-FFF2-40B4-BE49-F238E27FC236}">
-                <a16:creationId xmlns:a16="http://schemas.microsoft.com/office/drawing/2014/main" id="{091454E4-067C-40C6-A443-347DDFB0EC48}"/>
-              </a:ext>
-            </a:extLst>
-          </p:cNvPr>
-          <p:cNvSpPr/>
-          <p:nvPr/>
-        </p:nvSpPr>
-        <p:spPr>
-          <a:xfrm>
-            <a:off x="5196348" y="2431522"/>
-            <a:ext cx="2043488" cy="957483"/>
-          </a:xfrm>
-          <a:prstGeom prst="roundRect">
-            <a:avLst/>
-          </a:prstGeom>
-          <a:solidFill>
-            <a:schemeClr val="bg1"/>
-          </a:solidFill>
-          <a:ln w="38100">
-            <a:solidFill>
-              <a:schemeClr val="tx1"/>
-            </a:solidFill>
-          </a:ln>
-        </p:spPr>
-        <p:style>
-          <a:lnRef idx="2">
-            <a:schemeClr val="accent1">
-              <a:shade val="50000"/>
-            </a:schemeClr>
-          </a:lnRef>
-          <a:fillRef idx="1">
-            <a:schemeClr val="accent1"/>
-          </a:fillRef>
-          <a:effectRef idx="0">
-            <a:schemeClr val="accent1"/>
-          </a:effectRef>
-          <a:fontRef idx="minor">
-            <a:schemeClr val="lt1"/>
-          </a:fontRef>
-        </p:style>
-        <p:txBody>
-          <a:bodyPr rtlCol="0" anchor="ctr"/>
-          <a:lstStyle/>
-          <a:p>
-            <a:pPr algn="ctr"/>
-            <a:r>
-              <a:rPr lang="en-US" altLang="ko-KR" sz="4000" dirty="0">
-                <a:solidFill>
-                  <a:schemeClr val="tx1"/>
-                </a:solidFill>
-                <a:latin typeface="배달의민족 주아" panose="02020603020101020101" pitchFamily="18" charset="-127"/>
-                <a:ea typeface="배달의민족 주아" panose="02020603020101020101" pitchFamily="18" charset="-127"/>
-              </a:rPr>
-              <a:t>Thread</a:t>
-            </a:r>
-            <a:endParaRPr lang="ko-KR" altLang="en-US" sz="4000" dirty="0">
-              <a:solidFill>
-                <a:schemeClr val="tx1"/>
-              </a:solidFill>
-              <a:latin typeface="배달의민족 주아" panose="02020603020101020101" pitchFamily="18" charset="-127"/>
-              <a:ea typeface="배달의민족 주아" panose="02020603020101020101" pitchFamily="18" charset="-127"/>
-            </a:endParaRPr>
-          </a:p>
-        </p:txBody>
-      </p:sp>
-      <p:sp>
-        <p:nvSpPr>
-          <p:cNvPr id="10" name="사각형: 둥근 모서리 9">
-            <a:extLst>
-              <a:ext uri="{FF2B5EF4-FFF2-40B4-BE49-F238E27FC236}">
-                <a16:creationId xmlns:a16="http://schemas.microsoft.com/office/drawing/2014/main" id="{73C027E6-80D3-4312-BD27-6F6B13678D88}"/>
-              </a:ext>
-            </a:extLst>
-          </p:cNvPr>
-          <p:cNvSpPr/>
-          <p:nvPr/>
-        </p:nvSpPr>
-        <p:spPr>
-          <a:xfrm>
-            <a:off x="5196348" y="3626142"/>
-            <a:ext cx="2043488" cy="957483"/>
-          </a:xfrm>
-          <a:prstGeom prst="roundRect">
-            <a:avLst/>
-          </a:prstGeom>
-          <a:solidFill>
-            <a:schemeClr val="bg1"/>
-          </a:solidFill>
-          <a:ln w="38100">
-            <a:solidFill>
-              <a:schemeClr val="tx1"/>
-            </a:solidFill>
-          </a:ln>
-        </p:spPr>
-        <p:style>
-          <a:lnRef idx="2">
-            <a:schemeClr val="accent1">
-              <a:shade val="50000"/>
-            </a:schemeClr>
-          </a:lnRef>
-          <a:fillRef idx="1">
-            <a:schemeClr val="accent1"/>
-          </a:fillRef>
-          <a:effectRef idx="0">
-            <a:schemeClr val="accent1"/>
-          </a:effectRef>
-          <a:fontRef idx="minor">
-            <a:schemeClr val="lt1"/>
-          </a:fontRef>
-        </p:style>
-        <p:txBody>
-          <a:bodyPr rtlCol="0" anchor="ctr"/>
-          <a:lstStyle/>
-          <a:p>
-            <a:pPr algn="ctr"/>
-            <a:r>
-              <a:rPr lang="en-US" altLang="ko-KR" sz="4000" dirty="0">
-                <a:solidFill>
-                  <a:schemeClr val="tx1"/>
-                </a:solidFill>
-                <a:latin typeface="배달의민족 주아" panose="02020603020101020101" pitchFamily="18" charset="-127"/>
-                <a:ea typeface="배달의민족 주아" panose="02020603020101020101" pitchFamily="18" charset="-127"/>
-              </a:rPr>
-              <a:t>Thread</a:t>
-            </a:r>
-            <a:endParaRPr lang="ko-KR" altLang="en-US" sz="4000" dirty="0">
-              <a:solidFill>
-                <a:schemeClr val="tx1"/>
-              </a:solidFill>
-              <a:latin typeface="배달의민족 주아" panose="02020603020101020101" pitchFamily="18" charset="-127"/>
-              <a:ea typeface="배달의민족 주아" panose="02020603020101020101" pitchFamily="18" charset="-127"/>
-            </a:endParaRPr>
-          </a:p>
-        </p:txBody>
-      </p:sp>
-      <p:sp>
-        <p:nvSpPr>
-          <p:cNvPr id="12" name="사각형: 둥근 모서리 11">
-            <a:extLst>
-              <a:ext uri="{FF2B5EF4-FFF2-40B4-BE49-F238E27FC236}">
-                <a16:creationId xmlns:a16="http://schemas.microsoft.com/office/drawing/2014/main" id="{DBAADA6E-7B6E-47BA-A706-134591E06458}"/>
-              </a:ext>
-            </a:extLst>
-          </p:cNvPr>
-          <p:cNvSpPr/>
-          <p:nvPr/>
-        </p:nvSpPr>
-        <p:spPr>
-          <a:xfrm>
-            <a:off x="5196348" y="4820762"/>
-            <a:ext cx="2043488" cy="957483"/>
-          </a:xfrm>
-          <a:prstGeom prst="roundRect">
-            <a:avLst/>
-          </a:prstGeom>
-          <a:solidFill>
-            <a:schemeClr val="bg1"/>
-          </a:solidFill>
-          <a:ln w="38100">
-            <a:solidFill>
-              <a:schemeClr val="tx1"/>
-            </a:solidFill>
-          </a:ln>
-        </p:spPr>
-        <p:style>
-          <a:lnRef idx="2">
-            <a:schemeClr val="accent1">
-              <a:shade val="50000"/>
-            </a:schemeClr>
-          </a:lnRef>
-          <a:fillRef idx="1">
-            <a:schemeClr val="accent1"/>
-          </a:fillRef>
-          <a:effectRef idx="0">
-            <a:schemeClr val="accent1"/>
-          </a:effectRef>
-          <a:fontRef idx="minor">
-            <a:schemeClr val="lt1"/>
-          </a:fontRef>
-        </p:style>
-        <p:txBody>
-          <a:bodyPr rtlCol="0" anchor="ctr"/>
-          <a:lstStyle/>
-          <a:p>
-            <a:pPr algn="ctr"/>
-            <a:r>
-              <a:rPr lang="en-US" altLang="ko-KR" sz="4000" dirty="0">
-                <a:solidFill>
-                  <a:schemeClr val="tx1"/>
-                </a:solidFill>
-                <a:latin typeface="배달의민족 주아" panose="02020603020101020101" pitchFamily="18" charset="-127"/>
-                <a:ea typeface="배달의민족 주아" panose="02020603020101020101" pitchFamily="18" charset="-127"/>
-              </a:rPr>
-              <a:t>Thread</a:t>
-            </a:r>
-            <a:endParaRPr lang="ko-KR" altLang="en-US" sz="4000" dirty="0">
-              <a:solidFill>
-                <a:schemeClr val="tx1"/>
-              </a:solidFill>
-              <a:latin typeface="배달의민족 주아" panose="02020603020101020101" pitchFamily="18" charset="-127"/>
-              <a:ea typeface="배달의민족 주아" panose="02020603020101020101" pitchFamily="18" charset="-127"/>
-            </a:endParaRPr>
-          </a:p>
-        </p:txBody>
-      </p:sp>
-      <p:cxnSp>
-        <p:nvCxnSpPr>
-          <p:cNvPr id="7" name="연결선: 구부러짐 6">
-            <a:extLst>
-              <a:ext uri="{FF2B5EF4-FFF2-40B4-BE49-F238E27FC236}">
-                <a16:creationId xmlns:a16="http://schemas.microsoft.com/office/drawing/2014/main" id="{B2B0B626-9E75-47C1-8129-35BB0EFCE8D8}"/>
-              </a:ext>
-            </a:extLst>
-          </p:cNvPr>
-          <p:cNvCxnSpPr>
-            <a:stCxn id="6" idx="1"/>
-            <a:endCxn id="11" idx="3"/>
-          </p:cNvCxnSpPr>
-          <p:nvPr/>
-        </p:nvCxnSpPr>
-        <p:spPr>
-          <a:xfrm rot="10800000">
-            <a:off x="7239837" y="1715644"/>
-            <a:ext cx="930771" cy="1713356"/>
-          </a:xfrm>
-          <a:prstGeom prst="curvedConnector3">
-            <a:avLst/>
-          </a:prstGeom>
-          <a:ln w="28575">
-            <a:solidFill>
-              <a:schemeClr val="tx1"/>
-            </a:solidFill>
-            <a:tailEnd type="triangle"/>
-          </a:ln>
-        </p:spPr>
-        <p:style>
-          <a:lnRef idx="1">
-            <a:schemeClr val="accent1"/>
-          </a:lnRef>
-          <a:fillRef idx="0">
-            <a:schemeClr val="accent1"/>
-          </a:fillRef>
-          <a:effectRef idx="0">
-            <a:schemeClr val="accent1"/>
-          </a:effectRef>
-          <a:fontRef idx="minor">
-            <a:schemeClr val="tx1"/>
-          </a:fontRef>
-        </p:style>
-      </p:cxnSp>
-      <p:cxnSp>
-        <p:nvCxnSpPr>
-          <p:cNvPr id="14" name="연결선: 구부러짐 13">
-            <a:extLst>
-              <a:ext uri="{FF2B5EF4-FFF2-40B4-BE49-F238E27FC236}">
-                <a16:creationId xmlns:a16="http://schemas.microsoft.com/office/drawing/2014/main" id="{1184B456-78EB-4E86-AEF7-E3AC771C2031}"/>
-              </a:ext>
-            </a:extLst>
-          </p:cNvPr>
-          <p:cNvCxnSpPr>
-            <a:stCxn id="6" idx="1"/>
-            <a:endCxn id="9" idx="3"/>
-          </p:cNvCxnSpPr>
-          <p:nvPr/>
-        </p:nvCxnSpPr>
-        <p:spPr>
-          <a:xfrm rot="10800000">
-            <a:off x="7239837" y="2910264"/>
-            <a:ext cx="930771" cy="518736"/>
-          </a:xfrm>
-          <a:prstGeom prst="curvedConnector3">
-            <a:avLst/>
-          </a:prstGeom>
-          <a:ln w="28575">
-            <a:solidFill>
-              <a:schemeClr val="tx1"/>
-            </a:solidFill>
-            <a:tailEnd type="triangle"/>
-          </a:ln>
-        </p:spPr>
-        <p:style>
-          <a:lnRef idx="1">
-            <a:schemeClr val="accent1"/>
-          </a:lnRef>
-          <a:fillRef idx="0">
-            <a:schemeClr val="accent1"/>
-          </a:fillRef>
-          <a:effectRef idx="0">
-            <a:schemeClr val="accent1"/>
-          </a:effectRef>
-          <a:fontRef idx="minor">
-            <a:schemeClr val="tx1"/>
-          </a:fontRef>
-        </p:style>
-      </p:cxnSp>
-      <p:cxnSp>
-        <p:nvCxnSpPr>
-          <p:cNvPr id="16" name="연결선: 구부러짐 15">
-            <a:extLst>
-              <a:ext uri="{FF2B5EF4-FFF2-40B4-BE49-F238E27FC236}">
-                <a16:creationId xmlns:a16="http://schemas.microsoft.com/office/drawing/2014/main" id="{0181F217-71FE-4EB1-ADD1-7C0EB0008DE1}"/>
-              </a:ext>
-            </a:extLst>
-          </p:cNvPr>
-          <p:cNvCxnSpPr>
-            <a:stCxn id="6" idx="1"/>
-            <a:endCxn id="10" idx="3"/>
-          </p:cNvCxnSpPr>
-          <p:nvPr/>
-        </p:nvCxnSpPr>
-        <p:spPr>
-          <a:xfrm rot="10800000" flipV="1">
-            <a:off x="7239837" y="3429000"/>
-            <a:ext cx="930771" cy="675884"/>
-          </a:xfrm>
-          <a:prstGeom prst="curvedConnector3">
-            <a:avLst/>
-          </a:prstGeom>
-          <a:ln w="28575">
-            <a:solidFill>
-              <a:schemeClr val="tx1"/>
-            </a:solidFill>
-            <a:tailEnd type="triangle"/>
-          </a:ln>
-        </p:spPr>
-        <p:style>
-          <a:lnRef idx="1">
-            <a:schemeClr val="accent1"/>
-          </a:lnRef>
-          <a:fillRef idx="0">
-            <a:schemeClr val="accent1"/>
-          </a:fillRef>
-          <a:effectRef idx="0">
-            <a:schemeClr val="accent1"/>
-          </a:effectRef>
-          <a:fontRef idx="minor">
-            <a:schemeClr val="tx1"/>
-          </a:fontRef>
-        </p:style>
-      </p:cxnSp>
-      <p:cxnSp>
-        <p:nvCxnSpPr>
-          <p:cNvPr id="18" name="연결선: 구부러짐 17">
-            <a:extLst>
-              <a:ext uri="{FF2B5EF4-FFF2-40B4-BE49-F238E27FC236}">
-                <a16:creationId xmlns:a16="http://schemas.microsoft.com/office/drawing/2014/main" id="{A8F0D841-2A41-4AFC-8A7C-89D615A67302}"/>
-              </a:ext>
-            </a:extLst>
-          </p:cNvPr>
-          <p:cNvCxnSpPr>
-            <a:stCxn id="6" idx="1"/>
-            <a:endCxn id="12" idx="3"/>
-          </p:cNvCxnSpPr>
-          <p:nvPr/>
-        </p:nvCxnSpPr>
-        <p:spPr>
-          <a:xfrm rot="10800000" flipV="1">
-            <a:off x="7239837" y="3429000"/>
-            <a:ext cx="930771" cy="1870504"/>
-          </a:xfrm>
-          <a:prstGeom prst="curvedConnector3">
-            <a:avLst/>
-          </a:prstGeom>
-          <a:ln w="28575">
-            <a:solidFill>
-              <a:schemeClr val="tx1"/>
-            </a:solidFill>
-            <a:tailEnd type="triangle"/>
-          </a:ln>
-        </p:spPr>
-        <p:style>
-          <a:lnRef idx="1">
-            <a:schemeClr val="accent1"/>
-          </a:lnRef>
-          <a:fillRef idx="0">
-            <a:schemeClr val="accent1"/>
-          </a:fillRef>
-          <a:effectRef idx="0">
-            <a:schemeClr val="accent1"/>
-          </a:effectRef>
-          <a:fontRef idx="minor">
-            <a:schemeClr val="tx1"/>
-          </a:fontRef>
-        </p:style>
-      </p:cxnSp>
-      <p:sp>
-        <p:nvSpPr>
-          <p:cNvPr id="20" name="사각형: 둥근 모서리 19">
-            <a:extLst>
-              <a:ext uri="{FF2B5EF4-FFF2-40B4-BE49-F238E27FC236}">
-                <a16:creationId xmlns:a16="http://schemas.microsoft.com/office/drawing/2014/main" id="{EEC507B9-0FEF-4668-9543-50DE458F7686}"/>
-              </a:ext>
-            </a:extLst>
-          </p:cNvPr>
-          <p:cNvSpPr/>
-          <p:nvPr/>
-        </p:nvSpPr>
-        <p:spPr>
-          <a:xfrm>
-            <a:off x="1198674" y="4059528"/>
-            <a:ext cx="2043488" cy="957483"/>
-          </a:xfrm>
-          <a:prstGeom prst="roundRect">
-            <a:avLst/>
-          </a:prstGeom>
-          <a:solidFill>
-            <a:schemeClr val="bg1"/>
-          </a:solidFill>
-          <a:ln w="38100">
-            <a:solidFill>
-              <a:schemeClr val="tx1"/>
-            </a:solidFill>
-          </a:ln>
-        </p:spPr>
-        <p:style>
-          <a:lnRef idx="2">
-            <a:schemeClr val="accent1">
-              <a:shade val="50000"/>
-            </a:schemeClr>
-          </a:lnRef>
-          <a:fillRef idx="1">
-            <a:schemeClr val="accent1"/>
-          </a:fillRef>
-          <a:effectRef idx="0">
-            <a:schemeClr val="accent1"/>
-          </a:effectRef>
-          <a:fontRef idx="minor">
-            <a:schemeClr val="lt1"/>
-          </a:fontRef>
-        </p:style>
-        <p:txBody>
-          <a:bodyPr rtlCol="0" anchor="ctr"/>
-          <a:lstStyle/>
-          <a:p>
-            <a:pPr algn="ctr"/>
-            <a:r>
-              <a:rPr lang="ko-KR" altLang="en-US" sz="4000" dirty="0">
-                <a:solidFill>
-                  <a:schemeClr val="tx1"/>
-                </a:solidFill>
-                <a:latin typeface="배달의민족 주아" panose="02020603020101020101" pitchFamily="18" charset="-127"/>
-                <a:ea typeface="배달의민족 주아" panose="02020603020101020101" pitchFamily="18" charset="-127"/>
-              </a:rPr>
-              <a:t>작업</a:t>
-            </a:r>
-          </a:p>
-        </p:txBody>
-      </p:sp>
-      <p:cxnSp>
-        <p:nvCxnSpPr>
-          <p:cNvPr id="23" name="직선 화살표 연결선 22">
-            <a:extLst>
-              <a:ext uri="{FF2B5EF4-FFF2-40B4-BE49-F238E27FC236}">
-                <a16:creationId xmlns:a16="http://schemas.microsoft.com/office/drawing/2014/main" id="{9DEBB40B-6DBA-4638-912F-33E1DE1BAEFD}"/>
-              </a:ext>
-            </a:extLst>
-          </p:cNvPr>
-          <p:cNvCxnSpPr>
-            <a:cxnSpLocks/>
-          </p:cNvCxnSpPr>
-          <p:nvPr/>
-        </p:nvCxnSpPr>
-        <p:spPr>
-          <a:xfrm>
-            <a:off x="2218745" y="3301816"/>
-            <a:ext cx="0" cy="557942"/>
-          </a:xfrm>
-          <a:prstGeom prst="straightConnector1">
-            <a:avLst/>
-          </a:prstGeom>
-          <a:ln w="38100">
-            <a:solidFill>
-              <a:schemeClr val="tx1"/>
-            </a:solidFill>
-            <a:tailEnd type="triangle"/>
-          </a:ln>
-        </p:spPr>
-        <p:style>
-          <a:lnRef idx="1">
-            <a:schemeClr val="accent1"/>
-          </a:lnRef>
-          <a:fillRef idx="0">
-            <a:schemeClr val="accent1"/>
-          </a:fillRef>
-          <a:effectRef idx="0">
-            <a:schemeClr val="accent1"/>
-          </a:effectRef>
-          <a:fontRef idx="minor">
-            <a:schemeClr val="tx1"/>
-          </a:fontRef>
-        </p:style>
-      </p:cxnSp>
-      <p:sp>
-        <p:nvSpPr>
-          <p:cNvPr id="25" name="직사각형 24">
-            <a:extLst>
-              <a:ext uri="{FF2B5EF4-FFF2-40B4-BE49-F238E27FC236}">
-                <a16:creationId xmlns:a16="http://schemas.microsoft.com/office/drawing/2014/main" id="{E81C62EE-9B86-41BC-99AF-4528136B80F5}"/>
-              </a:ext>
-            </a:extLst>
-          </p:cNvPr>
-          <p:cNvSpPr/>
-          <p:nvPr/>
-        </p:nvSpPr>
-        <p:spPr>
-          <a:xfrm>
-            <a:off x="904924" y="2348340"/>
-            <a:ext cx="2627643" cy="923330"/>
+        </p:nvPicPr>
+        <p:blipFill>
+          <a:blip r:embed="rId2">
+            <a:extLst>
+              <a:ext uri="{28A0092B-C50C-407E-A947-70E740481C1C}">
+                <a14:useLocalDpi xmlns:a14="http://schemas.microsoft.com/office/drawing/2010/main" val="0"/>
+              </a:ext>
+            </a:extLst>
+          </a:blip>
+          <a:stretch>
+            <a:fillRect/>
+          </a:stretch>
+        </p:blipFill>
+        <p:spPr>
+          <a:xfrm>
+            <a:off x="3880831" y="1273541"/>
+            <a:ext cx="7751845" cy="4948386"/>
           </a:xfrm>
           <a:prstGeom prst="rect">
             <a:avLst/>
           </a:prstGeom>
         </p:spPr>
-        <p:txBody>
-          <a:bodyPr wrap="none">
-            <a:spAutoFit/>
-          </a:bodyPr>
-          <a:lstStyle/>
-          <a:p>
-            <a:pPr algn="ctr"/>
-            <a:r>
-              <a:rPr lang="ko-KR" altLang="en-US" sz="5400" dirty="0">
-                <a:latin typeface="배달의민족 주아" panose="02020603020101020101" pitchFamily="18" charset="-127"/>
-                <a:ea typeface="배달의민족 주아" panose="02020603020101020101" pitchFamily="18" charset="-127"/>
-              </a:rPr>
-              <a:t>이거 해줘</a:t>
-            </a:r>
-          </a:p>
-        </p:txBody>
-      </p:sp>
-      <p:sp>
-        <p:nvSpPr>
-          <p:cNvPr id="27" name="사각형: 둥근 모서리 26">
-            <a:extLst>
-              <a:ext uri="{FF2B5EF4-FFF2-40B4-BE49-F238E27FC236}">
-                <a16:creationId xmlns:a16="http://schemas.microsoft.com/office/drawing/2014/main" id="{A980228E-51AB-4BFC-B8CB-62FEDD875838}"/>
-              </a:ext>
-            </a:extLst>
-          </p:cNvPr>
-          <p:cNvSpPr/>
-          <p:nvPr/>
-        </p:nvSpPr>
-        <p:spPr>
-          <a:xfrm>
-            <a:off x="4946881" y="995278"/>
-            <a:ext cx="2542422" cy="5037922"/>
-          </a:xfrm>
-          <a:prstGeom prst="roundRect">
-            <a:avLst/>
-          </a:prstGeom>
-          <a:noFill/>
-          <a:ln w="57150">
-            <a:solidFill>
-              <a:schemeClr val="tx1"/>
-            </a:solidFill>
-          </a:ln>
-        </p:spPr>
-        <p:style>
-          <a:lnRef idx="2">
-            <a:schemeClr val="accent1">
-              <a:shade val="50000"/>
-            </a:schemeClr>
-          </a:lnRef>
-          <a:fillRef idx="1">
-            <a:schemeClr val="accent1"/>
-          </a:fillRef>
-          <a:effectRef idx="0">
-            <a:schemeClr val="accent1"/>
-          </a:effectRef>
-          <a:fontRef idx="minor">
-            <a:schemeClr val="lt1"/>
-          </a:fontRef>
-        </p:style>
-        <p:txBody>
-          <a:bodyPr rtlCol="0" anchor="ctr"/>
-          <a:lstStyle/>
-          <a:p>
-            <a:pPr algn="ctr"/>
-            <a:endParaRPr lang="ko-KR" altLang="en-US"/>
-          </a:p>
-        </p:txBody>
-      </p:sp>
-      <p:sp>
-        <p:nvSpPr>
-          <p:cNvPr id="28" name="TextBox 27">
-            <a:extLst>
-              <a:ext uri="{FF2B5EF4-FFF2-40B4-BE49-F238E27FC236}">
-                <a16:creationId xmlns:a16="http://schemas.microsoft.com/office/drawing/2014/main" id="{764A4942-6458-4891-9F62-AEE30E06E2C8}"/>
-              </a:ext>
-            </a:extLst>
-          </p:cNvPr>
-          <p:cNvSpPr txBox="1"/>
-          <p:nvPr/>
-        </p:nvSpPr>
-        <p:spPr>
-          <a:xfrm>
-            <a:off x="4968309" y="540100"/>
-            <a:ext cx="1804220" cy="461665"/>
-          </a:xfrm>
-          <a:prstGeom prst="rect">
-            <a:avLst/>
-          </a:prstGeom>
-          <a:noFill/>
-        </p:spPr>
-        <p:txBody>
-          <a:bodyPr wrap="square" rtlCol="0">
-            <a:spAutoFit/>
-          </a:bodyPr>
-          <a:lstStyle/>
-          <a:p>
-            <a:r>
-              <a:rPr lang="en-US" altLang="ko-KR" sz="2400" dirty="0">
-                <a:latin typeface="배달의민족 주아" panose="02020603020101020101" pitchFamily="18" charset="-127"/>
-                <a:ea typeface="배달의민족 주아" panose="02020603020101020101" pitchFamily="18" charset="-127"/>
-              </a:rPr>
-              <a:t>Thread Pool</a:t>
-            </a:r>
-            <a:endParaRPr lang="ko-KR" altLang="en-US" sz="2400" dirty="0">
-              <a:latin typeface="배달의민족 주아" panose="02020603020101020101" pitchFamily="18" charset="-127"/>
-              <a:ea typeface="배달의민족 주아" panose="02020603020101020101" pitchFamily="18" charset="-127"/>
-            </a:endParaRPr>
-          </a:p>
-        </p:txBody>
-      </p:sp>
-      <p:cxnSp>
-        <p:nvCxnSpPr>
-          <p:cNvPr id="30" name="연결선: 구부러짐 29">
-            <a:extLst>
-              <a:ext uri="{FF2B5EF4-FFF2-40B4-BE49-F238E27FC236}">
-                <a16:creationId xmlns:a16="http://schemas.microsoft.com/office/drawing/2014/main" id="{C2555464-4DC7-4506-ABCF-5643CA93CC43}"/>
-              </a:ext>
-            </a:extLst>
-          </p:cNvPr>
-          <p:cNvCxnSpPr>
-            <a:stCxn id="20" idx="3"/>
-            <a:endCxn id="27" idx="1"/>
-          </p:cNvCxnSpPr>
-          <p:nvPr/>
-        </p:nvCxnSpPr>
-        <p:spPr>
-          <a:xfrm flipV="1">
-            <a:off x="3242162" y="3514239"/>
-            <a:ext cx="1704719" cy="1024031"/>
-          </a:xfrm>
-          <a:prstGeom prst="curvedConnector3">
-            <a:avLst/>
-          </a:prstGeom>
-          <a:ln w="38100">
-            <a:solidFill>
-              <a:schemeClr val="tx1"/>
-            </a:solidFill>
-            <a:tailEnd type="triangle"/>
-          </a:ln>
-        </p:spPr>
-        <p:style>
-          <a:lnRef idx="1">
-            <a:schemeClr val="accent1"/>
-          </a:lnRef>
-          <a:fillRef idx="0">
-            <a:schemeClr val="accent1"/>
-          </a:fillRef>
-          <a:effectRef idx="0">
-            <a:schemeClr val="accent1"/>
-          </a:effectRef>
-          <a:fontRef idx="minor">
-            <a:schemeClr val="tx1"/>
-          </a:fontRef>
-        </p:style>
-      </p:cxnSp>
+      </p:pic>
     </p:spTree>
     <p:extLst>
       <p:ext uri="{BB962C8B-B14F-4D97-AF65-F5344CB8AC3E}">
-        <p14:creationId xmlns:p14="http://schemas.microsoft.com/office/powerpoint/2010/main" val="3351420772"/>
+        <p14:creationId xmlns:p14="http://schemas.microsoft.com/office/powerpoint/2010/main" val="2887833906"/>
       </p:ext>
     </p:extLst>
   </p:cSld>
@@ -5852,919 +5995,7 @@
 </p:sld>
 </file>
 
-<file path=ppt/slides/slide6.xml><?xml version="1.0" encoding="utf-8"?>
-<p:sld xmlns:a="http://schemas.openxmlformats.org/drawingml/2006/main" xmlns:r="http://schemas.openxmlformats.org/officeDocument/2006/relationships" xmlns:p="http://schemas.openxmlformats.org/presentationml/2006/main">
-  <p:cSld>
-    <p:spTree>
-      <p:nvGrpSpPr>
-        <p:cNvPr id="1" name=""/>
-        <p:cNvGrpSpPr/>
-        <p:nvPr/>
-      </p:nvGrpSpPr>
-      <p:grpSpPr>
-        <a:xfrm>
-          <a:off x="0" y="0"/>
-          <a:ext cx="0" cy="0"/>
-          <a:chOff x="0" y="0"/>
-          <a:chExt cx="0" cy="0"/>
-        </a:xfrm>
-      </p:grpSpPr>
-      <p:sp>
-        <p:nvSpPr>
-          <p:cNvPr id="3" name="직사각형 2">
-            <a:extLst>
-              <a:ext uri="{FF2B5EF4-FFF2-40B4-BE49-F238E27FC236}">
-                <a16:creationId xmlns:a16="http://schemas.microsoft.com/office/drawing/2014/main" id="{CE97CBAA-9474-4762-9A45-7F1C1229323D}"/>
-              </a:ext>
-            </a:extLst>
-          </p:cNvPr>
-          <p:cNvSpPr/>
-          <p:nvPr/>
-        </p:nvSpPr>
-        <p:spPr>
-          <a:xfrm>
-            <a:off x="0" y="339365"/>
-            <a:ext cx="3619893" cy="1221117"/>
-          </a:xfrm>
-          <a:prstGeom prst="rect">
-            <a:avLst/>
-          </a:prstGeom>
-          <a:solidFill>
-            <a:schemeClr val="tx1"/>
-          </a:solidFill>
-          <a:ln>
-            <a:solidFill>
-              <a:schemeClr val="tx1"/>
-            </a:solidFill>
-          </a:ln>
-        </p:spPr>
-        <p:style>
-          <a:lnRef idx="2">
-            <a:schemeClr val="accent1">
-              <a:shade val="50000"/>
-            </a:schemeClr>
-          </a:lnRef>
-          <a:fillRef idx="1">
-            <a:schemeClr val="accent1"/>
-          </a:fillRef>
-          <a:effectRef idx="0">
-            <a:schemeClr val="accent1"/>
-          </a:effectRef>
-          <a:fontRef idx="minor">
-            <a:schemeClr val="lt1"/>
-          </a:fontRef>
-        </p:style>
-        <p:txBody>
-          <a:bodyPr rtlCol="0" anchor="ctr"/>
-          <a:lstStyle/>
-          <a:p>
-            <a:pPr algn="ctr"/>
-            <a:r>
-              <a:rPr lang="en-US" altLang="ko-KR" sz="4400" dirty="0">
-                <a:latin typeface="태나다체 " panose="02000000000000000000" pitchFamily="2" charset="-127"/>
-                <a:ea typeface="태나다체 " panose="02000000000000000000" pitchFamily="2" charset="-127"/>
-              </a:rPr>
-              <a:t>Task</a:t>
-            </a:r>
-            <a:endParaRPr lang="ko-KR" altLang="en-US" sz="4400" dirty="0">
-              <a:latin typeface="태나다체 " panose="02000000000000000000" pitchFamily="2" charset="-127"/>
-              <a:ea typeface="태나다체 " panose="02000000000000000000" pitchFamily="2" charset="-127"/>
-            </a:endParaRPr>
-          </a:p>
-        </p:txBody>
-      </p:sp>
-      <p:sp>
-        <p:nvSpPr>
-          <p:cNvPr id="20" name="사각형: 둥근 모서리 19">
-            <a:extLst>
-              <a:ext uri="{FF2B5EF4-FFF2-40B4-BE49-F238E27FC236}">
-                <a16:creationId xmlns:a16="http://schemas.microsoft.com/office/drawing/2014/main" id="{EEC507B9-0FEF-4668-9543-50DE458F7686}"/>
-              </a:ext>
-            </a:extLst>
-          </p:cNvPr>
-          <p:cNvSpPr/>
-          <p:nvPr/>
-        </p:nvSpPr>
-        <p:spPr>
-          <a:xfrm>
-            <a:off x="1981099" y="4408319"/>
-            <a:ext cx="2043488" cy="957483"/>
-          </a:xfrm>
-          <a:prstGeom prst="roundRect">
-            <a:avLst/>
-          </a:prstGeom>
-          <a:solidFill>
-            <a:schemeClr val="bg1"/>
-          </a:solidFill>
-          <a:ln w="38100">
-            <a:solidFill>
-              <a:schemeClr val="tx1"/>
-            </a:solidFill>
-          </a:ln>
-        </p:spPr>
-        <p:style>
-          <a:lnRef idx="2">
-            <a:schemeClr val="accent1">
-              <a:shade val="50000"/>
-            </a:schemeClr>
-          </a:lnRef>
-          <a:fillRef idx="1">
-            <a:schemeClr val="accent1"/>
-          </a:fillRef>
-          <a:effectRef idx="0">
-            <a:schemeClr val="accent1"/>
-          </a:effectRef>
-          <a:fontRef idx="minor">
-            <a:schemeClr val="lt1"/>
-          </a:fontRef>
-        </p:style>
-        <p:txBody>
-          <a:bodyPr rtlCol="0" anchor="ctr"/>
-          <a:lstStyle/>
-          <a:p>
-            <a:pPr algn="ctr"/>
-            <a:r>
-              <a:rPr lang="ko-KR" altLang="en-US" sz="4000" dirty="0">
-                <a:solidFill>
-                  <a:schemeClr val="tx1"/>
-                </a:solidFill>
-                <a:latin typeface="배달의민족 주아" panose="02020603020101020101" pitchFamily="18" charset="-127"/>
-                <a:ea typeface="배달의민족 주아" panose="02020603020101020101" pitchFamily="18" charset="-127"/>
-              </a:rPr>
-              <a:t>작업</a:t>
-            </a:r>
-          </a:p>
-        </p:txBody>
-      </p:sp>
-      <p:cxnSp>
-        <p:nvCxnSpPr>
-          <p:cNvPr id="23" name="직선 화살표 연결선 22">
-            <a:extLst>
-              <a:ext uri="{FF2B5EF4-FFF2-40B4-BE49-F238E27FC236}">
-                <a16:creationId xmlns:a16="http://schemas.microsoft.com/office/drawing/2014/main" id="{9DEBB40B-6DBA-4638-912F-33E1DE1BAEFD}"/>
-              </a:ext>
-            </a:extLst>
-          </p:cNvPr>
-          <p:cNvCxnSpPr>
-            <a:cxnSpLocks/>
-          </p:cNvCxnSpPr>
-          <p:nvPr/>
-        </p:nvCxnSpPr>
-        <p:spPr>
-          <a:xfrm>
-            <a:off x="3001170" y="3650607"/>
-            <a:ext cx="0" cy="557942"/>
-          </a:xfrm>
-          <a:prstGeom prst="straightConnector1">
-            <a:avLst/>
-          </a:prstGeom>
-          <a:ln w="38100">
-            <a:solidFill>
-              <a:schemeClr val="tx1"/>
-            </a:solidFill>
-            <a:tailEnd type="triangle"/>
-          </a:ln>
-        </p:spPr>
-        <p:style>
-          <a:lnRef idx="1">
-            <a:schemeClr val="accent1"/>
-          </a:lnRef>
-          <a:fillRef idx="0">
-            <a:schemeClr val="accent1"/>
-          </a:fillRef>
-          <a:effectRef idx="0">
-            <a:schemeClr val="accent1"/>
-          </a:effectRef>
-          <a:fontRef idx="minor">
-            <a:schemeClr val="tx1"/>
-          </a:fontRef>
-        </p:style>
-      </p:cxnSp>
-      <p:sp>
-        <p:nvSpPr>
-          <p:cNvPr id="19" name="사각형: 둥근 모서리 18">
-            <a:extLst>
-              <a:ext uri="{FF2B5EF4-FFF2-40B4-BE49-F238E27FC236}">
-                <a16:creationId xmlns:a16="http://schemas.microsoft.com/office/drawing/2014/main" id="{57C58DC3-A789-49E9-955A-8AB52BEDBECD}"/>
-              </a:ext>
-            </a:extLst>
-          </p:cNvPr>
-          <p:cNvSpPr/>
-          <p:nvPr/>
-        </p:nvSpPr>
-        <p:spPr>
-          <a:xfrm>
-            <a:off x="8067759" y="4308881"/>
-            <a:ext cx="2791094" cy="1227065"/>
-          </a:xfrm>
-          <a:prstGeom prst="roundRect">
-            <a:avLst/>
-          </a:prstGeom>
-          <a:solidFill>
-            <a:schemeClr val="bg1"/>
-          </a:solidFill>
-          <a:ln w="28575">
-            <a:solidFill>
-              <a:schemeClr val="tx1"/>
-            </a:solidFill>
-          </a:ln>
-        </p:spPr>
-        <p:style>
-          <a:lnRef idx="2">
-            <a:schemeClr val="accent1">
-              <a:shade val="50000"/>
-            </a:schemeClr>
-          </a:lnRef>
-          <a:fillRef idx="1">
-            <a:schemeClr val="accent1"/>
-          </a:fillRef>
-          <a:effectRef idx="0">
-            <a:schemeClr val="accent1"/>
-          </a:effectRef>
-          <a:fontRef idx="minor">
-            <a:schemeClr val="lt1"/>
-          </a:fontRef>
-        </p:style>
-        <p:txBody>
-          <a:bodyPr rtlCol="0" anchor="ctr"/>
-          <a:lstStyle/>
-          <a:p>
-            <a:pPr algn="ctr"/>
-            <a:r>
-              <a:rPr lang="en-US" altLang="ko-KR" sz="3600" dirty="0">
-                <a:solidFill>
-                  <a:schemeClr val="tx1"/>
-                </a:solidFill>
-                <a:latin typeface="배달의민족 주아" panose="02020603020101020101" pitchFamily="18" charset="-127"/>
-                <a:ea typeface="배달의민족 주아" panose="02020603020101020101" pitchFamily="18" charset="-127"/>
-              </a:rPr>
-              <a:t> </a:t>
-            </a:r>
-            <a:r>
-              <a:rPr lang="ko-KR" altLang="en-US" sz="3600" dirty="0">
-                <a:solidFill>
-                  <a:schemeClr val="tx1"/>
-                </a:solidFill>
-                <a:latin typeface="배달의민족 주아" panose="02020603020101020101" pitchFamily="18" charset="-127"/>
-                <a:ea typeface="배달의민족 주아" panose="02020603020101020101" pitchFamily="18" charset="-127"/>
-              </a:rPr>
-              <a:t>스레드 풀</a:t>
-            </a:r>
-          </a:p>
-        </p:txBody>
-      </p:sp>
-      <p:sp>
-        <p:nvSpPr>
-          <p:cNvPr id="25" name="직사각형 24">
-            <a:extLst>
-              <a:ext uri="{FF2B5EF4-FFF2-40B4-BE49-F238E27FC236}">
-                <a16:creationId xmlns:a16="http://schemas.microsoft.com/office/drawing/2014/main" id="{E81C62EE-9B86-41BC-99AF-4528136B80F5}"/>
-              </a:ext>
-            </a:extLst>
-          </p:cNvPr>
-          <p:cNvSpPr/>
-          <p:nvPr/>
-        </p:nvSpPr>
-        <p:spPr>
-          <a:xfrm>
-            <a:off x="1687349" y="2697131"/>
-            <a:ext cx="2627643" cy="923330"/>
-          </a:xfrm>
-          <a:prstGeom prst="rect">
-            <a:avLst/>
-          </a:prstGeom>
-        </p:spPr>
-        <p:txBody>
-          <a:bodyPr wrap="none">
-            <a:spAutoFit/>
-          </a:bodyPr>
-          <a:lstStyle/>
-          <a:p>
-            <a:pPr algn="ctr"/>
-            <a:r>
-              <a:rPr lang="ko-KR" altLang="en-US" sz="5400" dirty="0">
-                <a:latin typeface="배달의민족 주아" panose="02020603020101020101" pitchFamily="18" charset="-127"/>
-                <a:ea typeface="배달의민족 주아" panose="02020603020101020101" pitchFamily="18" charset="-127"/>
-              </a:rPr>
-              <a:t>이거 해줘</a:t>
-            </a:r>
-          </a:p>
-        </p:txBody>
-      </p:sp>
-      <p:cxnSp>
-        <p:nvCxnSpPr>
-          <p:cNvPr id="30" name="연결선: 구부러짐 29">
-            <a:extLst>
-              <a:ext uri="{FF2B5EF4-FFF2-40B4-BE49-F238E27FC236}">
-                <a16:creationId xmlns:a16="http://schemas.microsoft.com/office/drawing/2014/main" id="{C2555464-4DC7-4506-ABCF-5643CA93CC43}"/>
-              </a:ext>
-            </a:extLst>
-          </p:cNvPr>
-          <p:cNvCxnSpPr>
-            <a:cxnSpLocks/>
-            <a:stCxn id="20" idx="3"/>
-            <a:endCxn id="21" idx="1"/>
-          </p:cNvCxnSpPr>
-          <p:nvPr/>
-        </p:nvCxnSpPr>
-        <p:spPr>
-          <a:xfrm flipV="1">
-            <a:off x="4024587" y="3877168"/>
-            <a:ext cx="2568709" cy="1009893"/>
-          </a:xfrm>
-          <a:prstGeom prst="curvedConnector3">
-            <a:avLst/>
-          </a:prstGeom>
-          <a:ln w="38100">
-            <a:solidFill>
-              <a:schemeClr val="tx1"/>
-            </a:solidFill>
-            <a:tailEnd type="triangle"/>
-          </a:ln>
-        </p:spPr>
-        <p:style>
-          <a:lnRef idx="1">
-            <a:schemeClr val="accent1"/>
-          </a:lnRef>
-          <a:fillRef idx="0">
-            <a:schemeClr val="accent1"/>
-          </a:fillRef>
-          <a:effectRef idx="0">
-            <a:schemeClr val="accent1"/>
-          </a:effectRef>
-          <a:fontRef idx="minor">
-            <a:schemeClr val="tx1"/>
-          </a:fontRef>
-        </p:style>
-      </p:cxnSp>
-      <p:sp>
-        <p:nvSpPr>
-          <p:cNvPr id="21" name="사각형: 둥근 모서리 20">
-            <a:extLst>
-              <a:ext uri="{FF2B5EF4-FFF2-40B4-BE49-F238E27FC236}">
-                <a16:creationId xmlns:a16="http://schemas.microsoft.com/office/drawing/2014/main" id="{0ED95834-0CA2-4852-B755-762AE37A475D}"/>
-              </a:ext>
-            </a:extLst>
-          </p:cNvPr>
-          <p:cNvSpPr/>
-          <p:nvPr/>
-        </p:nvSpPr>
-        <p:spPr>
-          <a:xfrm>
-            <a:off x="6593296" y="2697131"/>
-            <a:ext cx="2358996" cy="2360074"/>
-          </a:xfrm>
-          <a:prstGeom prst="roundRect">
-            <a:avLst/>
-          </a:prstGeom>
-          <a:solidFill>
-            <a:schemeClr val="bg1"/>
-          </a:solidFill>
-          <a:ln w="28575">
-            <a:solidFill>
-              <a:schemeClr val="tx1"/>
-            </a:solidFill>
-          </a:ln>
-        </p:spPr>
-        <p:style>
-          <a:lnRef idx="2">
-            <a:schemeClr val="accent1">
-              <a:shade val="50000"/>
-            </a:schemeClr>
-          </a:lnRef>
-          <a:fillRef idx="1">
-            <a:schemeClr val="accent1"/>
-          </a:fillRef>
-          <a:effectRef idx="0">
-            <a:schemeClr val="accent1"/>
-          </a:effectRef>
-          <a:fontRef idx="minor">
-            <a:schemeClr val="lt1"/>
-          </a:fontRef>
-        </p:style>
-        <p:txBody>
-          <a:bodyPr rtlCol="0" anchor="ctr"/>
-          <a:lstStyle/>
-          <a:p>
-            <a:pPr algn="ctr"/>
-            <a:r>
-              <a:rPr lang="en-US" altLang="ko-KR" sz="3600" dirty="0">
-                <a:solidFill>
-                  <a:schemeClr val="tx1"/>
-                </a:solidFill>
-                <a:latin typeface="배달의민족 주아" panose="02020603020101020101" pitchFamily="18" charset="-127"/>
-                <a:ea typeface="배달의민족 주아" panose="02020603020101020101" pitchFamily="18" charset="-127"/>
-              </a:rPr>
-              <a:t>Task</a:t>
-            </a:r>
-            <a:endParaRPr lang="ko-KR" altLang="en-US" sz="3600" dirty="0">
-              <a:solidFill>
-                <a:schemeClr val="tx1"/>
-              </a:solidFill>
-              <a:latin typeface="배달의민족 주아" panose="02020603020101020101" pitchFamily="18" charset="-127"/>
-              <a:ea typeface="배달의민족 주아" panose="02020603020101020101" pitchFamily="18" charset="-127"/>
-            </a:endParaRPr>
-          </a:p>
-        </p:txBody>
-      </p:sp>
-    </p:spTree>
-    <p:extLst>
-      <p:ext uri="{BB962C8B-B14F-4D97-AF65-F5344CB8AC3E}">
-        <p14:creationId xmlns:p14="http://schemas.microsoft.com/office/powerpoint/2010/main" val="3487256954"/>
-      </p:ext>
-    </p:extLst>
-  </p:cSld>
-  <p:clrMapOvr>
-    <a:masterClrMapping/>
-  </p:clrMapOvr>
-</p:sld>
-</file>
-
-<file path=ppt/slides/slide7.xml><?xml version="1.0" encoding="utf-8"?>
-<p:sld xmlns:a="http://schemas.openxmlformats.org/drawingml/2006/main" xmlns:r="http://schemas.openxmlformats.org/officeDocument/2006/relationships" xmlns:p="http://schemas.openxmlformats.org/presentationml/2006/main">
-  <p:cSld>
-    <p:spTree>
-      <p:nvGrpSpPr>
-        <p:cNvPr id="1" name=""/>
-        <p:cNvGrpSpPr/>
-        <p:nvPr/>
-      </p:nvGrpSpPr>
-      <p:grpSpPr>
-        <a:xfrm>
-          <a:off x="0" y="0"/>
-          <a:ext cx="0" cy="0"/>
-          <a:chOff x="0" y="0"/>
-          <a:chExt cx="0" cy="0"/>
-        </a:xfrm>
-      </p:grpSpPr>
-      <p:sp>
-        <p:nvSpPr>
-          <p:cNvPr id="3" name="직사각형 2">
-            <a:extLst>
-              <a:ext uri="{FF2B5EF4-FFF2-40B4-BE49-F238E27FC236}">
-                <a16:creationId xmlns:a16="http://schemas.microsoft.com/office/drawing/2014/main" id="{CE97CBAA-9474-4762-9A45-7F1C1229323D}"/>
-              </a:ext>
-            </a:extLst>
-          </p:cNvPr>
-          <p:cNvSpPr/>
-          <p:nvPr/>
-        </p:nvSpPr>
-        <p:spPr>
-          <a:xfrm>
-            <a:off x="0" y="339365"/>
-            <a:ext cx="3619893" cy="1221117"/>
-          </a:xfrm>
-          <a:prstGeom prst="rect">
-            <a:avLst/>
-          </a:prstGeom>
-          <a:solidFill>
-            <a:schemeClr val="tx1"/>
-          </a:solidFill>
-          <a:ln>
-            <a:solidFill>
-              <a:schemeClr val="tx1"/>
-            </a:solidFill>
-          </a:ln>
-        </p:spPr>
-        <p:style>
-          <a:lnRef idx="2">
-            <a:schemeClr val="accent1">
-              <a:shade val="50000"/>
-            </a:schemeClr>
-          </a:lnRef>
-          <a:fillRef idx="1">
-            <a:schemeClr val="accent1"/>
-          </a:fillRef>
-          <a:effectRef idx="0">
-            <a:schemeClr val="accent1"/>
-          </a:effectRef>
-          <a:fontRef idx="minor">
-            <a:schemeClr val="lt1"/>
-          </a:fontRef>
-        </p:style>
-        <p:txBody>
-          <a:bodyPr rtlCol="0" anchor="ctr"/>
-          <a:lstStyle/>
-          <a:p>
-            <a:pPr algn="ctr"/>
-            <a:r>
-              <a:rPr lang="en-US" altLang="ko-KR" sz="4400" dirty="0">
-                <a:latin typeface="태나다체 " panose="02000000000000000000" pitchFamily="2" charset="-127"/>
-                <a:ea typeface="태나다체 " panose="02000000000000000000" pitchFamily="2" charset="-127"/>
-              </a:rPr>
-              <a:t>Async</a:t>
-            </a:r>
-            <a:endParaRPr lang="ko-KR" altLang="en-US" sz="4400" dirty="0">
-              <a:latin typeface="태나다체 " panose="02000000000000000000" pitchFamily="2" charset="-127"/>
-              <a:ea typeface="태나다체 " panose="02000000000000000000" pitchFamily="2" charset="-127"/>
-            </a:endParaRPr>
-          </a:p>
-        </p:txBody>
-      </p:sp>
-      <p:sp>
-        <p:nvSpPr>
-          <p:cNvPr id="20" name="사각형: 둥근 모서리 19">
-            <a:extLst>
-              <a:ext uri="{FF2B5EF4-FFF2-40B4-BE49-F238E27FC236}">
-                <a16:creationId xmlns:a16="http://schemas.microsoft.com/office/drawing/2014/main" id="{EEC507B9-0FEF-4668-9543-50DE458F7686}"/>
-              </a:ext>
-            </a:extLst>
-          </p:cNvPr>
-          <p:cNvSpPr/>
-          <p:nvPr/>
-        </p:nvSpPr>
-        <p:spPr>
-          <a:xfrm>
-            <a:off x="531254" y="4851867"/>
-            <a:ext cx="3469064" cy="1500812"/>
-          </a:xfrm>
-          <a:prstGeom prst="roundRect">
-            <a:avLst/>
-          </a:prstGeom>
-          <a:solidFill>
-            <a:schemeClr val="bg1"/>
-          </a:solidFill>
-          <a:ln w="38100">
-            <a:solidFill>
-              <a:schemeClr val="tx1"/>
-            </a:solidFill>
-          </a:ln>
-        </p:spPr>
-        <p:style>
-          <a:lnRef idx="2">
-            <a:schemeClr val="accent1">
-              <a:shade val="50000"/>
-            </a:schemeClr>
-          </a:lnRef>
-          <a:fillRef idx="1">
-            <a:schemeClr val="accent1"/>
-          </a:fillRef>
-          <a:effectRef idx="0">
-            <a:schemeClr val="accent1"/>
-          </a:effectRef>
-          <a:fontRef idx="minor">
-            <a:schemeClr val="lt1"/>
-          </a:fontRef>
-        </p:style>
-        <p:txBody>
-          <a:bodyPr rtlCol="0" anchor="ctr"/>
-          <a:lstStyle/>
-          <a:p>
-            <a:pPr algn="ctr"/>
-            <a:r>
-              <a:rPr lang="en-US" altLang="ko-KR" sz="4000">
-                <a:solidFill>
-                  <a:schemeClr val="tx1"/>
-                </a:solidFill>
-                <a:latin typeface="배달의민족 주아" panose="02020603020101020101" pitchFamily="18" charset="-127"/>
-                <a:ea typeface="배달의민족 주아" panose="02020603020101020101" pitchFamily="18" charset="-127"/>
-              </a:rPr>
-              <a:t>Async (</a:t>
-            </a:r>
-            <a:r>
-              <a:rPr lang="ko-KR" altLang="en-US" sz="4000" dirty="0">
-                <a:solidFill>
-                  <a:schemeClr val="tx1"/>
-                </a:solidFill>
-                <a:latin typeface="배달의민족 주아" panose="02020603020101020101" pitchFamily="18" charset="-127"/>
-                <a:ea typeface="배달의민족 주아" panose="02020603020101020101" pitchFamily="18" charset="-127"/>
-              </a:rPr>
-              <a:t>비동기</a:t>
-            </a:r>
-            <a:r>
-              <a:rPr lang="en-US" altLang="ko-KR" sz="4000" dirty="0">
-                <a:solidFill>
-                  <a:schemeClr val="tx1"/>
-                </a:solidFill>
-                <a:latin typeface="배달의민족 주아" panose="02020603020101020101" pitchFamily="18" charset="-127"/>
-                <a:ea typeface="배달의민족 주아" panose="02020603020101020101" pitchFamily="18" charset="-127"/>
-              </a:rPr>
-              <a:t>)</a:t>
-            </a:r>
-          </a:p>
-          <a:p>
-            <a:pPr algn="ctr"/>
-            <a:r>
-              <a:rPr lang="ko-KR" altLang="en-US" sz="4000" dirty="0">
-                <a:solidFill>
-                  <a:schemeClr val="tx1"/>
-                </a:solidFill>
-                <a:latin typeface="배달의민족 주아" panose="02020603020101020101" pitchFamily="18" charset="-127"/>
-                <a:ea typeface="배달의민족 주아" panose="02020603020101020101" pitchFamily="18" charset="-127"/>
-              </a:rPr>
-              <a:t>작업</a:t>
-            </a:r>
-          </a:p>
-        </p:txBody>
-      </p:sp>
-      <p:sp>
-        <p:nvSpPr>
-          <p:cNvPr id="19" name="사각형: 둥근 모서리 18">
-            <a:extLst>
-              <a:ext uri="{FF2B5EF4-FFF2-40B4-BE49-F238E27FC236}">
-                <a16:creationId xmlns:a16="http://schemas.microsoft.com/office/drawing/2014/main" id="{57C58DC3-A789-49E9-955A-8AB52BEDBECD}"/>
-              </a:ext>
-            </a:extLst>
-          </p:cNvPr>
-          <p:cNvSpPr/>
-          <p:nvPr/>
-        </p:nvSpPr>
-        <p:spPr>
-          <a:xfrm>
-            <a:off x="8867074" y="3238220"/>
-            <a:ext cx="2791094" cy="1227065"/>
-          </a:xfrm>
-          <a:prstGeom prst="roundRect">
-            <a:avLst/>
-          </a:prstGeom>
-          <a:solidFill>
-            <a:schemeClr val="bg1"/>
-          </a:solidFill>
-          <a:ln w="28575">
-            <a:solidFill>
-              <a:schemeClr val="tx1"/>
-            </a:solidFill>
-          </a:ln>
-        </p:spPr>
-        <p:style>
-          <a:lnRef idx="2">
-            <a:schemeClr val="accent1">
-              <a:shade val="50000"/>
-            </a:schemeClr>
-          </a:lnRef>
-          <a:fillRef idx="1">
-            <a:schemeClr val="accent1"/>
-          </a:fillRef>
-          <a:effectRef idx="0">
-            <a:schemeClr val="accent1"/>
-          </a:effectRef>
-          <a:fontRef idx="minor">
-            <a:schemeClr val="lt1"/>
-          </a:fontRef>
-        </p:style>
-        <p:txBody>
-          <a:bodyPr rtlCol="0" anchor="ctr"/>
-          <a:lstStyle/>
-          <a:p>
-            <a:pPr algn="ctr"/>
-            <a:r>
-              <a:rPr lang="en-US" altLang="ko-KR" sz="3600" dirty="0">
-                <a:solidFill>
-                  <a:schemeClr val="tx1"/>
-                </a:solidFill>
-                <a:latin typeface="배달의민족 주아" panose="02020603020101020101" pitchFamily="18" charset="-127"/>
-                <a:ea typeface="배달의민족 주아" panose="02020603020101020101" pitchFamily="18" charset="-127"/>
-              </a:rPr>
-              <a:t> </a:t>
-            </a:r>
-            <a:r>
-              <a:rPr lang="ko-KR" altLang="en-US" sz="3600" dirty="0">
-                <a:solidFill>
-                  <a:schemeClr val="tx1"/>
-                </a:solidFill>
-                <a:latin typeface="배달의민족 주아" panose="02020603020101020101" pitchFamily="18" charset="-127"/>
-                <a:ea typeface="배달의민족 주아" panose="02020603020101020101" pitchFamily="18" charset="-127"/>
-              </a:rPr>
-              <a:t>스레드 풀</a:t>
-            </a:r>
-          </a:p>
-        </p:txBody>
-      </p:sp>
-      <p:sp>
-        <p:nvSpPr>
-          <p:cNvPr id="21" name="사각형: 둥근 모서리 20">
-            <a:extLst>
-              <a:ext uri="{FF2B5EF4-FFF2-40B4-BE49-F238E27FC236}">
-                <a16:creationId xmlns:a16="http://schemas.microsoft.com/office/drawing/2014/main" id="{0ED95834-0CA2-4852-B755-762AE37A475D}"/>
-              </a:ext>
-            </a:extLst>
-          </p:cNvPr>
-          <p:cNvSpPr/>
-          <p:nvPr/>
-        </p:nvSpPr>
-        <p:spPr>
-          <a:xfrm>
-            <a:off x="7392611" y="1626470"/>
-            <a:ext cx="2358996" cy="2360074"/>
-          </a:xfrm>
-          <a:prstGeom prst="roundRect">
-            <a:avLst/>
-          </a:prstGeom>
-          <a:solidFill>
-            <a:schemeClr val="bg1"/>
-          </a:solidFill>
-          <a:ln w="28575">
-            <a:solidFill>
-              <a:schemeClr val="tx1"/>
-            </a:solidFill>
-          </a:ln>
-        </p:spPr>
-        <p:style>
-          <a:lnRef idx="2">
-            <a:schemeClr val="accent1">
-              <a:shade val="50000"/>
-            </a:schemeClr>
-          </a:lnRef>
-          <a:fillRef idx="1">
-            <a:schemeClr val="accent1"/>
-          </a:fillRef>
-          <a:effectRef idx="0">
-            <a:schemeClr val="accent1"/>
-          </a:effectRef>
-          <a:fontRef idx="minor">
-            <a:schemeClr val="lt1"/>
-          </a:fontRef>
-        </p:style>
-        <p:txBody>
-          <a:bodyPr rtlCol="0" anchor="ctr"/>
-          <a:lstStyle/>
-          <a:p>
-            <a:pPr algn="ctr"/>
-            <a:r>
-              <a:rPr lang="en-US" altLang="ko-KR" sz="3600" dirty="0">
-                <a:solidFill>
-                  <a:schemeClr val="tx1"/>
-                </a:solidFill>
-                <a:latin typeface="배달의민족 주아" panose="02020603020101020101" pitchFamily="18" charset="-127"/>
-                <a:ea typeface="배달의민족 주아" panose="02020603020101020101" pitchFamily="18" charset="-127"/>
-              </a:rPr>
-              <a:t>Task</a:t>
-            </a:r>
-            <a:endParaRPr lang="ko-KR" altLang="en-US" sz="3600" dirty="0">
-              <a:solidFill>
-                <a:schemeClr val="tx1"/>
-              </a:solidFill>
-              <a:latin typeface="배달의민족 주아" panose="02020603020101020101" pitchFamily="18" charset="-127"/>
-              <a:ea typeface="배달의민족 주아" panose="02020603020101020101" pitchFamily="18" charset="-127"/>
-            </a:endParaRPr>
-          </a:p>
-        </p:txBody>
-      </p:sp>
-      <p:sp>
-        <p:nvSpPr>
-          <p:cNvPr id="11" name="직사각형 10">
-            <a:extLst>
-              <a:ext uri="{FF2B5EF4-FFF2-40B4-BE49-F238E27FC236}">
-                <a16:creationId xmlns:a16="http://schemas.microsoft.com/office/drawing/2014/main" id="{BBDBF406-2902-4CF7-812B-1B03D515BCA6}"/>
-              </a:ext>
-            </a:extLst>
-          </p:cNvPr>
-          <p:cNvSpPr/>
-          <p:nvPr/>
-        </p:nvSpPr>
-        <p:spPr>
-          <a:xfrm>
-            <a:off x="1418438" y="3851752"/>
-            <a:ext cx="1694696" cy="923330"/>
-          </a:xfrm>
-          <a:prstGeom prst="rect">
-            <a:avLst/>
-          </a:prstGeom>
-        </p:spPr>
-        <p:txBody>
-          <a:bodyPr wrap="none">
-            <a:spAutoFit/>
-          </a:bodyPr>
-          <a:lstStyle/>
-          <a:p>
-            <a:pPr algn="ctr"/>
-            <a:r>
-              <a:rPr lang="ko-KR" altLang="en-US" sz="5400" dirty="0">
-                <a:latin typeface="배달의민족 주아" panose="02020603020101020101" pitchFamily="18" charset="-127"/>
-                <a:ea typeface="배달의민족 주아" panose="02020603020101020101" pitchFamily="18" charset="-127"/>
-              </a:rPr>
-              <a:t>실행</a:t>
-            </a:r>
-            <a:r>
-              <a:rPr lang="en-US" altLang="ko-KR" sz="5400" dirty="0">
-                <a:latin typeface="배달의민족 주아" panose="02020603020101020101" pitchFamily="18" charset="-127"/>
-                <a:ea typeface="배달의민족 주아" panose="02020603020101020101" pitchFamily="18" charset="-127"/>
-              </a:rPr>
-              <a:t>!!</a:t>
-            </a:r>
-            <a:endParaRPr lang="ko-KR" altLang="en-US" sz="5400" dirty="0">
-              <a:latin typeface="배달의민족 주아" panose="02020603020101020101" pitchFamily="18" charset="-127"/>
-              <a:ea typeface="배달의민족 주아" panose="02020603020101020101" pitchFamily="18" charset="-127"/>
-            </a:endParaRPr>
-          </a:p>
-        </p:txBody>
-      </p:sp>
-      <p:cxnSp>
-        <p:nvCxnSpPr>
-          <p:cNvPr id="6" name="연결선: 구부러짐 5">
-            <a:extLst>
-              <a:ext uri="{FF2B5EF4-FFF2-40B4-BE49-F238E27FC236}">
-                <a16:creationId xmlns:a16="http://schemas.microsoft.com/office/drawing/2014/main" id="{4BFD076E-EC24-4133-86B8-FACFD0063756}"/>
-              </a:ext>
-            </a:extLst>
-          </p:cNvPr>
-          <p:cNvCxnSpPr>
-            <a:cxnSpLocks/>
-            <a:stCxn id="21" idx="1"/>
-            <a:endCxn id="20" idx="3"/>
-          </p:cNvCxnSpPr>
-          <p:nvPr/>
-        </p:nvCxnSpPr>
-        <p:spPr>
-          <a:xfrm rot="10800000" flipV="1">
-            <a:off x="4000319" y="2806507"/>
-            <a:ext cx="3392293" cy="2795766"/>
-          </a:xfrm>
-          <a:prstGeom prst="curvedConnector3">
-            <a:avLst/>
-          </a:prstGeom>
-          <a:ln w="38100">
-            <a:solidFill>
-              <a:schemeClr val="tx1"/>
-            </a:solidFill>
-            <a:tailEnd type="triangle"/>
-          </a:ln>
-        </p:spPr>
-        <p:style>
-          <a:lnRef idx="1">
-            <a:schemeClr val="accent1"/>
-          </a:lnRef>
-          <a:fillRef idx="0">
-            <a:schemeClr val="accent1"/>
-          </a:fillRef>
-          <a:effectRef idx="0">
-            <a:schemeClr val="accent1"/>
-          </a:effectRef>
-          <a:fontRef idx="minor">
-            <a:schemeClr val="tx1"/>
-          </a:fontRef>
-        </p:style>
-      </p:cxnSp>
-      <p:sp>
-        <p:nvSpPr>
-          <p:cNvPr id="16" name="직사각형 15">
-            <a:extLst>
-              <a:ext uri="{FF2B5EF4-FFF2-40B4-BE49-F238E27FC236}">
-                <a16:creationId xmlns:a16="http://schemas.microsoft.com/office/drawing/2014/main" id="{44CD6F04-7BDD-4E39-96C0-83B49102BEC1}"/>
-              </a:ext>
-            </a:extLst>
-          </p:cNvPr>
-          <p:cNvSpPr/>
-          <p:nvPr/>
-        </p:nvSpPr>
-        <p:spPr>
-          <a:xfrm>
-            <a:off x="6274044" y="729112"/>
-            <a:ext cx="4596130" cy="923330"/>
-          </a:xfrm>
-          <a:prstGeom prst="rect">
-            <a:avLst/>
-          </a:prstGeom>
-        </p:spPr>
-        <p:txBody>
-          <a:bodyPr wrap="none">
-            <a:spAutoFit/>
-          </a:bodyPr>
-          <a:lstStyle/>
-          <a:p>
-            <a:pPr algn="ctr"/>
-            <a:r>
-              <a:rPr lang="ko-KR" altLang="en-US" sz="5400" dirty="0" err="1">
-                <a:latin typeface="배달의민족 주아" panose="02020603020101020101" pitchFamily="18" charset="-127"/>
-                <a:ea typeface="배달의민족 주아" panose="02020603020101020101" pitchFamily="18" charset="-127"/>
-              </a:rPr>
-              <a:t>갖고와</a:t>
-            </a:r>
-            <a:r>
-              <a:rPr lang="ko-KR" altLang="en-US" sz="5400" dirty="0">
-                <a:latin typeface="배달의민족 주아" panose="02020603020101020101" pitchFamily="18" charset="-127"/>
-                <a:ea typeface="배달의민족 주아" panose="02020603020101020101" pitchFamily="18" charset="-127"/>
-              </a:rPr>
-              <a:t> 내가 </a:t>
-            </a:r>
-            <a:r>
-              <a:rPr lang="ko-KR" altLang="en-US" sz="5400" dirty="0" err="1">
-                <a:latin typeface="배달의민족 주아" panose="02020603020101020101" pitchFamily="18" charset="-127"/>
-                <a:ea typeface="배달의민족 주아" panose="02020603020101020101" pitchFamily="18" charset="-127"/>
-              </a:rPr>
-              <a:t>할게</a:t>
-            </a:r>
-            <a:endParaRPr lang="ko-KR" altLang="en-US" sz="5400" dirty="0">
-              <a:latin typeface="배달의민족 주아" panose="02020603020101020101" pitchFamily="18" charset="-127"/>
-              <a:ea typeface="배달의민족 주아" panose="02020603020101020101" pitchFamily="18" charset="-127"/>
-            </a:endParaRPr>
-          </a:p>
-        </p:txBody>
-      </p:sp>
-    </p:spTree>
-    <p:extLst>
-      <p:ext uri="{BB962C8B-B14F-4D97-AF65-F5344CB8AC3E}">
-        <p14:creationId xmlns:p14="http://schemas.microsoft.com/office/powerpoint/2010/main" val="691110187"/>
-      </p:ext>
-    </p:extLst>
-  </p:cSld>
-  <p:clrMapOvr>
-    <a:masterClrMapping/>
-  </p:clrMapOvr>
-</p:sld>
-</file>
-
-<file path=ppt/slides/slide8.xml><?xml version="1.0" encoding="utf-8"?>
+<file path=ppt/slides/slide23.xml><?xml version="1.0" encoding="utf-8"?>
 <p:sld xmlns:a="http://schemas.openxmlformats.org/drawingml/2006/main" xmlns:r="http://schemas.openxmlformats.org/officeDocument/2006/relationships" xmlns:p="http://schemas.openxmlformats.org/presentationml/2006/main">
   <p:cSld>
     <p:spTree>
@@ -6926,6 +6157,4550 @@
           <a:p>
             <a:pPr algn="ctr"/>
             <a:r>
+              <a:rPr lang="en-US" altLang="ko-KR" sz="4800" dirty="0" err="1">
+                <a:solidFill>
+                  <a:schemeClr val="bg1"/>
+                </a:solidFill>
+                <a:latin typeface="태나다체 " panose="02000000000000000000" pitchFamily="2" charset="-127"/>
+                <a:ea typeface="태나다체 " panose="02000000000000000000" pitchFamily="2" charset="-127"/>
+              </a:rPr>
+              <a:t>ThreadPool</a:t>
+            </a:r>
+            <a:endParaRPr lang="ko-KR" altLang="en-US" sz="4800" dirty="0">
+              <a:solidFill>
+                <a:schemeClr val="bg1"/>
+              </a:solidFill>
+              <a:latin typeface="태나다체 " panose="02000000000000000000" pitchFamily="2" charset="-127"/>
+              <a:ea typeface="태나다체 " panose="02000000000000000000" pitchFamily="2" charset="-127"/>
+            </a:endParaRPr>
+          </a:p>
+        </p:txBody>
+      </p:sp>
+    </p:spTree>
+    <p:extLst>
+      <p:ext uri="{BB962C8B-B14F-4D97-AF65-F5344CB8AC3E}">
+        <p14:creationId xmlns:p14="http://schemas.microsoft.com/office/powerpoint/2010/main" val="456494102"/>
+      </p:ext>
+    </p:extLst>
+  </p:cSld>
+  <p:clrMapOvr>
+    <a:masterClrMapping/>
+  </p:clrMapOvr>
+</p:sld>
+</file>
+
+<file path=ppt/slides/slide24.xml><?xml version="1.0" encoding="utf-8"?>
+<p:sld xmlns:a="http://schemas.openxmlformats.org/drawingml/2006/main" xmlns:r="http://schemas.openxmlformats.org/officeDocument/2006/relationships" xmlns:p="http://schemas.openxmlformats.org/presentationml/2006/main">
+  <p:cSld>
+    <p:spTree>
+      <p:nvGrpSpPr>
+        <p:cNvPr id="1" name=""/>
+        <p:cNvGrpSpPr/>
+        <p:nvPr/>
+      </p:nvGrpSpPr>
+      <p:grpSpPr>
+        <a:xfrm>
+          <a:off x="0" y="0"/>
+          <a:ext cx="0" cy="0"/>
+          <a:chOff x="0" y="0"/>
+          <a:chExt cx="0" cy="0"/>
+        </a:xfrm>
+      </p:grpSpPr>
+      <p:sp>
+        <p:nvSpPr>
+          <p:cNvPr id="3" name="직사각형 2">
+            <a:extLst>
+              <a:ext uri="{FF2B5EF4-FFF2-40B4-BE49-F238E27FC236}">
+                <a16:creationId xmlns:a16="http://schemas.microsoft.com/office/drawing/2014/main" id="{CE97CBAA-9474-4762-9A45-7F1C1229323D}"/>
+              </a:ext>
+            </a:extLst>
+          </p:cNvPr>
+          <p:cNvSpPr/>
+          <p:nvPr/>
+        </p:nvSpPr>
+        <p:spPr>
+          <a:xfrm>
+            <a:off x="0" y="339365"/>
+            <a:ext cx="3619893" cy="1221117"/>
+          </a:xfrm>
+          <a:prstGeom prst="rect">
+            <a:avLst/>
+          </a:prstGeom>
+          <a:solidFill>
+            <a:schemeClr val="tx1"/>
+          </a:solidFill>
+          <a:ln>
+            <a:solidFill>
+              <a:schemeClr val="tx1"/>
+            </a:solidFill>
+          </a:ln>
+        </p:spPr>
+        <p:style>
+          <a:lnRef idx="2">
+            <a:schemeClr val="accent1">
+              <a:shade val="50000"/>
+            </a:schemeClr>
+          </a:lnRef>
+          <a:fillRef idx="1">
+            <a:schemeClr val="accent1"/>
+          </a:fillRef>
+          <a:effectRef idx="0">
+            <a:schemeClr val="accent1"/>
+          </a:effectRef>
+          <a:fontRef idx="minor">
+            <a:schemeClr val="lt1"/>
+          </a:fontRef>
+        </p:style>
+        <p:txBody>
+          <a:bodyPr rtlCol="0" anchor="ctr"/>
+          <a:lstStyle/>
+          <a:p>
+            <a:pPr algn="ctr"/>
+            <a:r>
+              <a:rPr lang="en-US" altLang="ko-KR" sz="3200" dirty="0" err="1">
+                <a:latin typeface="태나다체 " panose="02000000000000000000" pitchFamily="2" charset="-127"/>
+                <a:ea typeface="태나다체 " panose="02000000000000000000" pitchFamily="2" charset="-127"/>
+              </a:rPr>
+              <a:t>ThreadPoolTest</a:t>
+            </a:r>
+            <a:endParaRPr lang="ko-KR" altLang="en-US" sz="3200" dirty="0">
+              <a:latin typeface="태나다체 " panose="02000000000000000000" pitchFamily="2" charset="-127"/>
+              <a:ea typeface="태나다체 " panose="02000000000000000000" pitchFamily="2" charset="-127"/>
+            </a:endParaRPr>
+          </a:p>
+        </p:txBody>
+      </p:sp>
+      <p:pic>
+        <p:nvPicPr>
+          <p:cNvPr id="5" name="그림 4">
+            <a:extLst>
+              <a:ext uri="{FF2B5EF4-FFF2-40B4-BE49-F238E27FC236}">
+                <a16:creationId xmlns:a16="http://schemas.microsoft.com/office/drawing/2014/main" id="{1860037E-9355-4904-8CE7-E9EC95C4DFA3}"/>
+              </a:ext>
+            </a:extLst>
+          </p:cNvPr>
+          <p:cNvPicPr>
+            <a:picLocks noChangeAspect="1"/>
+          </p:cNvPicPr>
+          <p:nvPr/>
+        </p:nvPicPr>
+        <p:blipFill>
+          <a:blip r:embed="rId2">
+            <a:extLst>
+              <a:ext uri="{28A0092B-C50C-407E-A947-70E740481C1C}">
+                <a14:useLocalDpi xmlns:a14="http://schemas.microsoft.com/office/drawing/2010/main" val="0"/>
+              </a:ext>
+            </a:extLst>
+          </a:blip>
+          <a:stretch>
+            <a:fillRect/>
+          </a:stretch>
+        </p:blipFill>
+        <p:spPr>
+          <a:xfrm>
+            <a:off x="4722549" y="354578"/>
+            <a:ext cx="5995634" cy="6148844"/>
+          </a:xfrm>
+          <a:prstGeom prst="rect">
+            <a:avLst/>
+          </a:prstGeom>
+        </p:spPr>
+      </p:pic>
+    </p:spTree>
+    <p:extLst>
+      <p:ext uri="{BB962C8B-B14F-4D97-AF65-F5344CB8AC3E}">
+        <p14:creationId xmlns:p14="http://schemas.microsoft.com/office/powerpoint/2010/main" val="3429702981"/>
+      </p:ext>
+    </p:extLst>
+  </p:cSld>
+  <p:clrMapOvr>
+    <a:masterClrMapping/>
+  </p:clrMapOvr>
+</p:sld>
+</file>
+
+<file path=ppt/slides/slide25.xml><?xml version="1.0" encoding="utf-8"?>
+<p:sld xmlns:a="http://schemas.openxmlformats.org/drawingml/2006/main" xmlns:r="http://schemas.openxmlformats.org/officeDocument/2006/relationships" xmlns:p="http://schemas.openxmlformats.org/presentationml/2006/main">
+  <p:cSld>
+    <p:spTree>
+      <p:nvGrpSpPr>
+        <p:cNvPr id="1" name=""/>
+        <p:cNvGrpSpPr/>
+        <p:nvPr/>
+      </p:nvGrpSpPr>
+      <p:grpSpPr>
+        <a:xfrm>
+          <a:off x="0" y="0"/>
+          <a:ext cx="0" cy="0"/>
+          <a:chOff x="0" y="0"/>
+          <a:chExt cx="0" cy="0"/>
+        </a:xfrm>
+      </p:grpSpPr>
+      <p:sp>
+        <p:nvSpPr>
+          <p:cNvPr id="3" name="직사각형 2">
+            <a:extLst>
+              <a:ext uri="{FF2B5EF4-FFF2-40B4-BE49-F238E27FC236}">
+                <a16:creationId xmlns:a16="http://schemas.microsoft.com/office/drawing/2014/main" id="{CE97CBAA-9474-4762-9A45-7F1C1229323D}"/>
+              </a:ext>
+            </a:extLst>
+          </p:cNvPr>
+          <p:cNvSpPr/>
+          <p:nvPr/>
+        </p:nvSpPr>
+        <p:spPr>
+          <a:xfrm>
+            <a:off x="0" y="339365"/>
+            <a:ext cx="3619893" cy="1221117"/>
+          </a:xfrm>
+          <a:prstGeom prst="rect">
+            <a:avLst/>
+          </a:prstGeom>
+          <a:solidFill>
+            <a:schemeClr val="tx1"/>
+          </a:solidFill>
+          <a:ln>
+            <a:solidFill>
+              <a:schemeClr val="tx1"/>
+            </a:solidFill>
+          </a:ln>
+        </p:spPr>
+        <p:style>
+          <a:lnRef idx="2">
+            <a:schemeClr val="accent1">
+              <a:shade val="50000"/>
+            </a:schemeClr>
+          </a:lnRef>
+          <a:fillRef idx="1">
+            <a:schemeClr val="accent1"/>
+          </a:fillRef>
+          <a:effectRef idx="0">
+            <a:schemeClr val="accent1"/>
+          </a:effectRef>
+          <a:fontRef idx="minor">
+            <a:schemeClr val="lt1"/>
+          </a:fontRef>
+        </p:style>
+        <p:txBody>
+          <a:bodyPr rtlCol="0" anchor="ctr"/>
+          <a:lstStyle/>
+          <a:p>
+            <a:pPr algn="ctr"/>
+            <a:r>
+              <a:rPr lang="en-US" altLang="ko-KR" sz="3200" dirty="0" err="1">
+                <a:latin typeface="태나다체 " panose="02000000000000000000" pitchFamily="2" charset="-127"/>
+                <a:ea typeface="태나다체 " panose="02000000000000000000" pitchFamily="2" charset="-127"/>
+              </a:rPr>
+              <a:t>ThreadPoolTest</a:t>
+            </a:r>
+            <a:endParaRPr lang="ko-KR" altLang="en-US" sz="3200" dirty="0">
+              <a:latin typeface="태나다체 " panose="02000000000000000000" pitchFamily="2" charset="-127"/>
+              <a:ea typeface="태나다체 " panose="02000000000000000000" pitchFamily="2" charset="-127"/>
+            </a:endParaRPr>
+          </a:p>
+        </p:txBody>
+      </p:sp>
+      <p:pic>
+        <p:nvPicPr>
+          <p:cNvPr id="4" name="그림 3">
+            <a:extLst>
+              <a:ext uri="{FF2B5EF4-FFF2-40B4-BE49-F238E27FC236}">
+                <a16:creationId xmlns:a16="http://schemas.microsoft.com/office/drawing/2014/main" id="{EDB2CE09-7A31-4232-BC86-6F26EAC41497}"/>
+              </a:ext>
+            </a:extLst>
+          </p:cNvPr>
+          <p:cNvPicPr>
+            <a:picLocks noChangeAspect="1"/>
+          </p:cNvPicPr>
+          <p:nvPr/>
+        </p:nvPicPr>
+        <p:blipFill>
+          <a:blip r:embed="rId2">
+            <a:extLst>
+              <a:ext uri="{28A0092B-C50C-407E-A947-70E740481C1C}">
+                <a14:useLocalDpi xmlns:a14="http://schemas.microsoft.com/office/drawing/2010/main" val="0"/>
+              </a:ext>
+            </a:extLst>
+          </a:blip>
+          <a:stretch>
+            <a:fillRect/>
+          </a:stretch>
+        </p:blipFill>
+        <p:spPr>
+          <a:xfrm>
+            <a:off x="518474" y="2118544"/>
+            <a:ext cx="6693031" cy="4228204"/>
+          </a:xfrm>
+          <a:prstGeom prst="rect">
+            <a:avLst/>
+          </a:prstGeom>
+        </p:spPr>
+      </p:pic>
+      <p:pic>
+        <p:nvPicPr>
+          <p:cNvPr id="7" name="그림 6">
+            <a:extLst>
+              <a:ext uri="{FF2B5EF4-FFF2-40B4-BE49-F238E27FC236}">
+                <a16:creationId xmlns:a16="http://schemas.microsoft.com/office/drawing/2014/main" id="{8DC1C4DA-DCA6-47DF-8C34-BF65AA6B90F7}"/>
+              </a:ext>
+            </a:extLst>
+          </p:cNvPr>
+          <p:cNvPicPr>
+            <a:picLocks noChangeAspect="1"/>
+          </p:cNvPicPr>
+          <p:nvPr/>
+        </p:nvPicPr>
+        <p:blipFill>
+          <a:blip r:embed="rId3">
+            <a:extLst>
+              <a:ext uri="{28A0092B-C50C-407E-A947-70E740481C1C}">
+                <a14:useLocalDpi xmlns:a14="http://schemas.microsoft.com/office/drawing/2010/main" val="0"/>
+              </a:ext>
+            </a:extLst>
+          </a:blip>
+          <a:stretch>
+            <a:fillRect/>
+          </a:stretch>
+        </p:blipFill>
+        <p:spPr>
+          <a:xfrm>
+            <a:off x="4571339" y="876692"/>
+            <a:ext cx="7102187" cy="4451961"/>
+          </a:xfrm>
+          <a:prstGeom prst="rect">
+            <a:avLst/>
+          </a:prstGeom>
+        </p:spPr>
+      </p:pic>
+    </p:spTree>
+    <p:extLst>
+      <p:ext uri="{BB962C8B-B14F-4D97-AF65-F5344CB8AC3E}">
+        <p14:creationId xmlns:p14="http://schemas.microsoft.com/office/powerpoint/2010/main" val="91686069"/>
+      </p:ext>
+    </p:extLst>
+  </p:cSld>
+  <p:clrMapOvr>
+    <a:masterClrMapping/>
+  </p:clrMapOvr>
+</p:sld>
+</file>
+
+<file path=ppt/slides/slide26.xml><?xml version="1.0" encoding="utf-8"?>
+<p:sld xmlns:a="http://schemas.openxmlformats.org/drawingml/2006/main" xmlns:r="http://schemas.openxmlformats.org/officeDocument/2006/relationships" xmlns:p="http://schemas.openxmlformats.org/presentationml/2006/main">
+  <p:cSld>
+    <p:spTree>
+      <p:nvGrpSpPr>
+        <p:cNvPr id="1" name=""/>
+        <p:cNvGrpSpPr/>
+        <p:nvPr/>
+      </p:nvGrpSpPr>
+      <p:grpSpPr>
+        <a:xfrm>
+          <a:off x="0" y="0"/>
+          <a:ext cx="0" cy="0"/>
+          <a:chOff x="0" y="0"/>
+          <a:chExt cx="0" cy="0"/>
+        </a:xfrm>
+      </p:grpSpPr>
+      <p:sp>
+        <p:nvSpPr>
+          <p:cNvPr id="6" name="직사각형 5">
+            <a:extLst>
+              <a:ext uri="{FF2B5EF4-FFF2-40B4-BE49-F238E27FC236}">
+                <a16:creationId xmlns:a16="http://schemas.microsoft.com/office/drawing/2014/main" id="{E7EEDDA4-C768-447B-A35B-AA3E54E7249A}"/>
+              </a:ext>
+            </a:extLst>
+          </p:cNvPr>
+          <p:cNvSpPr/>
+          <p:nvPr/>
+        </p:nvSpPr>
+        <p:spPr>
+          <a:xfrm>
+            <a:off x="0" y="2582771"/>
+            <a:ext cx="12192000" cy="1692458"/>
+          </a:xfrm>
+          <a:prstGeom prst="rect">
+            <a:avLst/>
+          </a:prstGeom>
+          <a:solidFill>
+            <a:schemeClr val="tx1"/>
+          </a:solidFill>
+          <a:ln>
+            <a:solidFill>
+              <a:schemeClr val="tx1"/>
+            </a:solidFill>
+          </a:ln>
+        </p:spPr>
+        <p:style>
+          <a:lnRef idx="2">
+            <a:schemeClr val="accent1">
+              <a:shade val="50000"/>
+            </a:schemeClr>
+          </a:lnRef>
+          <a:fillRef idx="1">
+            <a:schemeClr val="accent1"/>
+          </a:fillRef>
+          <a:effectRef idx="0">
+            <a:schemeClr val="accent1"/>
+          </a:effectRef>
+          <a:fontRef idx="minor">
+            <a:schemeClr val="lt1"/>
+          </a:fontRef>
+        </p:style>
+        <p:txBody>
+          <a:bodyPr rtlCol="0" anchor="ctr"/>
+          <a:lstStyle>
+            <a:defPPr>
+              <a:defRPr lang="ko-KR"/>
+            </a:defPPr>
+            <a:lvl1pPr marL="0" algn="l" defTabSz="914400" rtl="0" eaLnBrk="1" latinLnBrk="1" hangingPunct="1">
+              <a:defRPr sz="1800" kern="1200">
+                <a:solidFill>
+                  <a:schemeClr val="lt1"/>
+                </a:solidFill>
+                <a:latin typeface="+mn-lt"/>
+                <a:ea typeface="+mn-ea"/>
+                <a:cs typeface="+mn-cs"/>
+              </a:defRPr>
+            </a:lvl1pPr>
+            <a:lvl2pPr marL="457200" algn="l" defTabSz="914400" rtl="0" eaLnBrk="1" latinLnBrk="1" hangingPunct="1">
+              <a:defRPr sz="1800" kern="1200">
+                <a:solidFill>
+                  <a:schemeClr val="lt1"/>
+                </a:solidFill>
+                <a:latin typeface="+mn-lt"/>
+                <a:ea typeface="+mn-ea"/>
+                <a:cs typeface="+mn-cs"/>
+              </a:defRPr>
+            </a:lvl2pPr>
+            <a:lvl3pPr marL="914400" algn="l" defTabSz="914400" rtl="0" eaLnBrk="1" latinLnBrk="1" hangingPunct="1">
+              <a:defRPr sz="1800" kern="1200">
+                <a:solidFill>
+                  <a:schemeClr val="lt1"/>
+                </a:solidFill>
+                <a:latin typeface="+mn-lt"/>
+                <a:ea typeface="+mn-ea"/>
+                <a:cs typeface="+mn-cs"/>
+              </a:defRPr>
+            </a:lvl3pPr>
+            <a:lvl4pPr marL="1371600" algn="l" defTabSz="914400" rtl="0" eaLnBrk="1" latinLnBrk="1" hangingPunct="1">
+              <a:defRPr sz="1800" kern="1200">
+                <a:solidFill>
+                  <a:schemeClr val="lt1"/>
+                </a:solidFill>
+                <a:latin typeface="+mn-lt"/>
+                <a:ea typeface="+mn-ea"/>
+                <a:cs typeface="+mn-cs"/>
+              </a:defRPr>
+            </a:lvl4pPr>
+            <a:lvl5pPr marL="1828800" algn="l" defTabSz="914400" rtl="0" eaLnBrk="1" latinLnBrk="1" hangingPunct="1">
+              <a:defRPr sz="1800" kern="1200">
+                <a:solidFill>
+                  <a:schemeClr val="lt1"/>
+                </a:solidFill>
+                <a:latin typeface="+mn-lt"/>
+                <a:ea typeface="+mn-ea"/>
+                <a:cs typeface="+mn-cs"/>
+              </a:defRPr>
+            </a:lvl5pPr>
+            <a:lvl6pPr marL="2286000" algn="l" defTabSz="914400" rtl="0" eaLnBrk="1" latinLnBrk="1" hangingPunct="1">
+              <a:defRPr sz="1800" kern="1200">
+                <a:solidFill>
+                  <a:schemeClr val="lt1"/>
+                </a:solidFill>
+                <a:latin typeface="+mn-lt"/>
+                <a:ea typeface="+mn-ea"/>
+                <a:cs typeface="+mn-cs"/>
+              </a:defRPr>
+            </a:lvl6pPr>
+            <a:lvl7pPr marL="2743200" algn="l" defTabSz="914400" rtl="0" eaLnBrk="1" latinLnBrk="1" hangingPunct="1">
+              <a:defRPr sz="1800" kern="1200">
+                <a:solidFill>
+                  <a:schemeClr val="lt1"/>
+                </a:solidFill>
+                <a:latin typeface="+mn-lt"/>
+                <a:ea typeface="+mn-ea"/>
+                <a:cs typeface="+mn-cs"/>
+              </a:defRPr>
+            </a:lvl7pPr>
+            <a:lvl8pPr marL="3200400" algn="l" defTabSz="914400" rtl="0" eaLnBrk="1" latinLnBrk="1" hangingPunct="1">
+              <a:defRPr sz="1800" kern="1200">
+                <a:solidFill>
+                  <a:schemeClr val="lt1"/>
+                </a:solidFill>
+                <a:latin typeface="+mn-lt"/>
+                <a:ea typeface="+mn-ea"/>
+                <a:cs typeface="+mn-cs"/>
+              </a:defRPr>
+            </a:lvl8pPr>
+            <a:lvl9pPr marL="3657600" algn="l" defTabSz="914400" rtl="0" eaLnBrk="1" latinLnBrk="1" hangingPunct="1">
+              <a:defRPr sz="1800" kern="1200">
+                <a:solidFill>
+                  <a:schemeClr val="lt1"/>
+                </a:solidFill>
+                <a:latin typeface="+mn-lt"/>
+                <a:ea typeface="+mn-ea"/>
+                <a:cs typeface="+mn-cs"/>
+              </a:defRPr>
+            </a:lvl9pPr>
+          </a:lstStyle>
+          <a:p>
+            <a:pPr algn="ctr"/>
+            <a:r>
+              <a:rPr lang="en-US" altLang="ko-KR" sz="4800" dirty="0">
+                <a:solidFill>
+                  <a:schemeClr val="bg1"/>
+                </a:solidFill>
+                <a:latin typeface="태나다체 " panose="02000000000000000000" pitchFamily="2" charset="-127"/>
+                <a:ea typeface="태나다체 " panose="02000000000000000000" pitchFamily="2" charset="-127"/>
+              </a:rPr>
+              <a:t>Task</a:t>
+            </a:r>
+            <a:endParaRPr lang="ko-KR" altLang="en-US" sz="4800" dirty="0">
+              <a:solidFill>
+                <a:schemeClr val="bg1"/>
+              </a:solidFill>
+              <a:latin typeface="태나다체 " panose="02000000000000000000" pitchFamily="2" charset="-127"/>
+              <a:ea typeface="태나다체 " panose="02000000000000000000" pitchFamily="2" charset="-127"/>
+            </a:endParaRPr>
+          </a:p>
+        </p:txBody>
+      </p:sp>
+    </p:spTree>
+    <p:extLst>
+      <p:ext uri="{BB962C8B-B14F-4D97-AF65-F5344CB8AC3E}">
+        <p14:creationId xmlns:p14="http://schemas.microsoft.com/office/powerpoint/2010/main" val="2325538909"/>
+      </p:ext>
+    </p:extLst>
+  </p:cSld>
+  <p:clrMapOvr>
+    <a:masterClrMapping/>
+  </p:clrMapOvr>
+</p:sld>
+</file>
+
+<file path=ppt/slides/slide27.xml><?xml version="1.0" encoding="utf-8"?>
+<p:sld xmlns:a="http://schemas.openxmlformats.org/drawingml/2006/main" xmlns:r="http://schemas.openxmlformats.org/officeDocument/2006/relationships" xmlns:p="http://schemas.openxmlformats.org/presentationml/2006/main">
+  <p:cSld>
+    <p:spTree>
+      <p:nvGrpSpPr>
+        <p:cNvPr id="1" name=""/>
+        <p:cNvGrpSpPr/>
+        <p:nvPr/>
+      </p:nvGrpSpPr>
+      <p:grpSpPr>
+        <a:xfrm>
+          <a:off x="0" y="0"/>
+          <a:ext cx="0" cy="0"/>
+          <a:chOff x="0" y="0"/>
+          <a:chExt cx="0" cy="0"/>
+        </a:xfrm>
+      </p:grpSpPr>
+      <p:sp>
+        <p:nvSpPr>
+          <p:cNvPr id="3" name="직사각형 2">
+            <a:extLst>
+              <a:ext uri="{FF2B5EF4-FFF2-40B4-BE49-F238E27FC236}">
+                <a16:creationId xmlns:a16="http://schemas.microsoft.com/office/drawing/2014/main" id="{CE97CBAA-9474-4762-9A45-7F1C1229323D}"/>
+              </a:ext>
+            </a:extLst>
+          </p:cNvPr>
+          <p:cNvSpPr/>
+          <p:nvPr/>
+        </p:nvSpPr>
+        <p:spPr>
+          <a:xfrm>
+            <a:off x="0" y="339365"/>
+            <a:ext cx="3619893" cy="1221117"/>
+          </a:xfrm>
+          <a:prstGeom prst="rect">
+            <a:avLst/>
+          </a:prstGeom>
+          <a:solidFill>
+            <a:schemeClr val="tx1"/>
+          </a:solidFill>
+          <a:ln>
+            <a:solidFill>
+              <a:schemeClr val="tx1"/>
+            </a:solidFill>
+          </a:ln>
+        </p:spPr>
+        <p:style>
+          <a:lnRef idx="2">
+            <a:schemeClr val="accent1">
+              <a:shade val="50000"/>
+            </a:schemeClr>
+          </a:lnRef>
+          <a:fillRef idx="1">
+            <a:schemeClr val="accent1"/>
+          </a:fillRef>
+          <a:effectRef idx="0">
+            <a:schemeClr val="accent1"/>
+          </a:effectRef>
+          <a:fontRef idx="minor">
+            <a:schemeClr val="lt1"/>
+          </a:fontRef>
+        </p:style>
+        <p:txBody>
+          <a:bodyPr rtlCol="0" anchor="ctr"/>
+          <a:lstStyle/>
+          <a:p>
+            <a:pPr algn="ctr"/>
+            <a:r>
+              <a:rPr lang="en-US" altLang="ko-KR" sz="4000" dirty="0">
+                <a:latin typeface="태나다체 " panose="02000000000000000000" pitchFamily="2" charset="-127"/>
+                <a:ea typeface="태나다체 " panose="02000000000000000000" pitchFamily="2" charset="-127"/>
+              </a:rPr>
+              <a:t>TaskTest1</a:t>
+            </a:r>
+            <a:endParaRPr lang="ko-KR" altLang="en-US" sz="4000" dirty="0">
+              <a:latin typeface="태나다체 " panose="02000000000000000000" pitchFamily="2" charset="-127"/>
+              <a:ea typeface="태나다체 " panose="02000000000000000000" pitchFamily="2" charset="-127"/>
+            </a:endParaRPr>
+          </a:p>
+        </p:txBody>
+      </p:sp>
+      <p:pic>
+        <p:nvPicPr>
+          <p:cNvPr id="5" name="그림 4">
+            <a:extLst>
+              <a:ext uri="{FF2B5EF4-FFF2-40B4-BE49-F238E27FC236}">
+                <a16:creationId xmlns:a16="http://schemas.microsoft.com/office/drawing/2014/main" id="{0BC07D90-D1CC-4576-9C90-2365F8AD7A6B}"/>
+              </a:ext>
+            </a:extLst>
+          </p:cNvPr>
+          <p:cNvPicPr>
+            <a:picLocks noChangeAspect="1"/>
+          </p:cNvPicPr>
+          <p:nvPr/>
+        </p:nvPicPr>
+        <p:blipFill>
+          <a:blip r:embed="rId2">
+            <a:extLst>
+              <a:ext uri="{28A0092B-C50C-407E-A947-70E740481C1C}">
+                <a14:useLocalDpi xmlns:a14="http://schemas.microsoft.com/office/drawing/2010/main" val="0"/>
+              </a:ext>
+            </a:extLst>
+          </a:blip>
+          <a:stretch>
+            <a:fillRect/>
+          </a:stretch>
+        </p:blipFill>
+        <p:spPr>
+          <a:xfrm>
+            <a:off x="5642079" y="94268"/>
+            <a:ext cx="4439931" cy="6669464"/>
+          </a:xfrm>
+          <a:prstGeom prst="rect">
+            <a:avLst/>
+          </a:prstGeom>
+        </p:spPr>
+      </p:pic>
+    </p:spTree>
+    <p:extLst>
+      <p:ext uri="{BB962C8B-B14F-4D97-AF65-F5344CB8AC3E}">
+        <p14:creationId xmlns:p14="http://schemas.microsoft.com/office/powerpoint/2010/main" val="827038286"/>
+      </p:ext>
+    </p:extLst>
+  </p:cSld>
+  <p:clrMapOvr>
+    <a:masterClrMapping/>
+  </p:clrMapOvr>
+</p:sld>
+</file>
+
+<file path=ppt/slides/slide28.xml><?xml version="1.0" encoding="utf-8"?>
+<p:sld xmlns:a="http://schemas.openxmlformats.org/drawingml/2006/main" xmlns:r="http://schemas.openxmlformats.org/officeDocument/2006/relationships" xmlns:p="http://schemas.openxmlformats.org/presentationml/2006/main">
+  <p:cSld>
+    <p:spTree>
+      <p:nvGrpSpPr>
+        <p:cNvPr id="1" name=""/>
+        <p:cNvGrpSpPr/>
+        <p:nvPr/>
+      </p:nvGrpSpPr>
+      <p:grpSpPr>
+        <a:xfrm>
+          <a:off x="0" y="0"/>
+          <a:ext cx="0" cy="0"/>
+          <a:chOff x="0" y="0"/>
+          <a:chExt cx="0" cy="0"/>
+        </a:xfrm>
+      </p:grpSpPr>
+      <p:sp>
+        <p:nvSpPr>
+          <p:cNvPr id="3" name="직사각형 2">
+            <a:extLst>
+              <a:ext uri="{FF2B5EF4-FFF2-40B4-BE49-F238E27FC236}">
+                <a16:creationId xmlns:a16="http://schemas.microsoft.com/office/drawing/2014/main" id="{CE97CBAA-9474-4762-9A45-7F1C1229323D}"/>
+              </a:ext>
+            </a:extLst>
+          </p:cNvPr>
+          <p:cNvSpPr/>
+          <p:nvPr/>
+        </p:nvSpPr>
+        <p:spPr>
+          <a:xfrm>
+            <a:off x="0" y="339365"/>
+            <a:ext cx="3619893" cy="1221117"/>
+          </a:xfrm>
+          <a:prstGeom prst="rect">
+            <a:avLst/>
+          </a:prstGeom>
+          <a:solidFill>
+            <a:schemeClr val="tx1"/>
+          </a:solidFill>
+          <a:ln>
+            <a:solidFill>
+              <a:schemeClr val="tx1"/>
+            </a:solidFill>
+          </a:ln>
+        </p:spPr>
+        <p:style>
+          <a:lnRef idx="2">
+            <a:schemeClr val="accent1">
+              <a:shade val="50000"/>
+            </a:schemeClr>
+          </a:lnRef>
+          <a:fillRef idx="1">
+            <a:schemeClr val="accent1"/>
+          </a:fillRef>
+          <a:effectRef idx="0">
+            <a:schemeClr val="accent1"/>
+          </a:effectRef>
+          <a:fontRef idx="minor">
+            <a:schemeClr val="lt1"/>
+          </a:fontRef>
+        </p:style>
+        <p:txBody>
+          <a:bodyPr rtlCol="0" anchor="ctr"/>
+          <a:lstStyle/>
+          <a:p>
+            <a:pPr algn="ctr"/>
+            <a:r>
+              <a:rPr lang="en-US" altLang="ko-KR" sz="4000" dirty="0">
+                <a:latin typeface="태나다체 " panose="02000000000000000000" pitchFamily="2" charset="-127"/>
+                <a:ea typeface="태나다체 " panose="02000000000000000000" pitchFamily="2" charset="-127"/>
+              </a:rPr>
+              <a:t>TaskTest2</a:t>
+            </a:r>
+            <a:endParaRPr lang="ko-KR" altLang="en-US" sz="4000" dirty="0">
+              <a:latin typeface="태나다체 " panose="02000000000000000000" pitchFamily="2" charset="-127"/>
+              <a:ea typeface="태나다체 " panose="02000000000000000000" pitchFamily="2" charset="-127"/>
+            </a:endParaRPr>
+          </a:p>
+        </p:txBody>
+      </p:sp>
+      <p:pic>
+        <p:nvPicPr>
+          <p:cNvPr id="4" name="그림 3">
+            <a:extLst>
+              <a:ext uri="{FF2B5EF4-FFF2-40B4-BE49-F238E27FC236}">
+                <a16:creationId xmlns:a16="http://schemas.microsoft.com/office/drawing/2014/main" id="{E0185171-628B-4467-B630-8EC23CEAC55D}"/>
+              </a:ext>
+            </a:extLst>
+          </p:cNvPr>
+          <p:cNvPicPr>
+            <a:picLocks noChangeAspect="1"/>
+          </p:cNvPicPr>
+          <p:nvPr/>
+        </p:nvPicPr>
+        <p:blipFill>
+          <a:blip r:embed="rId2">
+            <a:extLst>
+              <a:ext uri="{28A0092B-C50C-407E-A947-70E740481C1C}">
+                <a14:useLocalDpi xmlns:a14="http://schemas.microsoft.com/office/drawing/2010/main" val="0"/>
+              </a:ext>
+            </a:extLst>
+          </a:blip>
+          <a:stretch>
+            <a:fillRect/>
+          </a:stretch>
+        </p:blipFill>
+        <p:spPr>
+          <a:xfrm>
+            <a:off x="5385632" y="136688"/>
+            <a:ext cx="4767288" cy="6584623"/>
+          </a:xfrm>
+          <a:prstGeom prst="rect">
+            <a:avLst/>
+          </a:prstGeom>
+        </p:spPr>
+      </p:pic>
+    </p:spTree>
+    <p:extLst>
+      <p:ext uri="{BB962C8B-B14F-4D97-AF65-F5344CB8AC3E}">
+        <p14:creationId xmlns:p14="http://schemas.microsoft.com/office/powerpoint/2010/main" val="3541721962"/>
+      </p:ext>
+    </p:extLst>
+  </p:cSld>
+  <p:clrMapOvr>
+    <a:masterClrMapping/>
+  </p:clrMapOvr>
+</p:sld>
+</file>
+
+<file path=ppt/slides/slide29.xml><?xml version="1.0" encoding="utf-8"?>
+<p:sld xmlns:a="http://schemas.openxmlformats.org/drawingml/2006/main" xmlns:r="http://schemas.openxmlformats.org/officeDocument/2006/relationships" xmlns:p="http://schemas.openxmlformats.org/presentationml/2006/main">
+  <p:cSld>
+    <p:spTree>
+      <p:nvGrpSpPr>
+        <p:cNvPr id="1" name=""/>
+        <p:cNvGrpSpPr/>
+        <p:nvPr/>
+      </p:nvGrpSpPr>
+      <p:grpSpPr>
+        <a:xfrm>
+          <a:off x="0" y="0"/>
+          <a:ext cx="0" cy="0"/>
+          <a:chOff x="0" y="0"/>
+          <a:chExt cx="0" cy="0"/>
+        </a:xfrm>
+      </p:grpSpPr>
+      <p:sp>
+        <p:nvSpPr>
+          <p:cNvPr id="6" name="직사각형 5">
+            <a:extLst>
+              <a:ext uri="{FF2B5EF4-FFF2-40B4-BE49-F238E27FC236}">
+                <a16:creationId xmlns:a16="http://schemas.microsoft.com/office/drawing/2014/main" id="{E7EEDDA4-C768-447B-A35B-AA3E54E7249A}"/>
+              </a:ext>
+            </a:extLst>
+          </p:cNvPr>
+          <p:cNvSpPr/>
+          <p:nvPr/>
+        </p:nvSpPr>
+        <p:spPr>
+          <a:xfrm>
+            <a:off x="0" y="2582771"/>
+            <a:ext cx="12192000" cy="1692458"/>
+          </a:xfrm>
+          <a:prstGeom prst="rect">
+            <a:avLst/>
+          </a:prstGeom>
+          <a:solidFill>
+            <a:schemeClr val="tx1"/>
+          </a:solidFill>
+          <a:ln>
+            <a:solidFill>
+              <a:schemeClr val="tx1"/>
+            </a:solidFill>
+          </a:ln>
+        </p:spPr>
+        <p:style>
+          <a:lnRef idx="2">
+            <a:schemeClr val="accent1">
+              <a:shade val="50000"/>
+            </a:schemeClr>
+          </a:lnRef>
+          <a:fillRef idx="1">
+            <a:schemeClr val="accent1"/>
+          </a:fillRef>
+          <a:effectRef idx="0">
+            <a:schemeClr val="accent1"/>
+          </a:effectRef>
+          <a:fontRef idx="minor">
+            <a:schemeClr val="lt1"/>
+          </a:fontRef>
+        </p:style>
+        <p:txBody>
+          <a:bodyPr rtlCol="0" anchor="ctr"/>
+          <a:lstStyle>
+            <a:defPPr>
+              <a:defRPr lang="ko-KR"/>
+            </a:defPPr>
+            <a:lvl1pPr marL="0" algn="l" defTabSz="914400" rtl="0" eaLnBrk="1" latinLnBrk="1" hangingPunct="1">
+              <a:defRPr sz="1800" kern="1200">
+                <a:solidFill>
+                  <a:schemeClr val="lt1"/>
+                </a:solidFill>
+                <a:latin typeface="+mn-lt"/>
+                <a:ea typeface="+mn-ea"/>
+                <a:cs typeface="+mn-cs"/>
+              </a:defRPr>
+            </a:lvl1pPr>
+            <a:lvl2pPr marL="457200" algn="l" defTabSz="914400" rtl="0" eaLnBrk="1" latinLnBrk="1" hangingPunct="1">
+              <a:defRPr sz="1800" kern="1200">
+                <a:solidFill>
+                  <a:schemeClr val="lt1"/>
+                </a:solidFill>
+                <a:latin typeface="+mn-lt"/>
+                <a:ea typeface="+mn-ea"/>
+                <a:cs typeface="+mn-cs"/>
+              </a:defRPr>
+            </a:lvl2pPr>
+            <a:lvl3pPr marL="914400" algn="l" defTabSz="914400" rtl="0" eaLnBrk="1" latinLnBrk="1" hangingPunct="1">
+              <a:defRPr sz="1800" kern="1200">
+                <a:solidFill>
+                  <a:schemeClr val="lt1"/>
+                </a:solidFill>
+                <a:latin typeface="+mn-lt"/>
+                <a:ea typeface="+mn-ea"/>
+                <a:cs typeface="+mn-cs"/>
+              </a:defRPr>
+            </a:lvl3pPr>
+            <a:lvl4pPr marL="1371600" algn="l" defTabSz="914400" rtl="0" eaLnBrk="1" latinLnBrk="1" hangingPunct="1">
+              <a:defRPr sz="1800" kern="1200">
+                <a:solidFill>
+                  <a:schemeClr val="lt1"/>
+                </a:solidFill>
+                <a:latin typeface="+mn-lt"/>
+                <a:ea typeface="+mn-ea"/>
+                <a:cs typeface="+mn-cs"/>
+              </a:defRPr>
+            </a:lvl4pPr>
+            <a:lvl5pPr marL="1828800" algn="l" defTabSz="914400" rtl="0" eaLnBrk="1" latinLnBrk="1" hangingPunct="1">
+              <a:defRPr sz="1800" kern="1200">
+                <a:solidFill>
+                  <a:schemeClr val="lt1"/>
+                </a:solidFill>
+                <a:latin typeface="+mn-lt"/>
+                <a:ea typeface="+mn-ea"/>
+                <a:cs typeface="+mn-cs"/>
+              </a:defRPr>
+            </a:lvl5pPr>
+            <a:lvl6pPr marL="2286000" algn="l" defTabSz="914400" rtl="0" eaLnBrk="1" latinLnBrk="1" hangingPunct="1">
+              <a:defRPr sz="1800" kern="1200">
+                <a:solidFill>
+                  <a:schemeClr val="lt1"/>
+                </a:solidFill>
+                <a:latin typeface="+mn-lt"/>
+                <a:ea typeface="+mn-ea"/>
+                <a:cs typeface="+mn-cs"/>
+              </a:defRPr>
+            </a:lvl6pPr>
+            <a:lvl7pPr marL="2743200" algn="l" defTabSz="914400" rtl="0" eaLnBrk="1" latinLnBrk="1" hangingPunct="1">
+              <a:defRPr sz="1800" kern="1200">
+                <a:solidFill>
+                  <a:schemeClr val="lt1"/>
+                </a:solidFill>
+                <a:latin typeface="+mn-lt"/>
+                <a:ea typeface="+mn-ea"/>
+                <a:cs typeface="+mn-cs"/>
+              </a:defRPr>
+            </a:lvl7pPr>
+            <a:lvl8pPr marL="3200400" algn="l" defTabSz="914400" rtl="0" eaLnBrk="1" latinLnBrk="1" hangingPunct="1">
+              <a:defRPr sz="1800" kern="1200">
+                <a:solidFill>
+                  <a:schemeClr val="lt1"/>
+                </a:solidFill>
+                <a:latin typeface="+mn-lt"/>
+                <a:ea typeface="+mn-ea"/>
+                <a:cs typeface="+mn-cs"/>
+              </a:defRPr>
+            </a:lvl8pPr>
+            <a:lvl9pPr marL="3657600" algn="l" defTabSz="914400" rtl="0" eaLnBrk="1" latinLnBrk="1" hangingPunct="1">
+              <a:defRPr sz="1800" kern="1200">
+                <a:solidFill>
+                  <a:schemeClr val="lt1"/>
+                </a:solidFill>
+                <a:latin typeface="+mn-lt"/>
+                <a:ea typeface="+mn-ea"/>
+                <a:cs typeface="+mn-cs"/>
+              </a:defRPr>
+            </a:lvl9pPr>
+          </a:lstStyle>
+          <a:p>
+            <a:pPr algn="ctr"/>
+            <a:r>
+              <a:rPr lang="en-US" altLang="ko-KR" sz="4800" dirty="0">
+                <a:solidFill>
+                  <a:schemeClr val="bg1"/>
+                </a:solidFill>
+                <a:latin typeface="태나다체 " panose="02000000000000000000" pitchFamily="2" charset="-127"/>
+                <a:ea typeface="태나다체 " panose="02000000000000000000" pitchFamily="2" charset="-127"/>
+              </a:rPr>
+              <a:t>Async</a:t>
+            </a:r>
+            <a:endParaRPr lang="ko-KR" altLang="en-US" sz="4800" dirty="0">
+              <a:solidFill>
+                <a:schemeClr val="bg1"/>
+              </a:solidFill>
+              <a:latin typeface="태나다체 " panose="02000000000000000000" pitchFamily="2" charset="-127"/>
+              <a:ea typeface="태나다체 " panose="02000000000000000000" pitchFamily="2" charset="-127"/>
+            </a:endParaRPr>
+          </a:p>
+        </p:txBody>
+      </p:sp>
+    </p:spTree>
+    <p:extLst>
+      <p:ext uri="{BB962C8B-B14F-4D97-AF65-F5344CB8AC3E}">
+        <p14:creationId xmlns:p14="http://schemas.microsoft.com/office/powerpoint/2010/main" val="3827072173"/>
+      </p:ext>
+    </p:extLst>
+  </p:cSld>
+  <p:clrMapOvr>
+    <a:masterClrMapping/>
+  </p:clrMapOvr>
+</p:sld>
+</file>
+
+<file path=ppt/slides/slide3.xml><?xml version="1.0" encoding="utf-8"?>
+<p:sld xmlns:a="http://schemas.openxmlformats.org/drawingml/2006/main" xmlns:r="http://schemas.openxmlformats.org/officeDocument/2006/relationships" xmlns:p="http://schemas.openxmlformats.org/presentationml/2006/main">
+  <p:cSld>
+    <p:spTree>
+      <p:nvGrpSpPr>
+        <p:cNvPr id="1" name=""/>
+        <p:cNvGrpSpPr/>
+        <p:nvPr/>
+      </p:nvGrpSpPr>
+      <p:grpSpPr>
+        <a:xfrm>
+          <a:off x="0" y="0"/>
+          <a:ext cx="0" cy="0"/>
+          <a:chOff x="0" y="0"/>
+          <a:chExt cx="0" cy="0"/>
+        </a:xfrm>
+      </p:grpSpPr>
+      <p:sp>
+        <p:nvSpPr>
+          <p:cNvPr id="3" name="직사각형 2">
+            <a:extLst>
+              <a:ext uri="{FF2B5EF4-FFF2-40B4-BE49-F238E27FC236}">
+                <a16:creationId xmlns:a16="http://schemas.microsoft.com/office/drawing/2014/main" id="{CE97CBAA-9474-4762-9A45-7F1C1229323D}"/>
+              </a:ext>
+            </a:extLst>
+          </p:cNvPr>
+          <p:cNvSpPr/>
+          <p:nvPr/>
+        </p:nvSpPr>
+        <p:spPr>
+          <a:xfrm>
+            <a:off x="0" y="339365"/>
+            <a:ext cx="3619893" cy="1221117"/>
+          </a:xfrm>
+          <a:prstGeom prst="rect">
+            <a:avLst/>
+          </a:prstGeom>
+          <a:solidFill>
+            <a:schemeClr val="tx1"/>
+          </a:solidFill>
+          <a:ln>
+            <a:solidFill>
+              <a:schemeClr val="tx1"/>
+            </a:solidFill>
+          </a:ln>
+        </p:spPr>
+        <p:style>
+          <a:lnRef idx="2">
+            <a:schemeClr val="accent1">
+              <a:shade val="50000"/>
+            </a:schemeClr>
+          </a:lnRef>
+          <a:fillRef idx="1">
+            <a:schemeClr val="accent1"/>
+          </a:fillRef>
+          <a:effectRef idx="0">
+            <a:schemeClr val="accent1"/>
+          </a:effectRef>
+          <a:fontRef idx="minor">
+            <a:schemeClr val="lt1"/>
+          </a:fontRef>
+        </p:style>
+        <p:txBody>
+          <a:bodyPr rtlCol="0" anchor="ctr"/>
+          <a:lstStyle/>
+          <a:p>
+            <a:pPr algn="ctr"/>
+            <a:r>
+              <a:rPr lang="ko-KR" altLang="en-US" sz="3600" dirty="0">
+                <a:solidFill>
+                  <a:schemeClr val="bg1"/>
+                </a:solidFill>
+                <a:latin typeface="태나다체 " panose="02000000000000000000" pitchFamily="2" charset="-127"/>
+                <a:ea typeface="태나다체 " panose="02000000000000000000" pitchFamily="2" charset="-127"/>
+              </a:rPr>
+              <a:t>스레드 사용 방법</a:t>
+            </a:r>
+          </a:p>
+        </p:txBody>
+      </p:sp>
+      <p:sp>
+        <p:nvSpPr>
+          <p:cNvPr id="4" name="직사각형 3">
+            <a:extLst>
+              <a:ext uri="{FF2B5EF4-FFF2-40B4-BE49-F238E27FC236}">
+                <a16:creationId xmlns:a16="http://schemas.microsoft.com/office/drawing/2014/main" id="{E6623C1D-3AFF-46E1-A505-904A011B63E0}"/>
+              </a:ext>
+            </a:extLst>
+          </p:cNvPr>
+          <p:cNvSpPr/>
+          <p:nvPr/>
+        </p:nvSpPr>
+        <p:spPr>
+          <a:xfrm>
+            <a:off x="517838" y="3429000"/>
+            <a:ext cx="11156323" cy="1015663"/>
+          </a:xfrm>
+          <a:prstGeom prst="rect">
+            <a:avLst/>
+          </a:prstGeom>
+        </p:spPr>
+        <p:txBody>
+          <a:bodyPr wrap="none">
+            <a:spAutoFit/>
+          </a:bodyPr>
+          <a:lstStyle/>
+          <a:p>
+            <a:pPr algn="ctr"/>
+            <a:r>
+              <a:rPr lang="en-US" altLang="ko-KR" sz="6000" dirty="0">
+                <a:latin typeface="배달의민족 주아" panose="02020603020101020101" pitchFamily="18" charset="-127"/>
+                <a:ea typeface="배달의민족 주아" panose="02020603020101020101" pitchFamily="18" charset="-127"/>
+              </a:rPr>
+              <a:t>Thread, </a:t>
+            </a:r>
+            <a:r>
+              <a:rPr lang="en-US" altLang="ko-KR" sz="6000" dirty="0" err="1">
+                <a:latin typeface="배달의민족 주아" panose="02020603020101020101" pitchFamily="18" charset="-127"/>
+                <a:ea typeface="배달의민족 주아" panose="02020603020101020101" pitchFamily="18" charset="-127"/>
+              </a:rPr>
+              <a:t>ThreadPool</a:t>
+            </a:r>
+            <a:r>
+              <a:rPr lang="en-US" altLang="ko-KR" sz="6000" dirty="0">
+                <a:latin typeface="배달의민족 주아" panose="02020603020101020101" pitchFamily="18" charset="-127"/>
+                <a:ea typeface="배달의민족 주아" panose="02020603020101020101" pitchFamily="18" charset="-127"/>
+              </a:rPr>
+              <a:t>, Task, Async</a:t>
+            </a:r>
+            <a:endParaRPr lang="ko-KR" altLang="en-US" sz="6000" dirty="0">
+              <a:latin typeface="배달의민족 주아" panose="02020603020101020101" pitchFamily="18" charset="-127"/>
+              <a:ea typeface="배달의민족 주아" panose="02020603020101020101" pitchFamily="18" charset="-127"/>
+            </a:endParaRPr>
+          </a:p>
+        </p:txBody>
+      </p:sp>
+    </p:spTree>
+    <p:extLst>
+      <p:ext uri="{BB962C8B-B14F-4D97-AF65-F5344CB8AC3E}">
+        <p14:creationId xmlns:p14="http://schemas.microsoft.com/office/powerpoint/2010/main" val="1831033514"/>
+      </p:ext>
+    </p:extLst>
+  </p:cSld>
+  <p:clrMapOvr>
+    <a:masterClrMapping/>
+  </p:clrMapOvr>
+</p:sld>
+</file>
+
+<file path=ppt/slides/slide30.xml><?xml version="1.0" encoding="utf-8"?>
+<p:sld xmlns:a="http://schemas.openxmlformats.org/drawingml/2006/main" xmlns:r="http://schemas.openxmlformats.org/officeDocument/2006/relationships" xmlns:p="http://schemas.openxmlformats.org/presentationml/2006/main">
+  <p:cSld>
+    <p:spTree>
+      <p:nvGrpSpPr>
+        <p:cNvPr id="1" name=""/>
+        <p:cNvGrpSpPr/>
+        <p:nvPr/>
+      </p:nvGrpSpPr>
+      <p:grpSpPr>
+        <a:xfrm>
+          <a:off x="0" y="0"/>
+          <a:ext cx="0" cy="0"/>
+          <a:chOff x="0" y="0"/>
+          <a:chExt cx="0" cy="0"/>
+        </a:xfrm>
+      </p:grpSpPr>
+      <p:sp>
+        <p:nvSpPr>
+          <p:cNvPr id="3" name="직사각형 2">
+            <a:extLst>
+              <a:ext uri="{FF2B5EF4-FFF2-40B4-BE49-F238E27FC236}">
+                <a16:creationId xmlns:a16="http://schemas.microsoft.com/office/drawing/2014/main" id="{CE97CBAA-9474-4762-9A45-7F1C1229323D}"/>
+              </a:ext>
+            </a:extLst>
+          </p:cNvPr>
+          <p:cNvSpPr/>
+          <p:nvPr/>
+        </p:nvSpPr>
+        <p:spPr>
+          <a:xfrm>
+            <a:off x="0" y="339365"/>
+            <a:ext cx="3619893" cy="1221117"/>
+          </a:xfrm>
+          <a:prstGeom prst="rect">
+            <a:avLst/>
+          </a:prstGeom>
+          <a:solidFill>
+            <a:schemeClr val="tx1"/>
+          </a:solidFill>
+          <a:ln>
+            <a:solidFill>
+              <a:schemeClr val="tx1"/>
+            </a:solidFill>
+          </a:ln>
+        </p:spPr>
+        <p:style>
+          <a:lnRef idx="2">
+            <a:schemeClr val="accent1">
+              <a:shade val="50000"/>
+            </a:schemeClr>
+          </a:lnRef>
+          <a:fillRef idx="1">
+            <a:schemeClr val="accent1"/>
+          </a:fillRef>
+          <a:effectRef idx="0">
+            <a:schemeClr val="accent1"/>
+          </a:effectRef>
+          <a:fontRef idx="minor">
+            <a:schemeClr val="lt1"/>
+          </a:fontRef>
+        </p:style>
+        <p:txBody>
+          <a:bodyPr rtlCol="0" anchor="ctr"/>
+          <a:lstStyle/>
+          <a:p>
+            <a:pPr algn="ctr"/>
+            <a:r>
+              <a:rPr lang="en-US" altLang="ko-KR" sz="4000" dirty="0">
+                <a:latin typeface="태나다체 " panose="02000000000000000000" pitchFamily="2" charset="-127"/>
+                <a:ea typeface="태나다체 " panose="02000000000000000000" pitchFamily="2" charset="-127"/>
+              </a:rPr>
+              <a:t>AsyncTest1</a:t>
+            </a:r>
+            <a:endParaRPr lang="ko-KR" altLang="en-US" sz="4000" dirty="0">
+              <a:latin typeface="태나다체 " panose="02000000000000000000" pitchFamily="2" charset="-127"/>
+              <a:ea typeface="태나다체 " panose="02000000000000000000" pitchFamily="2" charset="-127"/>
+            </a:endParaRPr>
+          </a:p>
+        </p:txBody>
+      </p:sp>
+      <p:pic>
+        <p:nvPicPr>
+          <p:cNvPr id="5" name="그림 4">
+            <a:extLst>
+              <a:ext uri="{FF2B5EF4-FFF2-40B4-BE49-F238E27FC236}">
+                <a16:creationId xmlns:a16="http://schemas.microsoft.com/office/drawing/2014/main" id="{725E4E41-2435-4365-A11F-949208201A13}"/>
+              </a:ext>
+            </a:extLst>
+          </p:cNvPr>
+          <p:cNvPicPr>
+            <a:picLocks noChangeAspect="1"/>
+          </p:cNvPicPr>
+          <p:nvPr/>
+        </p:nvPicPr>
+        <p:blipFill>
+          <a:blip r:embed="rId2">
+            <a:extLst>
+              <a:ext uri="{28A0092B-C50C-407E-A947-70E740481C1C}">
+                <a14:useLocalDpi xmlns:a14="http://schemas.microsoft.com/office/drawing/2010/main" val="0"/>
+              </a:ext>
+            </a:extLst>
+          </a:blip>
+          <a:stretch>
+            <a:fillRect/>
+          </a:stretch>
+        </p:blipFill>
+        <p:spPr>
+          <a:xfrm>
+            <a:off x="4690474" y="301657"/>
+            <a:ext cx="6071540" cy="6254685"/>
+          </a:xfrm>
+          <a:prstGeom prst="rect">
+            <a:avLst/>
+          </a:prstGeom>
+        </p:spPr>
+      </p:pic>
+    </p:spTree>
+    <p:extLst>
+      <p:ext uri="{BB962C8B-B14F-4D97-AF65-F5344CB8AC3E}">
+        <p14:creationId xmlns:p14="http://schemas.microsoft.com/office/powerpoint/2010/main" val="3377354753"/>
+      </p:ext>
+    </p:extLst>
+  </p:cSld>
+  <p:clrMapOvr>
+    <a:masterClrMapping/>
+  </p:clrMapOvr>
+</p:sld>
+</file>
+
+<file path=ppt/slides/slide31.xml><?xml version="1.0" encoding="utf-8"?>
+<p:sld xmlns:a="http://schemas.openxmlformats.org/drawingml/2006/main" xmlns:r="http://schemas.openxmlformats.org/officeDocument/2006/relationships" xmlns:p="http://schemas.openxmlformats.org/presentationml/2006/main">
+  <p:cSld>
+    <p:spTree>
+      <p:nvGrpSpPr>
+        <p:cNvPr id="1" name=""/>
+        <p:cNvGrpSpPr/>
+        <p:nvPr/>
+      </p:nvGrpSpPr>
+      <p:grpSpPr>
+        <a:xfrm>
+          <a:off x="0" y="0"/>
+          <a:ext cx="0" cy="0"/>
+          <a:chOff x="0" y="0"/>
+          <a:chExt cx="0" cy="0"/>
+        </a:xfrm>
+      </p:grpSpPr>
+      <p:sp>
+        <p:nvSpPr>
+          <p:cNvPr id="3" name="직사각형 2">
+            <a:extLst>
+              <a:ext uri="{FF2B5EF4-FFF2-40B4-BE49-F238E27FC236}">
+                <a16:creationId xmlns:a16="http://schemas.microsoft.com/office/drawing/2014/main" id="{CE97CBAA-9474-4762-9A45-7F1C1229323D}"/>
+              </a:ext>
+            </a:extLst>
+          </p:cNvPr>
+          <p:cNvSpPr/>
+          <p:nvPr/>
+        </p:nvSpPr>
+        <p:spPr>
+          <a:xfrm>
+            <a:off x="0" y="339365"/>
+            <a:ext cx="3619893" cy="1221117"/>
+          </a:xfrm>
+          <a:prstGeom prst="rect">
+            <a:avLst/>
+          </a:prstGeom>
+          <a:solidFill>
+            <a:schemeClr val="tx1"/>
+          </a:solidFill>
+          <a:ln>
+            <a:solidFill>
+              <a:schemeClr val="tx1"/>
+            </a:solidFill>
+          </a:ln>
+        </p:spPr>
+        <p:style>
+          <a:lnRef idx="2">
+            <a:schemeClr val="accent1">
+              <a:shade val="50000"/>
+            </a:schemeClr>
+          </a:lnRef>
+          <a:fillRef idx="1">
+            <a:schemeClr val="accent1"/>
+          </a:fillRef>
+          <a:effectRef idx="0">
+            <a:schemeClr val="accent1"/>
+          </a:effectRef>
+          <a:fontRef idx="minor">
+            <a:schemeClr val="lt1"/>
+          </a:fontRef>
+        </p:style>
+        <p:txBody>
+          <a:bodyPr rtlCol="0" anchor="ctr"/>
+          <a:lstStyle/>
+          <a:p>
+            <a:pPr algn="ctr"/>
+            <a:r>
+              <a:rPr lang="en-US" altLang="ko-KR" sz="4000" dirty="0">
+                <a:latin typeface="태나다체 " panose="02000000000000000000" pitchFamily="2" charset="-127"/>
+                <a:ea typeface="태나다체 " panose="02000000000000000000" pitchFamily="2" charset="-127"/>
+              </a:rPr>
+              <a:t>AsyncTest2</a:t>
+            </a:r>
+            <a:endParaRPr lang="ko-KR" altLang="en-US" sz="4000" dirty="0">
+              <a:latin typeface="태나다체 " panose="02000000000000000000" pitchFamily="2" charset="-127"/>
+              <a:ea typeface="태나다체 " panose="02000000000000000000" pitchFamily="2" charset="-127"/>
+            </a:endParaRPr>
+          </a:p>
+        </p:txBody>
+      </p:sp>
+      <p:pic>
+        <p:nvPicPr>
+          <p:cNvPr id="4" name="그림 3">
+            <a:extLst>
+              <a:ext uri="{FF2B5EF4-FFF2-40B4-BE49-F238E27FC236}">
+                <a16:creationId xmlns:a16="http://schemas.microsoft.com/office/drawing/2014/main" id="{0FB9A65A-EEDB-4369-AE25-38EC38123891}"/>
+              </a:ext>
+            </a:extLst>
+          </p:cNvPr>
+          <p:cNvPicPr>
+            <a:picLocks noChangeAspect="1"/>
+          </p:cNvPicPr>
+          <p:nvPr/>
+        </p:nvPicPr>
+        <p:blipFill>
+          <a:blip r:embed="rId2">
+            <a:extLst>
+              <a:ext uri="{28A0092B-C50C-407E-A947-70E740481C1C}">
+                <a14:useLocalDpi xmlns:a14="http://schemas.microsoft.com/office/drawing/2010/main" val="0"/>
+              </a:ext>
+            </a:extLst>
+          </a:blip>
+          <a:stretch>
+            <a:fillRect/>
+          </a:stretch>
+        </p:blipFill>
+        <p:spPr>
+          <a:xfrm>
+            <a:off x="4666716" y="273377"/>
+            <a:ext cx="6430427" cy="6311245"/>
+          </a:xfrm>
+          <a:prstGeom prst="rect">
+            <a:avLst/>
+          </a:prstGeom>
+        </p:spPr>
+      </p:pic>
+    </p:spTree>
+    <p:extLst>
+      <p:ext uri="{BB962C8B-B14F-4D97-AF65-F5344CB8AC3E}">
+        <p14:creationId xmlns:p14="http://schemas.microsoft.com/office/powerpoint/2010/main" val="3516790080"/>
+      </p:ext>
+    </p:extLst>
+  </p:cSld>
+  <p:clrMapOvr>
+    <a:masterClrMapping/>
+  </p:clrMapOvr>
+</p:sld>
+</file>
+
+<file path=ppt/slides/slide32.xml><?xml version="1.0" encoding="utf-8"?>
+<p:sld xmlns:a="http://schemas.openxmlformats.org/drawingml/2006/main" xmlns:r="http://schemas.openxmlformats.org/officeDocument/2006/relationships" xmlns:p="http://schemas.openxmlformats.org/presentationml/2006/main">
+  <p:cSld>
+    <p:spTree>
+      <p:nvGrpSpPr>
+        <p:cNvPr id="1" name=""/>
+        <p:cNvGrpSpPr/>
+        <p:nvPr/>
+      </p:nvGrpSpPr>
+      <p:grpSpPr>
+        <a:xfrm>
+          <a:off x="0" y="0"/>
+          <a:ext cx="0" cy="0"/>
+          <a:chOff x="0" y="0"/>
+          <a:chExt cx="0" cy="0"/>
+        </a:xfrm>
+      </p:grpSpPr>
+      <p:sp>
+        <p:nvSpPr>
+          <p:cNvPr id="3" name="직사각형 2">
+            <a:extLst>
+              <a:ext uri="{FF2B5EF4-FFF2-40B4-BE49-F238E27FC236}">
+                <a16:creationId xmlns:a16="http://schemas.microsoft.com/office/drawing/2014/main" id="{CE97CBAA-9474-4762-9A45-7F1C1229323D}"/>
+              </a:ext>
+            </a:extLst>
+          </p:cNvPr>
+          <p:cNvSpPr/>
+          <p:nvPr/>
+        </p:nvSpPr>
+        <p:spPr>
+          <a:xfrm>
+            <a:off x="0" y="339365"/>
+            <a:ext cx="3619893" cy="1221117"/>
+          </a:xfrm>
+          <a:prstGeom prst="rect">
+            <a:avLst/>
+          </a:prstGeom>
+          <a:solidFill>
+            <a:schemeClr val="tx1"/>
+          </a:solidFill>
+          <a:ln>
+            <a:solidFill>
+              <a:schemeClr val="tx1"/>
+            </a:solidFill>
+          </a:ln>
+        </p:spPr>
+        <p:style>
+          <a:lnRef idx="2">
+            <a:schemeClr val="accent1">
+              <a:shade val="50000"/>
+            </a:schemeClr>
+          </a:lnRef>
+          <a:fillRef idx="1">
+            <a:schemeClr val="accent1"/>
+          </a:fillRef>
+          <a:effectRef idx="0">
+            <a:schemeClr val="accent1"/>
+          </a:effectRef>
+          <a:fontRef idx="minor">
+            <a:schemeClr val="lt1"/>
+          </a:fontRef>
+        </p:style>
+        <p:txBody>
+          <a:bodyPr rtlCol="0" anchor="ctr"/>
+          <a:lstStyle/>
+          <a:p>
+            <a:pPr algn="ctr"/>
+            <a:r>
+              <a:rPr lang="en-US" altLang="ko-KR" sz="4000" dirty="0">
+                <a:latin typeface="태나다체 " panose="02000000000000000000" pitchFamily="2" charset="-127"/>
+                <a:ea typeface="태나다체 " panose="02000000000000000000" pitchFamily="2" charset="-127"/>
+              </a:rPr>
+              <a:t>AsyncTest3</a:t>
+            </a:r>
+            <a:endParaRPr lang="ko-KR" altLang="en-US" sz="4000" dirty="0">
+              <a:latin typeface="태나다체 " panose="02000000000000000000" pitchFamily="2" charset="-127"/>
+              <a:ea typeface="태나다체 " panose="02000000000000000000" pitchFamily="2" charset="-127"/>
+            </a:endParaRPr>
+          </a:p>
+        </p:txBody>
+      </p:sp>
+      <p:pic>
+        <p:nvPicPr>
+          <p:cNvPr id="5" name="그림 4">
+            <a:extLst>
+              <a:ext uri="{FF2B5EF4-FFF2-40B4-BE49-F238E27FC236}">
+                <a16:creationId xmlns:a16="http://schemas.microsoft.com/office/drawing/2014/main" id="{5A3CF01D-33E2-4F1B-A227-ECD7671E1C82}"/>
+              </a:ext>
+            </a:extLst>
+          </p:cNvPr>
+          <p:cNvPicPr>
+            <a:picLocks noChangeAspect="1"/>
+          </p:cNvPicPr>
+          <p:nvPr/>
+        </p:nvPicPr>
+        <p:blipFill>
+          <a:blip r:embed="rId2">
+            <a:extLst>
+              <a:ext uri="{28A0092B-C50C-407E-A947-70E740481C1C}">
+                <a14:useLocalDpi xmlns:a14="http://schemas.microsoft.com/office/drawing/2010/main" val="0"/>
+              </a:ext>
+            </a:extLst>
+          </a:blip>
+          <a:stretch>
+            <a:fillRect/>
+          </a:stretch>
+        </p:blipFill>
+        <p:spPr>
+          <a:xfrm>
+            <a:off x="4435004" y="365801"/>
+            <a:ext cx="7093977" cy="6126398"/>
+          </a:xfrm>
+          <a:prstGeom prst="rect">
+            <a:avLst/>
+          </a:prstGeom>
+        </p:spPr>
+      </p:pic>
+    </p:spTree>
+    <p:extLst>
+      <p:ext uri="{BB962C8B-B14F-4D97-AF65-F5344CB8AC3E}">
+        <p14:creationId xmlns:p14="http://schemas.microsoft.com/office/powerpoint/2010/main" val="980473665"/>
+      </p:ext>
+    </p:extLst>
+  </p:cSld>
+  <p:clrMapOvr>
+    <a:masterClrMapping/>
+  </p:clrMapOvr>
+</p:sld>
+</file>
+
+<file path=ppt/slides/slide33.xml><?xml version="1.0" encoding="utf-8"?>
+<p:sld xmlns:a="http://schemas.openxmlformats.org/drawingml/2006/main" xmlns:r="http://schemas.openxmlformats.org/officeDocument/2006/relationships" xmlns:p="http://schemas.openxmlformats.org/presentationml/2006/main">
+  <p:cSld>
+    <p:spTree>
+      <p:nvGrpSpPr>
+        <p:cNvPr id="1" name=""/>
+        <p:cNvGrpSpPr/>
+        <p:nvPr/>
+      </p:nvGrpSpPr>
+      <p:grpSpPr>
+        <a:xfrm>
+          <a:off x="0" y="0"/>
+          <a:ext cx="0" cy="0"/>
+          <a:chOff x="0" y="0"/>
+          <a:chExt cx="0" cy="0"/>
+        </a:xfrm>
+      </p:grpSpPr>
+      <p:sp>
+        <p:nvSpPr>
+          <p:cNvPr id="3" name="직사각형 2">
+            <a:extLst>
+              <a:ext uri="{FF2B5EF4-FFF2-40B4-BE49-F238E27FC236}">
+                <a16:creationId xmlns:a16="http://schemas.microsoft.com/office/drawing/2014/main" id="{CE97CBAA-9474-4762-9A45-7F1C1229323D}"/>
+              </a:ext>
+            </a:extLst>
+          </p:cNvPr>
+          <p:cNvSpPr/>
+          <p:nvPr/>
+        </p:nvSpPr>
+        <p:spPr>
+          <a:xfrm>
+            <a:off x="0" y="339365"/>
+            <a:ext cx="3619893" cy="1221117"/>
+          </a:xfrm>
+          <a:prstGeom prst="rect">
+            <a:avLst/>
+          </a:prstGeom>
+          <a:solidFill>
+            <a:schemeClr val="tx1"/>
+          </a:solidFill>
+          <a:ln>
+            <a:solidFill>
+              <a:schemeClr val="tx1"/>
+            </a:solidFill>
+          </a:ln>
+        </p:spPr>
+        <p:style>
+          <a:lnRef idx="2">
+            <a:schemeClr val="accent1">
+              <a:shade val="50000"/>
+            </a:schemeClr>
+          </a:lnRef>
+          <a:fillRef idx="1">
+            <a:schemeClr val="accent1"/>
+          </a:fillRef>
+          <a:effectRef idx="0">
+            <a:schemeClr val="accent1"/>
+          </a:effectRef>
+          <a:fontRef idx="minor">
+            <a:schemeClr val="lt1"/>
+          </a:fontRef>
+        </p:style>
+        <p:txBody>
+          <a:bodyPr rtlCol="0" anchor="ctr"/>
+          <a:lstStyle/>
+          <a:p>
+            <a:pPr algn="ctr"/>
+            <a:r>
+              <a:rPr lang="en-US" altLang="ko-KR" sz="4000" dirty="0">
+                <a:latin typeface="태나다체 " panose="02000000000000000000" pitchFamily="2" charset="-127"/>
+                <a:ea typeface="태나다체 " panose="02000000000000000000" pitchFamily="2" charset="-127"/>
+              </a:rPr>
+              <a:t>AsyncTest4</a:t>
+            </a:r>
+            <a:endParaRPr lang="ko-KR" altLang="en-US" sz="4000" dirty="0">
+              <a:latin typeface="태나다체 " panose="02000000000000000000" pitchFamily="2" charset="-127"/>
+              <a:ea typeface="태나다체 " panose="02000000000000000000" pitchFamily="2" charset="-127"/>
+            </a:endParaRPr>
+          </a:p>
+        </p:txBody>
+      </p:sp>
+      <p:pic>
+        <p:nvPicPr>
+          <p:cNvPr id="4" name="그림 3">
+            <a:extLst>
+              <a:ext uri="{FF2B5EF4-FFF2-40B4-BE49-F238E27FC236}">
+                <a16:creationId xmlns:a16="http://schemas.microsoft.com/office/drawing/2014/main" id="{7DCE2FE2-1D23-47B8-A6B6-60A2DB472075}"/>
+              </a:ext>
+            </a:extLst>
+          </p:cNvPr>
+          <p:cNvPicPr>
+            <a:picLocks noChangeAspect="1"/>
+          </p:cNvPicPr>
+          <p:nvPr/>
+        </p:nvPicPr>
+        <p:blipFill>
+          <a:blip r:embed="rId2">
+            <a:extLst>
+              <a:ext uri="{28A0092B-C50C-407E-A947-70E740481C1C}">
+                <a14:useLocalDpi xmlns:a14="http://schemas.microsoft.com/office/drawing/2010/main" val="0"/>
+              </a:ext>
+            </a:extLst>
+          </a:blip>
+          <a:stretch>
+            <a:fillRect/>
+          </a:stretch>
+        </p:blipFill>
+        <p:spPr>
+          <a:xfrm>
+            <a:off x="4350163" y="353505"/>
+            <a:ext cx="7122453" cy="6150990"/>
+          </a:xfrm>
+          <a:prstGeom prst="rect">
+            <a:avLst/>
+          </a:prstGeom>
+        </p:spPr>
+      </p:pic>
+    </p:spTree>
+    <p:extLst>
+      <p:ext uri="{BB962C8B-B14F-4D97-AF65-F5344CB8AC3E}">
+        <p14:creationId xmlns:p14="http://schemas.microsoft.com/office/powerpoint/2010/main" val="1023889786"/>
+      </p:ext>
+    </p:extLst>
+  </p:cSld>
+  <p:clrMapOvr>
+    <a:masterClrMapping/>
+  </p:clrMapOvr>
+</p:sld>
+</file>
+
+<file path=ppt/slides/slide34.xml><?xml version="1.0" encoding="utf-8"?>
+<p:sld xmlns:a="http://schemas.openxmlformats.org/drawingml/2006/main" xmlns:r="http://schemas.openxmlformats.org/officeDocument/2006/relationships" xmlns:p="http://schemas.openxmlformats.org/presentationml/2006/main">
+  <p:cSld>
+    <p:spTree>
+      <p:nvGrpSpPr>
+        <p:cNvPr id="1" name=""/>
+        <p:cNvGrpSpPr/>
+        <p:nvPr/>
+      </p:nvGrpSpPr>
+      <p:grpSpPr>
+        <a:xfrm>
+          <a:off x="0" y="0"/>
+          <a:ext cx="0" cy="0"/>
+          <a:chOff x="0" y="0"/>
+          <a:chExt cx="0" cy="0"/>
+        </a:xfrm>
+      </p:grpSpPr>
+      <p:sp>
+        <p:nvSpPr>
+          <p:cNvPr id="6" name="직사각형 5">
+            <a:extLst>
+              <a:ext uri="{FF2B5EF4-FFF2-40B4-BE49-F238E27FC236}">
+                <a16:creationId xmlns:a16="http://schemas.microsoft.com/office/drawing/2014/main" id="{E7EEDDA4-C768-447B-A35B-AA3E54E7249A}"/>
+              </a:ext>
+            </a:extLst>
+          </p:cNvPr>
+          <p:cNvSpPr/>
+          <p:nvPr/>
+        </p:nvSpPr>
+        <p:spPr>
+          <a:xfrm>
+            <a:off x="0" y="2582771"/>
+            <a:ext cx="12192000" cy="1692458"/>
+          </a:xfrm>
+          <a:prstGeom prst="rect">
+            <a:avLst/>
+          </a:prstGeom>
+          <a:solidFill>
+            <a:schemeClr val="tx1"/>
+          </a:solidFill>
+          <a:ln>
+            <a:solidFill>
+              <a:schemeClr val="tx1"/>
+            </a:solidFill>
+          </a:ln>
+        </p:spPr>
+        <p:style>
+          <a:lnRef idx="2">
+            <a:schemeClr val="accent1">
+              <a:shade val="50000"/>
+            </a:schemeClr>
+          </a:lnRef>
+          <a:fillRef idx="1">
+            <a:schemeClr val="accent1"/>
+          </a:fillRef>
+          <a:effectRef idx="0">
+            <a:schemeClr val="accent1"/>
+          </a:effectRef>
+          <a:fontRef idx="minor">
+            <a:schemeClr val="lt1"/>
+          </a:fontRef>
+        </p:style>
+        <p:txBody>
+          <a:bodyPr rtlCol="0" anchor="ctr"/>
+          <a:lstStyle>
+            <a:defPPr>
+              <a:defRPr lang="ko-KR"/>
+            </a:defPPr>
+            <a:lvl1pPr marL="0" algn="l" defTabSz="914400" rtl="0" eaLnBrk="1" latinLnBrk="1" hangingPunct="1">
+              <a:defRPr sz="1800" kern="1200">
+                <a:solidFill>
+                  <a:schemeClr val="lt1"/>
+                </a:solidFill>
+                <a:latin typeface="+mn-lt"/>
+                <a:ea typeface="+mn-ea"/>
+                <a:cs typeface="+mn-cs"/>
+              </a:defRPr>
+            </a:lvl1pPr>
+            <a:lvl2pPr marL="457200" algn="l" defTabSz="914400" rtl="0" eaLnBrk="1" latinLnBrk="1" hangingPunct="1">
+              <a:defRPr sz="1800" kern="1200">
+                <a:solidFill>
+                  <a:schemeClr val="lt1"/>
+                </a:solidFill>
+                <a:latin typeface="+mn-lt"/>
+                <a:ea typeface="+mn-ea"/>
+                <a:cs typeface="+mn-cs"/>
+              </a:defRPr>
+            </a:lvl2pPr>
+            <a:lvl3pPr marL="914400" algn="l" defTabSz="914400" rtl="0" eaLnBrk="1" latinLnBrk="1" hangingPunct="1">
+              <a:defRPr sz="1800" kern="1200">
+                <a:solidFill>
+                  <a:schemeClr val="lt1"/>
+                </a:solidFill>
+                <a:latin typeface="+mn-lt"/>
+                <a:ea typeface="+mn-ea"/>
+                <a:cs typeface="+mn-cs"/>
+              </a:defRPr>
+            </a:lvl3pPr>
+            <a:lvl4pPr marL="1371600" algn="l" defTabSz="914400" rtl="0" eaLnBrk="1" latinLnBrk="1" hangingPunct="1">
+              <a:defRPr sz="1800" kern="1200">
+                <a:solidFill>
+                  <a:schemeClr val="lt1"/>
+                </a:solidFill>
+                <a:latin typeface="+mn-lt"/>
+                <a:ea typeface="+mn-ea"/>
+                <a:cs typeface="+mn-cs"/>
+              </a:defRPr>
+            </a:lvl4pPr>
+            <a:lvl5pPr marL="1828800" algn="l" defTabSz="914400" rtl="0" eaLnBrk="1" latinLnBrk="1" hangingPunct="1">
+              <a:defRPr sz="1800" kern="1200">
+                <a:solidFill>
+                  <a:schemeClr val="lt1"/>
+                </a:solidFill>
+                <a:latin typeface="+mn-lt"/>
+                <a:ea typeface="+mn-ea"/>
+                <a:cs typeface="+mn-cs"/>
+              </a:defRPr>
+            </a:lvl5pPr>
+            <a:lvl6pPr marL="2286000" algn="l" defTabSz="914400" rtl="0" eaLnBrk="1" latinLnBrk="1" hangingPunct="1">
+              <a:defRPr sz="1800" kern="1200">
+                <a:solidFill>
+                  <a:schemeClr val="lt1"/>
+                </a:solidFill>
+                <a:latin typeface="+mn-lt"/>
+                <a:ea typeface="+mn-ea"/>
+                <a:cs typeface="+mn-cs"/>
+              </a:defRPr>
+            </a:lvl6pPr>
+            <a:lvl7pPr marL="2743200" algn="l" defTabSz="914400" rtl="0" eaLnBrk="1" latinLnBrk="1" hangingPunct="1">
+              <a:defRPr sz="1800" kern="1200">
+                <a:solidFill>
+                  <a:schemeClr val="lt1"/>
+                </a:solidFill>
+                <a:latin typeface="+mn-lt"/>
+                <a:ea typeface="+mn-ea"/>
+                <a:cs typeface="+mn-cs"/>
+              </a:defRPr>
+            </a:lvl7pPr>
+            <a:lvl8pPr marL="3200400" algn="l" defTabSz="914400" rtl="0" eaLnBrk="1" latinLnBrk="1" hangingPunct="1">
+              <a:defRPr sz="1800" kern="1200">
+                <a:solidFill>
+                  <a:schemeClr val="lt1"/>
+                </a:solidFill>
+                <a:latin typeface="+mn-lt"/>
+                <a:ea typeface="+mn-ea"/>
+                <a:cs typeface="+mn-cs"/>
+              </a:defRPr>
+            </a:lvl8pPr>
+            <a:lvl9pPr marL="3657600" algn="l" defTabSz="914400" rtl="0" eaLnBrk="1" latinLnBrk="1" hangingPunct="1">
+              <a:defRPr sz="1800" kern="1200">
+                <a:solidFill>
+                  <a:schemeClr val="lt1"/>
+                </a:solidFill>
+                <a:latin typeface="+mn-lt"/>
+                <a:ea typeface="+mn-ea"/>
+                <a:cs typeface="+mn-cs"/>
+              </a:defRPr>
+            </a:lvl9pPr>
+          </a:lstStyle>
+          <a:p>
+            <a:pPr algn="ctr"/>
+            <a:r>
+              <a:rPr lang="ko-KR" altLang="en-US" sz="4800" dirty="0">
+                <a:solidFill>
+                  <a:schemeClr val="bg1"/>
+                </a:solidFill>
+                <a:latin typeface="태나다체 " panose="02000000000000000000" pitchFamily="2" charset="-127"/>
+                <a:ea typeface="태나다체 " panose="02000000000000000000" pitchFamily="2" charset="-127"/>
+              </a:rPr>
+              <a:t>오류 발생시키기</a:t>
+            </a:r>
+          </a:p>
+        </p:txBody>
+      </p:sp>
+    </p:spTree>
+    <p:extLst>
+      <p:ext uri="{BB962C8B-B14F-4D97-AF65-F5344CB8AC3E}">
+        <p14:creationId xmlns:p14="http://schemas.microsoft.com/office/powerpoint/2010/main" val="1061175065"/>
+      </p:ext>
+    </p:extLst>
+  </p:cSld>
+  <p:clrMapOvr>
+    <a:masterClrMapping/>
+  </p:clrMapOvr>
+</p:sld>
+</file>
+
+<file path=ppt/slides/slide35.xml><?xml version="1.0" encoding="utf-8"?>
+<p:sld xmlns:a="http://schemas.openxmlformats.org/drawingml/2006/main" xmlns:r="http://schemas.openxmlformats.org/officeDocument/2006/relationships" xmlns:p="http://schemas.openxmlformats.org/presentationml/2006/main">
+  <p:cSld>
+    <p:spTree>
+      <p:nvGrpSpPr>
+        <p:cNvPr id="1" name=""/>
+        <p:cNvGrpSpPr/>
+        <p:nvPr/>
+      </p:nvGrpSpPr>
+      <p:grpSpPr>
+        <a:xfrm>
+          <a:off x="0" y="0"/>
+          <a:ext cx="0" cy="0"/>
+          <a:chOff x="0" y="0"/>
+          <a:chExt cx="0" cy="0"/>
+        </a:xfrm>
+      </p:grpSpPr>
+      <p:sp>
+        <p:nvSpPr>
+          <p:cNvPr id="3" name="직사각형 2">
+            <a:extLst>
+              <a:ext uri="{FF2B5EF4-FFF2-40B4-BE49-F238E27FC236}">
+                <a16:creationId xmlns:a16="http://schemas.microsoft.com/office/drawing/2014/main" id="{CE97CBAA-9474-4762-9A45-7F1C1229323D}"/>
+              </a:ext>
+            </a:extLst>
+          </p:cNvPr>
+          <p:cNvSpPr/>
+          <p:nvPr/>
+        </p:nvSpPr>
+        <p:spPr>
+          <a:xfrm>
+            <a:off x="0" y="339365"/>
+            <a:ext cx="3619893" cy="1221117"/>
+          </a:xfrm>
+          <a:prstGeom prst="rect">
+            <a:avLst/>
+          </a:prstGeom>
+          <a:solidFill>
+            <a:schemeClr val="tx1"/>
+          </a:solidFill>
+          <a:ln>
+            <a:solidFill>
+              <a:schemeClr val="tx1"/>
+            </a:solidFill>
+          </a:ln>
+        </p:spPr>
+        <p:style>
+          <a:lnRef idx="2">
+            <a:schemeClr val="accent1">
+              <a:shade val="50000"/>
+            </a:schemeClr>
+          </a:lnRef>
+          <a:fillRef idx="1">
+            <a:schemeClr val="accent1"/>
+          </a:fillRef>
+          <a:effectRef idx="0">
+            <a:schemeClr val="accent1"/>
+          </a:effectRef>
+          <a:fontRef idx="minor">
+            <a:schemeClr val="lt1"/>
+          </a:fontRef>
+        </p:style>
+        <p:txBody>
+          <a:bodyPr rtlCol="0" anchor="ctr"/>
+          <a:lstStyle/>
+          <a:p>
+            <a:pPr algn="ctr"/>
+            <a:r>
+              <a:rPr lang="en-US" altLang="ko-KR" sz="4000" dirty="0">
+                <a:latin typeface="태나다체 " panose="02000000000000000000" pitchFamily="2" charset="-127"/>
+                <a:ea typeface="태나다체 " panose="02000000000000000000" pitchFamily="2" charset="-127"/>
+              </a:rPr>
+              <a:t>Add</a:t>
+            </a:r>
+            <a:endParaRPr lang="ko-KR" altLang="en-US" sz="4000" dirty="0">
+              <a:latin typeface="태나다체 " panose="02000000000000000000" pitchFamily="2" charset="-127"/>
+              <a:ea typeface="태나다체 " panose="02000000000000000000" pitchFamily="2" charset="-127"/>
+            </a:endParaRPr>
+          </a:p>
+        </p:txBody>
+      </p:sp>
+    </p:spTree>
+    <p:extLst>
+      <p:ext uri="{BB962C8B-B14F-4D97-AF65-F5344CB8AC3E}">
+        <p14:creationId xmlns:p14="http://schemas.microsoft.com/office/powerpoint/2010/main" val="854878745"/>
+      </p:ext>
+    </p:extLst>
+  </p:cSld>
+  <p:clrMapOvr>
+    <a:masterClrMapping/>
+  </p:clrMapOvr>
+</p:sld>
+</file>
+
+<file path=ppt/slides/slide36.xml><?xml version="1.0" encoding="utf-8"?>
+<p:sld xmlns:a="http://schemas.openxmlformats.org/drawingml/2006/main" xmlns:r="http://schemas.openxmlformats.org/officeDocument/2006/relationships" xmlns:p="http://schemas.openxmlformats.org/presentationml/2006/main">
+  <p:cSld>
+    <p:spTree>
+      <p:nvGrpSpPr>
+        <p:cNvPr id="1" name=""/>
+        <p:cNvGrpSpPr/>
+        <p:nvPr/>
+      </p:nvGrpSpPr>
+      <p:grpSpPr>
+        <a:xfrm>
+          <a:off x="0" y="0"/>
+          <a:ext cx="0" cy="0"/>
+          <a:chOff x="0" y="0"/>
+          <a:chExt cx="0" cy="0"/>
+        </a:xfrm>
+      </p:grpSpPr>
+      <p:sp>
+        <p:nvSpPr>
+          <p:cNvPr id="16" name="직사각형 15">
+            <a:extLst>
+              <a:ext uri="{FF2B5EF4-FFF2-40B4-BE49-F238E27FC236}">
+                <a16:creationId xmlns:a16="http://schemas.microsoft.com/office/drawing/2014/main" id="{B89DD7D4-9ED1-4D39-BC0C-EA5A5B8B6EF9}"/>
+              </a:ext>
+            </a:extLst>
+          </p:cNvPr>
+          <p:cNvSpPr/>
+          <p:nvPr/>
+        </p:nvSpPr>
+        <p:spPr>
+          <a:xfrm>
+            <a:off x="188540" y="197967"/>
+            <a:ext cx="12192000" cy="6858000"/>
+          </a:xfrm>
+          <a:prstGeom prst="rect">
+            <a:avLst/>
+          </a:prstGeom>
+          <a:solidFill>
+            <a:schemeClr val="tx1">
+              <a:alpha val="65000"/>
+            </a:schemeClr>
+          </a:solidFill>
+          <a:ln>
+            <a:solidFill>
+              <a:schemeClr val="tx1"/>
+            </a:solidFill>
+          </a:ln>
+        </p:spPr>
+        <p:style>
+          <a:lnRef idx="2">
+            <a:schemeClr val="accent1">
+              <a:shade val="50000"/>
+            </a:schemeClr>
+          </a:lnRef>
+          <a:fillRef idx="1">
+            <a:schemeClr val="accent1"/>
+          </a:fillRef>
+          <a:effectRef idx="0">
+            <a:schemeClr val="accent1"/>
+          </a:effectRef>
+          <a:fontRef idx="minor">
+            <a:schemeClr val="lt1"/>
+          </a:fontRef>
+        </p:style>
+        <p:txBody>
+          <a:bodyPr rtlCol="0" anchor="ctr"/>
+          <a:lstStyle/>
+          <a:p>
+            <a:pPr algn="ctr"/>
+            <a:endParaRPr lang="ko-KR" altLang="en-US" sz="1600" dirty="0"/>
+          </a:p>
+        </p:txBody>
+      </p:sp>
+      <p:sp>
+        <p:nvSpPr>
+          <p:cNvPr id="4" name="직사각형 3">
+            <a:extLst>
+              <a:ext uri="{FF2B5EF4-FFF2-40B4-BE49-F238E27FC236}">
+                <a16:creationId xmlns:a16="http://schemas.microsoft.com/office/drawing/2014/main" id="{CA35C8A5-4B03-43E5-B493-90F4E795A7AE}"/>
+              </a:ext>
+            </a:extLst>
+          </p:cNvPr>
+          <p:cNvSpPr/>
+          <p:nvPr/>
+        </p:nvSpPr>
+        <p:spPr>
+          <a:xfrm>
+            <a:off x="0" y="339365"/>
+            <a:ext cx="3619893" cy="1221117"/>
+          </a:xfrm>
+          <a:prstGeom prst="rect">
+            <a:avLst/>
+          </a:prstGeom>
+          <a:solidFill>
+            <a:schemeClr val="tx1"/>
+          </a:solidFill>
+          <a:ln>
+            <a:solidFill>
+              <a:schemeClr val="tx1"/>
+            </a:solidFill>
+          </a:ln>
+        </p:spPr>
+        <p:style>
+          <a:lnRef idx="2">
+            <a:schemeClr val="accent1">
+              <a:shade val="50000"/>
+            </a:schemeClr>
+          </a:lnRef>
+          <a:fillRef idx="1">
+            <a:schemeClr val="accent1"/>
+          </a:fillRef>
+          <a:effectRef idx="0">
+            <a:schemeClr val="accent1"/>
+          </a:effectRef>
+          <a:fontRef idx="minor">
+            <a:schemeClr val="lt1"/>
+          </a:fontRef>
+        </p:style>
+        <p:txBody>
+          <a:bodyPr rtlCol="0" anchor="ctr"/>
+          <a:lstStyle/>
+          <a:p>
+            <a:pPr algn="ctr"/>
+            <a:r>
+              <a:rPr lang="en-US" altLang="ko-KR" sz="4400" dirty="0">
+                <a:solidFill>
+                  <a:schemeClr val="bg1"/>
+                </a:solidFill>
+                <a:latin typeface="태나다체 " panose="02000000000000000000" pitchFamily="2" charset="-127"/>
+                <a:ea typeface="태나다체 " panose="02000000000000000000" pitchFamily="2" charset="-127"/>
+              </a:rPr>
+              <a:t>title</a:t>
+            </a:r>
+            <a:endParaRPr lang="ko-KR" altLang="en-US" sz="4400" dirty="0">
+              <a:solidFill>
+                <a:schemeClr val="bg1"/>
+              </a:solidFill>
+              <a:latin typeface="태나다체 " panose="02000000000000000000" pitchFamily="2" charset="-127"/>
+              <a:ea typeface="태나다체 " panose="02000000000000000000" pitchFamily="2" charset="-127"/>
+            </a:endParaRPr>
+          </a:p>
+        </p:txBody>
+      </p:sp>
+      <p:sp>
+        <p:nvSpPr>
+          <p:cNvPr id="11" name="직사각형 10">
+            <a:extLst>
+              <a:ext uri="{FF2B5EF4-FFF2-40B4-BE49-F238E27FC236}">
+                <a16:creationId xmlns:a16="http://schemas.microsoft.com/office/drawing/2014/main" id="{6C22D0AA-FCE8-49A4-888D-F1CCB0BBB1BD}"/>
+              </a:ext>
+            </a:extLst>
+          </p:cNvPr>
+          <p:cNvSpPr/>
+          <p:nvPr/>
+        </p:nvSpPr>
+        <p:spPr>
+          <a:xfrm>
+            <a:off x="0" y="2582771"/>
+            <a:ext cx="12192000" cy="1692458"/>
+          </a:xfrm>
+          <a:prstGeom prst="rect">
+            <a:avLst/>
+          </a:prstGeom>
+          <a:solidFill>
+            <a:schemeClr val="tx1"/>
+          </a:solidFill>
+          <a:ln>
+            <a:solidFill>
+              <a:schemeClr val="tx1"/>
+            </a:solidFill>
+          </a:ln>
+        </p:spPr>
+        <p:style>
+          <a:lnRef idx="2">
+            <a:schemeClr val="accent1">
+              <a:shade val="50000"/>
+            </a:schemeClr>
+          </a:lnRef>
+          <a:fillRef idx="1">
+            <a:schemeClr val="accent1"/>
+          </a:fillRef>
+          <a:effectRef idx="0">
+            <a:schemeClr val="accent1"/>
+          </a:effectRef>
+          <a:fontRef idx="minor">
+            <a:schemeClr val="lt1"/>
+          </a:fontRef>
+        </p:style>
+        <p:txBody>
+          <a:bodyPr rtlCol="0" anchor="ctr"/>
+          <a:lstStyle>
+            <a:defPPr>
+              <a:defRPr lang="ko-KR"/>
+            </a:defPPr>
+            <a:lvl1pPr marL="0" algn="l" defTabSz="914400" rtl="0" eaLnBrk="1" latinLnBrk="1" hangingPunct="1">
+              <a:defRPr sz="1800" kern="1200">
+                <a:solidFill>
+                  <a:schemeClr val="lt1"/>
+                </a:solidFill>
+                <a:latin typeface="+mn-lt"/>
+                <a:ea typeface="+mn-ea"/>
+                <a:cs typeface="+mn-cs"/>
+              </a:defRPr>
+            </a:lvl1pPr>
+            <a:lvl2pPr marL="457200" algn="l" defTabSz="914400" rtl="0" eaLnBrk="1" latinLnBrk="1" hangingPunct="1">
+              <a:defRPr sz="1800" kern="1200">
+                <a:solidFill>
+                  <a:schemeClr val="lt1"/>
+                </a:solidFill>
+                <a:latin typeface="+mn-lt"/>
+                <a:ea typeface="+mn-ea"/>
+                <a:cs typeface="+mn-cs"/>
+              </a:defRPr>
+            </a:lvl2pPr>
+            <a:lvl3pPr marL="914400" algn="l" defTabSz="914400" rtl="0" eaLnBrk="1" latinLnBrk="1" hangingPunct="1">
+              <a:defRPr sz="1800" kern="1200">
+                <a:solidFill>
+                  <a:schemeClr val="lt1"/>
+                </a:solidFill>
+                <a:latin typeface="+mn-lt"/>
+                <a:ea typeface="+mn-ea"/>
+                <a:cs typeface="+mn-cs"/>
+              </a:defRPr>
+            </a:lvl3pPr>
+            <a:lvl4pPr marL="1371600" algn="l" defTabSz="914400" rtl="0" eaLnBrk="1" latinLnBrk="1" hangingPunct="1">
+              <a:defRPr sz="1800" kern="1200">
+                <a:solidFill>
+                  <a:schemeClr val="lt1"/>
+                </a:solidFill>
+                <a:latin typeface="+mn-lt"/>
+                <a:ea typeface="+mn-ea"/>
+                <a:cs typeface="+mn-cs"/>
+              </a:defRPr>
+            </a:lvl4pPr>
+            <a:lvl5pPr marL="1828800" algn="l" defTabSz="914400" rtl="0" eaLnBrk="1" latinLnBrk="1" hangingPunct="1">
+              <a:defRPr sz="1800" kern="1200">
+                <a:solidFill>
+                  <a:schemeClr val="lt1"/>
+                </a:solidFill>
+                <a:latin typeface="+mn-lt"/>
+                <a:ea typeface="+mn-ea"/>
+                <a:cs typeface="+mn-cs"/>
+              </a:defRPr>
+            </a:lvl5pPr>
+            <a:lvl6pPr marL="2286000" algn="l" defTabSz="914400" rtl="0" eaLnBrk="1" latinLnBrk="1" hangingPunct="1">
+              <a:defRPr sz="1800" kern="1200">
+                <a:solidFill>
+                  <a:schemeClr val="lt1"/>
+                </a:solidFill>
+                <a:latin typeface="+mn-lt"/>
+                <a:ea typeface="+mn-ea"/>
+                <a:cs typeface="+mn-cs"/>
+              </a:defRPr>
+            </a:lvl6pPr>
+            <a:lvl7pPr marL="2743200" algn="l" defTabSz="914400" rtl="0" eaLnBrk="1" latinLnBrk="1" hangingPunct="1">
+              <a:defRPr sz="1800" kern="1200">
+                <a:solidFill>
+                  <a:schemeClr val="lt1"/>
+                </a:solidFill>
+                <a:latin typeface="+mn-lt"/>
+                <a:ea typeface="+mn-ea"/>
+                <a:cs typeface="+mn-cs"/>
+              </a:defRPr>
+            </a:lvl7pPr>
+            <a:lvl8pPr marL="3200400" algn="l" defTabSz="914400" rtl="0" eaLnBrk="1" latinLnBrk="1" hangingPunct="1">
+              <a:defRPr sz="1800" kern="1200">
+                <a:solidFill>
+                  <a:schemeClr val="lt1"/>
+                </a:solidFill>
+                <a:latin typeface="+mn-lt"/>
+                <a:ea typeface="+mn-ea"/>
+                <a:cs typeface="+mn-cs"/>
+              </a:defRPr>
+            </a:lvl8pPr>
+            <a:lvl9pPr marL="3657600" algn="l" defTabSz="914400" rtl="0" eaLnBrk="1" latinLnBrk="1" hangingPunct="1">
+              <a:defRPr sz="1800" kern="1200">
+                <a:solidFill>
+                  <a:schemeClr val="lt1"/>
+                </a:solidFill>
+                <a:latin typeface="+mn-lt"/>
+                <a:ea typeface="+mn-ea"/>
+                <a:cs typeface="+mn-cs"/>
+              </a:defRPr>
+            </a:lvl9pPr>
+          </a:lstStyle>
+          <a:p>
+            <a:pPr algn="ctr"/>
+            <a:r>
+              <a:rPr lang="en-US" altLang="ko-KR" sz="4800" dirty="0">
+                <a:solidFill>
+                  <a:schemeClr val="bg1"/>
+                </a:solidFill>
+                <a:latin typeface="태나다체 " panose="02000000000000000000" pitchFamily="2" charset="-127"/>
+                <a:ea typeface="태나다체 " panose="02000000000000000000" pitchFamily="2" charset="-127"/>
+              </a:rPr>
+              <a:t>embed</a:t>
+            </a:r>
+            <a:endParaRPr lang="ko-KR" altLang="en-US" sz="4800" dirty="0">
+              <a:solidFill>
+                <a:schemeClr val="bg1"/>
+              </a:solidFill>
+              <a:latin typeface="태나다체 " panose="02000000000000000000" pitchFamily="2" charset="-127"/>
+              <a:ea typeface="태나다체 " panose="02000000000000000000" pitchFamily="2" charset="-127"/>
+            </a:endParaRPr>
+          </a:p>
+        </p:txBody>
+      </p:sp>
+      <p:sp>
+        <p:nvSpPr>
+          <p:cNvPr id="17" name="직사각형 16">
+            <a:extLst>
+              <a:ext uri="{FF2B5EF4-FFF2-40B4-BE49-F238E27FC236}">
+                <a16:creationId xmlns:a16="http://schemas.microsoft.com/office/drawing/2014/main" id="{6421B016-1033-4C6F-947D-8DF71B6D0E2F}"/>
+              </a:ext>
+            </a:extLst>
+          </p:cNvPr>
+          <p:cNvSpPr/>
+          <p:nvPr/>
+        </p:nvSpPr>
+        <p:spPr>
+          <a:xfrm>
+            <a:off x="4822927" y="1098817"/>
+            <a:ext cx="2546146" cy="923330"/>
+          </a:xfrm>
+          <a:prstGeom prst="rect">
+            <a:avLst/>
+          </a:prstGeom>
+        </p:spPr>
+        <p:txBody>
+          <a:bodyPr wrap="none">
+            <a:spAutoFit/>
+          </a:bodyPr>
+          <a:lstStyle/>
+          <a:p>
+            <a:r>
+              <a:rPr lang="en-US" altLang="ko-KR" sz="5400" dirty="0">
+                <a:solidFill>
+                  <a:schemeClr val="bg1"/>
+                </a:solidFill>
+                <a:latin typeface="배달의민족 주아" panose="02020603020101020101" pitchFamily="18" charset="-127"/>
+                <a:ea typeface="배달의민족 주아" panose="02020603020101020101" pitchFamily="18" charset="-127"/>
+              </a:rPr>
+              <a:t>content</a:t>
+            </a:r>
+            <a:endParaRPr lang="ko-KR" altLang="en-US" sz="5400" dirty="0">
+              <a:solidFill>
+                <a:schemeClr val="bg1"/>
+              </a:solidFill>
+              <a:latin typeface="배달의민족 주아" panose="02020603020101020101" pitchFamily="18" charset="-127"/>
+              <a:ea typeface="배달의민족 주아" panose="02020603020101020101" pitchFamily="18" charset="-127"/>
+            </a:endParaRPr>
+          </a:p>
+        </p:txBody>
+      </p:sp>
+    </p:spTree>
+    <p:extLst>
+      <p:ext uri="{BB962C8B-B14F-4D97-AF65-F5344CB8AC3E}">
+        <p14:creationId xmlns:p14="http://schemas.microsoft.com/office/powerpoint/2010/main" val="1057666607"/>
+      </p:ext>
+    </p:extLst>
+  </p:cSld>
+  <p:clrMapOvr>
+    <a:masterClrMapping/>
+  </p:clrMapOvr>
+</p:sld>
+</file>
+
+<file path=ppt/slides/slide4.xml><?xml version="1.0" encoding="utf-8"?>
+<p:sld xmlns:a="http://schemas.openxmlformats.org/drawingml/2006/main" xmlns:r="http://schemas.openxmlformats.org/officeDocument/2006/relationships" xmlns:p="http://schemas.openxmlformats.org/presentationml/2006/main">
+  <p:cSld>
+    <p:spTree>
+      <p:nvGrpSpPr>
+        <p:cNvPr id="1" name=""/>
+        <p:cNvGrpSpPr/>
+        <p:nvPr/>
+      </p:nvGrpSpPr>
+      <p:grpSpPr>
+        <a:xfrm>
+          <a:off x="0" y="0"/>
+          <a:ext cx="0" cy="0"/>
+          <a:chOff x="0" y="0"/>
+          <a:chExt cx="0" cy="0"/>
+        </a:xfrm>
+      </p:grpSpPr>
+      <p:sp>
+        <p:nvSpPr>
+          <p:cNvPr id="3" name="직사각형 2">
+            <a:extLst>
+              <a:ext uri="{FF2B5EF4-FFF2-40B4-BE49-F238E27FC236}">
+                <a16:creationId xmlns:a16="http://schemas.microsoft.com/office/drawing/2014/main" id="{CE97CBAA-9474-4762-9A45-7F1C1229323D}"/>
+              </a:ext>
+            </a:extLst>
+          </p:cNvPr>
+          <p:cNvSpPr/>
+          <p:nvPr/>
+        </p:nvSpPr>
+        <p:spPr>
+          <a:xfrm>
+            <a:off x="0" y="339365"/>
+            <a:ext cx="3619893" cy="1221117"/>
+          </a:xfrm>
+          <a:prstGeom prst="rect">
+            <a:avLst/>
+          </a:prstGeom>
+          <a:solidFill>
+            <a:schemeClr val="tx1"/>
+          </a:solidFill>
+          <a:ln>
+            <a:solidFill>
+              <a:schemeClr val="tx1"/>
+            </a:solidFill>
+          </a:ln>
+        </p:spPr>
+        <p:style>
+          <a:lnRef idx="2">
+            <a:schemeClr val="accent1">
+              <a:shade val="50000"/>
+            </a:schemeClr>
+          </a:lnRef>
+          <a:fillRef idx="1">
+            <a:schemeClr val="accent1"/>
+          </a:fillRef>
+          <a:effectRef idx="0">
+            <a:schemeClr val="accent1"/>
+          </a:effectRef>
+          <a:fontRef idx="minor">
+            <a:schemeClr val="lt1"/>
+          </a:fontRef>
+        </p:style>
+        <p:txBody>
+          <a:bodyPr rtlCol="0" anchor="ctr"/>
+          <a:lstStyle/>
+          <a:p>
+            <a:pPr algn="ctr"/>
+            <a:r>
+              <a:rPr lang="en-US" altLang="ko-KR" sz="4400" dirty="0">
+                <a:latin typeface="태나다체 " panose="02000000000000000000" pitchFamily="2" charset="-127"/>
+                <a:ea typeface="태나다체 " panose="02000000000000000000" pitchFamily="2" charset="-127"/>
+              </a:rPr>
+              <a:t>Thread</a:t>
+            </a:r>
+            <a:endParaRPr lang="ko-KR" altLang="en-US" sz="4400" dirty="0">
+              <a:latin typeface="태나다체 " panose="02000000000000000000" pitchFamily="2" charset="-127"/>
+              <a:ea typeface="태나다체 " panose="02000000000000000000" pitchFamily="2" charset="-127"/>
+            </a:endParaRPr>
+          </a:p>
+        </p:txBody>
+      </p:sp>
+      <p:sp>
+        <p:nvSpPr>
+          <p:cNvPr id="6" name="사각형: 둥근 모서리 5">
+            <a:extLst>
+              <a:ext uri="{FF2B5EF4-FFF2-40B4-BE49-F238E27FC236}">
+                <a16:creationId xmlns:a16="http://schemas.microsoft.com/office/drawing/2014/main" id="{728CFB98-403A-4C6F-8C44-0AFE81D3DDDA}"/>
+              </a:ext>
+            </a:extLst>
+          </p:cNvPr>
+          <p:cNvSpPr/>
+          <p:nvPr/>
+        </p:nvSpPr>
+        <p:spPr>
+          <a:xfrm>
+            <a:off x="7108723" y="2674374"/>
+            <a:ext cx="3706761" cy="3533501"/>
+          </a:xfrm>
+          <a:prstGeom prst="roundRect">
+            <a:avLst/>
+          </a:prstGeom>
+          <a:solidFill>
+            <a:schemeClr val="bg1"/>
+          </a:solidFill>
+          <a:ln w="28575">
+            <a:solidFill>
+              <a:schemeClr val="tx1"/>
+            </a:solidFill>
+          </a:ln>
+        </p:spPr>
+        <p:style>
+          <a:lnRef idx="2">
+            <a:schemeClr val="accent1">
+              <a:shade val="50000"/>
+            </a:schemeClr>
+          </a:lnRef>
+          <a:fillRef idx="1">
+            <a:schemeClr val="accent1"/>
+          </a:fillRef>
+          <a:effectRef idx="0">
+            <a:schemeClr val="accent1"/>
+          </a:effectRef>
+          <a:fontRef idx="minor">
+            <a:schemeClr val="lt1"/>
+          </a:fontRef>
+        </p:style>
+        <p:txBody>
+          <a:bodyPr rtlCol="0" anchor="ctr"/>
+          <a:lstStyle/>
+          <a:p>
+            <a:pPr algn="ctr"/>
+            <a:r>
+              <a:rPr lang="ko-KR" altLang="en-US" sz="3600" dirty="0">
+                <a:solidFill>
+                  <a:schemeClr val="tx1"/>
+                </a:solidFill>
+                <a:latin typeface="배달의민족 주아" panose="02020603020101020101" pitchFamily="18" charset="-127"/>
+                <a:ea typeface="배달의민족 주아" panose="02020603020101020101" pitchFamily="18" charset="-127"/>
+              </a:rPr>
+              <a:t>프로세스</a:t>
+            </a:r>
+          </a:p>
+        </p:txBody>
+      </p:sp>
+      <p:cxnSp>
+        <p:nvCxnSpPr>
+          <p:cNvPr id="8" name="연결선: 구부러짐 7">
+            <a:extLst>
+              <a:ext uri="{FF2B5EF4-FFF2-40B4-BE49-F238E27FC236}">
+                <a16:creationId xmlns:a16="http://schemas.microsoft.com/office/drawing/2014/main" id="{D79C2DD0-D722-4A3D-82AD-9AF756341564}"/>
+              </a:ext>
+            </a:extLst>
+          </p:cNvPr>
+          <p:cNvCxnSpPr>
+            <a:cxnSpLocks/>
+            <a:stCxn id="11" idx="3"/>
+            <a:endCxn id="6" idx="0"/>
+          </p:cNvCxnSpPr>
+          <p:nvPr/>
+        </p:nvCxnSpPr>
+        <p:spPr>
+          <a:xfrm flipV="1">
+            <a:off x="5104563" y="2674374"/>
+            <a:ext cx="3857541" cy="1129515"/>
+          </a:xfrm>
+          <a:prstGeom prst="curvedConnector4">
+            <a:avLst>
+              <a:gd name="adj1" fmla="val 21644"/>
+              <a:gd name="adj2" fmla="val 236884"/>
+            </a:avLst>
+          </a:prstGeom>
+          <a:ln w="76200">
+            <a:solidFill>
+              <a:schemeClr val="tx1"/>
+            </a:solidFill>
+            <a:tailEnd type="triangle"/>
+          </a:ln>
+        </p:spPr>
+        <p:style>
+          <a:lnRef idx="1">
+            <a:schemeClr val="accent1"/>
+          </a:lnRef>
+          <a:fillRef idx="0">
+            <a:schemeClr val="accent1"/>
+          </a:fillRef>
+          <a:effectRef idx="0">
+            <a:schemeClr val="accent1"/>
+          </a:effectRef>
+          <a:fontRef idx="minor">
+            <a:schemeClr val="tx1"/>
+          </a:fontRef>
+        </p:style>
+      </p:cxnSp>
+      <p:sp>
+        <p:nvSpPr>
+          <p:cNvPr id="11" name="사각형: 둥근 모서리 10">
+            <a:extLst>
+              <a:ext uri="{FF2B5EF4-FFF2-40B4-BE49-F238E27FC236}">
+                <a16:creationId xmlns:a16="http://schemas.microsoft.com/office/drawing/2014/main" id="{935A1622-4A9D-4449-917E-949E2BDECF16}"/>
+              </a:ext>
+            </a:extLst>
+          </p:cNvPr>
+          <p:cNvSpPr/>
+          <p:nvPr/>
+        </p:nvSpPr>
+        <p:spPr>
+          <a:xfrm>
+            <a:off x="1247023" y="3325147"/>
+            <a:ext cx="3857540" cy="957483"/>
+          </a:xfrm>
+          <a:prstGeom prst="roundRect">
+            <a:avLst/>
+          </a:prstGeom>
+          <a:solidFill>
+            <a:schemeClr val="bg1"/>
+          </a:solidFill>
+          <a:ln w="38100">
+            <a:solidFill>
+              <a:schemeClr val="tx1"/>
+            </a:solidFill>
+          </a:ln>
+        </p:spPr>
+        <p:style>
+          <a:lnRef idx="2">
+            <a:schemeClr val="accent1">
+              <a:shade val="50000"/>
+            </a:schemeClr>
+          </a:lnRef>
+          <a:fillRef idx="1">
+            <a:schemeClr val="accent1"/>
+          </a:fillRef>
+          <a:effectRef idx="0">
+            <a:schemeClr val="accent1"/>
+          </a:effectRef>
+          <a:fontRef idx="minor">
+            <a:schemeClr val="lt1"/>
+          </a:fontRef>
+        </p:style>
+        <p:txBody>
+          <a:bodyPr rtlCol="0" anchor="ctr"/>
+          <a:lstStyle/>
+          <a:p>
+            <a:pPr algn="ctr"/>
+            <a:r>
+              <a:rPr lang="en-US" altLang="ko-KR" sz="4000" dirty="0">
+                <a:solidFill>
+                  <a:schemeClr val="tx1"/>
+                </a:solidFill>
+                <a:latin typeface="배달의민족 주아" panose="02020603020101020101" pitchFamily="18" charset="-127"/>
+                <a:ea typeface="배달의민족 주아" panose="02020603020101020101" pitchFamily="18" charset="-127"/>
+              </a:rPr>
+              <a:t>New Thread()</a:t>
+            </a:r>
+            <a:endParaRPr lang="ko-KR" altLang="en-US" sz="4000" dirty="0">
+              <a:solidFill>
+                <a:schemeClr val="tx1"/>
+              </a:solidFill>
+              <a:latin typeface="배달의민족 주아" panose="02020603020101020101" pitchFamily="18" charset="-127"/>
+              <a:ea typeface="배달의민족 주아" panose="02020603020101020101" pitchFamily="18" charset="-127"/>
+            </a:endParaRPr>
+          </a:p>
+        </p:txBody>
+      </p:sp>
+    </p:spTree>
+    <p:extLst>
+      <p:ext uri="{BB962C8B-B14F-4D97-AF65-F5344CB8AC3E}">
+        <p14:creationId xmlns:p14="http://schemas.microsoft.com/office/powerpoint/2010/main" val="1205757688"/>
+      </p:ext>
+    </p:extLst>
+  </p:cSld>
+  <p:clrMapOvr>
+    <a:masterClrMapping/>
+  </p:clrMapOvr>
+</p:sld>
+</file>
+
+<file path=ppt/slides/slide5.xml><?xml version="1.0" encoding="utf-8"?>
+<p:sld xmlns:a="http://schemas.openxmlformats.org/drawingml/2006/main" xmlns:r="http://schemas.openxmlformats.org/officeDocument/2006/relationships" xmlns:p="http://schemas.openxmlformats.org/presentationml/2006/main">
+  <p:cSld>
+    <p:spTree>
+      <p:nvGrpSpPr>
+        <p:cNvPr id="1" name=""/>
+        <p:cNvGrpSpPr/>
+        <p:nvPr/>
+      </p:nvGrpSpPr>
+      <p:grpSpPr>
+        <a:xfrm>
+          <a:off x="0" y="0"/>
+          <a:ext cx="0" cy="0"/>
+          <a:chOff x="0" y="0"/>
+          <a:chExt cx="0" cy="0"/>
+        </a:xfrm>
+      </p:grpSpPr>
+      <p:sp>
+        <p:nvSpPr>
+          <p:cNvPr id="3" name="직사각형 2">
+            <a:extLst>
+              <a:ext uri="{FF2B5EF4-FFF2-40B4-BE49-F238E27FC236}">
+                <a16:creationId xmlns:a16="http://schemas.microsoft.com/office/drawing/2014/main" id="{CE97CBAA-9474-4762-9A45-7F1C1229323D}"/>
+              </a:ext>
+            </a:extLst>
+          </p:cNvPr>
+          <p:cNvSpPr/>
+          <p:nvPr/>
+        </p:nvSpPr>
+        <p:spPr>
+          <a:xfrm>
+            <a:off x="0" y="339365"/>
+            <a:ext cx="3619893" cy="1221117"/>
+          </a:xfrm>
+          <a:prstGeom prst="rect">
+            <a:avLst/>
+          </a:prstGeom>
+          <a:solidFill>
+            <a:schemeClr val="tx1"/>
+          </a:solidFill>
+          <a:ln>
+            <a:solidFill>
+              <a:schemeClr val="tx1"/>
+            </a:solidFill>
+          </a:ln>
+        </p:spPr>
+        <p:style>
+          <a:lnRef idx="2">
+            <a:schemeClr val="accent1">
+              <a:shade val="50000"/>
+            </a:schemeClr>
+          </a:lnRef>
+          <a:fillRef idx="1">
+            <a:schemeClr val="accent1"/>
+          </a:fillRef>
+          <a:effectRef idx="0">
+            <a:schemeClr val="accent1"/>
+          </a:effectRef>
+          <a:fontRef idx="minor">
+            <a:schemeClr val="lt1"/>
+          </a:fontRef>
+        </p:style>
+        <p:txBody>
+          <a:bodyPr rtlCol="0" anchor="ctr"/>
+          <a:lstStyle/>
+          <a:p>
+            <a:pPr algn="ctr"/>
+            <a:r>
+              <a:rPr lang="en-US" altLang="ko-KR" sz="4000" dirty="0" err="1">
+                <a:latin typeface="태나다체 " panose="02000000000000000000" pitchFamily="2" charset="-127"/>
+                <a:ea typeface="태나다체 " panose="02000000000000000000" pitchFamily="2" charset="-127"/>
+              </a:rPr>
+              <a:t>ThreadPool</a:t>
+            </a:r>
+            <a:endParaRPr lang="ko-KR" altLang="en-US" sz="4000" dirty="0">
+              <a:latin typeface="태나다체 " panose="02000000000000000000" pitchFamily="2" charset="-127"/>
+              <a:ea typeface="태나다체 " panose="02000000000000000000" pitchFamily="2" charset="-127"/>
+            </a:endParaRPr>
+          </a:p>
+        </p:txBody>
+      </p:sp>
+      <p:sp>
+        <p:nvSpPr>
+          <p:cNvPr id="6" name="사각형: 둥근 모서리 5">
+            <a:extLst>
+              <a:ext uri="{FF2B5EF4-FFF2-40B4-BE49-F238E27FC236}">
+                <a16:creationId xmlns:a16="http://schemas.microsoft.com/office/drawing/2014/main" id="{728CFB98-403A-4C6F-8C44-0AFE81D3DDDA}"/>
+              </a:ext>
+            </a:extLst>
+          </p:cNvPr>
+          <p:cNvSpPr/>
+          <p:nvPr/>
+        </p:nvSpPr>
+        <p:spPr>
+          <a:xfrm>
+            <a:off x="8170607" y="494745"/>
+            <a:ext cx="3706761" cy="5868510"/>
+          </a:xfrm>
+          <a:prstGeom prst="roundRect">
+            <a:avLst/>
+          </a:prstGeom>
+          <a:solidFill>
+            <a:schemeClr val="bg1"/>
+          </a:solidFill>
+          <a:ln w="28575">
+            <a:solidFill>
+              <a:schemeClr val="tx1"/>
+            </a:solidFill>
+          </a:ln>
+        </p:spPr>
+        <p:style>
+          <a:lnRef idx="2">
+            <a:schemeClr val="accent1">
+              <a:shade val="50000"/>
+            </a:schemeClr>
+          </a:lnRef>
+          <a:fillRef idx="1">
+            <a:schemeClr val="accent1"/>
+          </a:fillRef>
+          <a:effectRef idx="0">
+            <a:schemeClr val="accent1"/>
+          </a:effectRef>
+          <a:fontRef idx="minor">
+            <a:schemeClr val="lt1"/>
+          </a:fontRef>
+        </p:style>
+        <p:txBody>
+          <a:bodyPr rtlCol="0" anchor="ctr"/>
+          <a:lstStyle/>
+          <a:p>
+            <a:pPr algn="ctr"/>
+            <a:r>
+              <a:rPr lang="ko-KR" altLang="en-US" sz="3600" dirty="0">
+                <a:solidFill>
+                  <a:schemeClr val="tx1"/>
+                </a:solidFill>
+                <a:latin typeface="배달의민족 주아" panose="02020603020101020101" pitchFamily="18" charset="-127"/>
+                <a:ea typeface="배달의민족 주아" panose="02020603020101020101" pitchFamily="18" charset="-127"/>
+              </a:rPr>
+              <a:t>프로세스</a:t>
+            </a:r>
+          </a:p>
+        </p:txBody>
+      </p:sp>
+      <p:sp>
+        <p:nvSpPr>
+          <p:cNvPr id="11" name="사각형: 둥근 모서리 10">
+            <a:extLst>
+              <a:ext uri="{FF2B5EF4-FFF2-40B4-BE49-F238E27FC236}">
+                <a16:creationId xmlns:a16="http://schemas.microsoft.com/office/drawing/2014/main" id="{935A1622-4A9D-4449-917E-949E2BDECF16}"/>
+              </a:ext>
+            </a:extLst>
+          </p:cNvPr>
+          <p:cNvSpPr/>
+          <p:nvPr/>
+        </p:nvSpPr>
+        <p:spPr>
+          <a:xfrm>
+            <a:off x="5196348" y="1236902"/>
+            <a:ext cx="2043488" cy="957483"/>
+          </a:xfrm>
+          <a:prstGeom prst="roundRect">
+            <a:avLst/>
+          </a:prstGeom>
+          <a:solidFill>
+            <a:schemeClr val="bg1"/>
+          </a:solidFill>
+          <a:ln w="38100">
+            <a:solidFill>
+              <a:schemeClr val="tx1"/>
+            </a:solidFill>
+          </a:ln>
+        </p:spPr>
+        <p:style>
+          <a:lnRef idx="2">
+            <a:schemeClr val="accent1">
+              <a:shade val="50000"/>
+            </a:schemeClr>
+          </a:lnRef>
+          <a:fillRef idx="1">
+            <a:schemeClr val="accent1"/>
+          </a:fillRef>
+          <a:effectRef idx="0">
+            <a:schemeClr val="accent1"/>
+          </a:effectRef>
+          <a:fontRef idx="minor">
+            <a:schemeClr val="lt1"/>
+          </a:fontRef>
+        </p:style>
+        <p:txBody>
+          <a:bodyPr rtlCol="0" anchor="ctr"/>
+          <a:lstStyle/>
+          <a:p>
+            <a:pPr algn="ctr"/>
+            <a:r>
+              <a:rPr lang="en-US" altLang="ko-KR" sz="4000" dirty="0">
+                <a:solidFill>
+                  <a:schemeClr val="tx1"/>
+                </a:solidFill>
+                <a:latin typeface="배달의민족 주아" panose="02020603020101020101" pitchFamily="18" charset="-127"/>
+                <a:ea typeface="배달의민족 주아" panose="02020603020101020101" pitchFamily="18" charset="-127"/>
+              </a:rPr>
+              <a:t>Thread</a:t>
+            </a:r>
+            <a:endParaRPr lang="ko-KR" altLang="en-US" sz="4000" dirty="0">
+              <a:solidFill>
+                <a:schemeClr val="tx1"/>
+              </a:solidFill>
+              <a:latin typeface="배달의민족 주아" panose="02020603020101020101" pitchFamily="18" charset="-127"/>
+              <a:ea typeface="배달의민족 주아" panose="02020603020101020101" pitchFamily="18" charset="-127"/>
+            </a:endParaRPr>
+          </a:p>
+        </p:txBody>
+      </p:sp>
+      <p:sp>
+        <p:nvSpPr>
+          <p:cNvPr id="9" name="사각형: 둥근 모서리 8">
+            <a:extLst>
+              <a:ext uri="{FF2B5EF4-FFF2-40B4-BE49-F238E27FC236}">
+                <a16:creationId xmlns:a16="http://schemas.microsoft.com/office/drawing/2014/main" id="{091454E4-067C-40C6-A443-347DDFB0EC48}"/>
+              </a:ext>
+            </a:extLst>
+          </p:cNvPr>
+          <p:cNvSpPr/>
+          <p:nvPr/>
+        </p:nvSpPr>
+        <p:spPr>
+          <a:xfrm>
+            <a:off x="5196348" y="2431522"/>
+            <a:ext cx="2043488" cy="957483"/>
+          </a:xfrm>
+          <a:prstGeom prst="roundRect">
+            <a:avLst/>
+          </a:prstGeom>
+          <a:solidFill>
+            <a:schemeClr val="bg1"/>
+          </a:solidFill>
+          <a:ln w="38100">
+            <a:solidFill>
+              <a:schemeClr val="tx1"/>
+            </a:solidFill>
+          </a:ln>
+        </p:spPr>
+        <p:style>
+          <a:lnRef idx="2">
+            <a:schemeClr val="accent1">
+              <a:shade val="50000"/>
+            </a:schemeClr>
+          </a:lnRef>
+          <a:fillRef idx="1">
+            <a:schemeClr val="accent1"/>
+          </a:fillRef>
+          <a:effectRef idx="0">
+            <a:schemeClr val="accent1"/>
+          </a:effectRef>
+          <a:fontRef idx="minor">
+            <a:schemeClr val="lt1"/>
+          </a:fontRef>
+        </p:style>
+        <p:txBody>
+          <a:bodyPr rtlCol="0" anchor="ctr"/>
+          <a:lstStyle/>
+          <a:p>
+            <a:pPr algn="ctr"/>
+            <a:r>
+              <a:rPr lang="en-US" altLang="ko-KR" sz="4000" dirty="0">
+                <a:solidFill>
+                  <a:schemeClr val="tx1"/>
+                </a:solidFill>
+                <a:latin typeface="배달의민족 주아" panose="02020603020101020101" pitchFamily="18" charset="-127"/>
+                <a:ea typeface="배달의민족 주아" panose="02020603020101020101" pitchFamily="18" charset="-127"/>
+              </a:rPr>
+              <a:t>Thread</a:t>
+            </a:r>
+            <a:endParaRPr lang="ko-KR" altLang="en-US" sz="4000" dirty="0">
+              <a:solidFill>
+                <a:schemeClr val="tx1"/>
+              </a:solidFill>
+              <a:latin typeface="배달의민족 주아" panose="02020603020101020101" pitchFamily="18" charset="-127"/>
+              <a:ea typeface="배달의민족 주아" panose="02020603020101020101" pitchFamily="18" charset="-127"/>
+            </a:endParaRPr>
+          </a:p>
+        </p:txBody>
+      </p:sp>
+      <p:sp>
+        <p:nvSpPr>
+          <p:cNvPr id="10" name="사각형: 둥근 모서리 9">
+            <a:extLst>
+              <a:ext uri="{FF2B5EF4-FFF2-40B4-BE49-F238E27FC236}">
+                <a16:creationId xmlns:a16="http://schemas.microsoft.com/office/drawing/2014/main" id="{73C027E6-80D3-4312-BD27-6F6B13678D88}"/>
+              </a:ext>
+            </a:extLst>
+          </p:cNvPr>
+          <p:cNvSpPr/>
+          <p:nvPr/>
+        </p:nvSpPr>
+        <p:spPr>
+          <a:xfrm>
+            <a:off x="5196348" y="3626142"/>
+            <a:ext cx="2043488" cy="957483"/>
+          </a:xfrm>
+          <a:prstGeom prst="roundRect">
+            <a:avLst/>
+          </a:prstGeom>
+          <a:solidFill>
+            <a:schemeClr val="bg1"/>
+          </a:solidFill>
+          <a:ln w="38100">
+            <a:solidFill>
+              <a:schemeClr val="tx1"/>
+            </a:solidFill>
+          </a:ln>
+        </p:spPr>
+        <p:style>
+          <a:lnRef idx="2">
+            <a:schemeClr val="accent1">
+              <a:shade val="50000"/>
+            </a:schemeClr>
+          </a:lnRef>
+          <a:fillRef idx="1">
+            <a:schemeClr val="accent1"/>
+          </a:fillRef>
+          <a:effectRef idx="0">
+            <a:schemeClr val="accent1"/>
+          </a:effectRef>
+          <a:fontRef idx="minor">
+            <a:schemeClr val="lt1"/>
+          </a:fontRef>
+        </p:style>
+        <p:txBody>
+          <a:bodyPr rtlCol="0" anchor="ctr"/>
+          <a:lstStyle/>
+          <a:p>
+            <a:pPr algn="ctr"/>
+            <a:r>
+              <a:rPr lang="en-US" altLang="ko-KR" sz="4000" dirty="0">
+                <a:solidFill>
+                  <a:schemeClr val="tx1"/>
+                </a:solidFill>
+                <a:latin typeface="배달의민족 주아" panose="02020603020101020101" pitchFamily="18" charset="-127"/>
+                <a:ea typeface="배달의민족 주아" panose="02020603020101020101" pitchFamily="18" charset="-127"/>
+              </a:rPr>
+              <a:t>Thread</a:t>
+            </a:r>
+            <a:endParaRPr lang="ko-KR" altLang="en-US" sz="4000" dirty="0">
+              <a:solidFill>
+                <a:schemeClr val="tx1"/>
+              </a:solidFill>
+              <a:latin typeface="배달의민족 주아" panose="02020603020101020101" pitchFamily="18" charset="-127"/>
+              <a:ea typeface="배달의민족 주아" panose="02020603020101020101" pitchFamily="18" charset="-127"/>
+            </a:endParaRPr>
+          </a:p>
+        </p:txBody>
+      </p:sp>
+      <p:sp>
+        <p:nvSpPr>
+          <p:cNvPr id="12" name="사각형: 둥근 모서리 11">
+            <a:extLst>
+              <a:ext uri="{FF2B5EF4-FFF2-40B4-BE49-F238E27FC236}">
+                <a16:creationId xmlns:a16="http://schemas.microsoft.com/office/drawing/2014/main" id="{DBAADA6E-7B6E-47BA-A706-134591E06458}"/>
+              </a:ext>
+            </a:extLst>
+          </p:cNvPr>
+          <p:cNvSpPr/>
+          <p:nvPr/>
+        </p:nvSpPr>
+        <p:spPr>
+          <a:xfrm>
+            <a:off x="5196348" y="4820762"/>
+            <a:ext cx="2043488" cy="957483"/>
+          </a:xfrm>
+          <a:prstGeom prst="roundRect">
+            <a:avLst/>
+          </a:prstGeom>
+          <a:solidFill>
+            <a:schemeClr val="bg1"/>
+          </a:solidFill>
+          <a:ln w="38100">
+            <a:solidFill>
+              <a:schemeClr val="tx1"/>
+            </a:solidFill>
+          </a:ln>
+        </p:spPr>
+        <p:style>
+          <a:lnRef idx="2">
+            <a:schemeClr val="accent1">
+              <a:shade val="50000"/>
+            </a:schemeClr>
+          </a:lnRef>
+          <a:fillRef idx="1">
+            <a:schemeClr val="accent1"/>
+          </a:fillRef>
+          <a:effectRef idx="0">
+            <a:schemeClr val="accent1"/>
+          </a:effectRef>
+          <a:fontRef idx="minor">
+            <a:schemeClr val="lt1"/>
+          </a:fontRef>
+        </p:style>
+        <p:txBody>
+          <a:bodyPr rtlCol="0" anchor="ctr"/>
+          <a:lstStyle/>
+          <a:p>
+            <a:pPr algn="ctr"/>
+            <a:r>
+              <a:rPr lang="en-US" altLang="ko-KR" sz="4000" dirty="0">
+                <a:solidFill>
+                  <a:schemeClr val="tx1"/>
+                </a:solidFill>
+                <a:latin typeface="배달의민족 주아" panose="02020603020101020101" pitchFamily="18" charset="-127"/>
+                <a:ea typeface="배달의민족 주아" panose="02020603020101020101" pitchFamily="18" charset="-127"/>
+              </a:rPr>
+              <a:t>Thread</a:t>
+            </a:r>
+            <a:endParaRPr lang="ko-KR" altLang="en-US" sz="4000" dirty="0">
+              <a:solidFill>
+                <a:schemeClr val="tx1"/>
+              </a:solidFill>
+              <a:latin typeface="배달의민족 주아" panose="02020603020101020101" pitchFamily="18" charset="-127"/>
+              <a:ea typeface="배달의민족 주아" panose="02020603020101020101" pitchFamily="18" charset="-127"/>
+            </a:endParaRPr>
+          </a:p>
+        </p:txBody>
+      </p:sp>
+      <p:cxnSp>
+        <p:nvCxnSpPr>
+          <p:cNvPr id="7" name="연결선: 구부러짐 6">
+            <a:extLst>
+              <a:ext uri="{FF2B5EF4-FFF2-40B4-BE49-F238E27FC236}">
+                <a16:creationId xmlns:a16="http://schemas.microsoft.com/office/drawing/2014/main" id="{B2B0B626-9E75-47C1-8129-35BB0EFCE8D8}"/>
+              </a:ext>
+            </a:extLst>
+          </p:cNvPr>
+          <p:cNvCxnSpPr>
+            <a:stCxn id="6" idx="1"/>
+            <a:endCxn id="11" idx="3"/>
+          </p:cNvCxnSpPr>
+          <p:nvPr/>
+        </p:nvCxnSpPr>
+        <p:spPr>
+          <a:xfrm rot="10800000">
+            <a:off x="7239837" y="1715644"/>
+            <a:ext cx="930771" cy="1713356"/>
+          </a:xfrm>
+          <a:prstGeom prst="curvedConnector3">
+            <a:avLst/>
+          </a:prstGeom>
+          <a:ln w="28575">
+            <a:solidFill>
+              <a:schemeClr val="tx1"/>
+            </a:solidFill>
+            <a:tailEnd type="triangle"/>
+          </a:ln>
+        </p:spPr>
+        <p:style>
+          <a:lnRef idx="1">
+            <a:schemeClr val="accent1"/>
+          </a:lnRef>
+          <a:fillRef idx="0">
+            <a:schemeClr val="accent1"/>
+          </a:fillRef>
+          <a:effectRef idx="0">
+            <a:schemeClr val="accent1"/>
+          </a:effectRef>
+          <a:fontRef idx="minor">
+            <a:schemeClr val="tx1"/>
+          </a:fontRef>
+        </p:style>
+      </p:cxnSp>
+      <p:cxnSp>
+        <p:nvCxnSpPr>
+          <p:cNvPr id="14" name="연결선: 구부러짐 13">
+            <a:extLst>
+              <a:ext uri="{FF2B5EF4-FFF2-40B4-BE49-F238E27FC236}">
+                <a16:creationId xmlns:a16="http://schemas.microsoft.com/office/drawing/2014/main" id="{1184B456-78EB-4E86-AEF7-E3AC771C2031}"/>
+              </a:ext>
+            </a:extLst>
+          </p:cNvPr>
+          <p:cNvCxnSpPr>
+            <a:stCxn id="6" idx="1"/>
+            <a:endCxn id="9" idx="3"/>
+          </p:cNvCxnSpPr>
+          <p:nvPr/>
+        </p:nvCxnSpPr>
+        <p:spPr>
+          <a:xfrm rot="10800000">
+            <a:off x="7239837" y="2910264"/>
+            <a:ext cx="930771" cy="518736"/>
+          </a:xfrm>
+          <a:prstGeom prst="curvedConnector3">
+            <a:avLst/>
+          </a:prstGeom>
+          <a:ln w="28575">
+            <a:solidFill>
+              <a:schemeClr val="tx1"/>
+            </a:solidFill>
+            <a:tailEnd type="triangle"/>
+          </a:ln>
+        </p:spPr>
+        <p:style>
+          <a:lnRef idx="1">
+            <a:schemeClr val="accent1"/>
+          </a:lnRef>
+          <a:fillRef idx="0">
+            <a:schemeClr val="accent1"/>
+          </a:fillRef>
+          <a:effectRef idx="0">
+            <a:schemeClr val="accent1"/>
+          </a:effectRef>
+          <a:fontRef idx="minor">
+            <a:schemeClr val="tx1"/>
+          </a:fontRef>
+        </p:style>
+      </p:cxnSp>
+      <p:cxnSp>
+        <p:nvCxnSpPr>
+          <p:cNvPr id="16" name="연결선: 구부러짐 15">
+            <a:extLst>
+              <a:ext uri="{FF2B5EF4-FFF2-40B4-BE49-F238E27FC236}">
+                <a16:creationId xmlns:a16="http://schemas.microsoft.com/office/drawing/2014/main" id="{0181F217-71FE-4EB1-ADD1-7C0EB0008DE1}"/>
+              </a:ext>
+            </a:extLst>
+          </p:cNvPr>
+          <p:cNvCxnSpPr>
+            <a:stCxn id="6" idx="1"/>
+            <a:endCxn id="10" idx="3"/>
+          </p:cNvCxnSpPr>
+          <p:nvPr/>
+        </p:nvCxnSpPr>
+        <p:spPr>
+          <a:xfrm rot="10800000" flipV="1">
+            <a:off x="7239837" y="3429000"/>
+            <a:ext cx="930771" cy="675884"/>
+          </a:xfrm>
+          <a:prstGeom prst="curvedConnector3">
+            <a:avLst/>
+          </a:prstGeom>
+          <a:ln w="28575">
+            <a:solidFill>
+              <a:schemeClr val="tx1"/>
+            </a:solidFill>
+            <a:tailEnd type="triangle"/>
+          </a:ln>
+        </p:spPr>
+        <p:style>
+          <a:lnRef idx="1">
+            <a:schemeClr val="accent1"/>
+          </a:lnRef>
+          <a:fillRef idx="0">
+            <a:schemeClr val="accent1"/>
+          </a:fillRef>
+          <a:effectRef idx="0">
+            <a:schemeClr val="accent1"/>
+          </a:effectRef>
+          <a:fontRef idx="minor">
+            <a:schemeClr val="tx1"/>
+          </a:fontRef>
+        </p:style>
+      </p:cxnSp>
+      <p:cxnSp>
+        <p:nvCxnSpPr>
+          <p:cNvPr id="18" name="연결선: 구부러짐 17">
+            <a:extLst>
+              <a:ext uri="{FF2B5EF4-FFF2-40B4-BE49-F238E27FC236}">
+                <a16:creationId xmlns:a16="http://schemas.microsoft.com/office/drawing/2014/main" id="{A8F0D841-2A41-4AFC-8A7C-89D615A67302}"/>
+              </a:ext>
+            </a:extLst>
+          </p:cNvPr>
+          <p:cNvCxnSpPr>
+            <a:stCxn id="6" idx="1"/>
+            <a:endCxn id="12" idx="3"/>
+          </p:cNvCxnSpPr>
+          <p:nvPr/>
+        </p:nvCxnSpPr>
+        <p:spPr>
+          <a:xfrm rot="10800000" flipV="1">
+            <a:off x="7239837" y="3429000"/>
+            <a:ext cx="930771" cy="1870504"/>
+          </a:xfrm>
+          <a:prstGeom prst="curvedConnector3">
+            <a:avLst/>
+          </a:prstGeom>
+          <a:ln w="28575">
+            <a:solidFill>
+              <a:schemeClr val="tx1"/>
+            </a:solidFill>
+            <a:tailEnd type="triangle"/>
+          </a:ln>
+        </p:spPr>
+        <p:style>
+          <a:lnRef idx="1">
+            <a:schemeClr val="accent1"/>
+          </a:lnRef>
+          <a:fillRef idx="0">
+            <a:schemeClr val="accent1"/>
+          </a:fillRef>
+          <a:effectRef idx="0">
+            <a:schemeClr val="accent1"/>
+          </a:effectRef>
+          <a:fontRef idx="minor">
+            <a:schemeClr val="tx1"/>
+          </a:fontRef>
+        </p:style>
+      </p:cxnSp>
+      <p:sp>
+        <p:nvSpPr>
+          <p:cNvPr id="20" name="사각형: 둥근 모서리 19">
+            <a:extLst>
+              <a:ext uri="{FF2B5EF4-FFF2-40B4-BE49-F238E27FC236}">
+                <a16:creationId xmlns:a16="http://schemas.microsoft.com/office/drawing/2014/main" id="{EEC507B9-0FEF-4668-9543-50DE458F7686}"/>
+              </a:ext>
+            </a:extLst>
+          </p:cNvPr>
+          <p:cNvSpPr/>
+          <p:nvPr/>
+        </p:nvSpPr>
+        <p:spPr>
+          <a:xfrm>
+            <a:off x="1198674" y="4059528"/>
+            <a:ext cx="2043488" cy="957483"/>
+          </a:xfrm>
+          <a:prstGeom prst="roundRect">
+            <a:avLst/>
+          </a:prstGeom>
+          <a:solidFill>
+            <a:schemeClr val="bg1"/>
+          </a:solidFill>
+          <a:ln w="38100">
+            <a:solidFill>
+              <a:schemeClr val="tx1"/>
+            </a:solidFill>
+          </a:ln>
+        </p:spPr>
+        <p:style>
+          <a:lnRef idx="2">
+            <a:schemeClr val="accent1">
+              <a:shade val="50000"/>
+            </a:schemeClr>
+          </a:lnRef>
+          <a:fillRef idx="1">
+            <a:schemeClr val="accent1"/>
+          </a:fillRef>
+          <a:effectRef idx="0">
+            <a:schemeClr val="accent1"/>
+          </a:effectRef>
+          <a:fontRef idx="minor">
+            <a:schemeClr val="lt1"/>
+          </a:fontRef>
+        </p:style>
+        <p:txBody>
+          <a:bodyPr rtlCol="0" anchor="ctr"/>
+          <a:lstStyle/>
+          <a:p>
+            <a:pPr algn="ctr"/>
+            <a:r>
+              <a:rPr lang="ko-KR" altLang="en-US" sz="4000" dirty="0">
+                <a:solidFill>
+                  <a:schemeClr val="tx1"/>
+                </a:solidFill>
+                <a:latin typeface="배달의민족 주아" panose="02020603020101020101" pitchFamily="18" charset="-127"/>
+                <a:ea typeface="배달의민족 주아" panose="02020603020101020101" pitchFamily="18" charset="-127"/>
+              </a:rPr>
+              <a:t>작업</a:t>
+            </a:r>
+          </a:p>
+        </p:txBody>
+      </p:sp>
+      <p:cxnSp>
+        <p:nvCxnSpPr>
+          <p:cNvPr id="23" name="직선 화살표 연결선 22">
+            <a:extLst>
+              <a:ext uri="{FF2B5EF4-FFF2-40B4-BE49-F238E27FC236}">
+                <a16:creationId xmlns:a16="http://schemas.microsoft.com/office/drawing/2014/main" id="{9DEBB40B-6DBA-4638-912F-33E1DE1BAEFD}"/>
+              </a:ext>
+            </a:extLst>
+          </p:cNvPr>
+          <p:cNvCxnSpPr>
+            <a:cxnSpLocks/>
+          </p:cNvCxnSpPr>
+          <p:nvPr/>
+        </p:nvCxnSpPr>
+        <p:spPr>
+          <a:xfrm>
+            <a:off x="2218745" y="3301816"/>
+            <a:ext cx="0" cy="557942"/>
+          </a:xfrm>
+          <a:prstGeom prst="straightConnector1">
+            <a:avLst/>
+          </a:prstGeom>
+          <a:ln w="38100">
+            <a:solidFill>
+              <a:schemeClr val="tx1"/>
+            </a:solidFill>
+            <a:tailEnd type="triangle"/>
+          </a:ln>
+        </p:spPr>
+        <p:style>
+          <a:lnRef idx="1">
+            <a:schemeClr val="accent1"/>
+          </a:lnRef>
+          <a:fillRef idx="0">
+            <a:schemeClr val="accent1"/>
+          </a:fillRef>
+          <a:effectRef idx="0">
+            <a:schemeClr val="accent1"/>
+          </a:effectRef>
+          <a:fontRef idx="minor">
+            <a:schemeClr val="tx1"/>
+          </a:fontRef>
+        </p:style>
+      </p:cxnSp>
+      <p:sp>
+        <p:nvSpPr>
+          <p:cNvPr id="25" name="직사각형 24">
+            <a:extLst>
+              <a:ext uri="{FF2B5EF4-FFF2-40B4-BE49-F238E27FC236}">
+                <a16:creationId xmlns:a16="http://schemas.microsoft.com/office/drawing/2014/main" id="{E81C62EE-9B86-41BC-99AF-4528136B80F5}"/>
+              </a:ext>
+            </a:extLst>
+          </p:cNvPr>
+          <p:cNvSpPr/>
+          <p:nvPr/>
+        </p:nvSpPr>
+        <p:spPr>
+          <a:xfrm>
+            <a:off x="904924" y="2348340"/>
+            <a:ext cx="2627643" cy="923330"/>
+          </a:xfrm>
+          <a:prstGeom prst="rect">
+            <a:avLst/>
+          </a:prstGeom>
+        </p:spPr>
+        <p:txBody>
+          <a:bodyPr wrap="none">
+            <a:spAutoFit/>
+          </a:bodyPr>
+          <a:lstStyle/>
+          <a:p>
+            <a:pPr algn="ctr"/>
+            <a:r>
+              <a:rPr lang="ko-KR" altLang="en-US" sz="5400" dirty="0">
+                <a:latin typeface="배달의민족 주아" panose="02020603020101020101" pitchFamily="18" charset="-127"/>
+                <a:ea typeface="배달의민족 주아" panose="02020603020101020101" pitchFamily="18" charset="-127"/>
+              </a:rPr>
+              <a:t>이거 해줘</a:t>
+            </a:r>
+          </a:p>
+        </p:txBody>
+      </p:sp>
+      <p:sp>
+        <p:nvSpPr>
+          <p:cNvPr id="27" name="사각형: 둥근 모서리 26">
+            <a:extLst>
+              <a:ext uri="{FF2B5EF4-FFF2-40B4-BE49-F238E27FC236}">
+                <a16:creationId xmlns:a16="http://schemas.microsoft.com/office/drawing/2014/main" id="{A980228E-51AB-4BFC-B8CB-62FEDD875838}"/>
+              </a:ext>
+            </a:extLst>
+          </p:cNvPr>
+          <p:cNvSpPr/>
+          <p:nvPr/>
+        </p:nvSpPr>
+        <p:spPr>
+          <a:xfrm>
+            <a:off x="4946881" y="995278"/>
+            <a:ext cx="2542422" cy="5037922"/>
+          </a:xfrm>
+          <a:prstGeom prst="roundRect">
+            <a:avLst/>
+          </a:prstGeom>
+          <a:noFill/>
+          <a:ln w="57150">
+            <a:solidFill>
+              <a:schemeClr val="tx1"/>
+            </a:solidFill>
+          </a:ln>
+        </p:spPr>
+        <p:style>
+          <a:lnRef idx="2">
+            <a:schemeClr val="accent1">
+              <a:shade val="50000"/>
+            </a:schemeClr>
+          </a:lnRef>
+          <a:fillRef idx="1">
+            <a:schemeClr val="accent1"/>
+          </a:fillRef>
+          <a:effectRef idx="0">
+            <a:schemeClr val="accent1"/>
+          </a:effectRef>
+          <a:fontRef idx="minor">
+            <a:schemeClr val="lt1"/>
+          </a:fontRef>
+        </p:style>
+        <p:txBody>
+          <a:bodyPr rtlCol="0" anchor="ctr"/>
+          <a:lstStyle/>
+          <a:p>
+            <a:pPr algn="ctr"/>
+            <a:endParaRPr lang="ko-KR" altLang="en-US"/>
+          </a:p>
+        </p:txBody>
+      </p:sp>
+      <p:sp>
+        <p:nvSpPr>
+          <p:cNvPr id="28" name="TextBox 27">
+            <a:extLst>
+              <a:ext uri="{FF2B5EF4-FFF2-40B4-BE49-F238E27FC236}">
+                <a16:creationId xmlns:a16="http://schemas.microsoft.com/office/drawing/2014/main" id="{764A4942-6458-4891-9F62-AEE30E06E2C8}"/>
+              </a:ext>
+            </a:extLst>
+          </p:cNvPr>
+          <p:cNvSpPr txBox="1"/>
+          <p:nvPr/>
+        </p:nvSpPr>
+        <p:spPr>
+          <a:xfrm>
+            <a:off x="4968309" y="540100"/>
+            <a:ext cx="1804220" cy="461665"/>
+          </a:xfrm>
+          <a:prstGeom prst="rect">
+            <a:avLst/>
+          </a:prstGeom>
+          <a:noFill/>
+        </p:spPr>
+        <p:txBody>
+          <a:bodyPr wrap="square" rtlCol="0">
+            <a:spAutoFit/>
+          </a:bodyPr>
+          <a:lstStyle/>
+          <a:p>
+            <a:r>
+              <a:rPr lang="en-US" altLang="ko-KR" sz="2400" dirty="0">
+                <a:latin typeface="배달의민족 주아" panose="02020603020101020101" pitchFamily="18" charset="-127"/>
+                <a:ea typeface="배달의민족 주아" panose="02020603020101020101" pitchFamily="18" charset="-127"/>
+              </a:rPr>
+              <a:t>Thread Pool</a:t>
+            </a:r>
+            <a:endParaRPr lang="ko-KR" altLang="en-US" sz="2400" dirty="0">
+              <a:latin typeface="배달의민족 주아" panose="02020603020101020101" pitchFamily="18" charset="-127"/>
+              <a:ea typeface="배달의민족 주아" panose="02020603020101020101" pitchFamily="18" charset="-127"/>
+            </a:endParaRPr>
+          </a:p>
+        </p:txBody>
+      </p:sp>
+      <p:cxnSp>
+        <p:nvCxnSpPr>
+          <p:cNvPr id="30" name="연결선: 구부러짐 29">
+            <a:extLst>
+              <a:ext uri="{FF2B5EF4-FFF2-40B4-BE49-F238E27FC236}">
+                <a16:creationId xmlns:a16="http://schemas.microsoft.com/office/drawing/2014/main" id="{C2555464-4DC7-4506-ABCF-5643CA93CC43}"/>
+              </a:ext>
+            </a:extLst>
+          </p:cNvPr>
+          <p:cNvCxnSpPr>
+            <a:stCxn id="20" idx="3"/>
+            <a:endCxn id="27" idx="1"/>
+          </p:cNvCxnSpPr>
+          <p:nvPr/>
+        </p:nvCxnSpPr>
+        <p:spPr>
+          <a:xfrm flipV="1">
+            <a:off x="3242162" y="3514239"/>
+            <a:ext cx="1704719" cy="1024031"/>
+          </a:xfrm>
+          <a:prstGeom prst="curvedConnector3">
+            <a:avLst/>
+          </a:prstGeom>
+          <a:ln w="38100">
+            <a:solidFill>
+              <a:schemeClr val="tx1"/>
+            </a:solidFill>
+            <a:tailEnd type="triangle"/>
+          </a:ln>
+        </p:spPr>
+        <p:style>
+          <a:lnRef idx="1">
+            <a:schemeClr val="accent1"/>
+          </a:lnRef>
+          <a:fillRef idx="0">
+            <a:schemeClr val="accent1"/>
+          </a:fillRef>
+          <a:effectRef idx="0">
+            <a:schemeClr val="accent1"/>
+          </a:effectRef>
+          <a:fontRef idx="minor">
+            <a:schemeClr val="tx1"/>
+          </a:fontRef>
+        </p:style>
+      </p:cxnSp>
+    </p:spTree>
+    <p:extLst>
+      <p:ext uri="{BB962C8B-B14F-4D97-AF65-F5344CB8AC3E}">
+        <p14:creationId xmlns:p14="http://schemas.microsoft.com/office/powerpoint/2010/main" val="3351420772"/>
+      </p:ext>
+    </p:extLst>
+  </p:cSld>
+  <p:clrMapOvr>
+    <a:masterClrMapping/>
+  </p:clrMapOvr>
+</p:sld>
+</file>
+
+<file path=ppt/slides/slide6.xml><?xml version="1.0" encoding="utf-8"?>
+<p:sld xmlns:a="http://schemas.openxmlformats.org/drawingml/2006/main" xmlns:r="http://schemas.openxmlformats.org/officeDocument/2006/relationships" xmlns:p="http://schemas.openxmlformats.org/presentationml/2006/main">
+  <p:cSld>
+    <p:spTree>
+      <p:nvGrpSpPr>
+        <p:cNvPr id="1" name=""/>
+        <p:cNvGrpSpPr/>
+        <p:nvPr/>
+      </p:nvGrpSpPr>
+      <p:grpSpPr>
+        <a:xfrm>
+          <a:off x="0" y="0"/>
+          <a:ext cx="0" cy="0"/>
+          <a:chOff x="0" y="0"/>
+          <a:chExt cx="0" cy="0"/>
+        </a:xfrm>
+      </p:grpSpPr>
+      <p:sp>
+        <p:nvSpPr>
+          <p:cNvPr id="3" name="직사각형 2">
+            <a:extLst>
+              <a:ext uri="{FF2B5EF4-FFF2-40B4-BE49-F238E27FC236}">
+                <a16:creationId xmlns:a16="http://schemas.microsoft.com/office/drawing/2014/main" id="{CE97CBAA-9474-4762-9A45-7F1C1229323D}"/>
+              </a:ext>
+            </a:extLst>
+          </p:cNvPr>
+          <p:cNvSpPr/>
+          <p:nvPr/>
+        </p:nvSpPr>
+        <p:spPr>
+          <a:xfrm>
+            <a:off x="0" y="339365"/>
+            <a:ext cx="3619893" cy="1221117"/>
+          </a:xfrm>
+          <a:prstGeom prst="rect">
+            <a:avLst/>
+          </a:prstGeom>
+          <a:solidFill>
+            <a:schemeClr val="tx1"/>
+          </a:solidFill>
+          <a:ln>
+            <a:solidFill>
+              <a:schemeClr val="tx1"/>
+            </a:solidFill>
+          </a:ln>
+        </p:spPr>
+        <p:style>
+          <a:lnRef idx="2">
+            <a:schemeClr val="accent1">
+              <a:shade val="50000"/>
+            </a:schemeClr>
+          </a:lnRef>
+          <a:fillRef idx="1">
+            <a:schemeClr val="accent1"/>
+          </a:fillRef>
+          <a:effectRef idx="0">
+            <a:schemeClr val="accent1"/>
+          </a:effectRef>
+          <a:fontRef idx="minor">
+            <a:schemeClr val="lt1"/>
+          </a:fontRef>
+        </p:style>
+        <p:txBody>
+          <a:bodyPr rtlCol="0" anchor="ctr"/>
+          <a:lstStyle/>
+          <a:p>
+            <a:pPr algn="ctr"/>
+            <a:r>
+              <a:rPr lang="en-US" altLang="ko-KR" sz="4400" dirty="0">
+                <a:latin typeface="태나다체 " panose="02000000000000000000" pitchFamily="2" charset="-127"/>
+                <a:ea typeface="태나다체 " panose="02000000000000000000" pitchFamily="2" charset="-127"/>
+              </a:rPr>
+              <a:t>Task</a:t>
+            </a:r>
+            <a:endParaRPr lang="ko-KR" altLang="en-US" sz="4400" dirty="0">
+              <a:latin typeface="태나다체 " panose="02000000000000000000" pitchFamily="2" charset="-127"/>
+              <a:ea typeface="태나다체 " panose="02000000000000000000" pitchFamily="2" charset="-127"/>
+            </a:endParaRPr>
+          </a:p>
+        </p:txBody>
+      </p:sp>
+      <p:sp>
+        <p:nvSpPr>
+          <p:cNvPr id="20" name="사각형: 둥근 모서리 19">
+            <a:extLst>
+              <a:ext uri="{FF2B5EF4-FFF2-40B4-BE49-F238E27FC236}">
+                <a16:creationId xmlns:a16="http://schemas.microsoft.com/office/drawing/2014/main" id="{EEC507B9-0FEF-4668-9543-50DE458F7686}"/>
+              </a:ext>
+            </a:extLst>
+          </p:cNvPr>
+          <p:cNvSpPr/>
+          <p:nvPr/>
+        </p:nvSpPr>
+        <p:spPr>
+          <a:xfrm>
+            <a:off x="1981099" y="4408319"/>
+            <a:ext cx="2043488" cy="957483"/>
+          </a:xfrm>
+          <a:prstGeom prst="roundRect">
+            <a:avLst/>
+          </a:prstGeom>
+          <a:solidFill>
+            <a:schemeClr val="bg1"/>
+          </a:solidFill>
+          <a:ln w="38100">
+            <a:solidFill>
+              <a:schemeClr val="tx1"/>
+            </a:solidFill>
+          </a:ln>
+        </p:spPr>
+        <p:style>
+          <a:lnRef idx="2">
+            <a:schemeClr val="accent1">
+              <a:shade val="50000"/>
+            </a:schemeClr>
+          </a:lnRef>
+          <a:fillRef idx="1">
+            <a:schemeClr val="accent1"/>
+          </a:fillRef>
+          <a:effectRef idx="0">
+            <a:schemeClr val="accent1"/>
+          </a:effectRef>
+          <a:fontRef idx="minor">
+            <a:schemeClr val="lt1"/>
+          </a:fontRef>
+        </p:style>
+        <p:txBody>
+          <a:bodyPr rtlCol="0" anchor="ctr"/>
+          <a:lstStyle/>
+          <a:p>
+            <a:pPr algn="ctr"/>
+            <a:r>
+              <a:rPr lang="ko-KR" altLang="en-US" sz="4000" dirty="0">
+                <a:solidFill>
+                  <a:schemeClr val="tx1"/>
+                </a:solidFill>
+                <a:latin typeface="배달의민족 주아" panose="02020603020101020101" pitchFamily="18" charset="-127"/>
+                <a:ea typeface="배달의민족 주아" panose="02020603020101020101" pitchFamily="18" charset="-127"/>
+              </a:rPr>
+              <a:t>작업</a:t>
+            </a:r>
+          </a:p>
+        </p:txBody>
+      </p:sp>
+      <p:cxnSp>
+        <p:nvCxnSpPr>
+          <p:cNvPr id="23" name="직선 화살표 연결선 22">
+            <a:extLst>
+              <a:ext uri="{FF2B5EF4-FFF2-40B4-BE49-F238E27FC236}">
+                <a16:creationId xmlns:a16="http://schemas.microsoft.com/office/drawing/2014/main" id="{9DEBB40B-6DBA-4638-912F-33E1DE1BAEFD}"/>
+              </a:ext>
+            </a:extLst>
+          </p:cNvPr>
+          <p:cNvCxnSpPr>
+            <a:cxnSpLocks/>
+          </p:cNvCxnSpPr>
+          <p:nvPr/>
+        </p:nvCxnSpPr>
+        <p:spPr>
+          <a:xfrm>
+            <a:off x="3001170" y="3650607"/>
+            <a:ext cx="0" cy="557942"/>
+          </a:xfrm>
+          <a:prstGeom prst="straightConnector1">
+            <a:avLst/>
+          </a:prstGeom>
+          <a:ln w="38100">
+            <a:solidFill>
+              <a:schemeClr val="tx1"/>
+            </a:solidFill>
+            <a:tailEnd type="triangle"/>
+          </a:ln>
+        </p:spPr>
+        <p:style>
+          <a:lnRef idx="1">
+            <a:schemeClr val="accent1"/>
+          </a:lnRef>
+          <a:fillRef idx="0">
+            <a:schemeClr val="accent1"/>
+          </a:fillRef>
+          <a:effectRef idx="0">
+            <a:schemeClr val="accent1"/>
+          </a:effectRef>
+          <a:fontRef idx="minor">
+            <a:schemeClr val="tx1"/>
+          </a:fontRef>
+        </p:style>
+      </p:cxnSp>
+      <p:sp>
+        <p:nvSpPr>
+          <p:cNvPr id="19" name="사각형: 둥근 모서리 18">
+            <a:extLst>
+              <a:ext uri="{FF2B5EF4-FFF2-40B4-BE49-F238E27FC236}">
+                <a16:creationId xmlns:a16="http://schemas.microsoft.com/office/drawing/2014/main" id="{57C58DC3-A789-49E9-955A-8AB52BEDBECD}"/>
+              </a:ext>
+            </a:extLst>
+          </p:cNvPr>
+          <p:cNvSpPr/>
+          <p:nvPr/>
+        </p:nvSpPr>
+        <p:spPr>
+          <a:xfrm>
+            <a:off x="8067759" y="4308881"/>
+            <a:ext cx="2791094" cy="1227065"/>
+          </a:xfrm>
+          <a:prstGeom prst="roundRect">
+            <a:avLst/>
+          </a:prstGeom>
+          <a:solidFill>
+            <a:schemeClr val="bg1"/>
+          </a:solidFill>
+          <a:ln w="28575">
+            <a:solidFill>
+              <a:schemeClr val="tx1"/>
+            </a:solidFill>
+          </a:ln>
+        </p:spPr>
+        <p:style>
+          <a:lnRef idx="2">
+            <a:schemeClr val="accent1">
+              <a:shade val="50000"/>
+            </a:schemeClr>
+          </a:lnRef>
+          <a:fillRef idx="1">
+            <a:schemeClr val="accent1"/>
+          </a:fillRef>
+          <a:effectRef idx="0">
+            <a:schemeClr val="accent1"/>
+          </a:effectRef>
+          <a:fontRef idx="minor">
+            <a:schemeClr val="lt1"/>
+          </a:fontRef>
+        </p:style>
+        <p:txBody>
+          <a:bodyPr rtlCol="0" anchor="ctr"/>
+          <a:lstStyle/>
+          <a:p>
+            <a:pPr algn="ctr"/>
+            <a:r>
+              <a:rPr lang="en-US" altLang="ko-KR" sz="3600" dirty="0">
+                <a:solidFill>
+                  <a:schemeClr val="tx1"/>
+                </a:solidFill>
+                <a:latin typeface="배달의민족 주아" panose="02020603020101020101" pitchFamily="18" charset="-127"/>
+                <a:ea typeface="배달의민족 주아" panose="02020603020101020101" pitchFamily="18" charset="-127"/>
+              </a:rPr>
+              <a:t> </a:t>
+            </a:r>
+            <a:r>
+              <a:rPr lang="ko-KR" altLang="en-US" sz="3600" dirty="0">
+                <a:solidFill>
+                  <a:schemeClr val="tx1"/>
+                </a:solidFill>
+                <a:latin typeface="배달의민족 주아" panose="02020603020101020101" pitchFamily="18" charset="-127"/>
+                <a:ea typeface="배달의민족 주아" panose="02020603020101020101" pitchFamily="18" charset="-127"/>
+              </a:rPr>
+              <a:t>스레드 풀</a:t>
+            </a:r>
+          </a:p>
+        </p:txBody>
+      </p:sp>
+      <p:sp>
+        <p:nvSpPr>
+          <p:cNvPr id="25" name="직사각형 24">
+            <a:extLst>
+              <a:ext uri="{FF2B5EF4-FFF2-40B4-BE49-F238E27FC236}">
+                <a16:creationId xmlns:a16="http://schemas.microsoft.com/office/drawing/2014/main" id="{E81C62EE-9B86-41BC-99AF-4528136B80F5}"/>
+              </a:ext>
+            </a:extLst>
+          </p:cNvPr>
+          <p:cNvSpPr/>
+          <p:nvPr/>
+        </p:nvSpPr>
+        <p:spPr>
+          <a:xfrm>
+            <a:off x="1687349" y="2697131"/>
+            <a:ext cx="2627643" cy="923330"/>
+          </a:xfrm>
+          <a:prstGeom prst="rect">
+            <a:avLst/>
+          </a:prstGeom>
+        </p:spPr>
+        <p:txBody>
+          <a:bodyPr wrap="none">
+            <a:spAutoFit/>
+          </a:bodyPr>
+          <a:lstStyle/>
+          <a:p>
+            <a:pPr algn="ctr"/>
+            <a:r>
+              <a:rPr lang="ko-KR" altLang="en-US" sz="5400" dirty="0">
+                <a:latin typeface="배달의민족 주아" panose="02020603020101020101" pitchFamily="18" charset="-127"/>
+                <a:ea typeface="배달의민족 주아" panose="02020603020101020101" pitchFamily="18" charset="-127"/>
+              </a:rPr>
+              <a:t>이거 해줘</a:t>
+            </a:r>
+          </a:p>
+        </p:txBody>
+      </p:sp>
+      <p:cxnSp>
+        <p:nvCxnSpPr>
+          <p:cNvPr id="30" name="연결선: 구부러짐 29">
+            <a:extLst>
+              <a:ext uri="{FF2B5EF4-FFF2-40B4-BE49-F238E27FC236}">
+                <a16:creationId xmlns:a16="http://schemas.microsoft.com/office/drawing/2014/main" id="{C2555464-4DC7-4506-ABCF-5643CA93CC43}"/>
+              </a:ext>
+            </a:extLst>
+          </p:cNvPr>
+          <p:cNvCxnSpPr>
+            <a:cxnSpLocks/>
+            <a:stCxn id="20" idx="3"/>
+            <a:endCxn id="21" idx="1"/>
+          </p:cNvCxnSpPr>
+          <p:nvPr/>
+        </p:nvCxnSpPr>
+        <p:spPr>
+          <a:xfrm flipV="1">
+            <a:off x="4024587" y="3877168"/>
+            <a:ext cx="2568709" cy="1009893"/>
+          </a:xfrm>
+          <a:prstGeom prst="curvedConnector3">
+            <a:avLst/>
+          </a:prstGeom>
+          <a:ln w="38100">
+            <a:solidFill>
+              <a:schemeClr val="tx1"/>
+            </a:solidFill>
+            <a:tailEnd type="triangle"/>
+          </a:ln>
+        </p:spPr>
+        <p:style>
+          <a:lnRef idx="1">
+            <a:schemeClr val="accent1"/>
+          </a:lnRef>
+          <a:fillRef idx="0">
+            <a:schemeClr val="accent1"/>
+          </a:fillRef>
+          <a:effectRef idx="0">
+            <a:schemeClr val="accent1"/>
+          </a:effectRef>
+          <a:fontRef idx="minor">
+            <a:schemeClr val="tx1"/>
+          </a:fontRef>
+        </p:style>
+      </p:cxnSp>
+      <p:sp>
+        <p:nvSpPr>
+          <p:cNvPr id="21" name="사각형: 둥근 모서리 20">
+            <a:extLst>
+              <a:ext uri="{FF2B5EF4-FFF2-40B4-BE49-F238E27FC236}">
+                <a16:creationId xmlns:a16="http://schemas.microsoft.com/office/drawing/2014/main" id="{0ED95834-0CA2-4852-B755-762AE37A475D}"/>
+              </a:ext>
+            </a:extLst>
+          </p:cNvPr>
+          <p:cNvSpPr/>
+          <p:nvPr/>
+        </p:nvSpPr>
+        <p:spPr>
+          <a:xfrm>
+            <a:off x="6593296" y="2697131"/>
+            <a:ext cx="2358996" cy="2360074"/>
+          </a:xfrm>
+          <a:prstGeom prst="roundRect">
+            <a:avLst/>
+          </a:prstGeom>
+          <a:solidFill>
+            <a:schemeClr val="bg1"/>
+          </a:solidFill>
+          <a:ln w="28575">
+            <a:solidFill>
+              <a:schemeClr val="tx1"/>
+            </a:solidFill>
+          </a:ln>
+        </p:spPr>
+        <p:style>
+          <a:lnRef idx="2">
+            <a:schemeClr val="accent1">
+              <a:shade val="50000"/>
+            </a:schemeClr>
+          </a:lnRef>
+          <a:fillRef idx="1">
+            <a:schemeClr val="accent1"/>
+          </a:fillRef>
+          <a:effectRef idx="0">
+            <a:schemeClr val="accent1"/>
+          </a:effectRef>
+          <a:fontRef idx="minor">
+            <a:schemeClr val="lt1"/>
+          </a:fontRef>
+        </p:style>
+        <p:txBody>
+          <a:bodyPr rtlCol="0" anchor="ctr"/>
+          <a:lstStyle/>
+          <a:p>
+            <a:pPr algn="ctr"/>
+            <a:r>
+              <a:rPr lang="en-US" altLang="ko-KR" sz="3600" dirty="0">
+                <a:solidFill>
+                  <a:schemeClr val="tx1"/>
+                </a:solidFill>
+                <a:latin typeface="배달의민족 주아" panose="02020603020101020101" pitchFamily="18" charset="-127"/>
+                <a:ea typeface="배달의민족 주아" panose="02020603020101020101" pitchFamily="18" charset="-127"/>
+              </a:rPr>
+              <a:t>Task</a:t>
+            </a:r>
+            <a:endParaRPr lang="ko-KR" altLang="en-US" sz="3600" dirty="0">
+              <a:solidFill>
+                <a:schemeClr val="tx1"/>
+              </a:solidFill>
+              <a:latin typeface="배달의민족 주아" panose="02020603020101020101" pitchFamily="18" charset="-127"/>
+              <a:ea typeface="배달의민족 주아" panose="02020603020101020101" pitchFamily="18" charset="-127"/>
+            </a:endParaRPr>
+          </a:p>
+        </p:txBody>
+      </p:sp>
+    </p:spTree>
+    <p:extLst>
+      <p:ext uri="{BB962C8B-B14F-4D97-AF65-F5344CB8AC3E}">
+        <p14:creationId xmlns:p14="http://schemas.microsoft.com/office/powerpoint/2010/main" val="3487256954"/>
+      </p:ext>
+    </p:extLst>
+  </p:cSld>
+  <p:clrMapOvr>
+    <a:masterClrMapping/>
+  </p:clrMapOvr>
+</p:sld>
+</file>
+
+<file path=ppt/slides/slide7.xml><?xml version="1.0" encoding="utf-8"?>
+<p:sld xmlns:a="http://schemas.openxmlformats.org/drawingml/2006/main" xmlns:r="http://schemas.openxmlformats.org/officeDocument/2006/relationships" xmlns:p="http://schemas.openxmlformats.org/presentationml/2006/main">
+  <p:cSld>
+    <p:spTree>
+      <p:nvGrpSpPr>
+        <p:cNvPr id="1" name=""/>
+        <p:cNvGrpSpPr/>
+        <p:nvPr/>
+      </p:nvGrpSpPr>
+      <p:grpSpPr>
+        <a:xfrm>
+          <a:off x="0" y="0"/>
+          <a:ext cx="0" cy="0"/>
+          <a:chOff x="0" y="0"/>
+          <a:chExt cx="0" cy="0"/>
+        </a:xfrm>
+      </p:grpSpPr>
+      <p:sp>
+        <p:nvSpPr>
+          <p:cNvPr id="3" name="직사각형 2">
+            <a:extLst>
+              <a:ext uri="{FF2B5EF4-FFF2-40B4-BE49-F238E27FC236}">
+                <a16:creationId xmlns:a16="http://schemas.microsoft.com/office/drawing/2014/main" id="{CE97CBAA-9474-4762-9A45-7F1C1229323D}"/>
+              </a:ext>
+            </a:extLst>
+          </p:cNvPr>
+          <p:cNvSpPr/>
+          <p:nvPr/>
+        </p:nvSpPr>
+        <p:spPr>
+          <a:xfrm>
+            <a:off x="0" y="339365"/>
+            <a:ext cx="3619893" cy="1221117"/>
+          </a:xfrm>
+          <a:prstGeom prst="rect">
+            <a:avLst/>
+          </a:prstGeom>
+          <a:solidFill>
+            <a:schemeClr val="tx1"/>
+          </a:solidFill>
+          <a:ln>
+            <a:solidFill>
+              <a:schemeClr val="tx1"/>
+            </a:solidFill>
+          </a:ln>
+        </p:spPr>
+        <p:style>
+          <a:lnRef idx="2">
+            <a:schemeClr val="accent1">
+              <a:shade val="50000"/>
+            </a:schemeClr>
+          </a:lnRef>
+          <a:fillRef idx="1">
+            <a:schemeClr val="accent1"/>
+          </a:fillRef>
+          <a:effectRef idx="0">
+            <a:schemeClr val="accent1"/>
+          </a:effectRef>
+          <a:fontRef idx="minor">
+            <a:schemeClr val="lt1"/>
+          </a:fontRef>
+        </p:style>
+        <p:txBody>
+          <a:bodyPr rtlCol="0" anchor="ctr"/>
+          <a:lstStyle/>
+          <a:p>
+            <a:pPr algn="ctr"/>
+            <a:r>
+              <a:rPr lang="en-US" altLang="ko-KR" sz="4400" dirty="0">
+                <a:latin typeface="태나다체 " panose="02000000000000000000" pitchFamily="2" charset="-127"/>
+                <a:ea typeface="태나다체 " panose="02000000000000000000" pitchFamily="2" charset="-127"/>
+              </a:rPr>
+              <a:t>Async</a:t>
+            </a:r>
+            <a:endParaRPr lang="ko-KR" altLang="en-US" sz="4400" dirty="0">
+              <a:latin typeface="태나다체 " panose="02000000000000000000" pitchFamily="2" charset="-127"/>
+              <a:ea typeface="태나다체 " panose="02000000000000000000" pitchFamily="2" charset="-127"/>
+            </a:endParaRPr>
+          </a:p>
+        </p:txBody>
+      </p:sp>
+      <p:sp>
+        <p:nvSpPr>
+          <p:cNvPr id="20" name="사각형: 둥근 모서리 19">
+            <a:extLst>
+              <a:ext uri="{FF2B5EF4-FFF2-40B4-BE49-F238E27FC236}">
+                <a16:creationId xmlns:a16="http://schemas.microsoft.com/office/drawing/2014/main" id="{EEC507B9-0FEF-4668-9543-50DE458F7686}"/>
+              </a:ext>
+            </a:extLst>
+          </p:cNvPr>
+          <p:cNvSpPr/>
+          <p:nvPr/>
+        </p:nvSpPr>
+        <p:spPr>
+          <a:xfrm>
+            <a:off x="531254" y="4851867"/>
+            <a:ext cx="3469064" cy="1500812"/>
+          </a:xfrm>
+          <a:prstGeom prst="roundRect">
+            <a:avLst/>
+          </a:prstGeom>
+          <a:solidFill>
+            <a:schemeClr val="bg1"/>
+          </a:solidFill>
+          <a:ln w="38100">
+            <a:solidFill>
+              <a:schemeClr val="tx1"/>
+            </a:solidFill>
+          </a:ln>
+        </p:spPr>
+        <p:style>
+          <a:lnRef idx="2">
+            <a:schemeClr val="accent1">
+              <a:shade val="50000"/>
+            </a:schemeClr>
+          </a:lnRef>
+          <a:fillRef idx="1">
+            <a:schemeClr val="accent1"/>
+          </a:fillRef>
+          <a:effectRef idx="0">
+            <a:schemeClr val="accent1"/>
+          </a:effectRef>
+          <a:fontRef idx="minor">
+            <a:schemeClr val="lt1"/>
+          </a:fontRef>
+        </p:style>
+        <p:txBody>
+          <a:bodyPr rtlCol="0" anchor="ctr"/>
+          <a:lstStyle/>
+          <a:p>
+            <a:pPr algn="ctr"/>
+            <a:r>
+              <a:rPr lang="en-US" altLang="ko-KR" sz="4000">
+                <a:solidFill>
+                  <a:schemeClr val="tx1"/>
+                </a:solidFill>
+                <a:latin typeface="배달의민족 주아" panose="02020603020101020101" pitchFamily="18" charset="-127"/>
+                <a:ea typeface="배달의민족 주아" panose="02020603020101020101" pitchFamily="18" charset="-127"/>
+              </a:rPr>
+              <a:t>Async (</a:t>
+            </a:r>
+            <a:r>
+              <a:rPr lang="ko-KR" altLang="en-US" sz="4000" dirty="0">
+                <a:solidFill>
+                  <a:schemeClr val="tx1"/>
+                </a:solidFill>
+                <a:latin typeface="배달의민족 주아" panose="02020603020101020101" pitchFamily="18" charset="-127"/>
+                <a:ea typeface="배달의민족 주아" panose="02020603020101020101" pitchFamily="18" charset="-127"/>
+              </a:rPr>
+              <a:t>비동기</a:t>
+            </a:r>
+            <a:r>
+              <a:rPr lang="en-US" altLang="ko-KR" sz="4000" dirty="0">
+                <a:solidFill>
+                  <a:schemeClr val="tx1"/>
+                </a:solidFill>
+                <a:latin typeface="배달의민족 주아" panose="02020603020101020101" pitchFamily="18" charset="-127"/>
+                <a:ea typeface="배달의민족 주아" panose="02020603020101020101" pitchFamily="18" charset="-127"/>
+              </a:rPr>
+              <a:t>)</a:t>
+            </a:r>
+          </a:p>
+          <a:p>
+            <a:pPr algn="ctr"/>
+            <a:r>
+              <a:rPr lang="ko-KR" altLang="en-US" sz="4000" dirty="0">
+                <a:solidFill>
+                  <a:schemeClr val="tx1"/>
+                </a:solidFill>
+                <a:latin typeface="배달의민족 주아" panose="02020603020101020101" pitchFamily="18" charset="-127"/>
+                <a:ea typeface="배달의민족 주아" panose="02020603020101020101" pitchFamily="18" charset="-127"/>
+              </a:rPr>
+              <a:t>작업</a:t>
+            </a:r>
+          </a:p>
+        </p:txBody>
+      </p:sp>
+      <p:sp>
+        <p:nvSpPr>
+          <p:cNvPr id="19" name="사각형: 둥근 모서리 18">
+            <a:extLst>
+              <a:ext uri="{FF2B5EF4-FFF2-40B4-BE49-F238E27FC236}">
+                <a16:creationId xmlns:a16="http://schemas.microsoft.com/office/drawing/2014/main" id="{57C58DC3-A789-49E9-955A-8AB52BEDBECD}"/>
+              </a:ext>
+            </a:extLst>
+          </p:cNvPr>
+          <p:cNvSpPr/>
+          <p:nvPr/>
+        </p:nvSpPr>
+        <p:spPr>
+          <a:xfrm>
+            <a:off x="8867074" y="3238220"/>
+            <a:ext cx="2791094" cy="1227065"/>
+          </a:xfrm>
+          <a:prstGeom prst="roundRect">
+            <a:avLst/>
+          </a:prstGeom>
+          <a:solidFill>
+            <a:schemeClr val="bg1"/>
+          </a:solidFill>
+          <a:ln w="28575">
+            <a:solidFill>
+              <a:schemeClr val="tx1"/>
+            </a:solidFill>
+          </a:ln>
+        </p:spPr>
+        <p:style>
+          <a:lnRef idx="2">
+            <a:schemeClr val="accent1">
+              <a:shade val="50000"/>
+            </a:schemeClr>
+          </a:lnRef>
+          <a:fillRef idx="1">
+            <a:schemeClr val="accent1"/>
+          </a:fillRef>
+          <a:effectRef idx="0">
+            <a:schemeClr val="accent1"/>
+          </a:effectRef>
+          <a:fontRef idx="minor">
+            <a:schemeClr val="lt1"/>
+          </a:fontRef>
+        </p:style>
+        <p:txBody>
+          <a:bodyPr rtlCol="0" anchor="ctr"/>
+          <a:lstStyle/>
+          <a:p>
+            <a:pPr algn="ctr"/>
+            <a:r>
+              <a:rPr lang="en-US" altLang="ko-KR" sz="3600" dirty="0">
+                <a:solidFill>
+                  <a:schemeClr val="tx1"/>
+                </a:solidFill>
+                <a:latin typeface="배달의민족 주아" panose="02020603020101020101" pitchFamily="18" charset="-127"/>
+                <a:ea typeface="배달의민족 주아" panose="02020603020101020101" pitchFamily="18" charset="-127"/>
+              </a:rPr>
+              <a:t> </a:t>
+            </a:r>
+            <a:r>
+              <a:rPr lang="ko-KR" altLang="en-US" sz="3600" dirty="0">
+                <a:solidFill>
+                  <a:schemeClr val="tx1"/>
+                </a:solidFill>
+                <a:latin typeface="배달의민족 주아" panose="02020603020101020101" pitchFamily="18" charset="-127"/>
+                <a:ea typeface="배달의민족 주아" panose="02020603020101020101" pitchFamily="18" charset="-127"/>
+              </a:rPr>
+              <a:t>스레드 풀</a:t>
+            </a:r>
+          </a:p>
+        </p:txBody>
+      </p:sp>
+      <p:sp>
+        <p:nvSpPr>
+          <p:cNvPr id="21" name="사각형: 둥근 모서리 20">
+            <a:extLst>
+              <a:ext uri="{FF2B5EF4-FFF2-40B4-BE49-F238E27FC236}">
+                <a16:creationId xmlns:a16="http://schemas.microsoft.com/office/drawing/2014/main" id="{0ED95834-0CA2-4852-B755-762AE37A475D}"/>
+              </a:ext>
+            </a:extLst>
+          </p:cNvPr>
+          <p:cNvSpPr/>
+          <p:nvPr/>
+        </p:nvSpPr>
+        <p:spPr>
+          <a:xfrm>
+            <a:off x="7392611" y="1626470"/>
+            <a:ext cx="2358996" cy="2360074"/>
+          </a:xfrm>
+          <a:prstGeom prst="roundRect">
+            <a:avLst/>
+          </a:prstGeom>
+          <a:solidFill>
+            <a:schemeClr val="bg1"/>
+          </a:solidFill>
+          <a:ln w="28575">
+            <a:solidFill>
+              <a:schemeClr val="tx1"/>
+            </a:solidFill>
+          </a:ln>
+        </p:spPr>
+        <p:style>
+          <a:lnRef idx="2">
+            <a:schemeClr val="accent1">
+              <a:shade val="50000"/>
+            </a:schemeClr>
+          </a:lnRef>
+          <a:fillRef idx="1">
+            <a:schemeClr val="accent1"/>
+          </a:fillRef>
+          <a:effectRef idx="0">
+            <a:schemeClr val="accent1"/>
+          </a:effectRef>
+          <a:fontRef idx="minor">
+            <a:schemeClr val="lt1"/>
+          </a:fontRef>
+        </p:style>
+        <p:txBody>
+          <a:bodyPr rtlCol="0" anchor="ctr"/>
+          <a:lstStyle/>
+          <a:p>
+            <a:pPr algn="ctr"/>
+            <a:r>
+              <a:rPr lang="en-US" altLang="ko-KR" sz="3600" dirty="0">
+                <a:solidFill>
+                  <a:schemeClr val="tx1"/>
+                </a:solidFill>
+                <a:latin typeface="배달의민족 주아" panose="02020603020101020101" pitchFamily="18" charset="-127"/>
+                <a:ea typeface="배달의민족 주아" panose="02020603020101020101" pitchFamily="18" charset="-127"/>
+              </a:rPr>
+              <a:t>Task</a:t>
+            </a:r>
+            <a:endParaRPr lang="ko-KR" altLang="en-US" sz="3600" dirty="0">
+              <a:solidFill>
+                <a:schemeClr val="tx1"/>
+              </a:solidFill>
+              <a:latin typeface="배달의민족 주아" panose="02020603020101020101" pitchFamily="18" charset="-127"/>
+              <a:ea typeface="배달의민족 주아" panose="02020603020101020101" pitchFamily="18" charset="-127"/>
+            </a:endParaRPr>
+          </a:p>
+        </p:txBody>
+      </p:sp>
+      <p:sp>
+        <p:nvSpPr>
+          <p:cNvPr id="11" name="직사각형 10">
+            <a:extLst>
+              <a:ext uri="{FF2B5EF4-FFF2-40B4-BE49-F238E27FC236}">
+                <a16:creationId xmlns:a16="http://schemas.microsoft.com/office/drawing/2014/main" id="{BBDBF406-2902-4CF7-812B-1B03D515BCA6}"/>
+              </a:ext>
+            </a:extLst>
+          </p:cNvPr>
+          <p:cNvSpPr/>
+          <p:nvPr/>
+        </p:nvSpPr>
+        <p:spPr>
+          <a:xfrm>
+            <a:off x="1418438" y="3851752"/>
+            <a:ext cx="1694696" cy="923330"/>
+          </a:xfrm>
+          <a:prstGeom prst="rect">
+            <a:avLst/>
+          </a:prstGeom>
+        </p:spPr>
+        <p:txBody>
+          <a:bodyPr wrap="none">
+            <a:spAutoFit/>
+          </a:bodyPr>
+          <a:lstStyle/>
+          <a:p>
+            <a:pPr algn="ctr"/>
+            <a:r>
+              <a:rPr lang="ko-KR" altLang="en-US" sz="5400" dirty="0">
+                <a:latin typeface="배달의민족 주아" panose="02020603020101020101" pitchFamily="18" charset="-127"/>
+                <a:ea typeface="배달의민족 주아" panose="02020603020101020101" pitchFamily="18" charset="-127"/>
+              </a:rPr>
+              <a:t>실행</a:t>
+            </a:r>
+            <a:r>
+              <a:rPr lang="en-US" altLang="ko-KR" sz="5400" dirty="0">
+                <a:latin typeface="배달의민족 주아" panose="02020603020101020101" pitchFamily="18" charset="-127"/>
+                <a:ea typeface="배달의민족 주아" panose="02020603020101020101" pitchFamily="18" charset="-127"/>
+              </a:rPr>
+              <a:t>!!</a:t>
+            </a:r>
+            <a:endParaRPr lang="ko-KR" altLang="en-US" sz="5400" dirty="0">
+              <a:latin typeface="배달의민족 주아" panose="02020603020101020101" pitchFamily="18" charset="-127"/>
+              <a:ea typeface="배달의민족 주아" panose="02020603020101020101" pitchFamily="18" charset="-127"/>
+            </a:endParaRPr>
+          </a:p>
+        </p:txBody>
+      </p:sp>
+      <p:cxnSp>
+        <p:nvCxnSpPr>
+          <p:cNvPr id="6" name="연결선: 구부러짐 5">
+            <a:extLst>
+              <a:ext uri="{FF2B5EF4-FFF2-40B4-BE49-F238E27FC236}">
+                <a16:creationId xmlns:a16="http://schemas.microsoft.com/office/drawing/2014/main" id="{4BFD076E-EC24-4133-86B8-FACFD0063756}"/>
+              </a:ext>
+            </a:extLst>
+          </p:cNvPr>
+          <p:cNvCxnSpPr>
+            <a:cxnSpLocks/>
+            <a:stCxn id="21" idx="1"/>
+            <a:endCxn id="20" idx="3"/>
+          </p:cNvCxnSpPr>
+          <p:nvPr/>
+        </p:nvCxnSpPr>
+        <p:spPr>
+          <a:xfrm rot="10800000" flipV="1">
+            <a:off x="4000319" y="2806507"/>
+            <a:ext cx="3392293" cy="2795766"/>
+          </a:xfrm>
+          <a:prstGeom prst="curvedConnector3">
+            <a:avLst/>
+          </a:prstGeom>
+          <a:ln w="38100">
+            <a:solidFill>
+              <a:schemeClr val="tx1"/>
+            </a:solidFill>
+            <a:tailEnd type="triangle"/>
+          </a:ln>
+        </p:spPr>
+        <p:style>
+          <a:lnRef idx="1">
+            <a:schemeClr val="accent1"/>
+          </a:lnRef>
+          <a:fillRef idx="0">
+            <a:schemeClr val="accent1"/>
+          </a:fillRef>
+          <a:effectRef idx="0">
+            <a:schemeClr val="accent1"/>
+          </a:effectRef>
+          <a:fontRef idx="minor">
+            <a:schemeClr val="tx1"/>
+          </a:fontRef>
+        </p:style>
+      </p:cxnSp>
+      <p:sp>
+        <p:nvSpPr>
+          <p:cNvPr id="16" name="직사각형 15">
+            <a:extLst>
+              <a:ext uri="{FF2B5EF4-FFF2-40B4-BE49-F238E27FC236}">
+                <a16:creationId xmlns:a16="http://schemas.microsoft.com/office/drawing/2014/main" id="{44CD6F04-7BDD-4E39-96C0-83B49102BEC1}"/>
+              </a:ext>
+            </a:extLst>
+          </p:cNvPr>
+          <p:cNvSpPr/>
+          <p:nvPr/>
+        </p:nvSpPr>
+        <p:spPr>
+          <a:xfrm>
+            <a:off x="6274044" y="729112"/>
+            <a:ext cx="4596130" cy="923330"/>
+          </a:xfrm>
+          <a:prstGeom prst="rect">
+            <a:avLst/>
+          </a:prstGeom>
+        </p:spPr>
+        <p:txBody>
+          <a:bodyPr wrap="none">
+            <a:spAutoFit/>
+          </a:bodyPr>
+          <a:lstStyle/>
+          <a:p>
+            <a:pPr algn="ctr"/>
+            <a:r>
+              <a:rPr lang="ko-KR" altLang="en-US" sz="5400" dirty="0" err="1">
+                <a:latin typeface="배달의민족 주아" panose="02020603020101020101" pitchFamily="18" charset="-127"/>
+                <a:ea typeface="배달의민족 주아" panose="02020603020101020101" pitchFamily="18" charset="-127"/>
+              </a:rPr>
+              <a:t>갖고와</a:t>
+            </a:r>
+            <a:r>
+              <a:rPr lang="ko-KR" altLang="en-US" sz="5400" dirty="0">
+                <a:latin typeface="배달의민족 주아" panose="02020603020101020101" pitchFamily="18" charset="-127"/>
+                <a:ea typeface="배달의민족 주아" panose="02020603020101020101" pitchFamily="18" charset="-127"/>
+              </a:rPr>
+              <a:t> 내가 </a:t>
+            </a:r>
+            <a:r>
+              <a:rPr lang="ko-KR" altLang="en-US" sz="5400" dirty="0" err="1">
+                <a:latin typeface="배달의민족 주아" panose="02020603020101020101" pitchFamily="18" charset="-127"/>
+                <a:ea typeface="배달의민족 주아" panose="02020603020101020101" pitchFamily="18" charset="-127"/>
+              </a:rPr>
+              <a:t>할게</a:t>
+            </a:r>
+            <a:endParaRPr lang="ko-KR" altLang="en-US" sz="5400" dirty="0">
+              <a:latin typeface="배달의민족 주아" panose="02020603020101020101" pitchFamily="18" charset="-127"/>
+              <a:ea typeface="배달의민족 주아" panose="02020603020101020101" pitchFamily="18" charset="-127"/>
+            </a:endParaRPr>
+          </a:p>
+        </p:txBody>
+      </p:sp>
+    </p:spTree>
+    <p:extLst>
+      <p:ext uri="{BB962C8B-B14F-4D97-AF65-F5344CB8AC3E}">
+        <p14:creationId xmlns:p14="http://schemas.microsoft.com/office/powerpoint/2010/main" val="691110187"/>
+      </p:ext>
+    </p:extLst>
+  </p:cSld>
+  <p:clrMapOvr>
+    <a:masterClrMapping/>
+  </p:clrMapOvr>
+</p:sld>
+</file>
+
+<file path=ppt/slides/slide8.xml><?xml version="1.0" encoding="utf-8"?>
+<p:sld xmlns:a="http://schemas.openxmlformats.org/drawingml/2006/main" xmlns:r="http://schemas.openxmlformats.org/officeDocument/2006/relationships" xmlns:p="http://schemas.openxmlformats.org/presentationml/2006/main">
+  <p:cSld>
+    <p:spTree>
+      <p:nvGrpSpPr>
+        <p:cNvPr id="1" name=""/>
+        <p:cNvGrpSpPr/>
+        <p:nvPr/>
+      </p:nvGrpSpPr>
+      <p:grpSpPr>
+        <a:xfrm>
+          <a:off x="0" y="0"/>
+          <a:ext cx="0" cy="0"/>
+          <a:chOff x="0" y="0"/>
+          <a:chExt cx="0" cy="0"/>
+        </a:xfrm>
+      </p:grpSpPr>
+      <p:sp>
+        <p:nvSpPr>
+          <p:cNvPr id="6" name="직사각형 5">
+            <a:extLst>
+              <a:ext uri="{FF2B5EF4-FFF2-40B4-BE49-F238E27FC236}">
+                <a16:creationId xmlns:a16="http://schemas.microsoft.com/office/drawing/2014/main" id="{E7EEDDA4-C768-447B-A35B-AA3E54E7249A}"/>
+              </a:ext>
+            </a:extLst>
+          </p:cNvPr>
+          <p:cNvSpPr/>
+          <p:nvPr/>
+        </p:nvSpPr>
+        <p:spPr>
+          <a:xfrm>
+            <a:off x="0" y="2582771"/>
+            <a:ext cx="12192000" cy="1692458"/>
+          </a:xfrm>
+          <a:prstGeom prst="rect">
+            <a:avLst/>
+          </a:prstGeom>
+          <a:solidFill>
+            <a:schemeClr val="tx1"/>
+          </a:solidFill>
+          <a:ln>
+            <a:solidFill>
+              <a:schemeClr val="tx1"/>
+            </a:solidFill>
+          </a:ln>
+        </p:spPr>
+        <p:style>
+          <a:lnRef idx="2">
+            <a:schemeClr val="accent1">
+              <a:shade val="50000"/>
+            </a:schemeClr>
+          </a:lnRef>
+          <a:fillRef idx="1">
+            <a:schemeClr val="accent1"/>
+          </a:fillRef>
+          <a:effectRef idx="0">
+            <a:schemeClr val="accent1"/>
+          </a:effectRef>
+          <a:fontRef idx="minor">
+            <a:schemeClr val="lt1"/>
+          </a:fontRef>
+        </p:style>
+        <p:txBody>
+          <a:bodyPr rtlCol="0" anchor="ctr"/>
+          <a:lstStyle>
+            <a:defPPr>
+              <a:defRPr lang="ko-KR"/>
+            </a:defPPr>
+            <a:lvl1pPr marL="0" algn="l" defTabSz="914400" rtl="0" eaLnBrk="1" latinLnBrk="1" hangingPunct="1">
+              <a:defRPr sz="1800" kern="1200">
+                <a:solidFill>
+                  <a:schemeClr val="lt1"/>
+                </a:solidFill>
+                <a:latin typeface="+mn-lt"/>
+                <a:ea typeface="+mn-ea"/>
+                <a:cs typeface="+mn-cs"/>
+              </a:defRPr>
+            </a:lvl1pPr>
+            <a:lvl2pPr marL="457200" algn="l" defTabSz="914400" rtl="0" eaLnBrk="1" latinLnBrk="1" hangingPunct="1">
+              <a:defRPr sz="1800" kern="1200">
+                <a:solidFill>
+                  <a:schemeClr val="lt1"/>
+                </a:solidFill>
+                <a:latin typeface="+mn-lt"/>
+                <a:ea typeface="+mn-ea"/>
+                <a:cs typeface="+mn-cs"/>
+              </a:defRPr>
+            </a:lvl2pPr>
+            <a:lvl3pPr marL="914400" algn="l" defTabSz="914400" rtl="0" eaLnBrk="1" latinLnBrk="1" hangingPunct="1">
+              <a:defRPr sz="1800" kern="1200">
+                <a:solidFill>
+                  <a:schemeClr val="lt1"/>
+                </a:solidFill>
+                <a:latin typeface="+mn-lt"/>
+                <a:ea typeface="+mn-ea"/>
+                <a:cs typeface="+mn-cs"/>
+              </a:defRPr>
+            </a:lvl3pPr>
+            <a:lvl4pPr marL="1371600" algn="l" defTabSz="914400" rtl="0" eaLnBrk="1" latinLnBrk="1" hangingPunct="1">
+              <a:defRPr sz="1800" kern="1200">
+                <a:solidFill>
+                  <a:schemeClr val="lt1"/>
+                </a:solidFill>
+                <a:latin typeface="+mn-lt"/>
+                <a:ea typeface="+mn-ea"/>
+                <a:cs typeface="+mn-cs"/>
+              </a:defRPr>
+            </a:lvl4pPr>
+            <a:lvl5pPr marL="1828800" algn="l" defTabSz="914400" rtl="0" eaLnBrk="1" latinLnBrk="1" hangingPunct="1">
+              <a:defRPr sz="1800" kern="1200">
+                <a:solidFill>
+                  <a:schemeClr val="lt1"/>
+                </a:solidFill>
+                <a:latin typeface="+mn-lt"/>
+                <a:ea typeface="+mn-ea"/>
+                <a:cs typeface="+mn-cs"/>
+              </a:defRPr>
+            </a:lvl5pPr>
+            <a:lvl6pPr marL="2286000" algn="l" defTabSz="914400" rtl="0" eaLnBrk="1" latinLnBrk="1" hangingPunct="1">
+              <a:defRPr sz="1800" kern="1200">
+                <a:solidFill>
+                  <a:schemeClr val="lt1"/>
+                </a:solidFill>
+                <a:latin typeface="+mn-lt"/>
+                <a:ea typeface="+mn-ea"/>
+                <a:cs typeface="+mn-cs"/>
+              </a:defRPr>
+            </a:lvl6pPr>
+            <a:lvl7pPr marL="2743200" algn="l" defTabSz="914400" rtl="0" eaLnBrk="1" latinLnBrk="1" hangingPunct="1">
+              <a:defRPr sz="1800" kern="1200">
+                <a:solidFill>
+                  <a:schemeClr val="lt1"/>
+                </a:solidFill>
+                <a:latin typeface="+mn-lt"/>
+                <a:ea typeface="+mn-ea"/>
+                <a:cs typeface="+mn-cs"/>
+              </a:defRPr>
+            </a:lvl7pPr>
+            <a:lvl8pPr marL="3200400" algn="l" defTabSz="914400" rtl="0" eaLnBrk="1" latinLnBrk="1" hangingPunct="1">
+              <a:defRPr sz="1800" kern="1200">
+                <a:solidFill>
+                  <a:schemeClr val="lt1"/>
+                </a:solidFill>
+                <a:latin typeface="+mn-lt"/>
+                <a:ea typeface="+mn-ea"/>
+                <a:cs typeface="+mn-cs"/>
+              </a:defRPr>
+            </a:lvl8pPr>
+            <a:lvl9pPr marL="3657600" algn="l" defTabSz="914400" rtl="0" eaLnBrk="1" latinLnBrk="1" hangingPunct="1">
+              <a:defRPr sz="1800" kern="1200">
+                <a:solidFill>
+                  <a:schemeClr val="lt1"/>
+                </a:solidFill>
+                <a:latin typeface="+mn-lt"/>
+                <a:ea typeface="+mn-ea"/>
+                <a:cs typeface="+mn-cs"/>
+              </a:defRPr>
+            </a:lvl9pPr>
+          </a:lstStyle>
+          <a:p>
+            <a:pPr algn="ctr"/>
+            <a:r>
               <a:rPr lang="ko-KR" altLang="en-US" sz="4800" dirty="0">
                 <a:solidFill>
                   <a:schemeClr val="bg1"/>
@@ -7028,6 +10803,36 @@
           </a:p>
         </p:txBody>
       </p:sp>
+      <p:pic>
+        <p:nvPicPr>
+          <p:cNvPr id="2" name="그림 1">
+            <a:extLst>
+              <a:ext uri="{FF2B5EF4-FFF2-40B4-BE49-F238E27FC236}">
+                <a16:creationId xmlns:a16="http://schemas.microsoft.com/office/drawing/2014/main" id="{7B3F01FD-3C66-41B8-A4F0-53C2A2018D82}"/>
+              </a:ext>
+            </a:extLst>
+          </p:cNvPr>
+          <p:cNvPicPr>
+            <a:picLocks noChangeAspect="1"/>
+          </p:cNvPicPr>
+          <p:nvPr/>
+        </p:nvPicPr>
+        <p:blipFill>
+          <a:blip r:embed="rId2"/>
+          <a:stretch>
+            <a:fillRect/>
+          </a:stretch>
+        </p:blipFill>
+        <p:spPr>
+          <a:xfrm>
+            <a:off x="3794291" y="574856"/>
+            <a:ext cx="8133758" cy="5708287"/>
+          </a:xfrm>
+          <a:prstGeom prst="rect">
+            <a:avLst/>
+          </a:prstGeom>
+        </p:spPr>
+      </p:pic>
     </p:spTree>
     <p:extLst>
       <p:ext uri="{BB962C8B-B14F-4D97-AF65-F5344CB8AC3E}">

--- a/ServerLecture/PT/4강 멀티스레딩 기초.pptx
+++ b/ServerLecture/PT/4강 멀티스레딩 기초.pptx
@@ -5,7 +5,7 @@
     <p:sldMasterId id="2147483648" r:id="rId1"/>
   </p:sldMasterIdLst>
   <p:notesMasterIdLst>
-    <p:notesMasterId r:id="rId38"/>
+    <p:notesMasterId r:id="rId65"/>
   </p:notesMasterIdLst>
   <p:sldIdLst>
     <p:sldId id="256" r:id="rId2"/>
@@ -43,7 +43,34 @@
     <p:sldId id="337" r:id="rId34"/>
     <p:sldId id="338" r:id="rId35"/>
     <p:sldId id="339" r:id="rId36"/>
-    <p:sldId id="305" r:id="rId37"/>
+    <p:sldId id="340" r:id="rId37"/>
+    <p:sldId id="341" r:id="rId38"/>
+    <p:sldId id="342" r:id="rId39"/>
+    <p:sldId id="343" r:id="rId40"/>
+    <p:sldId id="344" r:id="rId41"/>
+    <p:sldId id="368" r:id="rId42"/>
+    <p:sldId id="345" r:id="rId43"/>
+    <p:sldId id="346" r:id="rId44"/>
+    <p:sldId id="347" r:id="rId45"/>
+    <p:sldId id="348" r:id="rId46"/>
+    <p:sldId id="349" r:id="rId47"/>
+    <p:sldId id="350" r:id="rId48"/>
+    <p:sldId id="351" r:id="rId49"/>
+    <p:sldId id="358" r:id="rId50"/>
+    <p:sldId id="352" r:id="rId51"/>
+    <p:sldId id="353" r:id="rId52"/>
+    <p:sldId id="354" r:id="rId53"/>
+    <p:sldId id="356" r:id="rId54"/>
+    <p:sldId id="357" r:id="rId55"/>
+    <p:sldId id="359" r:id="rId56"/>
+    <p:sldId id="360" r:id="rId57"/>
+    <p:sldId id="361" r:id="rId58"/>
+    <p:sldId id="362" r:id="rId59"/>
+    <p:sldId id="364" r:id="rId60"/>
+    <p:sldId id="365" r:id="rId61"/>
+    <p:sldId id="366" r:id="rId62"/>
+    <p:sldId id="367" r:id="rId63"/>
+    <p:sldId id="305" r:id="rId64"/>
   </p:sldIdLst>
   <p:sldSz cx="12192000" cy="6858000"/>
   <p:notesSz cx="6858000" cy="9144000"/>
@@ -583,6 +610,846 @@
 </p:notes>
 </file>
 
+<file path=ppt/notesSlides/notesSlide10.xml><?xml version="1.0" encoding="utf-8"?>
+<p:notes xmlns:a="http://schemas.openxmlformats.org/drawingml/2006/main" xmlns:r="http://schemas.openxmlformats.org/officeDocument/2006/relationships" xmlns:p="http://schemas.openxmlformats.org/presentationml/2006/main">
+  <p:cSld>
+    <p:spTree>
+      <p:nvGrpSpPr>
+        <p:cNvPr id="1" name=""/>
+        <p:cNvGrpSpPr/>
+        <p:nvPr/>
+      </p:nvGrpSpPr>
+      <p:grpSpPr>
+        <a:xfrm>
+          <a:off x="0" y="0"/>
+          <a:ext cx="0" cy="0"/>
+          <a:chOff x="0" y="0"/>
+          <a:chExt cx="0" cy="0"/>
+        </a:xfrm>
+      </p:grpSpPr>
+      <p:sp>
+        <p:nvSpPr>
+          <p:cNvPr id="2" name="슬라이드 이미지 개체 틀 1"/>
+          <p:cNvSpPr>
+            <a:spLocks noGrp="1" noRot="1" noChangeAspect="1"/>
+          </p:cNvSpPr>
+          <p:nvPr>
+            <p:ph type="sldImg"/>
+          </p:nvPr>
+        </p:nvSpPr>
+        <p:spPr/>
+      </p:sp>
+      <p:sp>
+        <p:nvSpPr>
+          <p:cNvPr id="3" name="슬라이드 노트 개체 틀 2"/>
+          <p:cNvSpPr>
+            <a:spLocks noGrp="1"/>
+          </p:cNvSpPr>
+          <p:nvPr>
+            <p:ph type="body" idx="1"/>
+          </p:nvPr>
+        </p:nvSpPr>
+        <p:spPr/>
+        <p:txBody>
+          <a:bodyPr/>
+          <a:lstStyle/>
+          <a:p>
+            <a:endParaRPr lang="ko-KR" altLang="en-US" dirty="0"/>
+          </a:p>
+        </p:txBody>
+      </p:sp>
+      <p:sp>
+        <p:nvSpPr>
+          <p:cNvPr id="4" name="슬라이드 번호 개체 틀 3"/>
+          <p:cNvSpPr>
+            <a:spLocks noGrp="1"/>
+          </p:cNvSpPr>
+          <p:nvPr>
+            <p:ph type="sldNum" sz="quarter" idx="5"/>
+          </p:nvPr>
+        </p:nvSpPr>
+        <p:spPr/>
+        <p:txBody>
+          <a:bodyPr/>
+          <a:lstStyle/>
+          <a:p>
+            <a:fld id="{E25A1157-EDD3-4B2B-80C6-0CDDDDDCB7E7}" type="slidenum">
+              <a:rPr lang="ko-KR" altLang="en-US" smtClean="0"/>
+              <a:t>53</a:t>
+            </a:fld>
+            <a:endParaRPr lang="ko-KR" altLang="en-US"/>
+          </a:p>
+        </p:txBody>
+      </p:sp>
+    </p:spTree>
+    <p:extLst>
+      <p:ext uri="{BB962C8B-B14F-4D97-AF65-F5344CB8AC3E}">
+        <p14:creationId xmlns:p14="http://schemas.microsoft.com/office/powerpoint/2010/main" val="3470735717"/>
+      </p:ext>
+    </p:extLst>
+  </p:cSld>
+  <p:clrMapOvr>
+    <a:masterClrMapping/>
+  </p:clrMapOvr>
+</p:notes>
+</file>
+
+<file path=ppt/notesSlides/notesSlide11.xml><?xml version="1.0" encoding="utf-8"?>
+<p:notes xmlns:a="http://schemas.openxmlformats.org/drawingml/2006/main" xmlns:r="http://schemas.openxmlformats.org/officeDocument/2006/relationships" xmlns:p="http://schemas.openxmlformats.org/presentationml/2006/main">
+  <p:cSld>
+    <p:spTree>
+      <p:nvGrpSpPr>
+        <p:cNvPr id="1" name=""/>
+        <p:cNvGrpSpPr/>
+        <p:nvPr/>
+      </p:nvGrpSpPr>
+      <p:grpSpPr>
+        <a:xfrm>
+          <a:off x="0" y="0"/>
+          <a:ext cx="0" cy="0"/>
+          <a:chOff x="0" y="0"/>
+          <a:chExt cx="0" cy="0"/>
+        </a:xfrm>
+      </p:grpSpPr>
+      <p:sp>
+        <p:nvSpPr>
+          <p:cNvPr id="2" name="슬라이드 이미지 개체 틀 1"/>
+          <p:cNvSpPr>
+            <a:spLocks noGrp="1" noRot="1" noChangeAspect="1"/>
+          </p:cNvSpPr>
+          <p:nvPr>
+            <p:ph type="sldImg"/>
+          </p:nvPr>
+        </p:nvSpPr>
+        <p:spPr/>
+      </p:sp>
+      <p:sp>
+        <p:nvSpPr>
+          <p:cNvPr id="3" name="슬라이드 노트 개체 틀 2"/>
+          <p:cNvSpPr>
+            <a:spLocks noGrp="1"/>
+          </p:cNvSpPr>
+          <p:nvPr>
+            <p:ph type="body" idx="1"/>
+          </p:nvPr>
+        </p:nvSpPr>
+        <p:spPr/>
+        <p:txBody>
+          <a:bodyPr/>
+          <a:lstStyle/>
+          <a:p>
+            <a:endParaRPr lang="ko-KR" altLang="en-US" dirty="0"/>
+          </a:p>
+        </p:txBody>
+      </p:sp>
+      <p:sp>
+        <p:nvSpPr>
+          <p:cNvPr id="4" name="슬라이드 번호 개체 틀 3"/>
+          <p:cNvSpPr>
+            <a:spLocks noGrp="1"/>
+          </p:cNvSpPr>
+          <p:nvPr>
+            <p:ph type="sldNum" sz="quarter" idx="5"/>
+          </p:nvPr>
+        </p:nvSpPr>
+        <p:spPr/>
+        <p:txBody>
+          <a:bodyPr/>
+          <a:lstStyle/>
+          <a:p>
+            <a:fld id="{E25A1157-EDD3-4B2B-80C6-0CDDDDDCB7E7}" type="slidenum">
+              <a:rPr lang="ko-KR" altLang="en-US" smtClean="0"/>
+              <a:t>54</a:t>
+            </a:fld>
+            <a:endParaRPr lang="ko-KR" altLang="en-US"/>
+          </a:p>
+        </p:txBody>
+      </p:sp>
+    </p:spTree>
+    <p:extLst>
+      <p:ext uri="{BB962C8B-B14F-4D97-AF65-F5344CB8AC3E}">
+        <p14:creationId xmlns:p14="http://schemas.microsoft.com/office/powerpoint/2010/main" val="4272635430"/>
+      </p:ext>
+    </p:extLst>
+  </p:cSld>
+  <p:clrMapOvr>
+    <a:masterClrMapping/>
+  </p:clrMapOvr>
+</p:notes>
+</file>
+
+<file path=ppt/notesSlides/notesSlide12.xml><?xml version="1.0" encoding="utf-8"?>
+<p:notes xmlns:a="http://schemas.openxmlformats.org/drawingml/2006/main" xmlns:r="http://schemas.openxmlformats.org/officeDocument/2006/relationships" xmlns:p="http://schemas.openxmlformats.org/presentationml/2006/main">
+  <p:cSld>
+    <p:spTree>
+      <p:nvGrpSpPr>
+        <p:cNvPr id="1" name=""/>
+        <p:cNvGrpSpPr/>
+        <p:nvPr/>
+      </p:nvGrpSpPr>
+      <p:grpSpPr>
+        <a:xfrm>
+          <a:off x="0" y="0"/>
+          <a:ext cx="0" cy="0"/>
+          <a:chOff x="0" y="0"/>
+          <a:chExt cx="0" cy="0"/>
+        </a:xfrm>
+      </p:grpSpPr>
+      <p:sp>
+        <p:nvSpPr>
+          <p:cNvPr id="2" name="슬라이드 이미지 개체 틀 1"/>
+          <p:cNvSpPr>
+            <a:spLocks noGrp="1" noRot="1" noChangeAspect="1"/>
+          </p:cNvSpPr>
+          <p:nvPr>
+            <p:ph type="sldImg"/>
+          </p:nvPr>
+        </p:nvSpPr>
+        <p:spPr/>
+      </p:sp>
+      <p:sp>
+        <p:nvSpPr>
+          <p:cNvPr id="3" name="슬라이드 노트 개체 틀 2"/>
+          <p:cNvSpPr>
+            <a:spLocks noGrp="1"/>
+          </p:cNvSpPr>
+          <p:nvPr>
+            <p:ph type="body" idx="1"/>
+          </p:nvPr>
+        </p:nvSpPr>
+        <p:spPr/>
+        <p:txBody>
+          <a:bodyPr/>
+          <a:lstStyle/>
+          <a:p>
+            <a:endParaRPr lang="ko-KR" altLang="en-US" dirty="0"/>
+          </a:p>
+        </p:txBody>
+      </p:sp>
+      <p:sp>
+        <p:nvSpPr>
+          <p:cNvPr id="4" name="슬라이드 번호 개체 틀 3"/>
+          <p:cNvSpPr>
+            <a:spLocks noGrp="1"/>
+          </p:cNvSpPr>
+          <p:nvPr>
+            <p:ph type="sldNum" sz="quarter" idx="5"/>
+          </p:nvPr>
+        </p:nvSpPr>
+        <p:spPr/>
+        <p:txBody>
+          <a:bodyPr/>
+          <a:lstStyle/>
+          <a:p>
+            <a:fld id="{E25A1157-EDD3-4B2B-80C6-0CDDDDDCB7E7}" type="slidenum">
+              <a:rPr lang="ko-KR" altLang="en-US" smtClean="0"/>
+              <a:t>55</a:t>
+            </a:fld>
+            <a:endParaRPr lang="ko-KR" altLang="en-US"/>
+          </a:p>
+        </p:txBody>
+      </p:sp>
+    </p:spTree>
+    <p:extLst>
+      <p:ext uri="{BB962C8B-B14F-4D97-AF65-F5344CB8AC3E}">
+        <p14:creationId xmlns:p14="http://schemas.microsoft.com/office/powerpoint/2010/main" val="3945070976"/>
+      </p:ext>
+    </p:extLst>
+  </p:cSld>
+  <p:clrMapOvr>
+    <a:masterClrMapping/>
+  </p:clrMapOvr>
+</p:notes>
+</file>
+
+<file path=ppt/notesSlides/notesSlide13.xml><?xml version="1.0" encoding="utf-8"?>
+<p:notes xmlns:a="http://schemas.openxmlformats.org/drawingml/2006/main" xmlns:r="http://schemas.openxmlformats.org/officeDocument/2006/relationships" xmlns:p="http://schemas.openxmlformats.org/presentationml/2006/main">
+  <p:cSld>
+    <p:spTree>
+      <p:nvGrpSpPr>
+        <p:cNvPr id="1" name=""/>
+        <p:cNvGrpSpPr/>
+        <p:nvPr/>
+      </p:nvGrpSpPr>
+      <p:grpSpPr>
+        <a:xfrm>
+          <a:off x="0" y="0"/>
+          <a:ext cx="0" cy="0"/>
+          <a:chOff x="0" y="0"/>
+          <a:chExt cx="0" cy="0"/>
+        </a:xfrm>
+      </p:grpSpPr>
+      <p:sp>
+        <p:nvSpPr>
+          <p:cNvPr id="2" name="슬라이드 이미지 개체 틀 1"/>
+          <p:cNvSpPr>
+            <a:spLocks noGrp="1" noRot="1" noChangeAspect="1"/>
+          </p:cNvSpPr>
+          <p:nvPr>
+            <p:ph type="sldImg"/>
+          </p:nvPr>
+        </p:nvSpPr>
+        <p:spPr/>
+      </p:sp>
+      <p:sp>
+        <p:nvSpPr>
+          <p:cNvPr id="3" name="슬라이드 노트 개체 틀 2"/>
+          <p:cNvSpPr>
+            <a:spLocks noGrp="1"/>
+          </p:cNvSpPr>
+          <p:nvPr>
+            <p:ph type="body" idx="1"/>
+          </p:nvPr>
+        </p:nvSpPr>
+        <p:spPr/>
+        <p:txBody>
+          <a:bodyPr/>
+          <a:lstStyle/>
+          <a:p>
+            <a:endParaRPr lang="ko-KR" altLang="en-US" dirty="0"/>
+          </a:p>
+        </p:txBody>
+      </p:sp>
+      <p:sp>
+        <p:nvSpPr>
+          <p:cNvPr id="4" name="슬라이드 번호 개체 틀 3"/>
+          <p:cNvSpPr>
+            <a:spLocks noGrp="1"/>
+          </p:cNvSpPr>
+          <p:nvPr>
+            <p:ph type="sldNum" sz="quarter" idx="5"/>
+          </p:nvPr>
+        </p:nvSpPr>
+        <p:spPr/>
+        <p:txBody>
+          <a:bodyPr/>
+          <a:lstStyle/>
+          <a:p>
+            <a:fld id="{E25A1157-EDD3-4B2B-80C6-0CDDDDDCB7E7}" type="slidenum">
+              <a:rPr lang="ko-KR" altLang="en-US" smtClean="0"/>
+              <a:t>56</a:t>
+            </a:fld>
+            <a:endParaRPr lang="ko-KR" altLang="en-US"/>
+          </a:p>
+        </p:txBody>
+      </p:sp>
+    </p:spTree>
+    <p:extLst>
+      <p:ext uri="{BB962C8B-B14F-4D97-AF65-F5344CB8AC3E}">
+        <p14:creationId xmlns:p14="http://schemas.microsoft.com/office/powerpoint/2010/main" val="2877518661"/>
+      </p:ext>
+    </p:extLst>
+  </p:cSld>
+  <p:clrMapOvr>
+    <a:masterClrMapping/>
+  </p:clrMapOvr>
+</p:notes>
+</file>
+
+<file path=ppt/notesSlides/notesSlide14.xml><?xml version="1.0" encoding="utf-8"?>
+<p:notes xmlns:a="http://schemas.openxmlformats.org/drawingml/2006/main" xmlns:r="http://schemas.openxmlformats.org/officeDocument/2006/relationships" xmlns:p="http://schemas.openxmlformats.org/presentationml/2006/main">
+  <p:cSld>
+    <p:spTree>
+      <p:nvGrpSpPr>
+        <p:cNvPr id="1" name=""/>
+        <p:cNvGrpSpPr/>
+        <p:nvPr/>
+      </p:nvGrpSpPr>
+      <p:grpSpPr>
+        <a:xfrm>
+          <a:off x="0" y="0"/>
+          <a:ext cx="0" cy="0"/>
+          <a:chOff x="0" y="0"/>
+          <a:chExt cx="0" cy="0"/>
+        </a:xfrm>
+      </p:grpSpPr>
+      <p:sp>
+        <p:nvSpPr>
+          <p:cNvPr id="2" name="슬라이드 이미지 개체 틀 1"/>
+          <p:cNvSpPr>
+            <a:spLocks noGrp="1" noRot="1" noChangeAspect="1"/>
+          </p:cNvSpPr>
+          <p:nvPr>
+            <p:ph type="sldImg"/>
+          </p:nvPr>
+        </p:nvSpPr>
+        <p:spPr/>
+      </p:sp>
+      <p:sp>
+        <p:nvSpPr>
+          <p:cNvPr id="3" name="슬라이드 노트 개체 틀 2"/>
+          <p:cNvSpPr>
+            <a:spLocks noGrp="1"/>
+          </p:cNvSpPr>
+          <p:nvPr>
+            <p:ph type="body" idx="1"/>
+          </p:nvPr>
+        </p:nvSpPr>
+        <p:spPr/>
+        <p:txBody>
+          <a:bodyPr/>
+          <a:lstStyle/>
+          <a:p>
+            <a:endParaRPr lang="ko-KR" altLang="en-US" dirty="0"/>
+          </a:p>
+        </p:txBody>
+      </p:sp>
+      <p:sp>
+        <p:nvSpPr>
+          <p:cNvPr id="4" name="슬라이드 번호 개체 틀 3"/>
+          <p:cNvSpPr>
+            <a:spLocks noGrp="1"/>
+          </p:cNvSpPr>
+          <p:nvPr>
+            <p:ph type="sldNum" sz="quarter" idx="5"/>
+          </p:nvPr>
+        </p:nvSpPr>
+        <p:spPr/>
+        <p:txBody>
+          <a:bodyPr/>
+          <a:lstStyle/>
+          <a:p>
+            <a:fld id="{E25A1157-EDD3-4B2B-80C6-0CDDDDDCB7E7}" type="slidenum">
+              <a:rPr lang="ko-KR" altLang="en-US" smtClean="0"/>
+              <a:t>57</a:t>
+            </a:fld>
+            <a:endParaRPr lang="ko-KR" altLang="en-US"/>
+          </a:p>
+        </p:txBody>
+      </p:sp>
+    </p:spTree>
+    <p:extLst>
+      <p:ext uri="{BB962C8B-B14F-4D97-AF65-F5344CB8AC3E}">
+        <p14:creationId xmlns:p14="http://schemas.microsoft.com/office/powerpoint/2010/main" val="3577693337"/>
+      </p:ext>
+    </p:extLst>
+  </p:cSld>
+  <p:clrMapOvr>
+    <a:masterClrMapping/>
+  </p:clrMapOvr>
+</p:notes>
+</file>
+
+<file path=ppt/notesSlides/notesSlide15.xml><?xml version="1.0" encoding="utf-8"?>
+<p:notes xmlns:a="http://schemas.openxmlformats.org/drawingml/2006/main" xmlns:r="http://schemas.openxmlformats.org/officeDocument/2006/relationships" xmlns:p="http://schemas.openxmlformats.org/presentationml/2006/main">
+  <p:cSld>
+    <p:spTree>
+      <p:nvGrpSpPr>
+        <p:cNvPr id="1" name=""/>
+        <p:cNvGrpSpPr/>
+        <p:nvPr/>
+      </p:nvGrpSpPr>
+      <p:grpSpPr>
+        <a:xfrm>
+          <a:off x="0" y="0"/>
+          <a:ext cx="0" cy="0"/>
+          <a:chOff x="0" y="0"/>
+          <a:chExt cx="0" cy="0"/>
+        </a:xfrm>
+      </p:grpSpPr>
+      <p:sp>
+        <p:nvSpPr>
+          <p:cNvPr id="2" name="슬라이드 이미지 개체 틀 1"/>
+          <p:cNvSpPr>
+            <a:spLocks noGrp="1" noRot="1" noChangeAspect="1"/>
+          </p:cNvSpPr>
+          <p:nvPr>
+            <p:ph type="sldImg"/>
+          </p:nvPr>
+        </p:nvSpPr>
+        <p:spPr/>
+      </p:sp>
+      <p:sp>
+        <p:nvSpPr>
+          <p:cNvPr id="3" name="슬라이드 노트 개체 틀 2"/>
+          <p:cNvSpPr>
+            <a:spLocks noGrp="1"/>
+          </p:cNvSpPr>
+          <p:nvPr>
+            <p:ph type="body" idx="1"/>
+          </p:nvPr>
+        </p:nvSpPr>
+        <p:spPr/>
+        <p:txBody>
+          <a:bodyPr/>
+          <a:lstStyle/>
+          <a:p>
+            <a:endParaRPr lang="ko-KR" altLang="en-US" dirty="0"/>
+          </a:p>
+        </p:txBody>
+      </p:sp>
+      <p:sp>
+        <p:nvSpPr>
+          <p:cNvPr id="4" name="슬라이드 번호 개체 틀 3"/>
+          <p:cNvSpPr>
+            <a:spLocks noGrp="1"/>
+          </p:cNvSpPr>
+          <p:nvPr>
+            <p:ph type="sldNum" sz="quarter" idx="5"/>
+          </p:nvPr>
+        </p:nvSpPr>
+        <p:spPr/>
+        <p:txBody>
+          <a:bodyPr/>
+          <a:lstStyle/>
+          <a:p>
+            <a:fld id="{E25A1157-EDD3-4B2B-80C6-0CDDDDDCB7E7}" type="slidenum">
+              <a:rPr lang="ko-KR" altLang="en-US" smtClean="0"/>
+              <a:t>58</a:t>
+            </a:fld>
+            <a:endParaRPr lang="ko-KR" altLang="en-US"/>
+          </a:p>
+        </p:txBody>
+      </p:sp>
+    </p:spTree>
+    <p:extLst>
+      <p:ext uri="{BB962C8B-B14F-4D97-AF65-F5344CB8AC3E}">
+        <p14:creationId xmlns:p14="http://schemas.microsoft.com/office/powerpoint/2010/main" val="762923809"/>
+      </p:ext>
+    </p:extLst>
+  </p:cSld>
+  <p:clrMapOvr>
+    <a:masterClrMapping/>
+  </p:clrMapOvr>
+</p:notes>
+</file>
+
+<file path=ppt/notesSlides/notesSlide16.xml><?xml version="1.0" encoding="utf-8"?>
+<p:notes xmlns:a="http://schemas.openxmlformats.org/drawingml/2006/main" xmlns:r="http://schemas.openxmlformats.org/officeDocument/2006/relationships" xmlns:p="http://schemas.openxmlformats.org/presentationml/2006/main">
+  <p:cSld>
+    <p:spTree>
+      <p:nvGrpSpPr>
+        <p:cNvPr id="1" name=""/>
+        <p:cNvGrpSpPr/>
+        <p:nvPr/>
+      </p:nvGrpSpPr>
+      <p:grpSpPr>
+        <a:xfrm>
+          <a:off x="0" y="0"/>
+          <a:ext cx="0" cy="0"/>
+          <a:chOff x="0" y="0"/>
+          <a:chExt cx="0" cy="0"/>
+        </a:xfrm>
+      </p:grpSpPr>
+      <p:sp>
+        <p:nvSpPr>
+          <p:cNvPr id="2" name="슬라이드 이미지 개체 틀 1"/>
+          <p:cNvSpPr>
+            <a:spLocks noGrp="1" noRot="1" noChangeAspect="1"/>
+          </p:cNvSpPr>
+          <p:nvPr>
+            <p:ph type="sldImg"/>
+          </p:nvPr>
+        </p:nvSpPr>
+        <p:spPr/>
+      </p:sp>
+      <p:sp>
+        <p:nvSpPr>
+          <p:cNvPr id="3" name="슬라이드 노트 개체 틀 2"/>
+          <p:cNvSpPr>
+            <a:spLocks noGrp="1"/>
+          </p:cNvSpPr>
+          <p:nvPr>
+            <p:ph type="body" idx="1"/>
+          </p:nvPr>
+        </p:nvSpPr>
+        <p:spPr/>
+        <p:txBody>
+          <a:bodyPr/>
+          <a:lstStyle/>
+          <a:p>
+            <a:endParaRPr lang="ko-KR" altLang="en-US" dirty="0"/>
+          </a:p>
+        </p:txBody>
+      </p:sp>
+      <p:sp>
+        <p:nvSpPr>
+          <p:cNvPr id="4" name="슬라이드 번호 개체 틀 3"/>
+          <p:cNvSpPr>
+            <a:spLocks noGrp="1"/>
+          </p:cNvSpPr>
+          <p:nvPr>
+            <p:ph type="sldNum" sz="quarter" idx="5"/>
+          </p:nvPr>
+        </p:nvSpPr>
+        <p:spPr/>
+        <p:txBody>
+          <a:bodyPr/>
+          <a:lstStyle/>
+          <a:p>
+            <a:fld id="{E25A1157-EDD3-4B2B-80C6-0CDDDDDCB7E7}" type="slidenum">
+              <a:rPr lang="ko-KR" altLang="en-US" smtClean="0"/>
+              <a:t>59</a:t>
+            </a:fld>
+            <a:endParaRPr lang="ko-KR" altLang="en-US"/>
+          </a:p>
+        </p:txBody>
+      </p:sp>
+    </p:spTree>
+    <p:extLst>
+      <p:ext uri="{BB962C8B-B14F-4D97-AF65-F5344CB8AC3E}">
+        <p14:creationId xmlns:p14="http://schemas.microsoft.com/office/powerpoint/2010/main" val="872022814"/>
+      </p:ext>
+    </p:extLst>
+  </p:cSld>
+  <p:clrMapOvr>
+    <a:masterClrMapping/>
+  </p:clrMapOvr>
+</p:notes>
+</file>
+
+<file path=ppt/notesSlides/notesSlide17.xml><?xml version="1.0" encoding="utf-8"?>
+<p:notes xmlns:a="http://schemas.openxmlformats.org/drawingml/2006/main" xmlns:r="http://schemas.openxmlformats.org/officeDocument/2006/relationships" xmlns:p="http://schemas.openxmlformats.org/presentationml/2006/main">
+  <p:cSld>
+    <p:spTree>
+      <p:nvGrpSpPr>
+        <p:cNvPr id="1" name=""/>
+        <p:cNvGrpSpPr/>
+        <p:nvPr/>
+      </p:nvGrpSpPr>
+      <p:grpSpPr>
+        <a:xfrm>
+          <a:off x="0" y="0"/>
+          <a:ext cx="0" cy="0"/>
+          <a:chOff x="0" y="0"/>
+          <a:chExt cx="0" cy="0"/>
+        </a:xfrm>
+      </p:grpSpPr>
+      <p:sp>
+        <p:nvSpPr>
+          <p:cNvPr id="2" name="슬라이드 이미지 개체 틀 1"/>
+          <p:cNvSpPr>
+            <a:spLocks noGrp="1" noRot="1" noChangeAspect="1"/>
+          </p:cNvSpPr>
+          <p:nvPr>
+            <p:ph type="sldImg"/>
+          </p:nvPr>
+        </p:nvSpPr>
+        <p:spPr/>
+      </p:sp>
+      <p:sp>
+        <p:nvSpPr>
+          <p:cNvPr id="3" name="슬라이드 노트 개체 틀 2"/>
+          <p:cNvSpPr>
+            <a:spLocks noGrp="1"/>
+          </p:cNvSpPr>
+          <p:nvPr>
+            <p:ph type="body" idx="1"/>
+          </p:nvPr>
+        </p:nvSpPr>
+        <p:spPr/>
+        <p:txBody>
+          <a:bodyPr/>
+          <a:lstStyle/>
+          <a:p>
+            <a:endParaRPr lang="ko-KR" altLang="en-US" dirty="0"/>
+          </a:p>
+        </p:txBody>
+      </p:sp>
+      <p:sp>
+        <p:nvSpPr>
+          <p:cNvPr id="4" name="슬라이드 번호 개체 틀 3"/>
+          <p:cNvSpPr>
+            <a:spLocks noGrp="1"/>
+          </p:cNvSpPr>
+          <p:nvPr>
+            <p:ph type="sldNum" sz="quarter" idx="5"/>
+          </p:nvPr>
+        </p:nvSpPr>
+        <p:spPr/>
+        <p:txBody>
+          <a:bodyPr/>
+          <a:lstStyle/>
+          <a:p>
+            <a:fld id="{E25A1157-EDD3-4B2B-80C6-0CDDDDDCB7E7}" type="slidenum">
+              <a:rPr lang="ko-KR" altLang="en-US" smtClean="0"/>
+              <a:t>60</a:t>
+            </a:fld>
+            <a:endParaRPr lang="ko-KR" altLang="en-US"/>
+          </a:p>
+        </p:txBody>
+      </p:sp>
+    </p:spTree>
+    <p:extLst>
+      <p:ext uri="{BB962C8B-B14F-4D97-AF65-F5344CB8AC3E}">
+        <p14:creationId xmlns:p14="http://schemas.microsoft.com/office/powerpoint/2010/main" val="3434855897"/>
+      </p:ext>
+    </p:extLst>
+  </p:cSld>
+  <p:clrMapOvr>
+    <a:masterClrMapping/>
+  </p:clrMapOvr>
+</p:notes>
+</file>
+
+<file path=ppt/notesSlides/notesSlide18.xml><?xml version="1.0" encoding="utf-8"?>
+<p:notes xmlns:a="http://schemas.openxmlformats.org/drawingml/2006/main" xmlns:r="http://schemas.openxmlformats.org/officeDocument/2006/relationships" xmlns:p="http://schemas.openxmlformats.org/presentationml/2006/main">
+  <p:cSld>
+    <p:spTree>
+      <p:nvGrpSpPr>
+        <p:cNvPr id="1" name=""/>
+        <p:cNvGrpSpPr/>
+        <p:nvPr/>
+      </p:nvGrpSpPr>
+      <p:grpSpPr>
+        <a:xfrm>
+          <a:off x="0" y="0"/>
+          <a:ext cx="0" cy="0"/>
+          <a:chOff x="0" y="0"/>
+          <a:chExt cx="0" cy="0"/>
+        </a:xfrm>
+      </p:grpSpPr>
+      <p:sp>
+        <p:nvSpPr>
+          <p:cNvPr id="2" name="슬라이드 이미지 개체 틀 1"/>
+          <p:cNvSpPr>
+            <a:spLocks noGrp="1" noRot="1" noChangeAspect="1"/>
+          </p:cNvSpPr>
+          <p:nvPr>
+            <p:ph type="sldImg"/>
+          </p:nvPr>
+        </p:nvSpPr>
+        <p:spPr/>
+      </p:sp>
+      <p:sp>
+        <p:nvSpPr>
+          <p:cNvPr id="3" name="슬라이드 노트 개체 틀 2"/>
+          <p:cNvSpPr>
+            <a:spLocks noGrp="1"/>
+          </p:cNvSpPr>
+          <p:nvPr>
+            <p:ph type="body" idx="1"/>
+          </p:nvPr>
+        </p:nvSpPr>
+        <p:spPr/>
+        <p:txBody>
+          <a:bodyPr/>
+          <a:lstStyle/>
+          <a:p>
+            <a:endParaRPr lang="ko-KR" altLang="en-US" dirty="0"/>
+          </a:p>
+        </p:txBody>
+      </p:sp>
+      <p:sp>
+        <p:nvSpPr>
+          <p:cNvPr id="4" name="슬라이드 번호 개체 틀 3"/>
+          <p:cNvSpPr>
+            <a:spLocks noGrp="1"/>
+          </p:cNvSpPr>
+          <p:nvPr>
+            <p:ph type="sldNum" sz="quarter" idx="5"/>
+          </p:nvPr>
+        </p:nvSpPr>
+        <p:spPr/>
+        <p:txBody>
+          <a:bodyPr/>
+          <a:lstStyle/>
+          <a:p>
+            <a:fld id="{E25A1157-EDD3-4B2B-80C6-0CDDDDDCB7E7}" type="slidenum">
+              <a:rPr lang="ko-KR" altLang="en-US" smtClean="0"/>
+              <a:t>61</a:t>
+            </a:fld>
+            <a:endParaRPr lang="ko-KR" altLang="en-US"/>
+          </a:p>
+        </p:txBody>
+      </p:sp>
+    </p:spTree>
+    <p:extLst>
+      <p:ext uri="{BB962C8B-B14F-4D97-AF65-F5344CB8AC3E}">
+        <p14:creationId xmlns:p14="http://schemas.microsoft.com/office/powerpoint/2010/main" val="2995468264"/>
+      </p:ext>
+    </p:extLst>
+  </p:cSld>
+  <p:clrMapOvr>
+    <a:masterClrMapping/>
+  </p:clrMapOvr>
+</p:notes>
+</file>
+
+<file path=ppt/notesSlides/notesSlide19.xml><?xml version="1.0" encoding="utf-8"?>
+<p:notes xmlns:a="http://schemas.openxmlformats.org/drawingml/2006/main" xmlns:r="http://schemas.openxmlformats.org/officeDocument/2006/relationships" xmlns:p="http://schemas.openxmlformats.org/presentationml/2006/main">
+  <p:cSld>
+    <p:spTree>
+      <p:nvGrpSpPr>
+        <p:cNvPr id="1" name=""/>
+        <p:cNvGrpSpPr/>
+        <p:nvPr/>
+      </p:nvGrpSpPr>
+      <p:grpSpPr>
+        <a:xfrm>
+          <a:off x="0" y="0"/>
+          <a:ext cx="0" cy="0"/>
+          <a:chOff x="0" y="0"/>
+          <a:chExt cx="0" cy="0"/>
+        </a:xfrm>
+      </p:grpSpPr>
+      <p:sp>
+        <p:nvSpPr>
+          <p:cNvPr id="2" name="슬라이드 이미지 개체 틀 1"/>
+          <p:cNvSpPr>
+            <a:spLocks noGrp="1" noRot="1" noChangeAspect="1"/>
+          </p:cNvSpPr>
+          <p:nvPr>
+            <p:ph type="sldImg"/>
+          </p:nvPr>
+        </p:nvSpPr>
+        <p:spPr/>
+      </p:sp>
+      <p:sp>
+        <p:nvSpPr>
+          <p:cNvPr id="3" name="슬라이드 노트 개체 틀 2"/>
+          <p:cNvSpPr>
+            <a:spLocks noGrp="1"/>
+          </p:cNvSpPr>
+          <p:nvPr>
+            <p:ph type="body" idx="1"/>
+          </p:nvPr>
+        </p:nvSpPr>
+        <p:spPr/>
+        <p:txBody>
+          <a:bodyPr/>
+          <a:lstStyle/>
+          <a:p>
+            <a:endParaRPr lang="ko-KR" altLang="en-US" dirty="0"/>
+          </a:p>
+        </p:txBody>
+      </p:sp>
+      <p:sp>
+        <p:nvSpPr>
+          <p:cNvPr id="4" name="슬라이드 번호 개체 틀 3"/>
+          <p:cNvSpPr>
+            <a:spLocks noGrp="1"/>
+          </p:cNvSpPr>
+          <p:nvPr>
+            <p:ph type="sldNum" sz="quarter" idx="5"/>
+          </p:nvPr>
+        </p:nvSpPr>
+        <p:spPr/>
+        <p:txBody>
+          <a:bodyPr/>
+          <a:lstStyle/>
+          <a:p>
+            <a:fld id="{E25A1157-EDD3-4B2B-80C6-0CDDDDDCB7E7}" type="slidenum">
+              <a:rPr lang="ko-KR" altLang="en-US" smtClean="0"/>
+              <a:t>62</a:t>
+            </a:fld>
+            <a:endParaRPr lang="ko-KR" altLang="en-US"/>
+          </a:p>
+        </p:txBody>
+      </p:sp>
+    </p:spTree>
+    <p:extLst>
+      <p:ext uri="{BB962C8B-B14F-4D97-AF65-F5344CB8AC3E}">
+        <p14:creationId xmlns:p14="http://schemas.microsoft.com/office/powerpoint/2010/main" val="3111151093"/>
+      </p:ext>
+    </p:extLst>
+  </p:cSld>
+  <p:clrMapOvr>
+    <a:masterClrMapping/>
+  </p:clrMapOvr>
+</p:notes>
+</file>
+
 <file path=ppt/notesSlides/notesSlide2.xml><?xml version="1.0" encoding="utf-8"?>
 <p:notes xmlns:a="http://schemas.openxmlformats.org/drawingml/2006/main" xmlns:r="http://schemas.openxmlformats.org/officeDocument/2006/relationships" xmlns:p="http://schemas.openxmlformats.org/presentationml/2006/main">
   <p:cSld>
@@ -646,9 +1513,9 @@
           <a:bodyPr/>
           <a:lstStyle/>
           <a:p>
-            <a:fld id="{D8DCC404-E41A-4BC0-921C-BBFB3AB1AB4E}" type="slidenum">
+            <a:fld id="{E25A1157-EDD3-4B2B-80C6-0CDDDDDCB7E7}" type="slidenum">
               <a:rPr lang="ko-KR" altLang="en-US" smtClean="0"/>
-              <a:t>36</a:t>
+              <a:t>45</a:t>
             </a:fld>
             <a:endParaRPr lang="ko-KR" altLang="en-US"/>
           </a:p>
@@ -657,7 +1524,679 @@
     </p:spTree>
     <p:extLst>
       <p:ext uri="{BB962C8B-B14F-4D97-AF65-F5344CB8AC3E}">
-        <p14:creationId xmlns:p14="http://schemas.microsoft.com/office/powerpoint/2010/main" val="2118054897"/>
+        <p14:creationId xmlns:p14="http://schemas.microsoft.com/office/powerpoint/2010/main" val="989280586"/>
+      </p:ext>
+    </p:extLst>
+  </p:cSld>
+  <p:clrMapOvr>
+    <a:masterClrMapping/>
+  </p:clrMapOvr>
+</p:notes>
+</file>
+
+<file path=ppt/notesSlides/notesSlide20.xml><?xml version="1.0" encoding="utf-8"?>
+<p:notes xmlns:a="http://schemas.openxmlformats.org/drawingml/2006/main" xmlns:r="http://schemas.openxmlformats.org/officeDocument/2006/relationships" xmlns:p="http://schemas.openxmlformats.org/presentationml/2006/main">
+  <p:cSld>
+    <p:spTree>
+      <p:nvGrpSpPr>
+        <p:cNvPr id="1" name=""/>
+        <p:cNvGrpSpPr/>
+        <p:nvPr/>
+      </p:nvGrpSpPr>
+      <p:grpSpPr>
+        <a:xfrm>
+          <a:off x="0" y="0"/>
+          <a:ext cx="0" cy="0"/>
+          <a:chOff x="0" y="0"/>
+          <a:chExt cx="0" cy="0"/>
+        </a:xfrm>
+      </p:grpSpPr>
+      <p:sp>
+        <p:nvSpPr>
+          <p:cNvPr id="2" name="슬라이드 이미지 개체 틀 1"/>
+          <p:cNvSpPr>
+            <a:spLocks noGrp="1" noRot="1" noChangeAspect="1"/>
+          </p:cNvSpPr>
+          <p:nvPr>
+            <p:ph type="sldImg"/>
+          </p:nvPr>
+        </p:nvSpPr>
+        <p:spPr/>
+      </p:sp>
+      <p:sp>
+        <p:nvSpPr>
+          <p:cNvPr id="3" name="슬라이드 노트 개체 틀 2"/>
+          <p:cNvSpPr>
+            <a:spLocks noGrp="1"/>
+          </p:cNvSpPr>
+          <p:nvPr>
+            <p:ph type="body" idx="1"/>
+          </p:nvPr>
+        </p:nvSpPr>
+        <p:spPr/>
+        <p:txBody>
+          <a:bodyPr/>
+          <a:lstStyle/>
+          <a:p>
+            <a:endParaRPr lang="ko-KR" altLang="en-US" dirty="0"/>
+          </a:p>
+        </p:txBody>
+      </p:sp>
+      <p:sp>
+        <p:nvSpPr>
+          <p:cNvPr id="4" name="슬라이드 번호 개체 틀 3"/>
+          <p:cNvSpPr>
+            <a:spLocks noGrp="1"/>
+          </p:cNvSpPr>
+          <p:nvPr>
+            <p:ph type="sldNum" sz="quarter" idx="5"/>
+          </p:nvPr>
+        </p:nvSpPr>
+        <p:spPr/>
+        <p:txBody>
+          <a:bodyPr/>
+          <a:lstStyle/>
+          <a:p>
+            <a:fld id="{D8DCC404-E41A-4BC0-921C-BBFB3AB1AB4E}" type="slidenum">
+              <a:rPr lang="ko-KR" altLang="en-US" smtClean="0"/>
+              <a:t>63</a:t>
+            </a:fld>
+            <a:endParaRPr lang="ko-KR" altLang="en-US"/>
+          </a:p>
+        </p:txBody>
+      </p:sp>
+    </p:spTree>
+    <p:extLst>
+      <p:ext uri="{BB962C8B-B14F-4D97-AF65-F5344CB8AC3E}">
+        <p14:creationId xmlns:p14="http://schemas.microsoft.com/office/powerpoint/2010/main" val="260172559"/>
+      </p:ext>
+    </p:extLst>
+  </p:cSld>
+  <p:clrMapOvr>
+    <a:masterClrMapping/>
+  </p:clrMapOvr>
+</p:notes>
+</file>
+
+<file path=ppt/notesSlides/notesSlide3.xml><?xml version="1.0" encoding="utf-8"?>
+<p:notes xmlns:a="http://schemas.openxmlformats.org/drawingml/2006/main" xmlns:r="http://schemas.openxmlformats.org/officeDocument/2006/relationships" xmlns:p="http://schemas.openxmlformats.org/presentationml/2006/main">
+  <p:cSld>
+    <p:spTree>
+      <p:nvGrpSpPr>
+        <p:cNvPr id="1" name=""/>
+        <p:cNvGrpSpPr/>
+        <p:nvPr/>
+      </p:nvGrpSpPr>
+      <p:grpSpPr>
+        <a:xfrm>
+          <a:off x="0" y="0"/>
+          <a:ext cx="0" cy="0"/>
+          <a:chOff x="0" y="0"/>
+          <a:chExt cx="0" cy="0"/>
+        </a:xfrm>
+      </p:grpSpPr>
+      <p:sp>
+        <p:nvSpPr>
+          <p:cNvPr id="2" name="슬라이드 이미지 개체 틀 1"/>
+          <p:cNvSpPr>
+            <a:spLocks noGrp="1" noRot="1" noChangeAspect="1"/>
+          </p:cNvSpPr>
+          <p:nvPr>
+            <p:ph type="sldImg"/>
+          </p:nvPr>
+        </p:nvSpPr>
+        <p:spPr/>
+      </p:sp>
+      <p:sp>
+        <p:nvSpPr>
+          <p:cNvPr id="3" name="슬라이드 노트 개체 틀 2"/>
+          <p:cNvSpPr>
+            <a:spLocks noGrp="1"/>
+          </p:cNvSpPr>
+          <p:nvPr>
+            <p:ph type="body" idx="1"/>
+          </p:nvPr>
+        </p:nvSpPr>
+        <p:spPr/>
+        <p:txBody>
+          <a:bodyPr/>
+          <a:lstStyle/>
+          <a:p>
+            <a:endParaRPr lang="ko-KR" altLang="en-US" dirty="0"/>
+          </a:p>
+        </p:txBody>
+      </p:sp>
+      <p:sp>
+        <p:nvSpPr>
+          <p:cNvPr id="4" name="슬라이드 번호 개체 틀 3"/>
+          <p:cNvSpPr>
+            <a:spLocks noGrp="1"/>
+          </p:cNvSpPr>
+          <p:nvPr>
+            <p:ph type="sldNum" sz="quarter" idx="5"/>
+          </p:nvPr>
+        </p:nvSpPr>
+        <p:spPr/>
+        <p:txBody>
+          <a:bodyPr/>
+          <a:lstStyle/>
+          <a:p>
+            <a:fld id="{E25A1157-EDD3-4B2B-80C6-0CDDDDDCB7E7}" type="slidenum">
+              <a:rPr lang="ko-KR" altLang="en-US" smtClean="0"/>
+              <a:t>46</a:t>
+            </a:fld>
+            <a:endParaRPr lang="ko-KR" altLang="en-US"/>
+          </a:p>
+        </p:txBody>
+      </p:sp>
+    </p:spTree>
+    <p:extLst>
+      <p:ext uri="{BB962C8B-B14F-4D97-AF65-F5344CB8AC3E}">
+        <p14:creationId xmlns:p14="http://schemas.microsoft.com/office/powerpoint/2010/main" val="4135098791"/>
+      </p:ext>
+    </p:extLst>
+  </p:cSld>
+  <p:clrMapOvr>
+    <a:masterClrMapping/>
+  </p:clrMapOvr>
+</p:notes>
+</file>
+
+<file path=ppt/notesSlides/notesSlide4.xml><?xml version="1.0" encoding="utf-8"?>
+<p:notes xmlns:a="http://schemas.openxmlformats.org/drawingml/2006/main" xmlns:r="http://schemas.openxmlformats.org/officeDocument/2006/relationships" xmlns:p="http://schemas.openxmlformats.org/presentationml/2006/main">
+  <p:cSld>
+    <p:spTree>
+      <p:nvGrpSpPr>
+        <p:cNvPr id="1" name=""/>
+        <p:cNvGrpSpPr/>
+        <p:nvPr/>
+      </p:nvGrpSpPr>
+      <p:grpSpPr>
+        <a:xfrm>
+          <a:off x="0" y="0"/>
+          <a:ext cx="0" cy="0"/>
+          <a:chOff x="0" y="0"/>
+          <a:chExt cx="0" cy="0"/>
+        </a:xfrm>
+      </p:grpSpPr>
+      <p:sp>
+        <p:nvSpPr>
+          <p:cNvPr id="2" name="슬라이드 이미지 개체 틀 1"/>
+          <p:cNvSpPr>
+            <a:spLocks noGrp="1" noRot="1" noChangeAspect="1"/>
+          </p:cNvSpPr>
+          <p:nvPr>
+            <p:ph type="sldImg"/>
+          </p:nvPr>
+        </p:nvSpPr>
+        <p:spPr/>
+      </p:sp>
+      <p:sp>
+        <p:nvSpPr>
+          <p:cNvPr id="3" name="슬라이드 노트 개체 틀 2"/>
+          <p:cNvSpPr>
+            <a:spLocks noGrp="1"/>
+          </p:cNvSpPr>
+          <p:nvPr>
+            <p:ph type="body" idx="1"/>
+          </p:nvPr>
+        </p:nvSpPr>
+        <p:spPr/>
+        <p:txBody>
+          <a:bodyPr/>
+          <a:lstStyle/>
+          <a:p>
+            <a:endParaRPr lang="ko-KR" altLang="en-US" dirty="0"/>
+          </a:p>
+        </p:txBody>
+      </p:sp>
+      <p:sp>
+        <p:nvSpPr>
+          <p:cNvPr id="4" name="슬라이드 번호 개체 틀 3"/>
+          <p:cNvSpPr>
+            <a:spLocks noGrp="1"/>
+          </p:cNvSpPr>
+          <p:nvPr>
+            <p:ph type="sldNum" sz="quarter" idx="5"/>
+          </p:nvPr>
+        </p:nvSpPr>
+        <p:spPr/>
+        <p:txBody>
+          <a:bodyPr/>
+          <a:lstStyle/>
+          <a:p>
+            <a:fld id="{E25A1157-EDD3-4B2B-80C6-0CDDDDDCB7E7}" type="slidenum">
+              <a:rPr lang="ko-KR" altLang="en-US" smtClean="0"/>
+              <a:t>47</a:t>
+            </a:fld>
+            <a:endParaRPr lang="ko-KR" altLang="en-US"/>
+          </a:p>
+        </p:txBody>
+      </p:sp>
+    </p:spTree>
+    <p:extLst>
+      <p:ext uri="{BB962C8B-B14F-4D97-AF65-F5344CB8AC3E}">
+        <p14:creationId xmlns:p14="http://schemas.microsoft.com/office/powerpoint/2010/main" val="3835260393"/>
+      </p:ext>
+    </p:extLst>
+  </p:cSld>
+  <p:clrMapOvr>
+    <a:masterClrMapping/>
+  </p:clrMapOvr>
+</p:notes>
+</file>
+
+<file path=ppt/notesSlides/notesSlide5.xml><?xml version="1.0" encoding="utf-8"?>
+<p:notes xmlns:a="http://schemas.openxmlformats.org/drawingml/2006/main" xmlns:r="http://schemas.openxmlformats.org/officeDocument/2006/relationships" xmlns:p="http://schemas.openxmlformats.org/presentationml/2006/main">
+  <p:cSld>
+    <p:spTree>
+      <p:nvGrpSpPr>
+        <p:cNvPr id="1" name=""/>
+        <p:cNvGrpSpPr/>
+        <p:nvPr/>
+      </p:nvGrpSpPr>
+      <p:grpSpPr>
+        <a:xfrm>
+          <a:off x="0" y="0"/>
+          <a:ext cx="0" cy="0"/>
+          <a:chOff x="0" y="0"/>
+          <a:chExt cx="0" cy="0"/>
+        </a:xfrm>
+      </p:grpSpPr>
+      <p:sp>
+        <p:nvSpPr>
+          <p:cNvPr id="2" name="슬라이드 이미지 개체 틀 1"/>
+          <p:cNvSpPr>
+            <a:spLocks noGrp="1" noRot="1" noChangeAspect="1"/>
+          </p:cNvSpPr>
+          <p:nvPr>
+            <p:ph type="sldImg"/>
+          </p:nvPr>
+        </p:nvSpPr>
+        <p:spPr/>
+      </p:sp>
+      <p:sp>
+        <p:nvSpPr>
+          <p:cNvPr id="3" name="슬라이드 노트 개체 틀 2"/>
+          <p:cNvSpPr>
+            <a:spLocks noGrp="1"/>
+          </p:cNvSpPr>
+          <p:nvPr>
+            <p:ph type="body" idx="1"/>
+          </p:nvPr>
+        </p:nvSpPr>
+        <p:spPr/>
+        <p:txBody>
+          <a:bodyPr/>
+          <a:lstStyle/>
+          <a:p>
+            <a:endParaRPr lang="ko-KR" altLang="en-US" dirty="0"/>
+          </a:p>
+        </p:txBody>
+      </p:sp>
+      <p:sp>
+        <p:nvSpPr>
+          <p:cNvPr id="4" name="슬라이드 번호 개체 틀 3"/>
+          <p:cNvSpPr>
+            <a:spLocks noGrp="1"/>
+          </p:cNvSpPr>
+          <p:nvPr>
+            <p:ph type="sldNum" sz="quarter" idx="5"/>
+          </p:nvPr>
+        </p:nvSpPr>
+        <p:spPr/>
+        <p:txBody>
+          <a:bodyPr/>
+          <a:lstStyle/>
+          <a:p>
+            <a:fld id="{E25A1157-EDD3-4B2B-80C6-0CDDDDDCB7E7}" type="slidenum">
+              <a:rPr lang="ko-KR" altLang="en-US" smtClean="0"/>
+              <a:t>48</a:t>
+            </a:fld>
+            <a:endParaRPr lang="ko-KR" altLang="en-US"/>
+          </a:p>
+        </p:txBody>
+      </p:sp>
+    </p:spTree>
+    <p:extLst>
+      <p:ext uri="{BB962C8B-B14F-4D97-AF65-F5344CB8AC3E}">
+        <p14:creationId xmlns:p14="http://schemas.microsoft.com/office/powerpoint/2010/main" val="258095695"/>
+      </p:ext>
+    </p:extLst>
+  </p:cSld>
+  <p:clrMapOvr>
+    <a:masterClrMapping/>
+  </p:clrMapOvr>
+</p:notes>
+</file>
+
+<file path=ppt/notesSlides/notesSlide6.xml><?xml version="1.0" encoding="utf-8"?>
+<p:notes xmlns:a="http://schemas.openxmlformats.org/drawingml/2006/main" xmlns:r="http://schemas.openxmlformats.org/officeDocument/2006/relationships" xmlns:p="http://schemas.openxmlformats.org/presentationml/2006/main">
+  <p:cSld>
+    <p:spTree>
+      <p:nvGrpSpPr>
+        <p:cNvPr id="1" name=""/>
+        <p:cNvGrpSpPr/>
+        <p:nvPr/>
+      </p:nvGrpSpPr>
+      <p:grpSpPr>
+        <a:xfrm>
+          <a:off x="0" y="0"/>
+          <a:ext cx="0" cy="0"/>
+          <a:chOff x="0" y="0"/>
+          <a:chExt cx="0" cy="0"/>
+        </a:xfrm>
+      </p:grpSpPr>
+      <p:sp>
+        <p:nvSpPr>
+          <p:cNvPr id="2" name="슬라이드 이미지 개체 틀 1"/>
+          <p:cNvSpPr>
+            <a:spLocks noGrp="1" noRot="1" noChangeAspect="1"/>
+          </p:cNvSpPr>
+          <p:nvPr>
+            <p:ph type="sldImg"/>
+          </p:nvPr>
+        </p:nvSpPr>
+        <p:spPr/>
+      </p:sp>
+      <p:sp>
+        <p:nvSpPr>
+          <p:cNvPr id="3" name="슬라이드 노트 개체 틀 2"/>
+          <p:cNvSpPr>
+            <a:spLocks noGrp="1"/>
+          </p:cNvSpPr>
+          <p:nvPr>
+            <p:ph type="body" idx="1"/>
+          </p:nvPr>
+        </p:nvSpPr>
+        <p:spPr/>
+        <p:txBody>
+          <a:bodyPr/>
+          <a:lstStyle/>
+          <a:p>
+            <a:endParaRPr lang="ko-KR" altLang="en-US" dirty="0"/>
+          </a:p>
+        </p:txBody>
+      </p:sp>
+      <p:sp>
+        <p:nvSpPr>
+          <p:cNvPr id="4" name="슬라이드 번호 개체 틀 3"/>
+          <p:cNvSpPr>
+            <a:spLocks noGrp="1"/>
+          </p:cNvSpPr>
+          <p:nvPr>
+            <p:ph type="sldNum" sz="quarter" idx="5"/>
+          </p:nvPr>
+        </p:nvSpPr>
+        <p:spPr/>
+        <p:txBody>
+          <a:bodyPr/>
+          <a:lstStyle/>
+          <a:p>
+            <a:fld id="{E25A1157-EDD3-4B2B-80C6-0CDDDDDCB7E7}" type="slidenum">
+              <a:rPr lang="ko-KR" altLang="en-US" smtClean="0"/>
+              <a:t>49</a:t>
+            </a:fld>
+            <a:endParaRPr lang="ko-KR" altLang="en-US"/>
+          </a:p>
+        </p:txBody>
+      </p:sp>
+    </p:spTree>
+    <p:extLst>
+      <p:ext uri="{BB962C8B-B14F-4D97-AF65-F5344CB8AC3E}">
+        <p14:creationId xmlns:p14="http://schemas.microsoft.com/office/powerpoint/2010/main" val="1799984218"/>
+      </p:ext>
+    </p:extLst>
+  </p:cSld>
+  <p:clrMapOvr>
+    <a:masterClrMapping/>
+  </p:clrMapOvr>
+</p:notes>
+</file>
+
+<file path=ppt/notesSlides/notesSlide7.xml><?xml version="1.0" encoding="utf-8"?>
+<p:notes xmlns:a="http://schemas.openxmlformats.org/drawingml/2006/main" xmlns:r="http://schemas.openxmlformats.org/officeDocument/2006/relationships" xmlns:p="http://schemas.openxmlformats.org/presentationml/2006/main">
+  <p:cSld>
+    <p:spTree>
+      <p:nvGrpSpPr>
+        <p:cNvPr id="1" name=""/>
+        <p:cNvGrpSpPr/>
+        <p:nvPr/>
+      </p:nvGrpSpPr>
+      <p:grpSpPr>
+        <a:xfrm>
+          <a:off x="0" y="0"/>
+          <a:ext cx="0" cy="0"/>
+          <a:chOff x="0" y="0"/>
+          <a:chExt cx="0" cy="0"/>
+        </a:xfrm>
+      </p:grpSpPr>
+      <p:sp>
+        <p:nvSpPr>
+          <p:cNvPr id="2" name="슬라이드 이미지 개체 틀 1"/>
+          <p:cNvSpPr>
+            <a:spLocks noGrp="1" noRot="1" noChangeAspect="1"/>
+          </p:cNvSpPr>
+          <p:nvPr>
+            <p:ph type="sldImg"/>
+          </p:nvPr>
+        </p:nvSpPr>
+        <p:spPr/>
+      </p:sp>
+      <p:sp>
+        <p:nvSpPr>
+          <p:cNvPr id="3" name="슬라이드 노트 개체 틀 2"/>
+          <p:cNvSpPr>
+            <a:spLocks noGrp="1"/>
+          </p:cNvSpPr>
+          <p:nvPr>
+            <p:ph type="body" idx="1"/>
+          </p:nvPr>
+        </p:nvSpPr>
+        <p:spPr/>
+        <p:txBody>
+          <a:bodyPr/>
+          <a:lstStyle/>
+          <a:p>
+            <a:endParaRPr lang="ko-KR" altLang="en-US" dirty="0"/>
+          </a:p>
+        </p:txBody>
+      </p:sp>
+      <p:sp>
+        <p:nvSpPr>
+          <p:cNvPr id="4" name="슬라이드 번호 개체 틀 3"/>
+          <p:cNvSpPr>
+            <a:spLocks noGrp="1"/>
+          </p:cNvSpPr>
+          <p:nvPr>
+            <p:ph type="sldNum" sz="quarter" idx="5"/>
+          </p:nvPr>
+        </p:nvSpPr>
+        <p:spPr/>
+        <p:txBody>
+          <a:bodyPr/>
+          <a:lstStyle/>
+          <a:p>
+            <a:fld id="{E25A1157-EDD3-4B2B-80C6-0CDDDDDCB7E7}" type="slidenum">
+              <a:rPr lang="ko-KR" altLang="en-US" smtClean="0"/>
+              <a:t>50</a:t>
+            </a:fld>
+            <a:endParaRPr lang="ko-KR" altLang="en-US"/>
+          </a:p>
+        </p:txBody>
+      </p:sp>
+    </p:spTree>
+    <p:extLst>
+      <p:ext uri="{BB962C8B-B14F-4D97-AF65-F5344CB8AC3E}">
+        <p14:creationId xmlns:p14="http://schemas.microsoft.com/office/powerpoint/2010/main" val="3495754122"/>
+      </p:ext>
+    </p:extLst>
+  </p:cSld>
+  <p:clrMapOvr>
+    <a:masterClrMapping/>
+  </p:clrMapOvr>
+</p:notes>
+</file>
+
+<file path=ppt/notesSlides/notesSlide8.xml><?xml version="1.0" encoding="utf-8"?>
+<p:notes xmlns:a="http://schemas.openxmlformats.org/drawingml/2006/main" xmlns:r="http://schemas.openxmlformats.org/officeDocument/2006/relationships" xmlns:p="http://schemas.openxmlformats.org/presentationml/2006/main">
+  <p:cSld>
+    <p:spTree>
+      <p:nvGrpSpPr>
+        <p:cNvPr id="1" name=""/>
+        <p:cNvGrpSpPr/>
+        <p:nvPr/>
+      </p:nvGrpSpPr>
+      <p:grpSpPr>
+        <a:xfrm>
+          <a:off x="0" y="0"/>
+          <a:ext cx="0" cy="0"/>
+          <a:chOff x="0" y="0"/>
+          <a:chExt cx="0" cy="0"/>
+        </a:xfrm>
+      </p:grpSpPr>
+      <p:sp>
+        <p:nvSpPr>
+          <p:cNvPr id="2" name="슬라이드 이미지 개체 틀 1"/>
+          <p:cNvSpPr>
+            <a:spLocks noGrp="1" noRot="1" noChangeAspect="1"/>
+          </p:cNvSpPr>
+          <p:nvPr>
+            <p:ph type="sldImg"/>
+          </p:nvPr>
+        </p:nvSpPr>
+        <p:spPr/>
+      </p:sp>
+      <p:sp>
+        <p:nvSpPr>
+          <p:cNvPr id="3" name="슬라이드 노트 개체 틀 2"/>
+          <p:cNvSpPr>
+            <a:spLocks noGrp="1"/>
+          </p:cNvSpPr>
+          <p:nvPr>
+            <p:ph type="body" idx="1"/>
+          </p:nvPr>
+        </p:nvSpPr>
+        <p:spPr/>
+        <p:txBody>
+          <a:bodyPr/>
+          <a:lstStyle/>
+          <a:p>
+            <a:endParaRPr lang="ko-KR" altLang="en-US" dirty="0"/>
+          </a:p>
+        </p:txBody>
+      </p:sp>
+      <p:sp>
+        <p:nvSpPr>
+          <p:cNvPr id="4" name="슬라이드 번호 개체 틀 3"/>
+          <p:cNvSpPr>
+            <a:spLocks noGrp="1"/>
+          </p:cNvSpPr>
+          <p:nvPr>
+            <p:ph type="sldNum" sz="quarter" idx="5"/>
+          </p:nvPr>
+        </p:nvSpPr>
+        <p:spPr/>
+        <p:txBody>
+          <a:bodyPr/>
+          <a:lstStyle/>
+          <a:p>
+            <a:fld id="{E25A1157-EDD3-4B2B-80C6-0CDDDDDCB7E7}" type="slidenum">
+              <a:rPr lang="ko-KR" altLang="en-US" smtClean="0"/>
+              <a:t>51</a:t>
+            </a:fld>
+            <a:endParaRPr lang="ko-KR" altLang="en-US"/>
+          </a:p>
+        </p:txBody>
+      </p:sp>
+    </p:spTree>
+    <p:extLst>
+      <p:ext uri="{BB962C8B-B14F-4D97-AF65-F5344CB8AC3E}">
+        <p14:creationId xmlns:p14="http://schemas.microsoft.com/office/powerpoint/2010/main" val="53795162"/>
+      </p:ext>
+    </p:extLst>
+  </p:cSld>
+  <p:clrMapOvr>
+    <a:masterClrMapping/>
+  </p:clrMapOvr>
+</p:notes>
+</file>
+
+<file path=ppt/notesSlides/notesSlide9.xml><?xml version="1.0" encoding="utf-8"?>
+<p:notes xmlns:a="http://schemas.openxmlformats.org/drawingml/2006/main" xmlns:r="http://schemas.openxmlformats.org/officeDocument/2006/relationships" xmlns:p="http://schemas.openxmlformats.org/presentationml/2006/main">
+  <p:cSld>
+    <p:spTree>
+      <p:nvGrpSpPr>
+        <p:cNvPr id="1" name=""/>
+        <p:cNvGrpSpPr/>
+        <p:nvPr/>
+      </p:nvGrpSpPr>
+      <p:grpSpPr>
+        <a:xfrm>
+          <a:off x="0" y="0"/>
+          <a:ext cx="0" cy="0"/>
+          <a:chOff x="0" y="0"/>
+          <a:chExt cx="0" cy="0"/>
+        </a:xfrm>
+      </p:grpSpPr>
+      <p:sp>
+        <p:nvSpPr>
+          <p:cNvPr id="2" name="슬라이드 이미지 개체 틀 1"/>
+          <p:cNvSpPr>
+            <a:spLocks noGrp="1" noRot="1" noChangeAspect="1"/>
+          </p:cNvSpPr>
+          <p:nvPr>
+            <p:ph type="sldImg"/>
+          </p:nvPr>
+        </p:nvSpPr>
+        <p:spPr/>
+      </p:sp>
+      <p:sp>
+        <p:nvSpPr>
+          <p:cNvPr id="3" name="슬라이드 노트 개체 틀 2"/>
+          <p:cNvSpPr>
+            <a:spLocks noGrp="1"/>
+          </p:cNvSpPr>
+          <p:nvPr>
+            <p:ph type="body" idx="1"/>
+          </p:nvPr>
+        </p:nvSpPr>
+        <p:spPr/>
+        <p:txBody>
+          <a:bodyPr/>
+          <a:lstStyle/>
+          <a:p>
+            <a:endParaRPr lang="ko-KR" altLang="en-US" dirty="0"/>
+          </a:p>
+        </p:txBody>
+      </p:sp>
+      <p:sp>
+        <p:nvSpPr>
+          <p:cNvPr id="4" name="슬라이드 번호 개체 틀 3"/>
+          <p:cNvSpPr>
+            <a:spLocks noGrp="1"/>
+          </p:cNvSpPr>
+          <p:nvPr>
+            <p:ph type="sldNum" sz="quarter" idx="5"/>
+          </p:nvPr>
+        </p:nvSpPr>
+        <p:spPr/>
+        <p:txBody>
+          <a:bodyPr/>
+          <a:lstStyle/>
+          <a:p>
+            <a:fld id="{E25A1157-EDD3-4B2B-80C6-0CDDDDDCB7E7}" type="slidenum">
+              <a:rPr lang="ko-KR" altLang="en-US" smtClean="0"/>
+              <a:t>52</a:t>
+            </a:fld>
+            <a:endParaRPr lang="ko-KR" altLang="en-US"/>
+          </a:p>
+        </p:txBody>
+      </p:sp>
+    </p:spTree>
+    <p:extLst>
+      <p:ext uri="{BB962C8B-B14F-4D97-AF65-F5344CB8AC3E}">
+        <p14:creationId xmlns:p14="http://schemas.microsoft.com/office/powerpoint/2010/main" val="1971931596"/>
       </p:ext>
     </p:extLst>
   </p:cSld>
@@ -7971,7 +9510,7 @@
                 <a:latin typeface="태나다체 " panose="02000000000000000000" pitchFamily="2" charset="-127"/>
                 <a:ea typeface="태나다체 " panose="02000000000000000000" pitchFamily="2" charset="-127"/>
               </a:rPr>
-              <a:t>오류 발생시키기</a:t>
+              <a:t>문제 발생시키기</a:t>
             </a:r>
           </a:p>
         </p:txBody>
@@ -8061,7 +9600,7 @@
                 <a:latin typeface="태나다체 " panose="02000000000000000000" pitchFamily="2" charset="-127"/>
                 <a:ea typeface="태나다체 " panose="02000000000000000000" pitchFamily="2" charset="-127"/>
               </a:rPr>
-              <a:t>Add</a:t>
+              <a:t>Lock</a:t>
             </a:r>
             <a:endParaRPr lang="ko-KR" altLang="en-US" sz="4000" dirty="0">
               <a:latin typeface="태나다체 " panose="02000000000000000000" pitchFamily="2" charset="-127"/>
@@ -8070,6 +9609,42 @@
           </a:p>
         </p:txBody>
       </p:sp>
+      <p:pic>
+        <p:nvPicPr>
+          <p:cNvPr id="4" name="그림 3">
+            <a:extLst>
+              <a:ext uri="{FF2B5EF4-FFF2-40B4-BE49-F238E27FC236}">
+                <a16:creationId xmlns:a16="http://schemas.microsoft.com/office/drawing/2014/main" id="{85E1F906-50F2-4C06-A791-77B8A802635E}"/>
+              </a:ext>
+            </a:extLst>
+          </p:cNvPr>
+          <p:cNvPicPr>
+            <a:picLocks noChangeAspect="1"/>
+          </p:cNvPicPr>
+          <p:nvPr/>
+        </p:nvPicPr>
+        <p:blipFill>
+          <a:blip r:embed="rId2">
+            <a:extLst>
+              <a:ext uri="{28A0092B-C50C-407E-A947-70E740481C1C}">
+                <a14:useLocalDpi xmlns:a14="http://schemas.microsoft.com/office/drawing/2010/main" val="0"/>
+              </a:ext>
+            </a:extLst>
+          </a:blip>
+          <a:stretch>
+            <a:fillRect/>
+          </a:stretch>
+        </p:blipFill>
+        <p:spPr>
+          <a:xfrm>
+            <a:off x="4898864" y="204196"/>
+            <a:ext cx="5904252" cy="6449607"/>
+          </a:xfrm>
+          <a:prstGeom prst="rect">
+            <a:avLst/>
+          </a:prstGeom>
+        </p:spPr>
+      </p:pic>
     </p:spTree>
     <p:extLst>
       <p:ext uri="{BB962C8B-B14F-4D97-AF65-F5344CB8AC3E}">
@@ -8102,66 +9677,10 @@
       </p:grpSpPr>
       <p:sp>
         <p:nvSpPr>
-          <p:cNvPr id="16" name="직사각형 15">
-            <a:extLst>
-              <a:ext uri="{FF2B5EF4-FFF2-40B4-BE49-F238E27FC236}">
-                <a16:creationId xmlns:a16="http://schemas.microsoft.com/office/drawing/2014/main" id="{B89DD7D4-9ED1-4D39-BC0C-EA5A5B8B6EF9}"/>
-              </a:ext>
-            </a:extLst>
-          </p:cNvPr>
-          <p:cNvSpPr/>
-          <p:nvPr/>
-        </p:nvSpPr>
-        <p:spPr>
-          <a:xfrm>
-            <a:off x="188540" y="197967"/>
-            <a:ext cx="12192000" cy="6858000"/>
-          </a:xfrm>
-          <a:prstGeom prst="rect">
-            <a:avLst/>
-          </a:prstGeom>
-          <a:solidFill>
-            <a:schemeClr val="tx1">
-              <a:alpha val="65000"/>
-            </a:schemeClr>
-          </a:solidFill>
-          <a:ln>
-            <a:solidFill>
-              <a:schemeClr val="tx1"/>
-            </a:solidFill>
-          </a:ln>
-        </p:spPr>
-        <p:style>
-          <a:lnRef idx="2">
-            <a:schemeClr val="accent1">
-              <a:shade val="50000"/>
-            </a:schemeClr>
-          </a:lnRef>
-          <a:fillRef idx="1">
-            <a:schemeClr val="accent1"/>
-          </a:fillRef>
-          <a:effectRef idx="0">
-            <a:schemeClr val="accent1"/>
-          </a:effectRef>
-          <a:fontRef idx="minor">
-            <a:schemeClr val="lt1"/>
-          </a:fontRef>
-        </p:style>
-        <p:txBody>
-          <a:bodyPr rtlCol="0" anchor="ctr"/>
-          <a:lstStyle/>
-          <a:p>
-            <a:pPr algn="ctr"/>
-            <a:endParaRPr lang="ko-KR" altLang="en-US" sz="1600" dirty="0"/>
-          </a:p>
-        </p:txBody>
-      </p:sp>
-      <p:sp>
-        <p:nvSpPr>
-          <p:cNvPr id="4" name="직사각형 3">
-            <a:extLst>
-              <a:ext uri="{FF2B5EF4-FFF2-40B4-BE49-F238E27FC236}">
-                <a16:creationId xmlns:a16="http://schemas.microsoft.com/office/drawing/2014/main" id="{CA35C8A5-4B03-43E5-B493-90F4E795A7AE}"/>
+          <p:cNvPr id="3" name="직사각형 2">
+            <a:extLst>
+              <a:ext uri="{FF2B5EF4-FFF2-40B4-BE49-F238E27FC236}">
+                <a16:creationId xmlns:a16="http://schemas.microsoft.com/office/drawing/2014/main" id="{CE97CBAA-9474-4762-9A45-7F1C1229323D}"/>
               </a:ext>
             </a:extLst>
           </p:cNvPr>
@@ -8207,31 +9726,1501 @@
           <a:p>
             <a:pPr algn="ctr"/>
             <a:r>
-              <a:rPr lang="en-US" altLang="ko-KR" sz="4400" dirty="0">
-                <a:solidFill>
-                  <a:schemeClr val="bg1"/>
-                </a:solidFill>
+              <a:rPr lang="en-US" altLang="ko-KR" sz="4000" dirty="0">
                 <a:latin typeface="태나다체 " panose="02000000000000000000" pitchFamily="2" charset="-127"/>
                 <a:ea typeface="태나다체 " panose="02000000000000000000" pitchFamily="2" charset="-127"/>
               </a:rPr>
-              <a:t>title</a:t>
-            </a:r>
-            <a:endParaRPr lang="ko-KR" altLang="en-US" sz="4400" dirty="0">
-              <a:solidFill>
-                <a:schemeClr val="bg1"/>
-              </a:solidFill>
+              <a:t>Lock</a:t>
+            </a:r>
+            <a:endParaRPr lang="ko-KR" altLang="en-US" sz="4000" dirty="0">
               <a:latin typeface="태나다체 " panose="02000000000000000000" pitchFamily="2" charset="-127"/>
               <a:ea typeface="태나다체 " panose="02000000000000000000" pitchFamily="2" charset="-127"/>
             </a:endParaRPr>
           </a:p>
         </p:txBody>
       </p:sp>
-      <p:sp>
-        <p:nvSpPr>
-          <p:cNvPr id="11" name="직사각형 10">
-            <a:extLst>
-              <a:ext uri="{FF2B5EF4-FFF2-40B4-BE49-F238E27FC236}">
-                <a16:creationId xmlns:a16="http://schemas.microsoft.com/office/drawing/2014/main" id="{6C22D0AA-FCE8-49A4-888D-F1CCB0BBB1BD}"/>
+      <p:pic>
+        <p:nvPicPr>
+          <p:cNvPr id="5" name="그림 4">
+            <a:extLst>
+              <a:ext uri="{FF2B5EF4-FFF2-40B4-BE49-F238E27FC236}">
+                <a16:creationId xmlns:a16="http://schemas.microsoft.com/office/drawing/2014/main" id="{5A732CDE-C5B4-40E8-B117-93C24A80C1E8}"/>
+              </a:ext>
+            </a:extLst>
+          </p:cNvPr>
+          <p:cNvPicPr>
+            <a:picLocks noChangeAspect="1"/>
+          </p:cNvPicPr>
+          <p:nvPr/>
+        </p:nvPicPr>
+        <p:blipFill>
+          <a:blip r:embed="rId2">
+            <a:extLst>
+              <a:ext uri="{28A0092B-C50C-407E-A947-70E740481C1C}">
+                <a14:useLocalDpi xmlns:a14="http://schemas.microsoft.com/office/drawing/2010/main" val="0"/>
+              </a:ext>
+            </a:extLst>
+          </a:blip>
+          <a:stretch>
+            <a:fillRect/>
+          </a:stretch>
+        </p:blipFill>
+        <p:spPr>
+          <a:xfrm>
+            <a:off x="4841398" y="188536"/>
+            <a:ext cx="6266519" cy="4636803"/>
+          </a:xfrm>
+          <a:prstGeom prst="rect">
+            <a:avLst/>
+          </a:prstGeom>
+        </p:spPr>
+      </p:pic>
+      <p:sp>
+        <p:nvSpPr>
+          <p:cNvPr id="6" name="직사각형 5">
+            <a:extLst>
+              <a:ext uri="{FF2B5EF4-FFF2-40B4-BE49-F238E27FC236}">
+                <a16:creationId xmlns:a16="http://schemas.microsoft.com/office/drawing/2014/main" id="{B6D90916-38C9-4906-94E1-533662A0F686}"/>
+              </a:ext>
+            </a:extLst>
+          </p:cNvPr>
+          <p:cNvSpPr/>
+          <p:nvPr/>
+        </p:nvSpPr>
+        <p:spPr>
+          <a:xfrm>
+            <a:off x="2366453" y="5072085"/>
+            <a:ext cx="7459093" cy="1446550"/>
+          </a:xfrm>
+          <a:prstGeom prst="rect">
+            <a:avLst/>
+          </a:prstGeom>
+        </p:spPr>
+        <p:txBody>
+          <a:bodyPr wrap="none">
+            <a:spAutoFit/>
+          </a:bodyPr>
+          <a:lstStyle/>
+          <a:p>
+            <a:r>
+              <a:rPr lang="ko-KR" altLang="en-US" sz="4400" dirty="0" err="1">
+                <a:latin typeface="배달의민족 주아" panose="02020603020101020101" pitchFamily="18" charset="-127"/>
+                <a:ea typeface="배달의민족 주아" panose="02020603020101020101" pitchFamily="18" charset="-127"/>
+              </a:rPr>
+              <a:t>기대값</a:t>
+            </a:r>
+            <a:r>
+              <a:rPr lang="ko-KR" altLang="en-US" sz="4400" dirty="0">
+                <a:latin typeface="배달의민족 주아" panose="02020603020101020101" pitchFamily="18" charset="-127"/>
+                <a:ea typeface="배달의민족 주아" panose="02020603020101020101" pitchFamily="18" charset="-127"/>
+              </a:rPr>
+              <a:t> </a:t>
+            </a:r>
+            <a:r>
+              <a:rPr lang="en-US" altLang="ko-KR" sz="4400" dirty="0">
+                <a:latin typeface="배달의민족 주아" panose="02020603020101020101" pitchFamily="18" charset="-127"/>
+                <a:ea typeface="배달의민족 주아" panose="02020603020101020101" pitchFamily="18" charset="-127"/>
+              </a:rPr>
+              <a:t>: 5000000050000000</a:t>
+            </a:r>
+          </a:p>
+          <a:p>
+            <a:r>
+              <a:rPr lang="ko-KR" altLang="en-US" sz="4400" dirty="0">
+                <a:latin typeface="배달의민족 주아" panose="02020603020101020101" pitchFamily="18" charset="-127"/>
+                <a:ea typeface="배달의민족 주아" panose="02020603020101020101" pitchFamily="18" charset="-127"/>
+              </a:rPr>
+              <a:t>결과값 </a:t>
+            </a:r>
+            <a:r>
+              <a:rPr lang="en-US" altLang="ko-KR" sz="4400" dirty="0">
+                <a:latin typeface="배달의민족 주아" panose="02020603020101020101" pitchFamily="18" charset="-127"/>
+                <a:ea typeface="배달의민족 주아" panose="02020603020101020101" pitchFamily="18" charset="-127"/>
+              </a:rPr>
+              <a:t>: ???</a:t>
+            </a:r>
+          </a:p>
+        </p:txBody>
+      </p:sp>
+    </p:spTree>
+    <p:extLst>
+      <p:ext uri="{BB962C8B-B14F-4D97-AF65-F5344CB8AC3E}">
+        <p14:creationId xmlns:p14="http://schemas.microsoft.com/office/powerpoint/2010/main" val="356177714"/>
+      </p:ext>
+    </p:extLst>
+  </p:cSld>
+  <p:clrMapOvr>
+    <a:masterClrMapping/>
+  </p:clrMapOvr>
+</p:sld>
+</file>
+
+<file path=ppt/slides/slide37.xml><?xml version="1.0" encoding="utf-8"?>
+<p:sld xmlns:a="http://schemas.openxmlformats.org/drawingml/2006/main" xmlns:r="http://schemas.openxmlformats.org/officeDocument/2006/relationships" xmlns:p="http://schemas.openxmlformats.org/presentationml/2006/main">
+  <p:cSld>
+    <p:spTree>
+      <p:nvGrpSpPr>
+        <p:cNvPr id="1" name=""/>
+        <p:cNvGrpSpPr/>
+        <p:nvPr/>
+      </p:nvGrpSpPr>
+      <p:grpSpPr>
+        <a:xfrm>
+          <a:off x="0" y="0"/>
+          <a:ext cx="0" cy="0"/>
+          <a:chOff x="0" y="0"/>
+          <a:chExt cx="0" cy="0"/>
+        </a:xfrm>
+      </p:grpSpPr>
+      <p:sp>
+        <p:nvSpPr>
+          <p:cNvPr id="3" name="직사각형 2">
+            <a:extLst>
+              <a:ext uri="{FF2B5EF4-FFF2-40B4-BE49-F238E27FC236}">
+                <a16:creationId xmlns:a16="http://schemas.microsoft.com/office/drawing/2014/main" id="{CE97CBAA-9474-4762-9A45-7F1C1229323D}"/>
+              </a:ext>
+            </a:extLst>
+          </p:cNvPr>
+          <p:cNvSpPr/>
+          <p:nvPr/>
+        </p:nvSpPr>
+        <p:spPr>
+          <a:xfrm>
+            <a:off x="0" y="339365"/>
+            <a:ext cx="3619893" cy="1221117"/>
+          </a:xfrm>
+          <a:prstGeom prst="rect">
+            <a:avLst/>
+          </a:prstGeom>
+          <a:solidFill>
+            <a:schemeClr val="tx1"/>
+          </a:solidFill>
+          <a:ln>
+            <a:solidFill>
+              <a:schemeClr val="tx1"/>
+            </a:solidFill>
+          </a:ln>
+        </p:spPr>
+        <p:style>
+          <a:lnRef idx="2">
+            <a:schemeClr val="accent1">
+              <a:shade val="50000"/>
+            </a:schemeClr>
+          </a:lnRef>
+          <a:fillRef idx="1">
+            <a:schemeClr val="accent1"/>
+          </a:fillRef>
+          <a:effectRef idx="0">
+            <a:schemeClr val="accent1"/>
+          </a:effectRef>
+          <a:fontRef idx="minor">
+            <a:schemeClr val="lt1"/>
+          </a:fontRef>
+        </p:style>
+        <p:txBody>
+          <a:bodyPr rtlCol="0" anchor="ctr"/>
+          <a:lstStyle/>
+          <a:p>
+            <a:pPr algn="ctr"/>
+            <a:r>
+              <a:rPr lang="ko-KR" altLang="en-US" sz="4000" dirty="0">
+                <a:latin typeface="태나다체 " panose="02000000000000000000" pitchFamily="2" charset="-127"/>
+                <a:ea typeface="태나다체 " panose="02000000000000000000" pitchFamily="2" charset="-127"/>
+              </a:rPr>
+              <a:t>덧셈</a:t>
+            </a:r>
+          </a:p>
+        </p:txBody>
+      </p:sp>
+      <p:sp>
+        <p:nvSpPr>
+          <p:cNvPr id="8" name="직사각형 7">
+            <a:extLst>
+              <a:ext uri="{FF2B5EF4-FFF2-40B4-BE49-F238E27FC236}">
+                <a16:creationId xmlns:a16="http://schemas.microsoft.com/office/drawing/2014/main" id="{08A97C8E-F2B7-4510-8A43-347C43F89205}"/>
+              </a:ext>
+            </a:extLst>
+          </p:cNvPr>
+          <p:cNvSpPr/>
+          <p:nvPr/>
+        </p:nvSpPr>
+        <p:spPr>
+          <a:xfrm>
+            <a:off x="2055044" y="2037390"/>
+            <a:ext cx="8646854" cy="4154984"/>
+          </a:xfrm>
+          <a:prstGeom prst="rect">
+            <a:avLst/>
+          </a:prstGeom>
+        </p:spPr>
+        <p:txBody>
+          <a:bodyPr wrap="none">
+            <a:spAutoFit/>
+          </a:bodyPr>
+          <a:lstStyle/>
+          <a:p>
+            <a:r>
+              <a:rPr lang="en-US" altLang="ko-KR" sz="4400" dirty="0">
+                <a:latin typeface="배달의민족 주아" panose="02020603020101020101" pitchFamily="18" charset="-127"/>
+                <a:ea typeface="배달의민족 주아" panose="02020603020101020101" pitchFamily="18" charset="-127"/>
+              </a:rPr>
+              <a:t>public void Add(int* origin, int num)</a:t>
+            </a:r>
+          </a:p>
+          <a:p>
+            <a:r>
+              <a:rPr lang="en-US" altLang="ko-KR" sz="4400" dirty="0">
+                <a:latin typeface="배달의민족 주아" panose="02020603020101020101" pitchFamily="18" charset="-127"/>
+                <a:ea typeface="배달의민족 주아" panose="02020603020101020101" pitchFamily="18" charset="-127"/>
+              </a:rPr>
+              <a:t>{</a:t>
+            </a:r>
+          </a:p>
+          <a:p>
+            <a:r>
+              <a:rPr lang="en-US" altLang="ko-KR" sz="4400" dirty="0">
+                <a:latin typeface="배달의민족 주아" panose="02020603020101020101" pitchFamily="18" charset="-127"/>
+                <a:ea typeface="배달의민족 주아" panose="02020603020101020101" pitchFamily="18" charset="-127"/>
+              </a:rPr>
+              <a:t>    int temp = *origin;</a:t>
+            </a:r>
+          </a:p>
+          <a:p>
+            <a:r>
+              <a:rPr lang="en-US" altLang="ko-KR" sz="4400" dirty="0">
+                <a:latin typeface="배달의민족 주아" panose="02020603020101020101" pitchFamily="18" charset="-127"/>
+                <a:ea typeface="배달의민족 주아" panose="02020603020101020101" pitchFamily="18" charset="-127"/>
+              </a:rPr>
+              <a:t>    temp += num;</a:t>
+            </a:r>
+          </a:p>
+          <a:p>
+            <a:r>
+              <a:rPr lang="en-US" altLang="ko-KR" sz="4400" dirty="0">
+                <a:latin typeface="배달의민족 주아" panose="02020603020101020101" pitchFamily="18" charset="-127"/>
+                <a:ea typeface="배달의민족 주아" panose="02020603020101020101" pitchFamily="18" charset="-127"/>
+              </a:rPr>
+              <a:t>    origin* = temp;</a:t>
+            </a:r>
+            <a:br>
+              <a:rPr lang="en-US" altLang="ko-KR" sz="4400" dirty="0">
+                <a:latin typeface="배달의민족 주아" panose="02020603020101020101" pitchFamily="18" charset="-127"/>
+                <a:ea typeface="배달의민족 주아" panose="02020603020101020101" pitchFamily="18" charset="-127"/>
+              </a:rPr>
+            </a:br>
+            <a:r>
+              <a:rPr lang="en-US" altLang="ko-KR" sz="4400" dirty="0">
+                <a:latin typeface="배달의민족 주아" panose="02020603020101020101" pitchFamily="18" charset="-127"/>
+                <a:ea typeface="배달의민족 주아" panose="02020603020101020101" pitchFamily="18" charset="-127"/>
+              </a:rPr>
+              <a:t>}</a:t>
+            </a:r>
+          </a:p>
+        </p:txBody>
+      </p:sp>
+    </p:spTree>
+    <p:extLst>
+      <p:ext uri="{BB962C8B-B14F-4D97-AF65-F5344CB8AC3E}">
+        <p14:creationId xmlns:p14="http://schemas.microsoft.com/office/powerpoint/2010/main" val="1508219256"/>
+      </p:ext>
+    </p:extLst>
+  </p:cSld>
+  <p:clrMapOvr>
+    <a:masterClrMapping/>
+  </p:clrMapOvr>
+</p:sld>
+</file>
+
+<file path=ppt/slides/slide38.xml><?xml version="1.0" encoding="utf-8"?>
+<p:sld xmlns:a="http://schemas.openxmlformats.org/drawingml/2006/main" xmlns:r="http://schemas.openxmlformats.org/officeDocument/2006/relationships" xmlns:p="http://schemas.openxmlformats.org/presentationml/2006/main">
+  <p:cSld>
+    <p:spTree>
+      <p:nvGrpSpPr>
+        <p:cNvPr id="1" name=""/>
+        <p:cNvGrpSpPr/>
+        <p:nvPr/>
+      </p:nvGrpSpPr>
+      <p:grpSpPr>
+        <a:xfrm>
+          <a:off x="0" y="0"/>
+          <a:ext cx="0" cy="0"/>
+          <a:chOff x="0" y="0"/>
+          <a:chExt cx="0" cy="0"/>
+        </a:xfrm>
+      </p:grpSpPr>
+      <p:sp>
+        <p:nvSpPr>
+          <p:cNvPr id="3" name="직사각형 2">
+            <a:extLst>
+              <a:ext uri="{FF2B5EF4-FFF2-40B4-BE49-F238E27FC236}">
+                <a16:creationId xmlns:a16="http://schemas.microsoft.com/office/drawing/2014/main" id="{CE97CBAA-9474-4762-9A45-7F1C1229323D}"/>
+              </a:ext>
+            </a:extLst>
+          </p:cNvPr>
+          <p:cNvSpPr/>
+          <p:nvPr/>
+        </p:nvSpPr>
+        <p:spPr>
+          <a:xfrm>
+            <a:off x="0" y="339365"/>
+            <a:ext cx="3619893" cy="1221117"/>
+          </a:xfrm>
+          <a:prstGeom prst="rect">
+            <a:avLst/>
+          </a:prstGeom>
+          <a:solidFill>
+            <a:schemeClr val="tx1"/>
+          </a:solidFill>
+          <a:ln>
+            <a:solidFill>
+              <a:schemeClr val="tx1"/>
+            </a:solidFill>
+          </a:ln>
+        </p:spPr>
+        <p:style>
+          <a:lnRef idx="2">
+            <a:schemeClr val="accent1">
+              <a:shade val="50000"/>
+            </a:schemeClr>
+          </a:lnRef>
+          <a:fillRef idx="1">
+            <a:schemeClr val="accent1"/>
+          </a:fillRef>
+          <a:effectRef idx="0">
+            <a:schemeClr val="accent1"/>
+          </a:effectRef>
+          <a:fontRef idx="minor">
+            <a:schemeClr val="lt1"/>
+          </a:fontRef>
+        </p:style>
+        <p:txBody>
+          <a:bodyPr rtlCol="0" anchor="ctr"/>
+          <a:lstStyle/>
+          <a:p>
+            <a:pPr algn="ctr"/>
+            <a:r>
+              <a:rPr lang="ko-KR" altLang="en-US" sz="4000" dirty="0">
+                <a:latin typeface="태나다체 " panose="02000000000000000000" pitchFamily="2" charset="-127"/>
+                <a:ea typeface="태나다체 " panose="02000000000000000000" pitchFamily="2" charset="-127"/>
+              </a:rPr>
+              <a:t>덧셈</a:t>
+            </a:r>
+          </a:p>
+        </p:txBody>
+      </p:sp>
+      <p:sp>
+        <p:nvSpPr>
+          <p:cNvPr id="8" name="직사각형 7">
+            <a:extLst>
+              <a:ext uri="{FF2B5EF4-FFF2-40B4-BE49-F238E27FC236}">
+                <a16:creationId xmlns:a16="http://schemas.microsoft.com/office/drawing/2014/main" id="{08A97C8E-F2B7-4510-8A43-347C43F89205}"/>
+              </a:ext>
+            </a:extLst>
+          </p:cNvPr>
+          <p:cNvSpPr/>
+          <p:nvPr/>
+        </p:nvSpPr>
+        <p:spPr>
+          <a:xfrm>
+            <a:off x="2055044" y="2037390"/>
+            <a:ext cx="8646854" cy="4154984"/>
+          </a:xfrm>
+          <a:prstGeom prst="rect">
+            <a:avLst/>
+          </a:prstGeom>
+        </p:spPr>
+        <p:txBody>
+          <a:bodyPr wrap="none">
+            <a:spAutoFit/>
+          </a:bodyPr>
+          <a:lstStyle/>
+          <a:p>
+            <a:r>
+              <a:rPr lang="en-US" altLang="ko-KR" sz="4400" dirty="0">
+                <a:latin typeface="배달의민족 주아" panose="02020603020101020101" pitchFamily="18" charset="-127"/>
+                <a:ea typeface="배달의민족 주아" panose="02020603020101020101" pitchFamily="18" charset="-127"/>
+              </a:rPr>
+              <a:t>public void Add(int* origin, int num)</a:t>
+            </a:r>
+          </a:p>
+          <a:p>
+            <a:r>
+              <a:rPr lang="en-US" altLang="ko-KR" sz="4400" dirty="0">
+                <a:latin typeface="배달의민족 주아" panose="02020603020101020101" pitchFamily="18" charset="-127"/>
+                <a:ea typeface="배달의민족 주아" panose="02020603020101020101" pitchFamily="18" charset="-127"/>
+              </a:rPr>
+              <a:t>{</a:t>
+            </a:r>
+          </a:p>
+          <a:p>
+            <a:r>
+              <a:rPr lang="en-US" altLang="ko-KR" sz="4400" dirty="0">
+                <a:latin typeface="배달의민족 주아" panose="02020603020101020101" pitchFamily="18" charset="-127"/>
+                <a:ea typeface="배달의민족 주아" panose="02020603020101020101" pitchFamily="18" charset="-127"/>
+              </a:rPr>
+              <a:t>    int temp = *origin;</a:t>
+            </a:r>
+          </a:p>
+          <a:p>
+            <a:r>
+              <a:rPr lang="en-US" altLang="ko-KR" sz="4400" dirty="0">
+                <a:latin typeface="배달의민족 주아" panose="02020603020101020101" pitchFamily="18" charset="-127"/>
+                <a:ea typeface="배달의민족 주아" panose="02020603020101020101" pitchFamily="18" charset="-127"/>
+              </a:rPr>
+              <a:t>    temp += num;</a:t>
+            </a:r>
+          </a:p>
+          <a:p>
+            <a:r>
+              <a:rPr lang="en-US" altLang="ko-KR" sz="4400" dirty="0">
+                <a:latin typeface="배달의민족 주아" panose="02020603020101020101" pitchFamily="18" charset="-127"/>
+                <a:ea typeface="배달의민족 주아" panose="02020603020101020101" pitchFamily="18" charset="-127"/>
+              </a:rPr>
+              <a:t>    origin* = temp;</a:t>
+            </a:r>
+            <a:br>
+              <a:rPr lang="en-US" altLang="ko-KR" sz="4400" dirty="0">
+                <a:latin typeface="배달의민족 주아" panose="02020603020101020101" pitchFamily="18" charset="-127"/>
+                <a:ea typeface="배달의민족 주아" panose="02020603020101020101" pitchFamily="18" charset="-127"/>
+              </a:rPr>
+            </a:br>
+            <a:r>
+              <a:rPr lang="en-US" altLang="ko-KR" sz="4400" dirty="0">
+                <a:latin typeface="배달의민족 주아" panose="02020603020101020101" pitchFamily="18" charset="-127"/>
+                <a:ea typeface="배달의민족 주아" panose="02020603020101020101" pitchFamily="18" charset="-127"/>
+              </a:rPr>
+              <a:t>}</a:t>
+            </a:r>
+          </a:p>
+        </p:txBody>
+      </p:sp>
+      <p:sp>
+        <p:nvSpPr>
+          <p:cNvPr id="4" name="TextBox 3">
+            <a:extLst>
+              <a:ext uri="{FF2B5EF4-FFF2-40B4-BE49-F238E27FC236}">
+                <a16:creationId xmlns:a16="http://schemas.microsoft.com/office/drawing/2014/main" id="{8B065D15-041F-4606-AD93-F8664D9D50B6}"/>
+              </a:ext>
+            </a:extLst>
+          </p:cNvPr>
+          <p:cNvSpPr txBox="1"/>
+          <p:nvPr/>
+        </p:nvSpPr>
+        <p:spPr>
+          <a:xfrm>
+            <a:off x="6532774" y="4826525"/>
+            <a:ext cx="5213024" cy="1200329"/>
+          </a:xfrm>
+          <a:prstGeom prst="rect">
+            <a:avLst/>
+          </a:prstGeom>
+          <a:noFill/>
+        </p:spPr>
+        <p:txBody>
+          <a:bodyPr wrap="square" rtlCol="0">
+            <a:spAutoFit/>
+          </a:bodyPr>
+          <a:lstStyle/>
+          <a:p>
+            <a:r>
+              <a:rPr lang="en-US" altLang="ko-KR" sz="3600" dirty="0">
+                <a:solidFill>
+                  <a:srgbClr val="C00000"/>
+                </a:solidFill>
+                <a:latin typeface="배달의민족 주아" panose="02020603020101020101" pitchFamily="18" charset="-127"/>
+                <a:ea typeface="배달의민족 주아" panose="02020603020101020101" pitchFamily="18" charset="-127"/>
+              </a:rPr>
+              <a:t>&lt;- 	</a:t>
+            </a:r>
+            <a:r>
+              <a:rPr lang="ko-KR" altLang="en-US" sz="3600" dirty="0">
+                <a:solidFill>
+                  <a:srgbClr val="C00000"/>
+                </a:solidFill>
+                <a:latin typeface="배달의민족 주아" panose="02020603020101020101" pitchFamily="18" charset="-127"/>
+                <a:ea typeface="배달의민족 주아" panose="02020603020101020101" pitchFamily="18" charset="-127"/>
+              </a:rPr>
+              <a:t>덮어쓰기 전에 누군가 또 </a:t>
+            </a:r>
+            <a:r>
+              <a:rPr lang="en-US" altLang="ko-KR" sz="3600" dirty="0">
+                <a:solidFill>
+                  <a:srgbClr val="C00000"/>
+                </a:solidFill>
+                <a:latin typeface="배달의민족 주아" panose="02020603020101020101" pitchFamily="18" charset="-127"/>
+                <a:ea typeface="배달의민족 주아" panose="02020603020101020101" pitchFamily="18" charset="-127"/>
+              </a:rPr>
+              <a:t>	</a:t>
+            </a:r>
+            <a:r>
+              <a:rPr lang="ko-KR" altLang="en-US" sz="3600" dirty="0">
+                <a:solidFill>
+                  <a:srgbClr val="C00000"/>
+                </a:solidFill>
+                <a:latin typeface="배달의민족 주아" panose="02020603020101020101" pitchFamily="18" charset="-127"/>
+                <a:ea typeface="배달의민족 주아" panose="02020603020101020101" pitchFamily="18" charset="-127"/>
+              </a:rPr>
+              <a:t>덧셈을 했다면</a:t>
+            </a:r>
+            <a:r>
+              <a:rPr lang="en-US" altLang="ko-KR" sz="3600" dirty="0">
+                <a:solidFill>
+                  <a:srgbClr val="C00000"/>
+                </a:solidFill>
+                <a:latin typeface="배달의민족 주아" panose="02020603020101020101" pitchFamily="18" charset="-127"/>
+                <a:ea typeface="배달의민족 주아" panose="02020603020101020101" pitchFamily="18" charset="-127"/>
+              </a:rPr>
+              <a:t>?</a:t>
+            </a:r>
+            <a:endParaRPr lang="ko-KR" altLang="en-US" sz="3600" dirty="0">
+              <a:solidFill>
+                <a:srgbClr val="C00000"/>
+              </a:solidFill>
+              <a:latin typeface="배달의민족 주아" panose="02020603020101020101" pitchFamily="18" charset="-127"/>
+              <a:ea typeface="배달의민족 주아" panose="02020603020101020101" pitchFamily="18" charset="-127"/>
+            </a:endParaRPr>
+          </a:p>
+        </p:txBody>
+      </p:sp>
+    </p:spTree>
+    <p:extLst>
+      <p:ext uri="{BB962C8B-B14F-4D97-AF65-F5344CB8AC3E}">
+        <p14:creationId xmlns:p14="http://schemas.microsoft.com/office/powerpoint/2010/main" val="884584752"/>
+      </p:ext>
+    </p:extLst>
+  </p:cSld>
+  <p:clrMapOvr>
+    <a:masterClrMapping/>
+  </p:clrMapOvr>
+</p:sld>
+</file>
+
+<file path=ppt/slides/slide39.xml><?xml version="1.0" encoding="utf-8"?>
+<p:sld xmlns:a="http://schemas.openxmlformats.org/drawingml/2006/main" xmlns:r="http://schemas.openxmlformats.org/officeDocument/2006/relationships" xmlns:p="http://schemas.openxmlformats.org/presentationml/2006/main">
+  <p:cSld>
+    <p:spTree>
+      <p:nvGrpSpPr>
+        <p:cNvPr id="1" name=""/>
+        <p:cNvGrpSpPr/>
+        <p:nvPr/>
+      </p:nvGrpSpPr>
+      <p:grpSpPr>
+        <a:xfrm>
+          <a:off x="0" y="0"/>
+          <a:ext cx="0" cy="0"/>
+          <a:chOff x="0" y="0"/>
+          <a:chExt cx="0" cy="0"/>
+        </a:xfrm>
+      </p:grpSpPr>
+      <p:sp>
+        <p:nvSpPr>
+          <p:cNvPr id="3" name="직사각형 2">
+            <a:extLst>
+              <a:ext uri="{FF2B5EF4-FFF2-40B4-BE49-F238E27FC236}">
+                <a16:creationId xmlns:a16="http://schemas.microsoft.com/office/drawing/2014/main" id="{CE97CBAA-9474-4762-9A45-7F1C1229323D}"/>
+              </a:ext>
+            </a:extLst>
+          </p:cNvPr>
+          <p:cNvSpPr/>
+          <p:nvPr/>
+        </p:nvSpPr>
+        <p:spPr>
+          <a:xfrm>
+            <a:off x="0" y="339365"/>
+            <a:ext cx="3619893" cy="1221117"/>
+          </a:xfrm>
+          <a:prstGeom prst="rect">
+            <a:avLst/>
+          </a:prstGeom>
+          <a:solidFill>
+            <a:schemeClr val="tx1"/>
+          </a:solidFill>
+          <a:ln>
+            <a:solidFill>
+              <a:schemeClr val="tx1"/>
+            </a:solidFill>
+          </a:ln>
+        </p:spPr>
+        <p:style>
+          <a:lnRef idx="2">
+            <a:schemeClr val="accent1">
+              <a:shade val="50000"/>
+            </a:schemeClr>
+          </a:lnRef>
+          <a:fillRef idx="1">
+            <a:schemeClr val="accent1"/>
+          </a:fillRef>
+          <a:effectRef idx="0">
+            <a:schemeClr val="accent1"/>
+          </a:effectRef>
+          <a:fontRef idx="minor">
+            <a:schemeClr val="lt1"/>
+          </a:fontRef>
+        </p:style>
+        <p:txBody>
+          <a:bodyPr rtlCol="0" anchor="ctr"/>
+          <a:lstStyle/>
+          <a:p>
+            <a:pPr algn="ctr"/>
+            <a:r>
+              <a:rPr lang="ko-KR" altLang="en-US" sz="4000" dirty="0">
+                <a:latin typeface="태나다체 " panose="02000000000000000000" pitchFamily="2" charset="-127"/>
+                <a:ea typeface="태나다체 " panose="02000000000000000000" pitchFamily="2" charset="-127"/>
+              </a:rPr>
+              <a:t>덧셈</a:t>
+            </a:r>
+          </a:p>
+        </p:txBody>
+      </p:sp>
+      <p:sp>
+        <p:nvSpPr>
+          <p:cNvPr id="8" name="직사각형 7">
+            <a:extLst>
+              <a:ext uri="{FF2B5EF4-FFF2-40B4-BE49-F238E27FC236}">
+                <a16:creationId xmlns:a16="http://schemas.microsoft.com/office/drawing/2014/main" id="{08A97C8E-F2B7-4510-8A43-347C43F89205}"/>
+              </a:ext>
+            </a:extLst>
+          </p:cNvPr>
+          <p:cNvSpPr/>
+          <p:nvPr/>
+        </p:nvSpPr>
+        <p:spPr>
+          <a:xfrm>
+            <a:off x="1904858" y="1792947"/>
+            <a:ext cx="3643818" cy="2800767"/>
+          </a:xfrm>
+          <a:prstGeom prst="rect">
+            <a:avLst/>
+          </a:prstGeom>
+        </p:spPr>
+        <p:txBody>
+          <a:bodyPr wrap="none">
+            <a:spAutoFit/>
+          </a:bodyPr>
+          <a:lstStyle/>
+          <a:p>
+            <a:r>
+              <a:rPr lang="en-US" altLang="ko-KR" sz="4400" dirty="0">
+                <a:latin typeface="배달의민족 주아" panose="02020603020101020101" pitchFamily="18" charset="-127"/>
+                <a:ea typeface="배달의민족 주아" panose="02020603020101020101" pitchFamily="18" charset="-127"/>
+              </a:rPr>
+              <a:t>Thread1</a:t>
+            </a:r>
+          </a:p>
+          <a:p>
+            <a:endParaRPr lang="en-US" altLang="ko-KR" sz="4400" dirty="0">
+              <a:latin typeface="배달의민족 주아" panose="02020603020101020101" pitchFamily="18" charset="-127"/>
+              <a:ea typeface="배달의민족 주아" panose="02020603020101020101" pitchFamily="18" charset="-127"/>
+            </a:endParaRPr>
+          </a:p>
+          <a:p>
+            <a:r>
+              <a:rPr lang="en-US" altLang="ko-KR" sz="4400" dirty="0">
+                <a:latin typeface="배달의민족 주아" panose="02020603020101020101" pitchFamily="18" charset="-127"/>
+                <a:ea typeface="배달의민족 주아" panose="02020603020101020101" pitchFamily="18" charset="-127"/>
+              </a:rPr>
+              <a:t>temp = 10 + 15</a:t>
+            </a:r>
+          </a:p>
+          <a:p>
+            <a:r>
+              <a:rPr lang="en-US" altLang="ko-KR" sz="4400" dirty="0">
+                <a:latin typeface="배달의민족 주아" panose="02020603020101020101" pitchFamily="18" charset="-127"/>
+                <a:ea typeface="배달의민족 주아" panose="02020603020101020101" pitchFamily="18" charset="-127"/>
+              </a:rPr>
+              <a:t>origin* = temp</a:t>
+            </a:r>
+          </a:p>
+        </p:txBody>
+      </p:sp>
+      <p:sp>
+        <p:nvSpPr>
+          <p:cNvPr id="5" name="직사각형 4">
+            <a:extLst>
+              <a:ext uri="{FF2B5EF4-FFF2-40B4-BE49-F238E27FC236}">
+                <a16:creationId xmlns:a16="http://schemas.microsoft.com/office/drawing/2014/main" id="{A2793F62-8F98-4035-A267-AD39AB312711}"/>
+              </a:ext>
+            </a:extLst>
+          </p:cNvPr>
+          <p:cNvSpPr/>
+          <p:nvPr/>
+        </p:nvSpPr>
+        <p:spPr>
+          <a:xfrm>
+            <a:off x="7203650" y="1792946"/>
+            <a:ext cx="3682290" cy="2800767"/>
+          </a:xfrm>
+          <a:prstGeom prst="rect">
+            <a:avLst/>
+          </a:prstGeom>
+        </p:spPr>
+        <p:txBody>
+          <a:bodyPr wrap="none">
+            <a:spAutoFit/>
+          </a:bodyPr>
+          <a:lstStyle/>
+          <a:p>
+            <a:r>
+              <a:rPr lang="en-US" altLang="ko-KR" sz="4400" dirty="0">
+                <a:latin typeface="배달의민족 주아" panose="02020603020101020101" pitchFamily="18" charset="-127"/>
+                <a:ea typeface="배달의민족 주아" panose="02020603020101020101" pitchFamily="18" charset="-127"/>
+              </a:rPr>
+              <a:t>Thread2</a:t>
+            </a:r>
+          </a:p>
+          <a:p>
+            <a:endParaRPr lang="en-US" altLang="ko-KR" sz="4400" dirty="0">
+              <a:latin typeface="배달의민족 주아" panose="02020603020101020101" pitchFamily="18" charset="-127"/>
+              <a:ea typeface="배달의민족 주아" panose="02020603020101020101" pitchFamily="18" charset="-127"/>
+            </a:endParaRPr>
+          </a:p>
+          <a:p>
+            <a:r>
+              <a:rPr lang="en-US" altLang="ko-KR" sz="4400" dirty="0">
+                <a:latin typeface="배달의민족 주아" panose="02020603020101020101" pitchFamily="18" charset="-127"/>
+                <a:ea typeface="배달의민족 주아" panose="02020603020101020101" pitchFamily="18" charset="-127"/>
+              </a:rPr>
+              <a:t>temp = 10 + 10</a:t>
+            </a:r>
+          </a:p>
+          <a:p>
+            <a:r>
+              <a:rPr lang="en-US" altLang="ko-KR" sz="4400" dirty="0">
+                <a:latin typeface="배달의민족 주아" panose="02020603020101020101" pitchFamily="18" charset="-127"/>
+                <a:ea typeface="배달의민족 주아" panose="02020603020101020101" pitchFamily="18" charset="-127"/>
+              </a:rPr>
+              <a:t>origin* = temp</a:t>
+            </a:r>
+          </a:p>
+        </p:txBody>
+      </p:sp>
+      <p:sp>
+        <p:nvSpPr>
+          <p:cNvPr id="2" name="TextBox 1">
+            <a:extLst>
+              <a:ext uri="{FF2B5EF4-FFF2-40B4-BE49-F238E27FC236}">
+                <a16:creationId xmlns:a16="http://schemas.microsoft.com/office/drawing/2014/main" id="{67C3FFBB-FDF6-49C9-B36B-01B928336ABE}"/>
+              </a:ext>
+            </a:extLst>
+          </p:cNvPr>
+          <p:cNvSpPr txBox="1"/>
+          <p:nvPr/>
+        </p:nvSpPr>
+        <p:spPr>
+          <a:xfrm>
+            <a:off x="1405237" y="3120926"/>
+            <a:ext cx="499621" cy="830997"/>
+          </a:xfrm>
+          <a:prstGeom prst="rect">
+            <a:avLst/>
+          </a:prstGeom>
+          <a:noFill/>
+        </p:spPr>
+        <p:txBody>
+          <a:bodyPr wrap="square" rtlCol="0">
+            <a:spAutoFit/>
+          </a:bodyPr>
+          <a:lstStyle/>
+          <a:p>
+            <a:pPr algn="ctr"/>
+            <a:r>
+              <a:rPr lang="en-US" altLang="ko-KR" sz="4800" dirty="0">
+                <a:solidFill>
+                  <a:srgbClr val="C00000"/>
+                </a:solidFill>
+                <a:latin typeface="배달의민족 주아" panose="02020603020101020101" pitchFamily="18" charset="-127"/>
+                <a:ea typeface="배달의민족 주아" panose="02020603020101020101" pitchFamily="18" charset="-127"/>
+              </a:rPr>
+              <a:t>1</a:t>
+            </a:r>
+            <a:endParaRPr lang="ko-KR" altLang="en-US" sz="4800" dirty="0">
+              <a:solidFill>
+                <a:srgbClr val="C00000"/>
+              </a:solidFill>
+              <a:latin typeface="배달의민족 주아" panose="02020603020101020101" pitchFamily="18" charset="-127"/>
+              <a:ea typeface="배달의민족 주아" panose="02020603020101020101" pitchFamily="18" charset="-127"/>
+            </a:endParaRPr>
+          </a:p>
+        </p:txBody>
+      </p:sp>
+      <p:sp>
+        <p:nvSpPr>
+          <p:cNvPr id="9" name="TextBox 8">
+            <a:extLst>
+              <a:ext uri="{FF2B5EF4-FFF2-40B4-BE49-F238E27FC236}">
+                <a16:creationId xmlns:a16="http://schemas.microsoft.com/office/drawing/2014/main" id="{561E3488-5C0A-4040-993E-D13E9B25CDA7}"/>
+              </a:ext>
+            </a:extLst>
+          </p:cNvPr>
+          <p:cNvSpPr txBox="1"/>
+          <p:nvPr/>
+        </p:nvSpPr>
+        <p:spPr>
+          <a:xfrm>
+            <a:off x="6714100" y="3120925"/>
+            <a:ext cx="499621" cy="830997"/>
+          </a:xfrm>
+          <a:prstGeom prst="rect">
+            <a:avLst/>
+          </a:prstGeom>
+          <a:noFill/>
+        </p:spPr>
+        <p:txBody>
+          <a:bodyPr wrap="square" rtlCol="0">
+            <a:spAutoFit/>
+          </a:bodyPr>
+          <a:lstStyle/>
+          <a:p>
+            <a:pPr algn="ctr"/>
+            <a:r>
+              <a:rPr lang="en-US" altLang="ko-KR" sz="4800" dirty="0">
+                <a:solidFill>
+                  <a:srgbClr val="C00000"/>
+                </a:solidFill>
+                <a:latin typeface="배달의민족 주아" panose="02020603020101020101" pitchFamily="18" charset="-127"/>
+                <a:ea typeface="배달의민족 주아" panose="02020603020101020101" pitchFamily="18" charset="-127"/>
+              </a:rPr>
+              <a:t>2</a:t>
+            </a:r>
+            <a:endParaRPr lang="ko-KR" altLang="en-US" sz="4800" dirty="0">
+              <a:solidFill>
+                <a:srgbClr val="C00000"/>
+              </a:solidFill>
+              <a:latin typeface="배달의민족 주아" panose="02020603020101020101" pitchFamily="18" charset="-127"/>
+              <a:ea typeface="배달의민족 주아" panose="02020603020101020101" pitchFamily="18" charset="-127"/>
+            </a:endParaRPr>
+          </a:p>
+        </p:txBody>
+      </p:sp>
+      <p:sp>
+        <p:nvSpPr>
+          <p:cNvPr id="10" name="TextBox 9">
+            <a:extLst>
+              <a:ext uri="{FF2B5EF4-FFF2-40B4-BE49-F238E27FC236}">
+                <a16:creationId xmlns:a16="http://schemas.microsoft.com/office/drawing/2014/main" id="{14AD3595-6535-4B0C-B8F0-6795ABDAD4CB}"/>
+              </a:ext>
+            </a:extLst>
+          </p:cNvPr>
+          <p:cNvSpPr txBox="1"/>
+          <p:nvPr/>
+        </p:nvSpPr>
+        <p:spPr>
+          <a:xfrm>
+            <a:off x="1405236" y="3876172"/>
+            <a:ext cx="499621" cy="830997"/>
+          </a:xfrm>
+          <a:prstGeom prst="rect">
+            <a:avLst/>
+          </a:prstGeom>
+          <a:noFill/>
+        </p:spPr>
+        <p:txBody>
+          <a:bodyPr wrap="square" rtlCol="0">
+            <a:spAutoFit/>
+          </a:bodyPr>
+          <a:lstStyle/>
+          <a:p>
+            <a:pPr algn="ctr"/>
+            <a:r>
+              <a:rPr lang="en-US" altLang="ko-KR" sz="4800" dirty="0">
+                <a:solidFill>
+                  <a:srgbClr val="C00000"/>
+                </a:solidFill>
+                <a:latin typeface="배달의민족 주아" panose="02020603020101020101" pitchFamily="18" charset="-127"/>
+                <a:ea typeface="배달의민족 주아" panose="02020603020101020101" pitchFamily="18" charset="-127"/>
+              </a:rPr>
+              <a:t>3</a:t>
+            </a:r>
+            <a:endParaRPr lang="ko-KR" altLang="en-US" sz="4800" dirty="0">
+              <a:solidFill>
+                <a:srgbClr val="C00000"/>
+              </a:solidFill>
+              <a:latin typeface="배달의민족 주아" panose="02020603020101020101" pitchFamily="18" charset="-127"/>
+              <a:ea typeface="배달의민족 주아" panose="02020603020101020101" pitchFamily="18" charset="-127"/>
+            </a:endParaRPr>
+          </a:p>
+        </p:txBody>
+      </p:sp>
+      <p:sp>
+        <p:nvSpPr>
+          <p:cNvPr id="12" name="TextBox 11">
+            <a:extLst>
+              <a:ext uri="{FF2B5EF4-FFF2-40B4-BE49-F238E27FC236}">
+                <a16:creationId xmlns:a16="http://schemas.microsoft.com/office/drawing/2014/main" id="{BC9136CF-7F5C-4BF3-914B-2405B8A4CD35}"/>
+              </a:ext>
+            </a:extLst>
+          </p:cNvPr>
+          <p:cNvSpPr txBox="1"/>
+          <p:nvPr/>
+        </p:nvSpPr>
+        <p:spPr>
+          <a:xfrm>
+            <a:off x="6714099" y="3876172"/>
+            <a:ext cx="499621" cy="830997"/>
+          </a:xfrm>
+          <a:prstGeom prst="rect">
+            <a:avLst/>
+          </a:prstGeom>
+          <a:noFill/>
+        </p:spPr>
+        <p:txBody>
+          <a:bodyPr wrap="square" rtlCol="0">
+            <a:spAutoFit/>
+          </a:bodyPr>
+          <a:lstStyle/>
+          <a:p>
+            <a:pPr algn="ctr"/>
+            <a:r>
+              <a:rPr lang="en-US" altLang="ko-KR" sz="4800" dirty="0">
+                <a:solidFill>
+                  <a:srgbClr val="C00000"/>
+                </a:solidFill>
+                <a:latin typeface="배달의민족 주아" panose="02020603020101020101" pitchFamily="18" charset="-127"/>
+                <a:ea typeface="배달의민족 주아" panose="02020603020101020101" pitchFamily="18" charset="-127"/>
+              </a:rPr>
+              <a:t>4</a:t>
+            </a:r>
+            <a:endParaRPr lang="ko-KR" altLang="en-US" sz="4800" dirty="0">
+              <a:solidFill>
+                <a:srgbClr val="C00000"/>
+              </a:solidFill>
+              <a:latin typeface="배달의민족 주아" panose="02020603020101020101" pitchFamily="18" charset="-127"/>
+              <a:ea typeface="배달의민족 주아" panose="02020603020101020101" pitchFamily="18" charset="-127"/>
+            </a:endParaRPr>
+          </a:p>
+        </p:txBody>
+      </p:sp>
+      <p:sp>
+        <p:nvSpPr>
+          <p:cNvPr id="13" name="직사각형 12">
+            <a:extLst>
+              <a:ext uri="{FF2B5EF4-FFF2-40B4-BE49-F238E27FC236}">
+                <a16:creationId xmlns:a16="http://schemas.microsoft.com/office/drawing/2014/main" id="{3C6D7721-56AD-40C7-B977-519E03353CA4}"/>
+              </a:ext>
+            </a:extLst>
+          </p:cNvPr>
+          <p:cNvSpPr/>
+          <p:nvPr/>
+        </p:nvSpPr>
+        <p:spPr>
+          <a:xfrm>
+            <a:off x="2160467" y="5166353"/>
+            <a:ext cx="7871065" cy="1446550"/>
+          </a:xfrm>
+          <a:prstGeom prst="rect">
+            <a:avLst/>
+          </a:prstGeom>
+        </p:spPr>
+        <p:txBody>
+          <a:bodyPr wrap="none">
+            <a:spAutoFit/>
+          </a:bodyPr>
+          <a:lstStyle/>
+          <a:p>
+            <a:r>
+              <a:rPr lang="ko-KR" altLang="en-US" sz="4400" dirty="0" err="1">
+                <a:latin typeface="배달의민족 주아" panose="02020603020101020101" pitchFamily="18" charset="-127"/>
+                <a:ea typeface="배달의민족 주아" panose="02020603020101020101" pitchFamily="18" charset="-127"/>
+              </a:rPr>
+              <a:t>기대값</a:t>
+            </a:r>
+            <a:r>
+              <a:rPr lang="ko-KR" altLang="en-US" sz="4400" dirty="0">
+                <a:latin typeface="배달의민족 주아" panose="02020603020101020101" pitchFamily="18" charset="-127"/>
+                <a:ea typeface="배달의민족 주아" panose="02020603020101020101" pitchFamily="18" charset="-127"/>
+              </a:rPr>
+              <a:t> </a:t>
+            </a:r>
+            <a:r>
+              <a:rPr lang="en-US" altLang="ko-KR" sz="4400" dirty="0">
+                <a:latin typeface="배달의민족 주아" panose="02020603020101020101" pitchFamily="18" charset="-127"/>
+                <a:ea typeface="배달의민족 주아" panose="02020603020101020101" pitchFamily="18" charset="-127"/>
+              </a:rPr>
+              <a:t>: 10 + 15 + 10 = 35</a:t>
+            </a:r>
+          </a:p>
+          <a:p>
+            <a:r>
+              <a:rPr lang="ko-KR" altLang="en-US" sz="4400" dirty="0">
+                <a:latin typeface="배달의민족 주아" panose="02020603020101020101" pitchFamily="18" charset="-127"/>
+                <a:ea typeface="배달의민족 주아" panose="02020603020101020101" pitchFamily="18" charset="-127"/>
+              </a:rPr>
+              <a:t>결과값 </a:t>
+            </a:r>
+            <a:r>
+              <a:rPr lang="en-US" altLang="ko-KR" sz="4400" dirty="0">
+                <a:latin typeface="배달의민족 주아" panose="02020603020101020101" pitchFamily="18" charset="-127"/>
+                <a:ea typeface="배달의민족 주아" panose="02020603020101020101" pitchFamily="18" charset="-127"/>
+              </a:rPr>
+              <a:t>: 10 + 15(</a:t>
+            </a:r>
+            <a:r>
+              <a:rPr lang="ko-KR" altLang="en-US" sz="4400" dirty="0">
+                <a:latin typeface="배달의민족 주아" panose="02020603020101020101" pitchFamily="18" charset="-127"/>
+                <a:ea typeface="배달의민족 주아" panose="02020603020101020101" pitchFamily="18" charset="-127"/>
+              </a:rPr>
+              <a:t>무시됨</a:t>
+            </a:r>
+            <a:r>
+              <a:rPr lang="en-US" altLang="ko-KR" sz="4400" dirty="0">
+                <a:latin typeface="배달의민족 주아" panose="02020603020101020101" pitchFamily="18" charset="-127"/>
+                <a:ea typeface="배달의민족 주아" panose="02020603020101020101" pitchFamily="18" charset="-127"/>
+              </a:rPr>
+              <a:t>) + 10 = 20</a:t>
+            </a:r>
+          </a:p>
+        </p:txBody>
+      </p:sp>
+    </p:spTree>
+    <p:extLst>
+      <p:ext uri="{BB962C8B-B14F-4D97-AF65-F5344CB8AC3E}">
+        <p14:creationId xmlns:p14="http://schemas.microsoft.com/office/powerpoint/2010/main" val="657442182"/>
+      </p:ext>
+    </p:extLst>
+  </p:cSld>
+  <p:clrMapOvr>
+    <a:masterClrMapping/>
+  </p:clrMapOvr>
+</p:sld>
+</file>
+
+<file path=ppt/slides/slide4.xml><?xml version="1.0" encoding="utf-8"?>
+<p:sld xmlns:a="http://schemas.openxmlformats.org/drawingml/2006/main" xmlns:r="http://schemas.openxmlformats.org/officeDocument/2006/relationships" xmlns:p="http://schemas.openxmlformats.org/presentationml/2006/main">
+  <p:cSld>
+    <p:spTree>
+      <p:nvGrpSpPr>
+        <p:cNvPr id="1" name=""/>
+        <p:cNvGrpSpPr/>
+        <p:nvPr/>
+      </p:nvGrpSpPr>
+      <p:grpSpPr>
+        <a:xfrm>
+          <a:off x="0" y="0"/>
+          <a:ext cx="0" cy="0"/>
+          <a:chOff x="0" y="0"/>
+          <a:chExt cx="0" cy="0"/>
+        </a:xfrm>
+      </p:grpSpPr>
+      <p:sp>
+        <p:nvSpPr>
+          <p:cNvPr id="3" name="직사각형 2">
+            <a:extLst>
+              <a:ext uri="{FF2B5EF4-FFF2-40B4-BE49-F238E27FC236}">
+                <a16:creationId xmlns:a16="http://schemas.microsoft.com/office/drawing/2014/main" id="{CE97CBAA-9474-4762-9A45-7F1C1229323D}"/>
+              </a:ext>
+            </a:extLst>
+          </p:cNvPr>
+          <p:cNvSpPr/>
+          <p:nvPr/>
+        </p:nvSpPr>
+        <p:spPr>
+          <a:xfrm>
+            <a:off x="0" y="339365"/>
+            <a:ext cx="3619893" cy="1221117"/>
+          </a:xfrm>
+          <a:prstGeom prst="rect">
+            <a:avLst/>
+          </a:prstGeom>
+          <a:solidFill>
+            <a:schemeClr val="tx1"/>
+          </a:solidFill>
+          <a:ln>
+            <a:solidFill>
+              <a:schemeClr val="tx1"/>
+            </a:solidFill>
+          </a:ln>
+        </p:spPr>
+        <p:style>
+          <a:lnRef idx="2">
+            <a:schemeClr val="accent1">
+              <a:shade val="50000"/>
+            </a:schemeClr>
+          </a:lnRef>
+          <a:fillRef idx="1">
+            <a:schemeClr val="accent1"/>
+          </a:fillRef>
+          <a:effectRef idx="0">
+            <a:schemeClr val="accent1"/>
+          </a:effectRef>
+          <a:fontRef idx="minor">
+            <a:schemeClr val="lt1"/>
+          </a:fontRef>
+        </p:style>
+        <p:txBody>
+          <a:bodyPr rtlCol="0" anchor="ctr"/>
+          <a:lstStyle/>
+          <a:p>
+            <a:pPr algn="ctr"/>
+            <a:r>
+              <a:rPr lang="en-US" altLang="ko-KR" sz="4400" dirty="0">
+                <a:latin typeface="태나다체 " panose="02000000000000000000" pitchFamily="2" charset="-127"/>
+                <a:ea typeface="태나다체 " panose="02000000000000000000" pitchFamily="2" charset="-127"/>
+              </a:rPr>
+              <a:t>Thread</a:t>
+            </a:r>
+            <a:endParaRPr lang="ko-KR" altLang="en-US" sz="4400" dirty="0">
+              <a:latin typeface="태나다체 " panose="02000000000000000000" pitchFamily="2" charset="-127"/>
+              <a:ea typeface="태나다체 " panose="02000000000000000000" pitchFamily="2" charset="-127"/>
+            </a:endParaRPr>
+          </a:p>
+        </p:txBody>
+      </p:sp>
+      <p:sp>
+        <p:nvSpPr>
+          <p:cNvPr id="6" name="사각형: 둥근 모서리 5">
+            <a:extLst>
+              <a:ext uri="{FF2B5EF4-FFF2-40B4-BE49-F238E27FC236}">
+                <a16:creationId xmlns:a16="http://schemas.microsoft.com/office/drawing/2014/main" id="{728CFB98-403A-4C6F-8C44-0AFE81D3DDDA}"/>
+              </a:ext>
+            </a:extLst>
+          </p:cNvPr>
+          <p:cNvSpPr/>
+          <p:nvPr/>
+        </p:nvSpPr>
+        <p:spPr>
+          <a:xfrm>
+            <a:off x="7108723" y="2674374"/>
+            <a:ext cx="3706761" cy="3533501"/>
+          </a:xfrm>
+          <a:prstGeom prst="roundRect">
+            <a:avLst/>
+          </a:prstGeom>
+          <a:solidFill>
+            <a:schemeClr val="bg1"/>
+          </a:solidFill>
+          <a:ln w="28575">
+            <a:solidFill>
+              <a:schemeClr val="tx1"/>
+            </a:solidFill>
+          </a:ln>
+        </p:spPr>
+        <p:style>
+          <a:lnRef idx="2">
+            <a:schemeClr val="accent1">
+              <a:shade val="50000"/>
+            </a:schemeClr>
+          </a:lnRef>
+          <a:fillRef idx="1">
+            <a:schemeClr val="accent1"/>
+          </a:fillRef>
+          <a:effectRef idx="0">
+            <a:schemeClr val="accent1"/>
+          </a:effectRef>
+          <a:fontRef idx="minor">
+            <a:schemeClr val="lt1"/>
+          </a:fontRef>
+        </p:style>
+        <p:txBody>
+          <a:bodyPr rtlCol="0" anchor="ctr"/>
+          <a:lstStyle/>
+          <a:p>
+            <a:pPr algn="ctr"/>
+            <a:r>
+              <a:rPr lang="ko-KR" altLang="en-US" sz="3600" dirty="0">
+                <a:solidFill>
+                  <a:schemeClr val="tx1"/>
+                </a:solidFill>
+                <a:latin typeface="배달의민족 주아" panose="02020603020101020101" pitchFamily="18" charset="-127"/>
+                <a:ea typeface="배달의민족 주아" panose="02020603020101020101" pitchFamily="18" charset="-127"/>
+              </a:rPr>
+              <a:t>프로세스</a:t>
+            </a:r>
+          </a:p>
+        </p:txBody>
+      </p:sp>
+      <p:cxnSp>
+        <p:nvCxnSpPr>
+          <p:cNvPr id="8" name="연결선: 구부러짐 7">
+            <a:extLst>
+              <a:ext uri="{FF2B5EF4-FFF2-40B4-BE49-F238E27FC236}">
+                <a16:creationId xmlns:a16="http://schemas.microsoft.com/office/drawing/2014/main" id="{D79C2DD0-D722-4A3D-82AD-9AF756341564}"/>
+              </a:ext>
+            </a:extLst>
+          </p:cNvPr>
+          <p:cNvCxnSpPr>
+            <a:cxnSpLocks/>
+            <a:stCxn id="11" idx="3"/>
+            <a:endCxn id="6" idx="0"/>
+          </p:cNvCxnSpPr>
+          <p:nvPr/>
+        </p:nvCxnSpPr>
+        <p:spPr>
+          <a:xfrm flipV="1">
+            <a:off x="5104563" y="2674374"/>
+            <a:ext cx="3857541" cy="1129515"/>
+          </a:xfrm>
+          <a:prstGeom prst="curvedConnector4">
+            <a:avLst>
+              <a:gd name="adj1" fmla="val 21644"/>
+              <a:gd name="adj2" fmla="val 236884"/>
+            </a:avLst>
+          </a:prstGeom>
+          <a:ln w="76200">
+            <a:solidFill>
+              <a:schemeClr val="tx1"/>
+            </a:solidFill>
+            <a:tailEnd type="triangle"/>
+          </a:ln>
+        </p:spPr>
+        <p:style>
+          <a:lnRef idx="1">
+            <a:schemeClr val="accent1"/>
+          </a:lnRef>
+          <a:fillRef idx="0">
+            <a:schemeClr val="accent1"/>
+          </a:fillRef>
+          <a:effectRef idx="0">
+            <a:schemeClr val="accent1"/>
+          </a:effectRef>
+          <a:fontRef idx="minor">
+            <a:schemeClr val="tx1"/>
+          </a:fontRef>
+        </p:style>
+      </p:cxnSp>
+      <p:sp>
+        <p:nvSpPr>
+          <p:cNvPr id="11" name="사각형: 둥근 모서리 10">
+            <a:extLst>
+              <a:ext uri="{FF2B5EF4-FFF2-40B4-BE49-F238E27FC236}">
+                <a16:creationId xmlns:a16="http://schemas.microsoft.com/office/drawing/2014/main" id="{935A1622-4A9D-4449-917E-949E2BDECF16}"/>
+              </a:ext>
+            </a:extLst>
+          </p:cNvPr>
+          <p:cNvSpPr/>
+          <p:nvPr/>
+        </p:nvSpPr>
+        <p:spPr>
+          <a:xfrm>
+            <a:off x="1247023" y="3325147"/>
+            <a:ext cx="3857540" cy="957483"/>
+          </a:xfrm>
+          <a:prstGeom prst="roundRect">
+            <a:avLst/>
+          </a:prstGeom>
+          <a:solidFill>
+            <a:schemeClr val="bg1"/>
+          </a:solidFill>
+          <a:ln w="38100">
+            <a:solidFill>
+              <a:schemeClr val="tx1"/>
+            </a:solidFill>
+          </a:ln>
+        </p:spPr>
+        <p:style>
+          <a:lnRef idx="2">
+            <a:schemeClr val="accent1">
+              <a:shade val="50000"/>
+            </a:schemeClr>
+          </a:lnRef>
+          <a:fillRef idx="1">
+            <a:schemeClr val="accent1"/>
+          </a:fillRef>
+          <a:effectRef idx="0">
+            <a:schemeClr val="accent1"/>
+          </a:effectRef>
+          <a:fontRef idx="minor">
+            <a:schemeClr val="lt1"/>
+          </a:fontRef>
+        </p:style>
+        <p:txBody>
+          <a:bodyPr rtlCol="0" anchor="ctr"/>
+          <a:lstStyle/>
+          <a:p>
+            <a:pPr algn="ctr"/>
+            <a:r>
+              <a:rPr lang="en-US" altLang="ko-KR" sz="4000" dirty="0">
+                <a:solidFill>
+                  <a:schemeClr val="tx1"/>
+                </a:solidFill>
+                <a:latin typeface="배달의민족 주아" panose="02020603020101020101" pitchFamily="18" charset="-127"/>
+                <a:ea typeface="배달의민족 주아" panose="02020603020101020101" pitchFamily="18" charset="-127"/>
+              </a:rPr>
+              <a:t>New Thread()</a:t>
+            </a:r>
+            <a:endParaRPr lang="ko-KR" altLang="en-US" sz="4000" dirty="0">
+              <a:solidFill>
+                <a:schemeClr val="tx1"/>
+              </a:solidFill>
+              <a:latin typeface="배달의민족 주아" panose="02020603020101020101" pitchFamily="18" charset="-127"/>
+              <a:ea typeface="배달의민족 주아" panose="02020603020101020101" pitchFamily="18" charset="-127"/>
+            </a:endParaRPr>
+          </a:p>
+        </p:txBody>
+      </p:sp>
+    </p:spTree>
+    <p:extLst>
+      <p:ext uri="{BB962C8B-B14F-4D97-AF65-F5344CB8AC3E}">
+        <p14:creationId xmlns:p14="http://schemas.microsoft.com/office/powerpoint/2010/main" val="1205757688"/>
+      </p:ext>
+    </p:extLst>
+  </p:cSld>
+  <p:clrMapOvr>
+    <a:masterClrMapping/>
+  </p:clrMapOvr>
+</p:sld>
+</file>
+
+<file path=ppt/slides/slide40.xml><?xml version="1.0" encoding="utf-8"?>
+<p:sld xmlns:a="http://schemas.openxmlformats.org/drawingml/2006/main" xmlns:r="http://schemas.openxmlformats.org/officeDocument/2006/relationships" xmlns:p="http://schemas.openxmlformats.org/presentationml/2006/main">
+  <p:cSld>
+    <p:spTree>
+      <p:nvGrpSpPr>
+        <p:cNvPr id="1" name=""/>
+        <p:cNvGrpSpPr/>
+        <p:nvPr/>
+      </p:nvGrpSpPr>
+      <p:grpSpPr>
+        <a:xfrm>
+          <a:off x="0" y="0"/>
+          <a:ext cx="0" cy="0"/>
+          <a:chOff x="0" y="0"/>
+          <a:chExt cx="0" cy="0"/>
+        </a:xfrm>
+      </p:grpSpPr>
+      <p:sp>
+        <p:nvSpPr>
+          <p:cNvPr id="13" name="직사각형 12">
+            <a:extLst>
+              <a:ext uri="{FF2B5EF4-FFF2-40B4-BE49-F238E27FC236}">
+                <a16:creationId xmlns:a16="http://schemas.microsoft.com/office/drawing/2014/main" id="{3C6D7721-56AD-40C7-B977-519E03353CA4}"/>
+              </a:ext>
+            </a:extLst>
+          </p:cNvPr>
+          <p:cNvSpPr/>
+          <p:nvPr/>
+        </p:nvSpPr>
+        <p:spPr>
+          <a:xfrm>
+            <a:off x="914132" y="3429000"/>
+            <a:ext cx="10363735" cy="923330"/>
+          </a:xfrm>
+          <a:prstGeom prst="rect">
+            <a:avLst/>
+          </a:prstGeom>
+        </p:spPr>
+        <p:txBody>
+          <a:bodyPr wrap="none">
+            <a:spAutoFit/>
+          </a:bodyPr>
+          <a:lstStyle/>
+          <a:p>
+            <a:r>
+              <a:rPr lang="ko-KR" altLang="en-US" sz="5400" dirty="0">
+                <a:latin typeface="배달의민족 주아" panose="02020603020101020101" pitchFamily="18" charset="-127"/>
+                <a:ea typeface="배달의민족 주아" panose="02020603020101020101" pitchFamily="18" charset="-127"/>
+              </a:rPr>
+              <a:t>한 번에 하나의 스레드만 접근하게 하자</a:t>
+            </a:r>
+            <a:r>
+              <a:rPr lang="en-US" altLang="ko-KR" sz="5400" dirty="0">
+                <a:latin typeface="배달의민족 주아" panose="02020603020101020101" pitchFamily="18" charset="-127"/>
+                <a:ea typeface="배달의민족 주아" panose="02020603020101020101" pitchFamily="18" charset="-127"/>
+              </a:rPr>
+              <a:t>!</a:t>
+            </a:r>
+          </a:p>
+        </p:txBody>
+      </p:sp>
+      <p:sp>
+        <p:nvSpPr>
+          <p:cNvPr id="3" name="직사각형 2">
+            <a:extLst>
+              <a:ext uri="{FF2B5EF4-FFF2-40B4-BE49-F238E27FC236}">
+                <a16:creationId xmlns:a16="http://schemas.microsoft.com/office/drawing/2014/main" id="{CE97CBAA-9474-4762-9A45-7F1C1229323D}"/>
+              </a:ext>
+            </a:extLst>
+          </p:cNvPr>
+          <p:cNvSpPr/>
+          <p:nvPr/>
+        </p:nvSpPr>
+        <p:spPr>
+          <a:xfrm>
+            <a:off x="0" y="339365"/>
+            <a:ext cx="3619893" cy="1221117"/>
+          </a:xfrm>
+          <a:prstGeom prst="rect">
+            <a:avLst/>
+          </a:prstGeom>
+          <a:solidFill>
+            <a:schemeClr val="tx1"/>
+          </a:solidFill>
+          <a:ln>
+            <a:solidFill>
+              <a:schemeClr val="tx1"/>
+            </a:solidFill>
+          </a:ln>
+        </p:spPr>
+        <p:style>
+          <a:lnRef idx="2">
+            <a:schemeClr val="accent1">
+              <a:shade val="50000"/>
+            </a:schemeClr>
+          </a:lnRef>
+          <a:fillRef idx="1">
+            <a:schemeClr val="accent1"/>
+          </a:fillRef>
+          <a:effectRef idx="0">
+            <a:schemeClr val="accent1"/>
+          </a:effectRef>
+          <a:fontRef idx="minor">
+            <a:schemeClr val="lt1"/>
+          </a:fontRef>
+        </p:style>
+        <p:txBody>
+          <a:bodyPr rtlCol="0" anchor="ctr"/>
+          <a:lstStyle/>
+          <a:p>
+            <a:pPr algn="ctr"/>
+            <a:r>
+              <a:rPr lang="en-US" altLang="ko-KR" sz="4000" dirty="0">
+                <a:latin typeface="태나다체 " panose="02000000000000000000" pitchFamily="2" charset="-127"/>
+                <a:ea typeface="태나다체 " panose="02000000000000000000" pitchFamily="2" charset="-127"/>
+              </a:rPr>
+              <a:t>Lock</a:t>
+            </a:r>
+            <a:endParaRPr lang="ko-KR" altLang="en-US" sz="4000" dirty="0">
+              <a:latin typeface="태나다체 " panose="02000000000000000000" pitchFamily="2" charset="-127"/>
+              <a:ea typeface="태나다체 " panose="02000000000000000000" pitchFamily="2" charset="-127"/>
+            </a:endParaRPr>
+          </a:p>
+        </p:txBody>
+      </p:sp>
+    </p:spTree>
+    <p:extLst>
+      <p:ext uri="{BB962C8B-B14F-4D97-AF65-F5344CB8AC3E}">
+        <p14:creationId xmlns:p14="http://schemas.microsoft.com/office/powerpoint/2010/main" val="3424905595"/>
+      </p:ext>
+    </p:extLst>
+  </p:cSld>
+  <p:clrMapOvr>
+    <a:masterClrMapping/>
+  </p:clrMapOvr>
+</p:sld>
+</file>
+
+<file path=ppt/slides/slide41.xml><?xml version="1.0" encoding="utf-8"?>
+<p:sld xmlns:a="http://schemas.openxmlformats.org/drawingml/2006/main" xmlns:r="http://schemas.openxmlformats.org/officeDocument/2006/relationships" xmlns:p="http://schemas.openxmlformats.org/presentationml/2006/main">
+  <p:cSld>
+    <p:spTree>
+      <p:nvGrpSpPr>
+        <p:cNvPr id="1" name=""/>
+        <p:cNvGrpSpPr/>
+        <p:nvPr/>
+      </p:nvGrpSpPr>
+      <p:grpSpPr>
+        <a:xfrm>
+          <a:off x="0" y="0"/>
+          <a:ext cx="0" cy="0"/>
+          <a:chOff x="0" y="0"/>
+          <a:chExt cx="0" cy="0"/>
+        </a:xfrm>
+      </p:grpSpPr>
+      <p:sp>
+        <p:nvSpPr>
+          <p:cNvPr id="6" name="직사각형 5">
+            <a:extLst>
+              <a:ext uri="{FF2B5EF4-FFF2-40B4-BE49-F238E27FC236}">
+                <a16:creationId xmlns:a16="http://schemas.microsoft.com/office/drawing/2014/main" id="{E7EEDDA4-C768-447B-A35B-AA3E54E7249A}"/>
               </a:ext>
             </a:extLst>
           </p:cNvPr>
@@ -8378,7 +11367,7 @@
                 <a:latin typeface="태나다체 " panose="02000000000000000000" pitchFamily="2" charset="-127"/>
                 <a:ea typeface="태나다체 " panose="02000000000000000000" pitchFamily="2" charset="-127"/>
               </a:rPr>
-              <a:t>embed</a:t>
+              <a:t>Lock</a:t>
             </a:r>
             <a:endParaRPr lang="ko-KR" altLang="en-US" sz="4800" dirty="0">
               <a:solidFill>
@@ -8390,57 +11379,10 @@
           </a:p>
         </p:txBody>
       </p:sp>
-      <p:sp>
-        <p:nvSpPr>
-          <p:cNvPr id="17" name="직사각형 16">
-            <a:extLst>
-              <a:ext uri="{FF2B5EF4-FFF2-40B4-BE49-F238E27FC236}">
-                <a16:creationId xmlns:a16="http://schemas.microsoft.com/office/drawing/2014/main" id="{6421B016-1033-4C6F-947D-8DF71B6D0E2F}"/>
-              </a:ext>
-            </a:extLst>
-          </p:cNvPr>
-          <p:cNvSpPr/>
-          <p:nvPr/>
-        </p:nvSpPr>
-        <p:spPr>
-          <a:xfrm>
-            <a:off x="4822927" y="1098817"/>
-            <a:ext cx="2546146" cy="923330"/>
-          </a:xfrm>
-          <a:prstGeom prst="rect">
-            <a:avLst/>
-          </a:prstGeom>
-        </p:spPr>
-        <p:txBody>
-          <a:bodyPr wrap="none">
-            <a:spAutoFit/>
-          </a:bodyPr>
-          <a:lstStyle/>
-          <a:p>
-            <a:r>
-              <a:rPr lang="en-US" altLang="ko-KR" sz="5400" dirty="0">
-                <a:solidFill>
-                  <a:schemeClr val="bg1"/>
-                </a:solidFill>
-                <a:latin typeface="배달의민족 주아" panose="02020603020101020101" pitchFamily="18" charset="-127"/>
-                <a:ea typeface="배달의민족 주아" panose="02020603020101020101" pitchFamily="18" charset="-127"/>
-              </a:rPr>
-              <a:t>content</a:t>
-            </a:r>
-            <a:endParaRPr lang="ko-KR" altLang="en-US" sz="5400" dirty="0">
-              <a:solidFill>
-                <a:schemeClr val="bg1"/>
-              </a:solidFill>
-              <a:latin typeface="배달의민족 주아" panose="02020603020101020101" pitchFamily="18" charset="-127"/>
-              <a:ea typeface="배달의민족 주아" panose="02020603020101020101" pitchFamily="18" charset="-127"/>
-            </a:endParaRPr>
-          </a:p>
-        </p:txBody>
-      </p:sp>
     </p:spTree>
     <p:extLst>
       <p:ext uri="{BB962C8B-B14F-4D97-AF65-F5344CB8AC3E}">
-        <p14:creationId xmlns:p14="http://schemas.microsoft.com/office/powerpoint/2010/main" val="1057666607"/>
+        <p14:creationId xmlns:p14="http://schemas.microsoft.com/office/powerpoint/2010/main" val="1912399977"/>
       </p:ext>
     </p:extLst>
   </p:cSld>
@@ -8450,7 +11392,7 @@
 </p:sld>
 </file>
 
-<file path=ppt/slides/slide4.xml><?xml version="1.0" encoding="utf-8"?>
+<file path=ppt/slides/slide42.xml><?xml version="1.0" encoding="utf-8"?>
 <p:sld xmlns:a="http://schemas.openxmlformats.org/drawingml/2006/main" xmlns:r="http://schemas.openxmlformats.org/officeDocument/2006/relationships" xmlns:p="http://schemas.openxmlformats.org/presentationml/2006/main">
   <p:cSld>
     <p:spTree>
@@ -8469,6 +11411,106 @@
       </p:grpSpPr>
       <p:sp>
         <p:nvSpPr>
+          <p:cNvPr id="13" name="직사각형 12">
+            <a:extLst>
+              <a:ext uri="{FF2B5EF4-FFF2-40B4-BE49-F238E27FC236}">
+                <a16:creationId xmlns:a16="http://schemas.microsoft.com/office/drawing/2014/main" id="{3C6D7721-56AD-40C7-B977-519E03353CA4}"/>
+              </a:ext>
+            </a:extLst>
+          </p:cNvPr>
+          <p:cNvSpPr/>
+          <p:nvPr/>
+        </p:nvSpPr>
+        <p:spPr>
+          <a:xfrm>
+            <a:off x="914132" y="3429000"/>
+            <a:ext cx="10363735" cy="923330"/>
+          </a:xfrm>
+          <a:prstGeom prst="rect">
+            <a:avLst/>
+          </a:prstGeom>
+        </p:spPr>
+        <p:txBody>
+          <a:bodyPr wrap="none">
+            <a:spAutoFit/>
+          </a:bodyPr>
+          <a:lstStyle/>
+          <a:p>
+            <a:r>
+              <a:rPr lang="ko-KR" altLang="en-US" sz="5400" dirty="0">
+                <a:latin typeface="배달의민족 주아" panose="02020603020101020101" pitchFamily="18" charset="-127"/>
+                <a:ea typeface="배달의민족 주아" panose="02020603020101020101" pitchFamily="18" charset="-127"/>
+              </a:rPr>
+              <a:t>한 번에 하나의 스레드만 접근하게 하자</a:t>
+            </a:r>
+            <a:r>
+              <a:rPr lang="en-US" altLang="ko-KR" sz="5400" dirty="0">
+                <a:latin typeface="배달의민족 주아" panose="02020603020101020101" pitchFamily="18" charset="-127"/>
+                <a:ea typeface="배달의민족 주아" panose="02020603020101020101" pitchFamily="18" charset="-127"/>
+              </a:rPr>
+              <a:t>!</a:t>
+            </a:r>
+          </a:p>
+        </p:txBody>
+      </p:sp>
+      <p:sp>
+        <p:nvSpPr>
+          <p:cNvPr id="11" name="직사각형 10">
+            <a:extLst>
+              <a:ext uri="{FF2B5EF4-FFF2-40B4-BE49-F238E27FC236}">
+                <a16:creationId xmlns:a16="http://schemas.microsoft.com/office/drawing/2014/main" id="{5AAA85C0-9D7C-4664-8D91-FEBC74BFA28A}"/>
+              </a:ext>
+            </a:extLst>
+          </p:cNvPr>
+          <p:cNvSpPr/>
+          <p:nvPr/>
+        </p:nvSpPr>
+        <p:spPr>
+          <a:xfrm>
+            <a:off x="-1" y="0"/>
+            <a:ext cx="12192000" cy="6858000"/>
+          </a:xfrm>
+          <a:prstGeom prst="rect">
+            <a:avLst/>
+          </a:prstGeom>
+          <a:solidFill>
+            <a:schemeClr val="tx1">
+              <a:alpha val="80000"/>
+            </a:schemeClr>
+          </a:solidFill>
+          <a:ln>
+            <a:solidFill>
+              <a:schemeClr val="tx1"/>
+            </a:solidFill>
+          </a:ln>
+        </p:spPr>
+        <p:style>
+          <a:lnRef idx="2">
+            <a:schemeClr val="accent1">
+              <a:shade val="50000"/>
+            </a:schemeClr>
+          </a:lnRef>
+          <a:fillRef idx="1">
+            <a:schemeClr val="accent1"/>
+          </a:fillRef>
+          <a:effectRef idx="0">
+            <a:schemeClr val="accent1"/>
+          </a:effectRef>
+          <a:fontRef idx="minor">
+            <a:schemeClr val="lt1"/>
+          </a:fontRef>
+        </p:style>
+        <p:txBody>
+          <a:bodyPr rtlCol="0" anchor="ctr"/>
+          <a:lstStyle/>
+          <a:p>
+            <a:pPr algn="ctr"/>
+            <a:endParaRPr lang="ko-KR" altLang="en-US" sz="1600" dirty="0"/>
+          </a:p>
+        </p:txBody>
+      </p:sp>
+      <p:sp>
+        <p:nvSpPr>
           <p:cNvPr id="3" name="직사각형 2">
             <a:extLst>
               <a:ext uri="{FF2B5EF4-FFF2-40B4-BE49-F238E27FC236}">
@@ -8518,13 +11560,13 @@
           <a:p>
             <a:pPr algn="ctr"/>
             <a:r>
-              <a:rPr lang="en-US" altLang="ko-KR" sz="4400" dirty="0">
+              <a:rPr lang="en-US" altLang="ko-KR" sz="4000" dirty="0">
                 <a:latin typeface="태나다체 " panose="02000000000000000000" pitchFamily="2" charset="-127"/>
                 <a:ea typeface="태나다체 " panose="02000000000000000000" pitchFamily="2" charset="-127"/>
               </a:rPr>
-              <a:t>Thread</a:t>
-            </a:r>
-            <a:endParaRPr lang="ko-KR" altLang="en-US" sz="4400" dirty="0">
+              <a:t>Lock</a:t>
+            </a:r>
+            <a:endParaRPr lang="ko-KR" altLang="en-US" sz="4000" dirty="0">
               <a:latin typeface="태나다체 " panose="02000000000000000000" pitchFamily="2" charset="-127"/>
               <a:ea typeface="태나다체 " panose="02000000000000000000" pitchFamily="2" charset="-127"/>
             </a:endParaRPr>
@@ -8533,10 +11575,10 @@
       </p:sp>
       <p:sp>
         <p:nvSpPr>
-          <p:cNvPr id="6" name="사각형: 둥근 모서리 5">
-            <a:extLst>
-              <a:ext uri="{FF2B5EF4-FFF2-40B4-BE49-F238E27FC236}">
-                <a16:creationId xmlns:a16="http://schemas.microsoft.com/office/drawing/2014/main" id="{728CFB98-403A-4C6F-8C44-0AFE81D3DDDA}"/>
+          <p:cNvPr id="5" name="직사각형 4">
+            <a:extLst>
+              <a:ext uri="{FF2B5EF4-FFF2-40B4-BE49-F238E27FC236}">
+                <a16:creationId xmlns:a16="http://schemas.microsoft.com/office/drawing/2014/main" id="{1DBD9E8B-2457-4C85-9C2D-75EE118CF7C7}"/>
               </a:ext>
             </a:extLst>
           </p:cNvPr>
@@ -8545,16 +11587,139 @@
         </p:nvSpPr>
         <p:spPr>
           <a:xfrm>
-            <a:off x="7108723" y="2674374"/>
-            <a:ext cx="3706761" cy="3533501"/>
-          </a:xfrm>
-          <a:prstGeom prst="roundRect">
+            <a:off x="4238407" y="3105835"/>
+            <a:ext cx="3715184" cy="1569660"/>
+          </a:xfrm>
+          <a:prstGeom prst="rect">
+            <a:avLst/>
+          </a:prstGeom>
+        </p:spPr>
+        <p:txBody>
+          <a:bodyPr wrap="none">
+            <a:spAutoFit/>
+          </a:bodyPr>
+          <a:lstStyle/>
+          <a:p>
+            <a:r>
+              <a:rPr lang="en-US" altLang="ko-KR" sz="9600" u="sng" dirty="0">
+                <a:solidFill>
+                  <a:schemeClr val="bg1"/>
+                </a:solidFill>
+                <a:latin typeface="배달의민족 주아" panose="02020603020101020101" pitchFamily="18" charset="-127"/>
+                <a:ea typeface="배달의민족 주아" panose="02020603020101020101" pitchFamily="18" charset="-127"/>
+              </a:rPr>
+              <a:t>locking</a:t>
+            </a:r>
+            <a:endParaRPr lang="ko-KR" altLang="en-US" sz="9600" u="sng" dirty="0">
+              <a:solidFill>
+                <a:schemeClr val="bg1"/>
+              </a:solidFill>
+              <a:latin typeface="배달의민족 주아" panose="02020603020101020101" pitchFamily="18" charset="-127"/>
+              <a:ea typeface="배달의민족 주아" panose="02020603020101020101" pitchFamily="18" charset="-127"/>
+            </a:endParaRPr>
+          </a:p>
+        </p:txBody>
+      </p:sp>
+    </p:spTree>
+    <p:extLst>
+      <p:ext uri="{BB962C8B-B14F-4D97-AF65-F5344CB8AC3E}">
+        <p14:creationId xmlns:p14="http://schemas.microsoft.com/office/powerpoint/2010/main" val="2739506916"/>
+      </p:ext>
+    </p:extLst>
+  </p:cSld>
+  <p:clrMapOvr>
+    <a:masterClrMapping/>
+  </p:clrMapOvr>
+</p:sld>
+</file>
+
+<file path=ppt/slides/slide43.xml><?xml version="1.0" encoding="utf-8"?>
+<p:sld xmlns:a="http://schemas.openxmlformats.org/drawingml/2006/main" xmlns:r="http://schemas.openxmlformats.org/officeDocument/2006/relationships" xmlns:p="http://schemas.openxmlformats.org/presentationml/2006/main">
+  <p:cSld>
+    <p:spTree>
+      <p:nvGrpSpPr>
+        <p:cNvPr id="1" name=""/>
+        <p:cNvGrpSpPr/>
+        <p:nvPr/>
+      </p:nvGrpSpPr>
+      <p:grpSpPr>
+        <a:xfrm>
+          <a:off x="0" y="0"/>
+          <a:ext cx="0" cy="0"/>
+          <a:chOff x="0" y="0"/>
+          <a:chExt cx="0" cy="0"/>
+        </a:xfrm>
+      </p:grpSpPr>
+      <p:sp>
+        <p:nvSpPr>
+          <p:cNvPr id="13" name="직사각형 12">
+            <a:extLst>
+              <a:ext uri="{FF2B5EF4-FFF2-40B4-BE49-F238E27FC236}">
+                <a16:creationId xmlns:a16="http://schemas.microsoft.com/office/drawing/2014/main" id="{3C6D7721-56AD-40C7-B977-519E03353CA4}"/>
+              </a:ext>
+            </a:extLst>
+          </p:cNvPr>
+          <p:cNvSpPr/>
+          <p:nvPr/>
+        </p:nvSpPr>
+        <p:spPr>
+          <a:xfrm>
+            <a:off x="914132" y="3429000"/>
+            <a:ext cx="10363735" cy="923330"/>
+          </a:xfrm>
+          <a:prstGeom prst="rect">
+            <a:avLst/>
+          </a:prstGeom>
+        </p:spPr>
+        <p:txBody>
+          <a:bodyPr wrap="none">
+            <a:spAutoFit/>
+          </a:bodyPr>
+          <a:lstStyle/>
+          <a:p>
+            <a:r>
+              <a:rPr lang="ko-KR" altLang="en-US" sz="5400" dirty="0">
+                <a:latin typeface="배달의민족 주아" panose="02020603020101020101" pitchFamily="18" charset="-127"/>
+                <a:ea typeface="배달의민족 주아" panose="02020603020101020101" pitchFamily="18" charset="-127"/>
+              </a:rPr>
+              <a:t>한 번에 하나의 스레드만 접근하게 하자</a:t>
+            </a:r>
+            <a:r>
+              <a:rPr lang="en-US" altLang="ko-KR" sz="5400" dirty="0">
+                <a:latin typeface="배달의민족 주아" panose="02020603020101020101" pitchFamily="18" charset="-127"/>
+                <a:ea typeface="배달의민족 주아" panose="02020603020101020101" pitchFamily="18" charset="-127"/>
+              </a:rPr>
+              <a:t>!</a:t>
+            </a:r>
+          </a:p>
+        </p:txBody>
+      </p:sp>
+      <p:sp>
+        <p:nvSpPr>
+          <p:cNvPr id="11" name="직사각형 10">
+            <a:extLst>
+              <a:ext uri="{FF2B5EF4-FFF2-40B4-BE49-F238E27FC236}">
+                <a16:creationId xmlns:a16="http://schemas.microsoft.com/office/drawing/2014/main" id="{5AAA85C0-9D7C-4664-8D91-FEBC74BFA28A}"/>
+              </a:ext>
+            </a:extLst>
+          </p:cNvPr>
+          <p:cNvSpPr/>
+          <p:nvPr/>
+        </p:nvSpPr>
+        <p:spPr>
+          <a:xfrm>
+            <a:off x="-1" y="0"/>
+            <a:ext cx="12192000" cy="6858000"/>
+          </a:xfrm>
+          <a:prstGeom prst="rect">
             <a:avLst/>
           </a:prstGeom>
           <a:solidFill>
-            <a:schemeClr val="bg1"/>
+            <a:schemeClr val="tx1">
+              <a:alpha val="80000"/>
+            </a:schemeClr>
           </a:solidFill>
-          <a:ln w="28575">
+          <a:ln>
             <a:solidFill>
               <a:schemeClr val="tx1"/>
             </a:solidFill>
@@ -8581,92 +11746,34 @@
           <a:lstStyle/>
           <a:p>
             <a:pPr algn="ctr"/>
-            <a:r>
-              <a:rPr lang="ko-KR" altLang="en-US" sz="3600" dirty="0">
-                <a:solidFill>
-                  <a:schemeClr val="tx1"/>
-                </a:solidFill>
-                <a:latin typeface="배달의민족 주아" panose="02020603020101020101" pitchFamily="18" charset="-127"/>
-                <a:ea typeface="배달의민족 주아" panose="02020603020101020101" pitchFamily="18" charset="-127"/>
-              </a:rPr>
-              <a:t>프로세스</a:t>
-            </a:r>
-          </a:p>
-        </p:txBody>
-      </p:sp>
-      <p:cxnSp>
-        <p:nvCxnSpPr>
-          <p:cNvPr id="8" name="연결선: 구부러짐 7">
-            <a:extLst>
-              <a:ext uri="{FF2B5EF4-FFF2-40B4-BE49-F238E27FC236}">
-                <a16:creationId xmlns:a16="http://schemas.microsoft.com/office/drawing/2014/main" id="{D79C2DD0-D722-4A3D-82AD-9AF756341564}"/>
-              </a:ext>
-            </a:extLst>
-          </p:cNvPr>
-          <p:cNvCxnSpPr>
-            <a:cxnSpLocks/>
-            <a:stCxn id="11" idx="3"/>
-            <a:endCxn id="6" idx="0"/>
-          </p:cNvCxnSpPr>
-          <p:nvPr/>
-        </p:nvCxnSpPr>
+            <a:endParaRPr lang="ko-KR" altLang="en-US" sz="1600" dirty="0"/>
+          </a:p>
+        </p:txBody>
+      </p:sp>
+      <p:sp>
+        <p:nvSpPr>
+          <p:cNvPr id="3" name="직사각형 2">
+            <a:extLst>
+              <a:ext uri="{FF2B5EF4-FFF2-40B4-BE49-F238E27FC236}">
+                <a16:creationId xmlns:a16="http://schemas.microsoft.com/office/drawing/2014/main" id="{CE97CBAA-9474-4762-9A45-7F1C1229323D}"/>
+              </a:ext>
+            </a:extLst>
+          </p:cNvPr>
+          <p:cNvSpPr/>
+          <p:nvPr/>
+        </p:nvSpPr>
         <p:spPr>
-          <a:xfrm flipV="1">
-            <a:off x="5104563" y="2674374"/>
-            <a:ext cx="3857541" cy="1129515"/>
-          </a:xfrm>
-          <a:prstGeom prst="curvedConnector4">
-            <a:avLst>
-              <a:gd name="adj1" fmla="val 21644"/>
-              <a:gd name="adj2" fmla="val 236884"/>
-            </a:avLst>
-          </a:prstGeom>
-          <a:ln w="76200">
-            <a:solidFill>
-              <a:schemeClr val="tx1"/>
-            </a:solidFill>
-            <a:tailEnd type="triangle"/>
-          </a:ln>
-        </p:spPr>
-        <p:style>
-          <a:lnRef idx="1">
-            <a:schemeClr val="accent1"/>
-          </a:lnRef>
-          <a:fillRef idx="0">
-            <a:schemeClr val="accent1"/>
-          </a:fillRef>
-          <a:effectRef idx="0">
-            <a:schemeClr val="accent1"/>
-          </a:effectRef>
-          <a:fontRef idx="minor">
+          <a:xfrm>
+            <a:off x="0" y="339365"/>
+            <a:ext cx="3619893" cy="1221117"/>
+          </a:xfrm>
+          <a:prstGeom prst="rect">
+            <a:avLst/>
+          </a:prstGeom>
+          <a:solidFill>
             <a:schemeClr val="tx1"/>
-          </a:fontRef>
-        </p:style>
-      </p:cxnSp>
-      <p:sp>
-        <p:nvSpPr>
-          <p:cNvPr id="11" name="사각형: 둥근 모서리 10">
-            <a:extLst>
-              <a:ext uri="{FF2B5EF4-FFF2-40B4-BE49-F238E27FC236}">
-                <a16:creationId xmlns:a16="http://schemas.microsoft.com/office/drawing/2014/main" id="{935A1622-4A9D-4449-917E-949E2BDECF16}"/>
-              </a:ext>
-            </a:extLst>
-          </p:cNvPr>
-          <p:cNvSpPr/>
-          <p:nvPr/>
-        </p:nvSpPr>
-        <p:spPr>
-          <a:xfrm>
-            <a:off x="1247023" y="3325147"/>
-            <a:ext cx="3857540" cy="957483"/>
-          </a:xfrm>
-          <a:prstGeom prst="roundRect">
-            <a:avLst/>
-          </a:prstGeom>
-          <a:solidFill>
-            <a:schemeClr val="bg1"/>
           </a:solidFill>
-          <a:ln w="38100">
+          <a:ln>
             <a:solidFill>
               <a:schemeClr val="tx1"/>
             </a:solidFill>
@@ -8695,15 +11802,493 @@
             <a:pPr algn="ctr"/>
             <a:r>
               <a:rPr lang="en-US" altLang="ko-KR" sz="4000" dirty="0">
+                <a:latin typeface="태나다체 " panose="02000000000000000000" pitchFamily="2" charset="-127"/>
+                <a:ea typeface="태나다체 " panose="02000000000000000000" pitchFamily="2" charset="-127"/>
+              </a:rPr>
+              <a:t>Lock</a:t>
+            </a:r>
+            <a:endParaRPr lang="ko-KR" altLang="en-US" sz="4000" dirty="0">
+              <a:latin typeface="태나다체 " panose="02000000000000000000" pitchFamily="2" charset="-127"/>
+              <a:ea typeface="태나다체 " panose="02000000000000000000" pitchFamily="2" charset="-127"/>
+            </a:endParaRPr>
+          </a:p>
+        </p:txBody>
+      </p:sp>
+      <p:sp>
+        <p:nvSpPr>
+          <p:cNvPr id="5" name="직사각형 4">
+            <a:extLst>
+              <a:ext uri="{FF2B5EF4-FFF2-40B4-BE49-F238E27FC236}">
+                <a16:creationId xmlns:a16="http://schemas.microsoft.com/office/drawing/2014/main" id="{1DBD9E8B-2457-4C85-9C2D-75EE118CF7C7}"/>
+              </a:ext>
+            </a:extLst>
+          </p:cNvPr>
+          <p:cNvSpPr/>
+          <p:nvPr/>
+        </p:nvSpPr>
+        <p:spPr>
+          <a:xfrm>
+            <a:off x="5204194" y="197345"/>
+            <a:ext cx="5845318" cy="6186309"/>
+          </a:xfrm>
+          <a:prstGeom prst="rect">
+            <a:avLst/>
+          </a:prstGeom>
+        </p:spPr>
+        <p:txBody>
+          <a:bodyPr wrap="none">
+            <a:spAutoFit/>
+          </a:bodyPr>
+          <a:lstStyle/>
+          <a:p>
+            <a:pPr algn="ctr"/>
+            <a:r>
+              <a:rPr lang="en-US" altLang="ko-KR" sz="6600" dirty="0" err="1">
+                <a:solidFill>
+                  <a:schemeClr val="bg1"/>
+                </a:solidFill>
+                <a:latin typeface="배달의민족 주아" panose="02020603020101020101" pitchFamily="18" charset="-127"/>
+                <a:ea typeface="배달의민족 주아" panose="02020603020101020101" pitchFamily="18" charset="-127"/>
+              </a:rPr>
+              <a:t>MemoryBarrier</a:t>
+            </a:r>
+            <a:endParaRPr lang="en-US" altLang="ko-KR" sz="6600" dirty="0">
+              <a:solidFill>
+                <a:schemeClr val="bg1"/>
+              </a:solidFill>
+              <a:latin typeface="배달의민족 주아" panose="02020603020101020101" pitchFamily="18" charset="-127"/>
+              <a:ea typeface="배달의민족 주아" panose="02020603020101020101" pitchFamily="18" charset="-127"/>
+            </a:endParaRPr>
+          </a:p>
+          <a:p>
+            <a:pPr algn="ctr"/>
+            <a:r>
+              <a:rPr lang="en-US" altLang="ko-KR" sz="6600" dirty="0">
+                <a:solidFill>
+                  <a:schemeClr val="bg1"/>
+                </a:solidFill>
+                <a:latin typeface="배달의민족 주아" panose="02020603020101020101" pitchFamily="18" charset="-127"/>
+                <a:ea typeface="배달의민족 주아" panose="02020603020101020101" pitchFamily="18" charset="-127"/>
+              </a:rPr>
+              <a:t>Interlocked</a:t>
+            </a:r>
+          </a:p>
+          <a:p>
+            <a:pPr algn="ctr"/>
+            <a:r>
+              <a:rPr lang="en-US" altLang="ko-KR" sz="6600" dirty="0">
+                <a:solidFill>
+                  <a:schemeClr val="bg1"/>
+                </a:solidFill>
+                <a:latin typeface="배달의민족 주아" panose="02020603020101020101" pitchFamily="18" charset="-127"/>
+                <a:ea typeface="배달의민족 주아" panose="02020603020101020101" pitchFamily="18" charset="-127"/>
+              </a:rPr>
+              <a:t>Mutex</a:t>
+            </a:r>
+            <a:endParaRPr lang="en-US" altLang="ko-KR" u="sng" dirty="0">
+              <a:hlinkClick r:id="rId2"/>
+            </a:endParaRPr>
+          </a:p>
+          <a:p>
+            <a:pPr algn="ctr"/>
+            <a:r>
+              <a:rPr lang="en-US" altLang="ko-KR" sz="6600" dirty="0">
+                <a:solidFill>
+                  <a:schemeClr val="bg1"/>
+                </a:solidFill>
+                <a:latin typeface="배달의민족 주아" panose="02020603020101020101" pitchFamily="18" charset="-127"/>
+                <a:ea typeface="배달의민족 주아" panose="02020603020101020101" pitchFamily="18" charset="-127"/>
+              </a:rPr>
+              <a:t>Semaphore</a:t>
+            </a:r>
+          </a:p>
+          <a:p>
+            <a:pPr algn="ctr"/>
+            <a:r>
+              <a:rPr lang="en-US" altLang="ko-KR" sz="6600" dirty="0">
+                <a:solidFill>
+                  <a:schemeClr val="bg1"/>
+                </a:solidFill>
+                <a:latin typeface="배달의민족 주아" panose="02020603020101020101" pitchFamily="18" charset="-127"/>
+                <a:ea typeface="배달의민족 주아" panose="02020603020101020101" pitchFamily="18" charset="-127"/>
+              </a:rPr>
+              <a:t>Monitor</a:t>
+            </a:r>
+          </a:p>
+          <a:p>
+            <a:pPr algn="ctr"/>
+            <a:r>
+              <a:rPr lang="en-US" altLang="ko-KR" sz="6600" dirty="0">
+                <a:solidFill>
+                  <a:schemeClr val="bg1"/>
+                </a:solidFill>
+                <a:latin typeface="배달의민족 주아" panose="02020603020101020101" pitchFamily="18" charset="-127"/>
+                <a:ea typeface="배달의민족 주아" panose="02020603020101020101" pitchFamily="18" charset="-127"/>
+              </a:rPr>
+              <a:t>lock</a:t>
+            </a:r>
+            <a:endParaRPr lang="ko-KR" altLang="en-US" sz="6600" dirty="0">
+              <a:solidFill>
+                <a:schemeClr val="bg1"/>
+              </a:solidFill>
+              <a:latin typeface="배달의민족 주아" panose="02020603020101020101" pitchFamily="18" charset="-127"/>
+              <a:ea typeface="배달의민족 주아" panose="02020603020101020101" pitchFamily="18" charset="-127"/>
+            </a:endParaRPr>
+          </a:p>
+        </p:txBody>
+      </p:sp>
+      <p:sp>
+        <p:nvSpPr>
+          <p:cNvPr id="6" name="직사각형 5">
+            <a:extLst>
+              <a:ext uri="{FF2B5EF4-FFF2-40B4-BE49-F238E27FC236}">
+                <a16:creationId xmlns:a16="http://schemas.microsoft.com/office/drawing/2014/main" id="{A0727740-7532-4DFD-A532-0F118B1448AA}"/>
+              </a:ext>
+            </a:extLst>
+          </p:cNvPr>
+          <p:cNvSpPr/>
+          <p:nvPr/>
+        </p:nvSpPr>
+        <p:spPr>
+          <a:xfrm>
+            <a:off x="1285406" y="3290500"/>
+            <a:ext cx="3690434" cy="1200329"/>
+          </a:xfrm>
+          <a:prstGeom prst="rect">
+            <a:avLst/>
+          </a:prstGeom>
+        </p:spPr>
+        <p:txBody>
+          <a:bodyPr wrap="none">
+            <a:spAutoFit/>
+          </a:bodyPr>
+          <a:lstStyle/>
+          <a:p>
+            <a:r>
+              <a:rPr lang="ko-KR" altLang="en-US" sz="7200" dirty="0">
+                <a:solidFill>
+                  <a:schemeClr val="bg1"/>
+                </a:solidFill>
+                <a:latin typeface="배달의민족 주아" panose="02020603020101020101" pitchFamily="18" charset="-127"/>
+                <a:ea typeface="배달의민족 주아" panose="02020603020101020101" pitchFamily="18" charset="-127"/>
+              </a:rPr>
+              <a:t>너무 많아</a:t>
+            </a:r>
+            <a:r>
+              <a:rPr lang="en-US" altLang="ko-KR" sz="7200" dirty="0">
+                <a:solidFill>
+                  <a:schemeClr val="bg1"/>
+                </a:solidFill>
+                <a:latin typeface="배달의민족 주아" panose="02020603020101020101" pitchFamily="18" charset="-127"/>
+                <a:ea typeface="배달의민족 주아" panose="02020603020101020101" pitchFamily="18" charset="-127"/>
+              </a:rPr>
+              <a:t>!</a:t>
+            </a:r>
+            <a:endParaRPr lang="ko-KR" altLang="en-US" sz="7200" dirty="0">
+              <a:solidFill>
+                <a:schemeClr val="bg1"/>
+              </a:solidFill>
+              <a:latin typeface="배달의민족 주아" panose="02020603020101020101" pitchFamily="18" charset="-127"/>
+              <a:ea typeface="배달의민족 주아" panose="02020603020101020101" pitchFamily="18" charset="-127"/>
+            </a:endParaRPr>
+          </a:p>
+        </p:txBody>
+      </p:sp>
+    </p:spTree>
+    <p:extLst>
+      <p:ext uri="{BB962C8B-B14F-4D97-AF65-F5344CB8AC3E}">
+        <p14:creationId xmlns:p14="http://schemas.microsoft.com/office/powerpoint/2010/main" val="2011199628"/>
+      </p:ext>
+    </p:extLst>
+  </p:cSld>
+  <p:clrMapOvr>
+    <a:masterClrMapping/>
+  </p:clrMapOvr>
+</p:sld>
+</file>
+
+<file path=ppt/slides/slide44.xml><?xml version="1.0" encoding="utf-8"?>
+<p:sld xmlns:a="http://schemas.openxmlformats.org/drawingml/2006/main" xmlns:r="http://schemas.openxmlformats.org/officeDocument/2006/relationships" xmlns:p="http://schemas.openxmlformats.org/presentationml/2006/main">
+  <p:cSld>
+    <p:spTree>
+      <p:nvGrpSpPr>
+        <p:cNvPr id="1" name=""/>
+        <p:cNvGrpSpPr/>
+        <p:nvPr/>
+      </p:nvGrpSpPr>
+      <p:grpSpPr>
+        <a:xfrm>
+          <a:off x="0" y="0"/>
+          <a:ext cx="0" cy="0"/>
+          <a:chOff x="0" y="0"/>
+          <a:chExt cx="0" cy="0"/>
+        </a:xfrm>
+      </p:grpSpPr>
+      <p:sp>
+        <p:nvSpPr>
+          <p:cNvPr id="13" name="직사각형 12">
+            <a:extLst>
+              <a:ext uri="{FF2B5EF4-FFF2-40B4-BE49-F238E27FC236}">
+                <a16:creationId xmlns:a16="http://schemas.microsoft.com/office/drawing/2014/main" id="{3C6D7721-56AD-40C7-B977-519E03353CA4}"/>
+              </a:ext>
+            </a:extLst>
+          </p:cNvPr>
+          <p:cNvSpPr/>
+          <p:nvPr/>
+        </p:nvSpPr>
+        <p:spPr>
+          <a:xfrm>
+            <a:off x="914132" y="3429000"/>
+            <a:ext cx="10363735" cy="923330"/>
+          </a:xfrm>
+          <a:prstGeom prst="rect">
+            <a:avLst/>
+          </a:prstGeom>
+        </p:spPr>
+        <p:txBody>
+          <a:bodyPr wrap="none">
+            <a:spAutoFit/>
+          </a:bodyPr>
+          <a:lstStyle/>
+          <a:p>
+            <a:r>
+              <a:rPr lang="ko-KR" altLang="en-US" sz="5400" dirty="0">
+                <a:latin typeface="배달의민족 주아" panose="02020603020101020101" pitchFamily="18" charset="-127"/>
+                <a:ea typeface="배달의민족 주아" panose="02020603020101020101" pitchFamily="18" charset="-127"/>
+              </a:rPr>
+              <a:t>한 번에 하나의 스레드만 접근하게 하자</a:t>
+            </a:r>
+            <a:r>
+              <a:rPr lang="en-US" altLang="ko-KR" sz="5400" dirty="0">
+                <a:latin typeface="배달의민족 주아" panose="02020603020101020101" pitchFamily="18" charset="-127"/>
+                <a:ea typeface="배달의민족 주아" panose="02020603020101020101" pitchFamily="18" charset="-127"/>
+              </a:rPr>
+              <a:t>!</a:t>
+            </a:r>
+          </a:p>
+        </p:txBody>
+      </p:sp>
+      <p:sp>
+        <p:nvSpPr>
+          <p:cNvPr id="11" name="직사각형 10">
+            <a:extLst>
+              <a:ext uri="{FF2B5EF4-FFF2-40B4-BE49-F238E27FC236}">
+                <a16:creationId xmlns:a16="http://schemas.microsoft.com/office/drawing/2014/main" id="{5AAA85C0-9D7C-4664-8D91-FEBC74BFA28A}"/>
+              </a:ext>
+            </a:extLst>
+          </p:cNvPr>
+          <p:cNvSpPr/>
+          <p:nvPr/>
+        </p:nvSpPr>
+        <p:spPr>
+          <a:xfrm>
+            <a:off x="-1" y="0"/>
+            <a:ext cx="12192000" cy="6858000"/>
+          </a:xfrm>
+          <a:prstGeom prst="rect">
+            <a:avLst/>
+          </a:prstGeom>
+          <a:solidFill>
+            <a:schemeClr val="tx1">
+              <a:alpha val="80000"/>
+            </a:schemeClr>
+          </a:solidFill>
+          <a:ln>
+            <a:solidFill>
+              <a:schemeClr val="tx1"/>
+            </a:solidFill>
+          </a:ln>
+        </p:spPr>
+        <p:style>
+          <a:lnRef idx="2">
+            <a:schemeClr val="accent1">
+              <a:shade val="50000"/>
+            </a:schemeClr>
+          </a:lnRef>
+          <a:fillRef idx="1">
+            <a:schemeClr val="accent1"/>
+          </a:fillRef>
+          <a:effectRef idx="0">
+            <a:schemeClr val="accent1"/>
+          </a:effectRef>
+          <a:fontRef idx="minor">
+            <a:schemeClr val="lt1"/>
+          </a:fontRef>
+        </p:style>
+        <p:txBody>
+          <a:bodyPr rtlCol="0" anchor="ctr"/>
+          <a:lstStyle/>
+          <a:p>
+            <a:pPr algn="ctr"/>
+            <a:endParaRPr lang="ko-KR" altLang="en-US" sz="1600" dirty="0"/>
+          </a:p>
+        </p:txBody>
+      </p:sp>
+      <p:sp>
+        <p:nvSpPr>
+          <p:cNvPr id="3" name="직사각형 2">
+            <a:extLst>
+              <a:ext uri="{FF2B5EF4-FFF2-40B4-BE49-F238E27FC236}">
+                <a16:creationId xmlns:a16="http://schemas.microsoft.com/office/drawing/2014/main" id="{CE97CBAA-9474-4762-9A45-7F1C1229323D}"/>
+              </a:ext>
+            </a:extLst>
+          </p:cNvPr>
+          <p:cNvSpPr/>
+          <p:nvPr/>
+        </p:nvSpPr>
+        <p:spPr>
+          <a:xfrm>
+            <a:off x="0" y="339365"/>
+            <a:ext cx="3619893" cy="1221117"/>
+          </a:xfrm>
+          <a:prstGeom prst="rect">
+            <a:avLst/>
+          </a:prstGeom>
+          <a:solidFill>
+            <a:schemeClr val="tx1"/>
+          </a:solidFill>
+          <a:ln>
+            <a:solidFill>
+              <a:schemeClr val="tx1"/>
+            </a:solidFill>
+          </a:ln>
+        </p:spPr>
+        <p:style>
+          <a:lnRef idx="2">
+            <a:schemeClr val="accent1">
+              <a:shade val="50000"/>
+            </a:schemeClr>
+          </a:lnRef>
+          <a:fillRef idx="1">
+            <a:schemeClr val="accent1"/>
+          </a:fillRef>
+          <a:effectRef idx="0">
+            <a:schemeClr val="accent1"/>
+          </a:effectRef>
+          <a:fontRef idx="minor">
+            <a:schemeClr val="lt1"/>
+          </a:fontRef>
+        </p:style>
+        <p:txBody>
+          <a:bodyPr rtlCol="0" anchor="ctr"/>
+          <a:lstStyle/>
+          <a:p>
+            <a:pPr algn="ctr"/>
+            <a:r>
+              <a:rPr lang="en-US" altLang="ko-KR" sz="4000" dirty="0">
+                <a:latin typeface="태나다체 " panose="02000000000000000000" pitchFamily="2" charset="-127"/>
+                <a:ea typeface="태나다체 " panose="02000000000000000000" pitchFamily="2" charset="-127"/>
+              </a:rPr>
+              <a:t>Lock</a:t>
+            </a:r>
+            <a:endParaRPr lang="ko-KR" altLang="en-US" sz="4000" dirty="0">
+              <a:latin typeface="태나다체 " panose="02000000000000000000" pitchFamily="2" charset="-127"/>
+              <a:ea typeface="태나다체 " panose="02000000000000000000" pitchFamily="2" charset="-127"/>
+            </a:endParaRPr>
+          </a:p>
+        </p:txBody>
+      </p:sp>
+      <p:sp>
+        <p:nvSpPr>
+          <p:cNvPr id="6" name="직사각형 5">
+            <a:extLst>
+              <a:ext uri="{FF2B5EF4-FFF2-40B4-BE49-F238E27FC236}">
+                <a16:creationId xmlns:a16="http://schemas.microsoft.com/office/drawing/2014/main" id="{A0727740-7532-4DFD-A532-0F118B1448AA}"/>
+              </a:ext>
+            </a:extLst>
+          </p:cNvPr>
+          <p:cNvSpPr/>
+          <p:nvPr/>
+        </p:nvSpPr>
+        <p:spPr>
+          <a:xfrm>
+            <a:off x="1002477" y="3190875"/>
+            <a:ext cx="5742278" cy="1200329"/>
+          </a:xfrm>
+          <a:prstGeom prst="rect">
+            <a:avLst/>
+          </a:prstGeom>
+        </p:spPr>
+        <p:txBody>
+          <a:bodyPr wrap="none">
+            <a:spAutoFit/>
+          </a:bodyPr>
+          <a:lstStyle/>
+          <a:p>
+            <a:r>
+              <a:rPr lang="ko-KR" altLang="en-US" sz="7200" dirty="0">
+                <a:solidFill>
+                  <a:schemeClr val="bg1"/>
+                </a:solidFill>
+                <a:latin typeface="배달의민족 주아" panose="02020603020101020101" pitchFamily="18" charset="-127"/>
+                <a:ea typeface="배달의민족 주아" panose="02020603020101020101" pitchFamily="18" charset="-127"/>
+              </a:rPr>
+              <a:t>이것만 기억하자</a:t>
+            </a:r>
+          </a:p>
+        </p:txBody>
+      </p:sp>
+      <p:sp>
+        <p:nvSpPr>
+          <p:cNvPr id="2" name="사각형: 둥근 모서리 1">
+            <a:extLst>
+              <a:ext uri="{FF2B5EF4-FFF2-40B4-BE49-F238E27FC236}">
+                <a16:creationId xmlns:a16="http://schemas.microsoft.com/office/drawing/2014/main" id="{8B343AC9-BB43-4D67-ABF2-B6A50B8A2478}"/>
+              </a:ext>
+            </a:extLst>
+          </p:cNvPr>
+          <p:cNvSpPr/>
+          <p:nvPr/>
+        </p:nvSpPr>
+        <p:spPr>
+          <a:xfrm>
+            <a:off x="7658887" y="3190875"/>
+            <a:ext cx="2951963" cy="1143000"/>
+          </a:xfrm>
+          <a:prstGeom prst="roundRect">
+            <a:avLst/>
+          </a:prstGeom>
+          <a:solidFill>
+            <a:schemeClr val="bg1"/>
+          </a:solidFill>
+          <a:ln w="76200">
+            <a:solidFill>
+              <a:schemeClr val="tx1"/>
+            </a:solidFill>
+          </a:ln>
+        </p:spPr>
+        <p:style>
+          <a:lnRef idx="2">
+            <a:schemeClr val="accent1">
+              <a:shade val="50000"/>
+            </a:schemeClr>
+          </a:lnRef>
+          <a:fillRef idx="1">
+            <a:schemeClr val="accent1"/>
+          </a:fillRef>
+          <a:effectRef idx="0">
+            <a:schemeClr val="accent1"/>
+          </a:effectRef>
+          <a:fontRef idx="minor">
+            <a:schemeClr val="lt1"/>
+          </a:fontRef>
+        </p:style>
+        <p:txBody>
+          <a:bodyPr rtlCol="0" anchor="ctr"/>
+          <a:lstStyle/>
+          <a:p>
+            <a:pPr algn="ctr"/>
+            <a:r>
+              <a:rPr lang="en-US" altLang="ko-KR" sz="4800" dirty="0">
                 <a:solidFill>
                   <a:schemeClr val="tx1"/>
                 </a:solidFill>
                 <a:latin typeface="배달의민족 주아" panose="02020603020101020101" pitchFamily="18" charset="-127"/>
                 <a:ea typeface="배달의민족 주아" panose="02020603020101020101" pitchFamily="18" charset="-127"/>
               </a:rPr>
-              <a:t>New Thread()</a:t>
-            </a:r>
-            <a:endParaRPr lang="ko-KR" altLang="en-US" sz="4000" dirty="0">
+              <a:t>lock</a:t>
+            </a:r>
+            <a:endParaRPr lang="ko-KR" altLang="en-US" sz="4800" dirty="0">
               <a:solidFill>
                 <a:schemeClr val="tx1"/>
               </a:solidFill>
@@ -8716,7 +12301,1105 @@
     </p:spTree>
     <p:extLst>
       <p:ext uri="{BB962C8B-B14F-4D97-AF65-F5344CB8AC3E}">
-        <p14:creationId xmlns:p14="http://schemas.microsoft.com/office/powerpoint/2010/main" val="1205757688"/>
+        <p14:creationId xmlns:p14="http://schemas.microsoft.com/office/powerpoint/2010/main" val="2852594184"/>
+      </p:ext>
+    </p:extLst>
+  </p:cSld>
+  <p:clrMapOvr>
+    <a:masterClrMapping/>
+  </p:clrMapOvr>
+</p:sld>
+</file>
+
+<file path=ppt/slides/slide45.xml><?xml version="1.0" encoding="utf-8"?>
+<p:sld xmlns:a="http://schemas.openxmlformats.org/drawingml/2006/main" xmlns:r="http://schemas.openxmlformats.org/officeDocument/2006/relationships" xmlns:p="http://schemas.openxmlformats.org/presentationml/2006/main">
+  <p:cSld>
+    <p:spTree>
+      <p:nvGrpSpPr>
+        <p:cNvPr id="1" name=""/>
+        <p:cNvGrpSpPr/>
+        <p:nvPr/>
+      </p:nvGrpSpPr>
+      <p:grpSpPr>
+        <a:xfrm>
+          <a:off x="0" y="0"/>
+          <a:ext cx="0" cy="0"/>
+          <a:chOff x="0" y="0"/>
+          <a:chExt cx="0" cy="0"/>
+        </a:xfrm>
+      </p:grpSpPr>
+      <p:sp>
+        <p:nvSpPr>
+          <p:cNvPr id="3" name="직사각형 2">
+            <a:extLst>
+              <a:ext uri="{FF2B5EF4-FFF2-40B4-BE49-F238E27FC236}">
+                <a16:creationId xmlns:a16="http://schemas.microsoft.com/office/drawing/2014/main" id="{CE97CBAA-9474-4762-9A45-7F1C1229323D}"/>
+              </a:ext>
+            </a:extLst>
+          </p:cNvPr>
+          <p:cNvSpPr/>
+          <p:nvPr/>
+        </p:nvSpPr>
+        <p:spPr>
+          <a:xfrm>
+            <a:off x="0" y="339365"/>
+            <a:ext cx="3619893" cy="1221117"/>
+          </a:xfrm>
+          <a:prstGeom prst="rect">
+            <a:avLst/>
+          </a:prstGeom>
+          <a:solidFill>
+            <a:schemeClr val="tx1"/>
+          </a:solidFill>
+          <a:ln>
+            <a:solidFill>
+              <a:schemeClr val="tx1"/>
+            </a:solidFill>
+          </a:ln>
+        </p:spPr>
+        <p:style>
+          <a:lnRef idx="2">
+            <a:schemeClr val="accent1">
+              <a:shade val="50000"/>
+            </a:schemeClr>
+          </a:lnRef>
+          <a:fillRef idx="1">
+            <a:schemeClr val="accent1"/>
+          </a:fillRef>
+          <a:effectRef idx="0">
+            <a:schemeClr val="accent1"/>
+          </a:effectRef>
+          <a:fontRef idx="minor">
+            <a:schemeClr val="lt1"/>
+          </a:fontRef>
+        </p:style>
+        <p:txBody>
+          <a:bodyPr rtlCol="0" anchor="ctr"/>
+          <a:lstStyle/>
+          <a:p>
+            <a:pPr algn="ctr"/>
+            <a:r>
+              <a:rPr lang="en-US" altLang="ko-KR" sz="4000" dirty="0">
+                <a:latin typeface="태나다체 " panose="02000000000000000000" pitchFamily="2" charset="-127"/>
+                <a:ea typeface="태나다체 " panose="02000000000000000000" pitchFamily="2" charset="-127"/>
+              </a:rPr>
+              <a:t>Lock </a:t>
+            </a:r>
+            <a:r>
+              <a:rPr lang="ko-KR" altLang="en-US" sz="4000" dirty="0">
+                <a:latin typeface="태나다체 " panose="02000000000000000000" pitchFamily="2" charset="-127"/>
+                <a:ea typeface="태나다체 " panose="02000000000000000000" pitchFamily="2" charset="-127"/>
+              </a:rPr>
+              <a:t>원리</a:t>
+            </a:r>
+          </a:p>
+        </p:txBody>
+      </p:sp>
+      <p:pic>
+        <p:nvPicPr>
+          <p:cNvPr id="1026" name="Picture 2" descr="Portable toilet - Free architecture and city icons">
+            <a:extLst>
+              <a:ext uri="{FF2B5EF4-FFF2-40B4-BE49-F238E27FC236}">
+                <a16:creationId xmlns:a16="http://schemas.microsoft.com/office/drawing/2014/main" id="{3AC4089B-DD7F-4885-BC39-1E1DA820D888}"/>
+              </a:ext>
+            </a:extLst>
+          </p:cNvPr>
+          <p:cNvPicPr>
+            <a:picLocks noChangeAspect="1" noChangeArrowheads="1"/>
+          </p:cNvPicPr>
+          <p:nvPr/>
+        </p:nvPicPr>
+        <p:blipFill>
+          <a:blip r:embed="rId3">
+            <a:extLst>
+              <a:ext uri="{28A0092B-C50C-407E-A947-70E740481C1C}">
+                <a14:useLocalDpi xmlns:a14="http://schemas.microsoft.com/office/drawing/2010/main" val="0"/>
+              </a:ext>
+            </a:extLst>
+          </a:blip>
+          <a:srcRect/>
+          <a:stretch>
+            <a:fillRect/>
+          </a:stretch>
+        </p:blipFill>
+        <p:spPr bwMode="auto">
+          <a:xfrm>
+            <a:off x="5995987" y="1457325"/>
+            <a:ext cx="4876800" cy="4876800"/>
+          </a:xfrm>
+          <a:prstGeom prst="rect">
+            <a:avLst/>
+          </a:prstGeom>
+          <a:noFill/>
+          <a:extLst>
+            <a:ext uri="{909E8E84-426E-40DD-AFC4-6F175D3DCCD1}">
+              <a14:hiddenFill xmlns:a14="http://schemas.microsoft.com/office/drawing/2010/main">
+                <a:solidFill>
+                  <a:srgbClr val="FFFFFF"/>
+                </a:solidFill>
+              </a14:hiddenFill>
+            </a:ext>
+          </a:extLst>
+        </p:spPr>
+      </p:pic>
+      <p:pic>
+        <p:nvPicPr>
+          <p:cNvPr id="1030" name="Picture 6" descr="User, account, human, person icon - Free download">
+            <a:extLst>
+              <a:ext uri="{FF2B5EF4-FFF2-40B4-BE49-F238E27FC236}">
+                <a16:creationId xmlns:a16="http://schemas.microsoft.com/office/drawing/2014/main" id="{506EAF77-0444-41B3-A7BE-9D53450FE5D0}"/>
+              </a:ext>
+            </a:extLst>
+          </p:cNvPr>
+          <p:cNvPicPr>
+            <a:picLocks noChangeAspect="1" noChangeArrowheads="1"/>
+          </p:cNvPicPr>
+          <p:nvPr/>
+        </p:nvPicPr>
+        <p:blipFill>
+          <a:blip r:embed="rId4">
+            <a:extLst>
+              <a:ext uri="{28A0092B-C50C-407E-A947-70E740481C1C}">
+                <a14:useLocalDpi xmlns:a14="http://schemas.microsoft.com/office/drawing/2010/main" val="0"/>
+              </a:ext>
+            </a:extLst>
+          </a:blip>
+          <a:srcRect/>
+          <a:stretch>
+            <a:fillRect/>
+          </a:stretch>
+        </p:blipFill>
+        <p:spPr bwMode="auto">
+          <a:xfrm>
+            <a:off x="509589" y="2247900"/>
+            <a:ext cx="4876800" cy="4876800"/>
+          </a:xfrm>
+          <a:prstGeom prst="rect">
+            <a:avLst/>
+          </a:prstGeom>
+          <a:noFill/>
+          <a:extLst>
+            <a:ext uri="{909E8E84-426E-40DD-AFC4-6F175D3DCCD1}">
+              <a14:hiddenFill xmlns:a14="http://schemas.microsoft.com/office/drawing/2010/main">
+                <a:solidFill>
+                  <a:srgbClr val="FFFFFF"/>
+                </a:solidFill>
+              </a14:hiddenFill>
+            </a:ext>
+          </a:extLst>
+        </p:spPr>
+      </p:pic>
+      <p:sp>
+        <p:nvSpPr>
+          <p:cNvPr id="12" name="직사각형 11">
+            <a:extLst>
+              <a:ext uri="{FF2B5EF4-FFF2-40B4-BE49-F238E27FC236}">
+                <a16:creationId xmlns:a16="http://schemas.microsoft.com/office/drawing/2014/main" id="{3EB23E9D-5894-4B45-9AFB-D772B537994E}"/>
+              </a:ext>
+            </a:extLst>
+          </p:cNvPr>
+          <p:cNvSpPr/>
+          <p:nvPr/>
+        </p:nvSpPr>
+        <p:spPr>
+          <a:xfrm>
+            <a:off x="1643786" y="2085975"/>
+            <a:ext cx="2608406" cy="923330"/>
+          </a:xfrm>
+          <a:prstGeom prst="rect">
+            <a:avLst/>
+          </a:prstGeom>
+        </p:spPr>
+        <p:txBody>
+          <a:bodyPr wrap="none">
+            <a:spAutoFit/>
+          </a:bodyPr>
+          <a:lstStyle/>
+          <a:p>
+            <a:r>
+              <a:rPr lang="ko-KR" altLang="en-US" sz="5400">
+                <a:latin typeface="배달의민족 주아" panose="02020603020101020101" pitchFamily="18" charset="-127"/>
+                <a:ea typeface="배달의민족 주아" panose="02020603020101020101" pitchFamily="18" charset="-127"/>
+              </a:rPr>
+              <a:t>아 </a:t>
+            </a:r>
+            <a:r>
+              <a:rPr lang="ko-KR" altLang="en-US" sz="5400" dirty="0" err="1">
+                <a:latin typeface="배달의민족 주아" panose="02020603020101020101" pitchFamily="18" charset="-127"/>
+                <a:ea typeface="배달의민족 주아" panose="02020603020101020101" pitchFamily="18" charset="-127"/>
+              </a:rPr>
+              <a:t>똥매려</a:t>
+            </a:r>
+            <a:endParaRPr lang="en-US" altLang="ko-KR" sz="5400" dirty="0">
+              <a:latin typeface="배달의민족 주아" panose="02020603020101020101" pitchFamily="18" charset="-127"/>
+              <a:ea typeface="배달의민족 주아" panose="02020603020101020101" pitchFamily="18" charset="-127"/>
+            </a:endParaRPr>
+          </a:p>
+        </p:txBody>
+      </p:sp>
+    </p:spTree>
+    <p:extLst>
+      <p:ext uri="{BB962C8B-B14F-4D97-AF65-F5344CB8AC3E}">
+        <p14:creationId xmlns:p14="http://schemas.microsoft.com/office/powerpoint/2010/main" val="4176043964"/>
+      </p:ext>
+    </p:extLst>
+  </p:cSld>
+  <p:clrMapOvr>
+    <a:masterClrMapping/>
+  </p:clrMapOvr>
+</p:sld>
+</file>
+
+<file path=ppt/slides/slide46.xml><?xml version="1.0" encoding="utf-8"?>
+<p:sld xmlns:a="http://schemas.openxmlformats.org/drawingml/2006/main" xmlns:r="http://schemas.openxmlformats.org/officeDocument/2006/relationships" xmlns:p="http://schemas.openxmlformats.org/presentationml/2006/main">
+  <p:cSld>
+    <p:spTree>
+      <p:nvGrpSpPr>
+        <p:cNvPr id="1" name=""/>
+        <p:cNvGrpSpPr/>
+        <p:nvPr/>
+      </p:nvGrpSpPr>
+      <p:grpSpPr>
+        <a:xfrm>
+          <a:off x="0" y="0"/>
+          <a:ext cx="0" cy="0"/>
+          <a:chOff x="0" y="0"/>
+          <a:chExt cx="0" cy="0"/>
+        </a:xfrm>
+      </p:grpSpPr>
+      <p:sp>
+        <p:nvSpPr>
+          <p:cNvPr id="3" name="직사각형 2">
+            <a:extLst>
+              <a:ext uri="{FF2B5EF4-FFF2-40B4-BE49-F238E27FC236}">
+                <a16:creationId xmlns:a16="http://schemas.microsoft.com/office/drawing/2014/main" id="{CE97CBAA-9474-4762-9A45-7F1C1229323D}"/>
+              </a:ext>
+            </a:extLst>
+          </p:cNvPr>
+          <p:cNvSpPr/>
+          <p:nvPr/>
+        </p:nvSpPr>
+        <p:spPr>
+          <a:xfrm>
+            <a:off x="0" y="339365"/>
+            <a:ext cx="3619893" cy="1221117"/>
+          </a:xfrm>
+          <a:prstGeom prst="rect">
+            <a:avLst/>
+          </a:prstGeom>
+          <a:solidFill>
+            <a:schemeClr val="tx1"/>
+          </a:solidFill>
+          <a:ln>
+            <a:solidFill>
+              <a:schemeClr val="tx1"/>
+            </a:solidFill>
+          </a:ln>
+        </p:spPr>
+        <p:style>
+          <a:lnRef idx="2">
+            <a:schemeClr val="accent1">
+              <a:shade val="50000"/>
+            </a:schemeClr>
+          </a:lnRef>
+          <a:fillRef idx="1">
+            <a:schemeClr val="accent1"/>
+          </a:fillRef>
+          <a:effectRef idx="0">
+            <a:schemeClr val="accent1"/>
+          </a:effectRef>
+          <a:fontRef idx="minor">
+            <a:schemeClr val="lt1"/>
+          </a:fontRef>
+        </p:style>
+        <p:txBody>
+          <a:bodyPr rtlCol="0" anchor="ctr"/>
+          <a:lstStyle/>
+          <a:p>
+            <a:pPr algn="ctr"/>
+            <a:r>
+              <a:rPr lang="en-US" altLang="ko-KR" sz="4000" dirty="0">
+                <a:latin typeface="태나다체 " panose="02000000000000000000" pitchFamily="2" charset="-127"/>
+                <a:ea typeface="태나다체 " panose="02000000000000000000" pitchFamily="2" charset="-127"/>
+              </a:rPr>
+              <a:t>Lock </a:t>
+            </a:r>
+            <a:r>
+              <a:rPr lang="ko-KR" altLang="en-US" sz="4000" dirty="0">
+                <a:latin typeface="태나다체 " panose="02000000000000000000" pitchFamily="2" charset="-127"/>
+                <a:ea typeface="태나다체 " panose="02000000000000000000" pitchFamily="2" charset="-127"/>
+              </a:rPr>
+              <a:t>원리</a:t>
+            </a:r>
+          </a:p>
+        </p:txBody>
+      </p:sp>
+      <p:pic>
+        <p:nvPicPr>
+          <p:cNvPr id="1026" name="Picture 2" descr="Portable toilet - Free architecture and city icons">
+            <a:extLst>
+              <a:ext uri="{FF2B5EF4-FFF2-40B4-BE49-F238E27FC236}">
+                <a16:creationId xmlns:a16="http://schemas.microsoft.com/office/drawing/2014/main" id="{3AC4089B-DD7F-4885-BC39-1E1DA820D888}"/>
+              </a:ext>
+            </a:extLst>
+          </p:cNvPr>
+          <p:cNvPicPr>
+            <a:picLocks noChangeAspect="1" noChangeArrowheads="1"/>
+          </p:cNvPicPr>
+          <p:nvPr/>
+        </p:nvPicPr>
+        <p:blipFill>
+          <a:blip r:embed="rId3">
+            <a:extLst>
+              <a:ext uri="{28A0092B-C50C-407E-A947-70E740481C1C}">
+                <a14:useLocalDpi xmlns:a14="http://schemas.microsoft.com/office/drawing/2010/main" val="0"/>
+              </a:ext>
+            </a:extLst>
+          </a:blip>
+          <a:srcRect/>
+          <a:stretch>
+            <a:fillRect/>
+          </a:stretch>
+        </p:blipFill>
+        <p:spPr bwMode="auto">
+          <a:xfrm>
+            <a:off x="5995987" y="1457325"/>
+            <a:ext cx="4876800" cy="4876800"/>
+          </a:xfrm>
+          <a:prstGeom prst="rect">
+            <a:avLst/>
+          </a:prstGeom>
+          <a:noFill/>
+          <a:extLst>
+            <a:ext uri="{909E8E84-426E-40DD-AFC4-6F175D3DCCD1}">
+              <a14:hiddenFill xmlns:a14="http://schemas.microsoft.com/office/drawing/2010/main">
+                <a:solidFill>
+                  <a:srgbClr val="FFFFFF"/>
+                </a:solidFill>
+              </a14:hiddenFill>
+            </a:ext>
+          </a:extLst>
+        </p:spPr>
+      </p:pic>
+      <p:pic>
+        <p:nvPicPr>
+          <p:cNvPr id="1030" name="Picture 6" descr="User, account, human, person icon - Free download">
+            <a:extLst>
+              <a:ext uri="{FF2B5EF4-FFF2-40B4-BE49-F238E27FC236}">
+                <a16:creationId xmlns:a16="http://schemas.microsoft.com/office/drawing/2014/main" id="{506EAF77-0444-41B3-A7BE-9D53450FE5D0}"/>
+              </a:ext>
+            </a:extLst>
+          </p:cNvPr>
+          <p:cNvPicPr>
+            <a:picLocks noChangeAspect="1" noChangeArrowheads="1"/>
+          </p:cNvPicPr>
+          <p:nvPr/>
+        </p:nvPicPr>
+        <p:blipFill>
+          <a:blip r:embed="rId4">
+            <a:extLst>
+              <a:ext uri="{28A0092B-C50C-407E-A947-70E740481C1C}">
+                <a14:useLocalDpi xmlns:a14="http://schemas.microsoft.com/office/drawing/2010/main" val="0"/>
+              </a:ext>
+            </a:extLst>
+          </a:blip>
+          <a:srcRect/>
+          <a:stretch>
+            <a:fillRect/>
+          </a:stretch>
+        </p:blipFill>
+        <p:spPr bwMode="auto">
+          <a:xfrm>
+            <a:off x="3719511" y="2986087"/>
+            <a:ext cx="3795714" cy="3795714"/>
+          </a:xfrm>
+          <a:prstGeom prst="rect">
+            <a:avLst/>
+          </a:prstGeom>
+          <a:noFill/>
+          <a:extLst>
+            <a:ext uri="{909E8E84-426E-40DD-AFC4-6F175D3DCCD1}">
+              <a14:hiddenFill xmlns:a14="http://schemas.microsoft.com/office/drawing/2010/main">
+                <a:solidFill>
+                  <a:srgbClr val="FFFFFF"/>
+                </a:solidFill>
+              </a14:hiddenFill>
+            </a:ext>
+          </a:extLst>
+        </p:spPr>
+      </p:pic>
+    </p:spTree>
+    <p:extLst>
+      <p:ext uri="{BB962C8B-B14F-4D97-AF65-F5344CB8AC3E}">
+        <p14:creationId xmlns:p14="http://schemas.microsoft.com/office/powerpoint/2010/main" val="605698631"/>
+      </p:ext>
+    </p:extLst>
+  </p:cSld>
+  <p:clrMapOvr>
+    <a:masterClrMapping/>
+  </p:clrMapOvr>
+</p:sld>
+</file>
+
+<file path=ppt/slides/slide47.xml><?xml version="1.0" encoding="utf-8"?>
+<p:sld xmlns:a="http://schemas.openxmlformats.org/drawingml/2006/main" xmlns:r="http://schemas.openxmlformats.org/officeDocument/2006/relationships" xmlns:p="http://schemas.openxmlformats.org/presentationml/2006/main">
+  <p:cSld>
+    <p:spTree>
+      <p:nvGrpSpPr>
+        <p:cNvPr id="1" name=""/>
+        <p:cNvGrpSpPr/>
+        <p:nvPr/>
+      </p:nvGrpSpPr>
+      <p:grpSpPr>
+        <a:xfrm>
+          <a:off x="0" y="0"/>
+          <a:ext cx="0" cy="0"/>
+          <a:chOff x="0" y="0"/>
+          <a:chExt cx="0" cy="0"/>
+        </a:xfrm>
+      </p:grpSpPr>
+      <p:sp>
+        <p:nvSpPr>
+          <p:cNvPr id="3" name="직사각형 2">
+            <a:extLst>
+              <a:ext uri="{FF2B5EF4-FFF2-40B4-BE49-F238E27FC236}">
+                <a16:creationId xmlns:a16="http://schemas.microsoft.com/office/drawing/2014/main" id="{CE97CBAA-9474-4762-9A45-7F1C1229323D}"/>
+              </a:ext>
+            </a:extLst>
+          </p:cNvPr>
+          <p:cNvSpPr/>
+          <p:nvPr/>
+        </p:nvSpPr>
+        <p:spPr>
+          <a:xfrm>
+            <a:off x="0" y="339365"/>
+            <a:ext cx="3619893" cy="1221117"/>
+          </a:xfrm>
+          <a:prstGeom prst="rect">
+            <a:avLst/>
+          </a:prstGeom>
+          <a:solidFill>
+            <a:schemeClr val="tx1"/>
+          </a:solidFill>
+          <a:ln>
+            <a:solidFill>
+              <a:schemeClr val="tx1"/>
+            </a:solidFill>
+          </a:ln>
+        </p:spPr>
+        <p:style>
+          <a:lnRef idx="2">
+            <a:schemeClr val="accent1">
+              <a:shade val="50000"/>
+            </a:schemeClr>
+          </a:lnRef>
+          <a:fillRef idx="1">
+            <a:schemeClr val="accent1"/>
+          </a:fillRef>
+          <a:effectRef idx="0">
+            <a:schemeClr val="accent1"/>
+          </a:effectRef>
+          <a:fontRef idx="minor">
+            <a:schemeClr val="lt1"/>
+          </a:fontRef>
+        </p:style>
+        <p:txBody>
+          <a:bodyPr rtlCol="0" anchor="ctr"/>
+          <a:lstStyle/>
+          <a:p>
+            <a:pPr algn="ctr"/>
+            <a:r>
+              <a:rPr lang="en-US" altLang="ko-KR" sz="4000" dirty="0">
+                <a:latin typeface="태나다체 " panose="02000000000000000000" pitchFamily="2" charset="-127"/>
+                <a:ea typeface="태나다체 " panose="02000000000000000000" pitchFamily="2" charset="-127"/>
+              </a:rPr>
+              <a:t>Lock </a:t>
+            </a:r>
+            <a:r>
+              <a:rPr lang="ko-KR" altLang="en-US" sz="4000" dirty="0">
+                <a:latin typeface="태나다체 " panose="02000000000000000000" pitchFamily="2" charset="-127"/>
+                <a:ea typeface="태나다체 " panose="02000000000000000000" pitchFamily="2" charset="-127"/>
+              </a:rPr>
+              <a:t>원리</a:t>
+            </a:r>
+          </a:p>
+        </p:txBody>
+      </p:sp>
+      <p:pic>
+        <p:nvPicPr>
+          <p:cNvPr id="1026" name="Picture 2" descr="Portable toilet - Free architecture and city icons">
+            <a:extLst>
+              <a:ext uri="{FF2B5EF4-FFF2-40B4-BE49-F238E27FC236}">
+                <a16:creationId xmlns:a16="http://schemas.microsoft.com/office/drawing/2014/main" id="{3AC4089B-DD7F-4885-BC39-1E1DA820D888}"/>
+              </a:ext>
+            </a:extLst>
+          </p:cNvPr>
+          <p:cNvPicPr>
+            <a:picLocks noChangeAspect="1" noChangeArrowheads="1"/>
+          </p:cNvPicPr>
+          <p:nvPr/>
+        </p:nvPicPr>
+        <p:blipFill>
+          <a:blip r:embed="rId3">
+            <a:extLst>
+              <a:ext uri="{28A0092B-C50C-407E-A947-70E740481C1C}">
+                <a14:useLocalDpi xmlns:a14="http://schemas.microsoft.com/office/drawing/2010/main" val="0"/>
+              </a:ext>
+            </a:extLst>
+          </a:blip>
+          <a:srcRect/>
+          <a:stretch>
+            <a:fillRect/>
+          </a:stretch>
+        </p:blipFill>
+        <p:spPr bwMode="auto">
+          <a:xfrm>
+            <a:off x="5995987" y="1457325"/>
+            <a:ext cx="4876800" cy="4876800"/>
+          </a:xfrm>
+          <a:prstGeom prst="rect">
+            <a:avLst/>
+          </a:prstGeom>
+          <a:noFill/>
+          <a:extLst>
+            <a:ext uri="{909E8E84-426E-40DD-AFC4-6F175D3DCCD1}">
+              <a14:hiddenFill xmlns:a14="http://schemas.microsoft.com/office/drawing/2010/main">
+                <a:solidFill>
+                  <a:srgbClr val="FFFFFF"/>
+                </a:solidFill>
+              </a14:hiddenFill>
+            </a:ext>
+          </a:extLst>
+        </p:spPr>
+      </p:pic>
+      <p:pic>
+        <p:nvPicPr>
+          <p:cNvPr id="1030" name="Picture 6" descr="User, account, human, person icon - Free download">
+            <a:extLst>
+              <a:ext uri="{FF2B5EF4-FFF2-40B4-BE49-F238E27FC236}">
+                <a16:creationId xmlns:a16="http://schemas.microsoft.com/office/drawing/2014/main" id="{506EAF77-0444-41B3-A7BE-9D53450FE5D0}"/>
+              </a:ext>
+            </a:extLst>
+          </p:cNvPr>
+          <p:cNvPicPr>
+            <a:picLocks noChangeAspect="1" noChangeArrowheads="1"/>
+          </p:cNvPicPr>
+          <p:nvPr/>
+        </p:nvPicPr>
+        <p:blipFill>
+          <a:blip r:embed="rId4">
+            <a:extLst>
+              <a:ext uri="{28A0092B-C50C-407E-A947-70E740481C1C}">
+                <a14:useLocalDpi xmlns:a14="http://schemas.microsoft.com/office/drawing/2010/main" val="0"/>
+              </a:ext>
+            </a:extLst>
+          </a:blip>
+          <a:srcRect/>
+          <a:stretch>
+            <a:fillRect/>
+          </a:stretch>
+        </p:blipFill>
+        <p:spPr bwMode="auto">
+          <a:xfrm>
+            <a:off x="7758111" y="4229099"/>
+            <a:ext cx="2209801" cy="2209801"/>
+          </a:xfrm>
+          <a:prstGeom prst="rect">
+            <a:avLst/>
+          </a:prstGeom>
+          <a:noFill/>
+          <a:extLst>
+            <a:ext uri="{909E8E84-426E-40DD-AFC4-6F175D3DCCD1}">
+              <a14:hiddenFill xmlns:a14="http://schemas.microsoft.com/office/drawing/2010/main">
+                <a:solidFill>
+                  <a:srgbClr val="FFFFFF"/>
+                </a:solidFill>
+              </a14:hiddenFill>
+            </a:ext>
+          </a:extLst>
+        </p:spPr>
+      </p:pic>
+    </p:spTree>
+    <p:extLst>
+      <p:ext uri="{BB962C8B-B14F-4D97-AF65-F5344CB8AC3E}">
+        <p14:creationId xmlns:p14="http://schemas.microsoft.com/office/powerpoint/2010/main" val="2426145920"/>
+      </p:ext>
+    </p:extLst>
+  </p:cSld>
+  <p:clrMapOvr>
+    <a:masterClrMapping/>
+  </p:clrMapOvr>
+</p:sld>
+</file>
+
+<file path=ppt/slides/slide48.xml><?xml version="1.0" encoding="utf-8"?>
+<p:sld xmlns:a="http://schemas.openxmlformats.org/drawingml/2006/main" xmlns:r="http://schemas.openxmlformats.org/officeDocument/2006/relationships" xmlns:p="http://schemas.openxmlformats.org/presentationml/2006/main">
+  <p:cSld>
+    <p:spTree>
+      <p:nvGrpSpPr>
+        <p:cNvPr id="1" name=""/>
+        <p:cNvGrpSpPr/>
+        <p:nvPr/>
+      </p:nvGrpSpPr>
+      <p:grpSpPr>
+        <a:xfrm>
+          <a:off x="0" y="0"/>
+          <a:ext cx="0" cy="0"/>
+          <a:chOff x="0" y="0"/>
+          <a:chExt cx="0" cy="0"/>
+        </a:xfrm>
+      </p:grpSpPr>
+      <p:sp>
+        <p:nvSpPr>
+          <p:cNvPr id="3" name="직사각형 2">
+            <a:extLst>
+              <a:ext uri="{FF2B5EF4-FFF2-40B4-BE49-F238E27FC236}">
+                <a16:creationId xmlns:a16="http://schemas.microsoft.com/office/drawing/2014/main" id="{CE97CBAA-9474-4762-9A45-7F1C1229323D}"/>
+              </a:ext>
+            </a:extLst>
+          </p:cNvPr>
+          <p:cNvSpPr/>
+          <p:nvPr/>
+        </p:nvSpPr>
+        <p:spPr>
+          <a:xfrm>
+            <a:off x="0" y="339365"/>
+            <a:ext cx="3619893" cy="1221117"/>
+          </a:xfrm>
+          <a:prstGeom prst="rect">
+            <a:avLst/>
+          </a:prstGeom>
+          <a:solidFill>
+            <a:schemeClr val="tx1"/>
+          </a:solidFill>
+          <a:ln>
+            <a:solidFill>
+              <a:schemeClr val="tx1"/>
+            </a:solidFill>
+          </a:ln>
+        </p:spPr>
+        <p:style>
+          <a:lnRef idx="2">
+            <a:schemeClr val="accent1">
+              <a:shade val="50000"/>
+            </a:schemeClr>
+          </a:lnRef>
+          <a:fillRef idx="1">
+            <a:schemeClr val="accent1"/>
+          </a:fillRef>
+          <a:effectRef idx="0">
+            <a:schemeClr val="accent1"/>
+          </a:effectRef>
+          <a:fontRef idx="minor">
+            <a:schemeClr val="lt1"/>
+          </a:fontRef>
+        </p:style>
+        <p:txBody>
+          <a:bodyPr rtlCol="0" anchor="ctr"/>
+          <a:lstStyle/>
+          <a:p>
+            <a:pPr algn="ctr"/>
+            <a:r>
+              <a:rPr lang="en-US" altLang="ko-KR" sz="4000" dirty="0">
+                <a:latin typeface="태나다체 " panose="02000000000000000000" pitchFamily="2" charset="-127"/>
+                <a:ea typeface="태나다체 " panose="02000000000000000000" pitchFamily="2" charset="-127"/>
+              </a:rPr>
+              <a:t>Lock </a:t>
+            </a:r>
+            <a:r>
+              <a:rPr lang="ko-KR" altLang="en-US" sz="4000" dirty="0">
+                <a:latin typeface="태나다체 " panose="02000000000000000000" pitchFamily="2" charset="-127"/>
+                <a:ea typeface="태나다체 " panose="02000000000000000000" pitchFamily="2" charset="-127"/>
+              </a:rPr>
+              <a:t>원리</a:t>
+            </a:r>
+          </a:p>
+        </p:txBody>
+      </p:sp>
+      <p:pic>
+        <p:nvPicPr>
+          <p:cNvPr id="1026" name="Picture 2" descr="Portable toilet - Free architecture and city icons">
+            <a:extLst>
+              <a:ext uri="{FF2B5EF4-FFF2-40B4-BE49-F238E27FC236}">
+                <a16:creationId xmlns:a16="http://schemas.microsoft.com/office/drawing/2014/main" id="{3AC4089B-DD7F-4885-BC39-1E1DA820D888}"/>
+              </a:ext>
+            </a:extLst>
+          </p:cNvPr>
+          <p:cNvPicPr>
+            <a:picLocks noChangeAspect="1" noChangeArrowheads="1"/>
+          </p:cNvPicPr>
+          <p:nvPr/>
+        </p:nvPicPr>
+        <p:blipFill>
+          <a:blip r:embed="rId3">
+            <a:extLst>
+              <a:ext uri="{28A0092B-C50C-407E-A947-70E740481C1C}">
+                <a14:useLocalDpi xmlns:a14="http://schemas.microsoft.com/office/drawing/2010/main" val="0"/>
+              </a:ext>
+            </a:extLst>
+          </a:blip>
+          <a:srcRect/>
+          <a:stretch>
+            <a:fillRect/>
+          </a:stretch>
+        </p:blipFill>
+        <p:spPr bwMode="auto">
+          <a:xfrm>
+            <a:off x="5995987" y="1457325"/>
+            <a:ext cx="4876800" cy="4876800"/>
+          </a:xfrm>
+          <a:prstGeom prst="rect">
+            <a:avLst/>
+          </a:prstGeom>
+          <a:noFill/>
+          <a:extLst>
+            <a:ext uri="{909E8E84-426E-40DD-AFC4-6F175D3DCCD1}">
+              <a14:hiddenFill xmlns:a14="http://schemas.microsoft.com/office/drawing/2010/main">
+                <a:solidFill>
+                  <a:srgbClr val="FFFFFF"/>
+                </a:solidFill>
+              </a14:hiddenFill>
+            </a:ext>
+          </a:extLst>
+        </p:spPr>
+      </p:pic>
+      <p:pic>
+        <p:nvPicPr>
+          <p:cNvPr id="14" name="Picture 4" descr="Padlock Icon Png #330958 - Free Icons Library">
+            <a:extLst>
+              <a:ext uri="{FF2B5EF4-FFF2-40B4-BE49-F238E27FC236}">
+                <a16:creationId xmlns:a16="http://schemas.microsoft.com/office/drawing/2014/main" id="{63AF6384-8BC6-4B52-AB3C-9E5F96616F3E}"/>
+              </a:ext>
+            </a:extLst>
+          </p:cNvPr>
+          <p:cNvPicPr>
+            <a:picLocks noChangeAspect="1" noChangeArrowheads="1"/>
+          </p:cNvPicPr>
+          <p:nvPr/>
+        </p:nvPicPr>
+        <p:blipFill>
+          <a:blip r:embed="rId4">
+            <a:extLst>
+              <a:ext uri="{28A0092B-C50C-407E-A947-70E740481C1C}">
+                <a14:useLocalDpi xmlns:a14="http://schemas.microsoft.com/office/drawing/2010/main" val="0"/>
+              </a:ext>
+            </a:extLst>
+          </a:blip>
+          <a:srcRect/>
+          <a:stretch>
+            <a:fillRect/>
+          </a:stretch>
+        </p:blipFill>
+        <p:spPr bwMode="auto">
+          <a:xfrm>
+            <a:off x="7619999" y="3705225"/>
+            <a:ext cx="1628775" cy="1628775"/>
+          </a:xfrm>
+          <a:prstGeom prst="rect">
+            <a:avLst/>
+          </a:prstGeom>
+          <a:noFill/>
+          <a:extLst>
+            <a:ext uri="{909E8E84-426E-40DD-AFC4-6F175D3DCCD1}">
+              <a14:hiddenFill xmlns:a14="http://schemas.microsoft.com/office/drawing/2010/main">
+                <a:solidFill>
+                  <a:srgbClr val="FFFFFF"/>
+                </a:solidFill>
+              </a14:hiddenFill>
+            </a:ext>
+          </a:extLst>
+        </p:spPr>
+      </p:pic>
+    </p:spTree>
+    <p:extLst>
+      <p:ext uri="{BB962C8B-B14F-4D97-AF65-F5344CB8AC3E}">
+        <p14:creationId xmlns:p14="http://schemas.microsoft.com/office/powerpoint/2010/main" val="529287891"/>
+      </p:ext>
+    </p:extLst>
+  </p:cSld>
+  <p:clrMapOvr>
+    <a:masterClrMapping/>
+  </p:clrMapOvr>
+</p:sld>
+</file>
+
+<file path=ppt/slides/slide49.xml><?xml version="1.0" encoding="utf-8"?>
+<p:sld xmlns:a="http://schemas.openxmlformats.org/drawingml/2006/main" xmlns:r="http://schemas.openxmlformats.org/officeDocument/2006/relationships" xmlns:p="http://schemas.openxmlformats.org/presentationml/2006/main">
+  <p:cSld>
+    <p:spTree>
+      <p:nvGrpSpPr>
+        <p:cNvPr id="1" name=""/>
+        <p:cNvGrpSpPr/>
+        <p:nvPr/>
+      </p:nvGrpSpPr>
+      <p:grpSpPr>
+        <a:xfrm>
+          <a:off x="0" y="0"/>
+          <a:ext cx="0" cy="0"/>
+          <a:chOff x="0" y="0"/>
+          <a:chExt cx="0" cy="0"/>
+        </a:xfrm>
+      </p:grpSpPr>
+      <p:sp>
+        <p:nvSpPr>
+          <p:cNvPr id="3" name="직사각형 2">
+            <a:extLst>
+              <a:ext uri="{FF2B5EF4-FFF2-40B4-BE49-F238E27FC236}">
+                <a16:creationId xmlns:a16="http://schemas.microsoft.com/office/drawing/2014/main" id="{CE97CBAA-9474-4762-9A45-7F1C1229323D}"/>
+              </a:ext>
+            </a:extLst>
+          </p:cNvPr>
+          <p:cNvSpPr/>
+          <p:nvPr/>
+        </p:nvSpPr>
+        <p:spPr>
+          <a:xfrm>
+            <a:off x="0" y="339365"/>
+            <a:ext cx="3619893" cy="1221117"/>
+          </a:xfrm>
+          <a:prstGeom prst="rect">
+            <a:avLst/>
+          </a:prstGeom>
+          <a:solidFill>
+            <a:schemeClr val="tx1"/>
+          </a:solidFill>
+          <a:ln>
+            <a:solidFill>
+              <a:schemeClr val="tx1"/>
+            </a:solidFill>
+          </a:ln>
+        </p:spPr>
+        <p:style>
+          <a:lnRef idx="2">
+            <a:schemeClr val="accent1">
+              <a:shade val="50000"/>
+            </a:schemeClr>
+          </a:lnRef>
+          <a:fillRef idx="1">
+            <a:schemeClr val="accent1"/>
+          </a:fillRef>
+          <a:effectRef idx="0">
+            <a:schemeClr val="accent1"/>
+          </a:effectRef>
+          <a:fontRef idx="minor">
+            <a:schemeClr val="lt1"/>
+          </a:fontRef>
+        </p:style>
+        <p:txBody>
+          <a:bodyPr rtlCol="0" anchor="ctr"/>
+          <a:lstStyle/>
+          <a:p>
+            <a:pPr algn="ctr"/>
+            <a:r>
+              <a:rPr lang="en-US" altLang="ko-KR" sz="4000" dirty="0">
+                <a:latin typeface="태나다체 " panose="02000000000000000000" pitchFamily="2" charset="-127"/>
+                <a:ea typeface="태나다체 " panose="02000000000000000000" pitchFamily="2" charset="-127"/>
+              </a:rPr>
+              <a:t>Lock </a:t>
+            </a:r>
+            <a:r>
+              <a:rPr lang="ko-KR" altLang="en-US" sz="4000" dirty="0">
+                <a:latin typeface="태나다체 " panose="02000000000000000000" pitchFamily="2" charset="-127"/>
+                <a:ea typeface="태나다체 " panose="02000000000000000000" pitchFamily="2" charset="-127"/>
+              </a:rPr>
+              <a:t>원리</a:t>
+            </a:r>
+          </a:p>
+        </p:txBody>
+      </p:sp>
+      <p:pic>
+        <p:nvPicPr>
+          <p:cNvPr id="1026" name="Picture 2" descr="Portable toilet - Free architecture and city icons">
+            <a:extLst>
+              <a:ext uri="{FF2B5EF4-FFF2-40B4-BE49-F238E27FC236}">
+                <a16:creationId xmlns:a16="http://schemas.microsoft.com/office/drawing/2014/main" id="{3AC4089B-DD7F-4885-BC39-1E1DA820D888}"/>
+              </a:ext>
+            </a:extLst>
+          </p:cNvPr>
+          <p:cNvPicPr>
+            <a:picLocks noChangeAspect="1" noChangeArrowheads="1"/>
+          </p:cNvPicPr>
+          <p:nvPr/>
+        </p:nvPicPr>
+        <p:blipFill>
+          <a:blip r:embed="rId3">
+            <a:extLst>
+              <a:ext uri="{28A0092B-C50C-407E-A947-70E740481C1C}">
+                <a14:useLocalDpi xmlns:a14="http://schemas.microsoft.com/office/drawing/2010/main" val="0"/>
+              </a:ext>
+            </a:extLst>
+          </a:blip>
+          <a:srcRect/>
+          <a:stretch>
+            <a:fillRect/>
+          </a:stretch>
+        </p:blipFill>
+        <p:spPr bwMode="auto">
+          <a:xfrm>
+            <a:off x="5995987" y="1457325"/>
+            <a:ext cx="4876800" cy="4876800"/>
+          </a:xfrm>
+          <a:prstGeom prst="rect">
+            <a:avLst/>
+          </a:prstGeom>
+          <a:noFill/>
+          <a:extLst>
+            <a:ext uri="{909E8E84-426E-40DD-AFC4-6F175D3DCCD1}">
+              <a14:hiddenFill xmlns:a14="http://schemas.microsoft.com/office/drawing/2010/main">
+                <a:solidFill>
+                  <a:srgbClr val="FFFFFF"/>
+                </a:solidFill>
+              </a14:hiddenFill>
+            </a:ext>
+          </a:extLst>
+        </p:spPr>
+      </p:pic>
+      <p:pic>
+        <p:nvPicPr>
+          <p:cNvPr id="14" name="Picture 4" descr="Padlock Icon Png #330958 - Free Icons Library">
+            <a:extLst>
+              <a:ext uri="{FF2B5EF4-FFF2-40B4-BE49-F238E27FC236}">
+                <a16:creationId xmlns:a16="http://schemas.microsoft.com/office/drawing/2014/main" id="{63AF6384-8BC6-4B52-AB3C-9E5F96616F3E}"/>
+              </a:ext>
+            </a:extLst>
+          </p:cNvPr>
+          <p:cNvPicPr>
+            <a:picLocks noChangeAspect="1" noChangeArrowheads="1"/>
+          </p:cNvPicPr>
+          <p:nvPr/>
+        </p:nvPicPr>
+        <p:blipFill>
+          <a:blip r:embed="rId4">
+            <a:extLst>
+              <a:ext uri="{28A0092B-C50C-407E-A947-70E740481C1C}">
+                <a14:useLocalDpi xmlns:a14="http://schemas.microsoft.com/office/drawing/2010/main" val="0"/>
+              </a:ext>
+            </a:extLst>
+          </a:blip>
+          <a:srcRect/>
+          <a:stretch>
+            <a:fillRect/>
+          </a:stretch>
+        </p:blipFill>
+        <p:spPr bwMode="auto">
+          <a:xfrm>
+            <a:off x="7619999" y="3705225"/>
+            <a:ext cx="1628775" cy="1628775"/>
+          </a:xfrm>
+          <a:prstGeom prst="rect">
+            <a:avLst/>
+          </a:prstGeom>
+          <a:noFill/>
+          <a:extLst>
+            <a:ext uri="{909E8E84-426E-40DD-AFC4-6F175D3DCCD1}">
+              <a14:hiddenFill xmlns:a14="http://schemas.microsoft.com/office/drawing/2010/main">
+                <a:solidFill>
+                  <a:srgbClr val="FFFFFF"/>
+                </a:solidFill>
+              </a14:hiddenFill>
+            </a:ext>
+          </a:extLst>
+        </p:spPr>
+      </p:pic>
+      <p:pic>
+        <p:nvPicPr>
+          <p:cNvPr id="6" name="Picture 6" descr="User, account, human, person icon - Free download">
+            <a:extLst>
+              <a:ext uri="{FF2B5EF4-FFF2-40B4-BE49-F238E27FC236}">
+                <a16:creationId xmlns:a16="http://schemas.microsoft.com/office/drawing/2014/main" id="{A5D8CC28-D3C4-4494-83E8-D6A4E64A7684}"/>
+              </a:ext>
+            </a:extLst>
+          </p:cNvPr>
+          <p:cNvPicPr>
+            <a:picLocks noChangeAspect="1" noChangeArrowheads="1"/>
+          </p:cNvPicPr>
+          <p:nvPr/>
+        </p:nvPicPr>
+        <p:blipFill>
+          <a:blip r:embed="rId5">
+            <a:extLst>
+              <a:ext uri="{28A0092B-C50C-407E-A947-70E740481C1C}">
+                <a14:useLocalDpi xmlns:a14="http://schemas.microsoft.com/office/drawing/2010/main" val="0"/>
+              </a:ext>
+            </a:extLst>
+          </a:blip>
+          <a:srcRect/>
+          <a:stretch>
+            <a:fillRect/>
+          </a:stretch>
+        </p:blipFill>
+        <p:spPr bwMode="auto">
+          <a:xfrm>
+            <a:off x="509589" y="2247900"/>
+            <a:ext cx="4876800" cy="4876800"/>
+          </a:xfrm>
+          <a:prstGeom prst="rect">
+            <a:avLst/>
+          </a:prstGeom>
+          <a:noFill/>
+          <a:extLst>
+            <a:ext uri="{909E8E84-426E-40DD-AFC4-6F175D3DCCD1}">
+              <a14:hiddenFill xmlns:a14="http://schemas.microsoft.com/office/drawing/2010/main">
+                <a:solidFill>
+                  <a:srgbClr val="FFFFFF"/>
+                </a:solidFill>
+              </a14:hiddenFill>
+            </a:ext>
+          </a:extLst>
+        </p:spPr>
+      </p:pic>
+      <p:sp>
+        <p:nvSpPr>
+          <p:cNvPr id="7" name="직사각형 6">
+            <a:extLst>
+              <a:ext uri="{FF2B5EF4-FFF2-40B4-BE49-F238E27FC236}">
+                <a16:creationId xmlns:a16="http://schemas.microsoft.com/office/drawing/2014/main" id="{89A01712-3737-4E3B-8F22-11F56740E94E}"/>
+              </a:ext>
+            </a:extLst>
+          </p:cNvPr>
+          <p:cNvSpPr/>
+          <p:nvPr/>
+        </p:nvSpPr>
+        <p:spPr>
+          <a:xfrm>
+            <a:off x="427106" y="2019300"/>
+            <a:ext cx="5041765" cy="923330"/>
+          </a:xfrm>
+          <a:prstGeom prst="rect">
+            <a:avLst/>
+          </a:prstGeom>
+        </p:spPr>
+        <p:txBody>
+          <a:bodyPr wrap="none">
+            <a:spAutoFit/>
+          </a:bodyPr>
+          <a:lstStyle/>
+          <a:p>
+            <a:r>
+              <a:rPr lang="ko-KR" altLang="en-US" sz="5400">
+                <a:latin typeface="배달의민족 주아" panose="02020603020101020101" pitchFamily="18" charset="-127"/>
+                <a:ea typeface="배달의민족 주아" panose="02020603020101020101" pitchFamily="18" charset="-127"/>
+              </a:rPr>
+              <a:t>아씨 나도 </a:t>
+            </a:r>
+            <a:r>
+              <a:rPr lang="ko-KR" altLang="en-US" sz="5400" dirty="0" err="1">
+                <a:latin typeface="배달의민족 주아" panose="02020603020101020101" pitchFamily="18" charset="-127"/>
+                <a:ea typeface="배달의민족 주아" panose="02020603020101020101" pitchFamily="18" charset="-127"/>
+              </a:rPr>
+              <a:t>똥매린데</a:t>
+            </a:r>
+            <a:endParaRPr lang="en-US" altLang="ko-KR" sz="5400" dirty="0">
+              <a:latin typeface="배달의민족 주아" panose="02020603020101020101" pitchFamily="18" charset="-127"/>
+              <a:ea typeface="배달의민족 주아" panose="02020603020101020101" pitchFamily="18" charset="-127"/>
+            </a:endParaRPr>
+          </a:p>
+        </p:txBody>
+      </p:sp>
+    </p:spTree>
+    <p:extLst>
+      <p:ext uri="{BB962C8B-B14F-4D97-AF65-F5344CB8AC3E}">
+        <p14:creationId xmlns:p14="http://schemas.microsoft.com/office/powerpoint/2010/main" val="1533316546"/>
       </p:ext>
     </p:extLst>
   </p:cSld>
@@ -9627,6 +14310,2347 @@
 </p:sld>
 </file>
 
+<file path=ppt/slides/slide50.xml><?xml version="1.0" encoding="utf-8"?>
+<p:sld xmlns:a="http://schemas.openxmlformats.org/drawingml/2006/main" xmlns:r="http://schemas.openxmlformats.org/officeDocument/2006/relationships" xmlns:p="http://schemas.openxmlformats.org/presentationml/2006/main">
+  <p:cSld>
+    <p:spTree>
+      <p:nvGrpSpPr>
+        <p:cNvPr id="1" name=""/>
+        <p:cNvGrpSpPr/>
+        <p:nvPr/>
+      </p:nvGrpSpPr>
+      <p:grpSpPr>
+        <a:xfrm>
+          <a:off x="0" y="0"/>
+          <a:ext cx="0" cy="0"/>
+          <a:chOff x="0" y="0"/>
+          <a:chExt cx="0" cy="0"/>
+        </a:xfrm>
+      </p:grpSpPr>
+      <p:sp>
+        <p:nvSpPr>
+          <p:cNvPr id="3" name="직사각형 2">
+            <a:extLst>
+              <a:ext uri="{FF2B5EF4-FFF2-40B4-BE49-F238E27FC236}">
+                <a16:creationId xmlns:a16="http://schemas.microsoft.com/office/drawing/2014/main" id="{CE97CBAA-9474-4762-9A45-7F1C1229323D}"/>
+              </a:ext>
+            </a:extLst>
+          </p:cNvPr>
+          <p:cNvSpPr/>
+          <p:nvPr/>
+        </p:nvSpPr>
+        <p:spPr>
+          <a:xfrm>
+            <a:off x="0" y="339365"/>
+            <a:ext cx="3619893" cy="1221117"/>
+          </a:xfrm>
+          <a:prstGeom prst="rect">
+            <a:avLst/>
+          </a:prstGeom>
+          <a:solidFill>
+            <a:schemeClr val="tx1"/>
+          </a:solidFill>
+          <a:ln>
+            <a:solidFill>
+              <a:schemeClr val="tx1"/>
+            </a:solidFill>
+          </a:ln>
+        </p:spPr>
+        <p:style>
+          <a:lnRef idx="2">
+            <a:schemeClr val="accent1">
+              <a:shade val="50000"/>
+            </a:schemeClr>
+          </a:lnRef>
+          <a:fillRef idx="1">
+            <a:schemeClr val="accent1"/>
+          </a:fillRef>
+          <a:effectRef idx="0">
+            <a:schemeClr val="accent1"/>
+          </a:effectRef>
+          <a:fontRef idx="minor">
+            <a:schemeClr val="lt1"/>
+          </a:fontRef>
+        </p:style>
+        <p:txBody>
+          <a:bodyPr rtlCol="0" anchor="ctr"/>
+          <a:lstStyle/>
+          <a:p>
+            <a:pPr algn="ctr"/>
+            <a:r>
+              <a:rPr lang="en-US" altLang="ko-KR" sz="4000" dirty="0">
+                <a:latin typeface="태나다체 " panose="02000000000000000000" pitchFamily="2" charset="-127"/>
+                <a:ea typeface="태나다체 " panose="02000000000000000000" pitchFamily="2" charset="-127"/>
+              </a:rPr>
+              <a:t>Lock </a:t>
+            </a:r>
+            <a:r>
+              <a:rPr lang="ko-KR" altLang="en-US" sz="4000" dirty="0">
+                <a:latin typeface="태나다체 " panose="02000000000000000000" pitchFamily="2" charset="-127"/>
+                <a:ea typeface="태나다체 " panose="02000000000000000000" pitchFamily="2" charset="-127"/>
+              </a:rPr>
+              <a:t>원리</a:t>
+            </a:r>
+          </a:p>
+        </p:txBody>
+      </p:sp>
+      <p:pic>
+        <p:nvPicPr>
+          <p:cNvPr id="1026" name="Picture 2" descr="Portable toilet - Free architecture and city icons">
+            <a:extLst>
+              <a:ext uri="{FF2B5EF4-FFF2-40B4-BE49-F238E27FC236}">
+                <a16:creationId xmlns:a16="http://schemas.microsoft.com/office/drawing/2014/main" id="{3AC4089B-DD7F-4885-BC39-1E1DA820D888}"/>
+              </a:ext>
+            </a:extLst>
+          </p:cNvPr>
+          <p:cNvPicPr>
+            <a:picLocks noChangeAspect="1" noChangeArrowheads="1"/>
+          </p:cNvPicPr>
+          <p:nvPr/>
+        </p:nvPicPr>
+        <p:blipFill>
+          <a:blip r:embed="rId3">
+            <a:extLst>
+              <a:ext uri="{28A0092B-C50C-407E-A947-70E740481C1C}">
+                <a14:useLocalDpi xmlns:a14="http://schemas.microsoft.com/office/drawing/2010/main" val="0"/>
+              </a:ext>
+            </a:extLst>
+          </a:blip>
+          <a:srcRect/>
+          <a:stretch>
+            <a:fillRect/>
+          </a:stretch>
+        </p:blipFill>
+        <p:spPr bwMode="auto">
+          <a:xfrm>
+            <a:off x="5995987" y="1457325"/>
+            <a:ext cx="4876800" cy="4876800"/>
+          </a:xfrm>
+          <a:prstGeom prst="rect">
+            <a:avLst/>
+          </a:prstGeom>
+          <a:noFill/>
+          <a:extLst>
+            <a:ext uri="{909E8E84-426E-40DD-AFC4-6F175D3DCCD1}">
+              <a14:hiddenFill xmlns:a14="http://schemas.microsoft.com/office/drawing/2010/main">
+                <a:solidFill>
+                  <a:srgbClr val="FFFFFF"/>
+                </a:solidFill>
+              </a14:hiddenFill>
+            </a:ext>
+          </a:extLst>
+        </p:spPr>
+      </p:pic>
+      <p:pic>
+        <p:nvPicPr>
+          <p:cNvPr id="14" name="Picture 4" descr="Padlock Icon Png #330958 - Free Icons Library">
+            <a:extLst>
+              <a:ext uri="{FF2B5EF4-FFF2-40B4-BE49-F238E27FC236}">
+                <a16:creationId xmlns:a16="http://schemas.microsoft.com/office/drawing/2014/main" id="{63AF6384-8BC6-4B52-AB3C-9E5F96616F3E}"/>
+              </a:ext>
+            </a:extLst>
+          </p:cNvPr>
+          <p:cNvPicPr>
+            <a:picLocks noChangeAspect="1" noChangeArrowheads="1"/>
+          </p:cNvPicPr>
+          <p:nvPr/>
+        </p:nvPicPr>
+        <p:blipFill>
+          <a:blip r:embed="rId4">
+            <a:extLst>
+              <a:ext uri="{28A0092B-C50C-407E-A947-70E740481C1C}">
+                <a14:useLocalDpi xmlns:a14="http://schemas.microsoft.com/office/drawing/2010/main" val="0"/>
+              </a:ext>
+            </a:extLst>
+          </a:blip>
+          <a:srcRect/>
+          <a:stretch>
+            <a:fillRect/>
+          </a:stretch>
+        </p:blipFill>
+        <p:spPr bwMode="auto">
+          <a:xfrm>
+            <a:off x="7619999" y="3705225"/>
+            <a:ext cx="1628775" cy="1628775"/>
+          </a:xfrm>
+          <a:prstGeom prst="rect">
+            <a:avLst/>
+          </a:prstGeom>
+          <a:noFill/>
+          <a:extLst>
+            <a:ext uri="{909E8E84-426E-40DD-AFC4-6F175D3DCCD1}">
+              <a14:hiddenFill xmlns:a14="http://schemas.microsoft.com/office/drawing/2010/main">
+                <a:solidFill>
+                  <a:srgbClr val="FFFFFF"/>
+                </a:solidFill>
+              </a14:hiddenFill>
+            </a:ext>
+          </a:extLst>
+        </p:spPr>
+      </p:pic>
+      <p:pic>
+        <p:nvPicPr>
+          <p:cNvPr id="6" name="Picture 6" descr="User, account, human, person icon - Free download">
+            <a:extLst>
+              <a:ext uri="{FF2B5EF4-FFF2-40B4-BE49-F238E27FC236}">
+                <a16:creationId xmlns:a16="http://schemas.microsoft.com/office/drawing/2014/main" id="{A5D8CC28-D3C4-4494-83E8-D6A4E64A7684}"/>
+              </a:ext>
+            </a:extLst>
+          </p:cNvPr>
+          <p:cNvPicPr>
+            <a:picLocks noChangeAspect="1" noChangeArrowheads="1"/>
+          </p:cNvPicPr>
+          <p:nvPr/>
+        </p:nvPicPr>
+        <p:blipFill>
+          <a:blip r:embed="rId5">
+            <a:extLst>
+              <a:ext uri="{28A0092B-C50C-407E-A947-70E740481C1C}">
+                <a14:useLocalDpi xmlns:a14="http://schemas.microsoft.com/office/drawing/2010/main" val="0"/>
+              </a:ext>
+            </a:extLst>
+          </a:blip>
+          <a:srcRect/>
+          <a:stretch>
+            <a:fillRect/>
+          </a:stretch>
+        </p:blipFill>
+        <p:spPr bwMode="auto">
+          <a:xfrm>
+            <a:off x="509589" y="2247900"/>
+            <a:ext cx="4876800" cy="4876800"/>
+          </a:xfrm>
+          <a:prstGeom prst="rect">
+            <a:avLst/>
+          </a:prstGeom>
+          <a:noFill/>
+          <a:extLst>
+            <a:ext uri="{909E8E84-426E-40DD-AFC4-6F175D3DCCD1}">
+              <a14:hiddenFill xmlns:a14="http://schemas.microsoft.com/office/drawing/2010/main">
+                <a:solidFill>
+                  <a:srgbClr val="FFFFFF"/>
+                </a:solidFill>
+              </a14:hiddenFill>
+            </a:ext>
+          </a:extLst>
+        </p:spPr>
+      </p:pic>
+      <p:sp>
+        <p:nvSpPr>
+          <p:cNvPr id="7" name="직사각형 6">
+            <a:extLst>
+              <a:ext uri="{FF2B5EF4-FFF2-40B4-BE49-F238E27FC236}">
+                <a16:creationId xmlns:a16="http://schemas.microsoft.com/office/drawing/2014/main" id="{89A01712-3737-4E3B-8F22-11F56740E94E}"/>
+              </a:ext>
+            </a:extLst>
+          </p:cNvPr>
+          <p:cNvSpPr/>
+          <p:nvPr/>
+        </p:nvSpPr>
+        <p:spPr>
+          <a:xfrm>
+            <a:off x="427106" y="2019300"/>
+            <a:ext cx="5041765" cy="923330"/>
+          </a:xfrm>
+          <a:prstGeom prst="rect">
+            <a:avLst/>
+          </a:prstGeom>
+        </p:spPr>
+        <p:txBody>
+          <a:bodyPr wrap="none">
+            <a:spAutoFit/>
+          </a:bodyPr>
+          <a:lstStyle/>
+          <a:p>
+            <a:r>
+              <a:rPr lang="ko-KR" altLang="en-US" sz="5400">
+                <a:latin typeface="배달의민족 주아" panose="02020603020101020101" pitchFamily="18" charset="-127"/>
+                <a:ea typeface="배달의민족 주아" panose="02020603020101020101" pitchFamily="18" charset="-127"/>
+              </a:rPr>
+              <a:t>아씨 나도 </a:t>
+            </a:r>
+            <a:r>
+              <a:rPr lang="ko-KR" altLang="en-US" sz="5400" dirty="0" err="1">
+                <a:latin typeface="배달의민족 주아" panose="02020603020101020101" pitchFamily="18" charset="-127"/>
+                <a:ea typeface="배달의민족 주아" panose="02020603020101020101" pitchFamily="18" charset="-127"/>
+              </a:rPr>
+              <a:t>똥매린데</a:t>
+            </a:r>
+            <a:endParaRPr lang="en-US" altLang="ko-KR" sz="5400" dirty="0">
+              <a:latin typeface="배달의민족 주아" panose="02020603020101020101" pitchFamily="18" charset="-127"/>
+              <a:ea typeface="배달의민족 주아" panose="02020603020101020101" pitchFamily="18" charset="-127"/>
+            </a:endParaRPr>
+          </a:p>
+        </p:txBody>
+      </p:sp>
+      <p:sp>
+        <p:nvSpPr>
+          <p:cNvPr id="2" name="말풍선: 타원형 1">
+            <a:extLst>
+              <a:ext uri="{FF2B5EF4-FFF2-40B4-BE49-F238E27FC236}">
+                <a16:creationId xmlns:a16="http://schemas.microsoft.com/office/drawing/2014/main" id="{B29B4394-28BA-4E5F-A511-6BAC7B8E6C33}"/>
+              </a:ext>
+            </a:extLst>
+          </p:cNvPr>
+          <p:cNvSpPr/>
+          <p:nvPr/>
+        </p:nvSpPr>
+        <p:spPr>
+          <a:xfrm>
+            <a:off x="10010775" y="770566"/>
+            <a:ext cx="2105025" cy="1373517"/>
+          </a:xfrm>
+          <a:prstGeom prst="wedgeEllipseCallout">
+            <a:avLst>
+              <a:gd name="adj1" fmla="val -43457"/>
+              <a:gd name="adj2" fmla="val 48661"/>
+            </a:avLst>
+          </a:prstGeom>
+          <a:solidFill>
+            <a:schemeClr val="bg1"/>
+          </a:solidFill>
+          <a:ln w="57150">
+            <a:solidFill>
+              <a:schemeClr val="tx1"/>
+            </a:solidFill>
+          </a:ln>
+        </p:spPr>
+        <p:style>
+          <a:lnRef idx="2">
+            <a:schemeClr val="accent1">
+              <a:shade val="50000"/>
+            </a:schemeClr>
+          </a:lnRef>
+          <a:fillRef idx="1">
+            <a:schemeClr val="accent1"/>
+          </a:fillRef>
+          <a:effectRef idx="0">
+            <a:schemeClr val="accent1"/>
+          </a:effectRef>
+          <a:fontRef idx="minor">
+            <a:schemeClr val="lt1"/>
+          </a:fontRef>
+        </p:style>
+        <p:txBody>
+          <a:bodyPr rtlCol="0" anchor="ctr"/>
+          <a:lstStyle/>
+          <a:p>
+            <a:pPr algn="ctr"/>
+            <a:r>
+              <a:rPr lang="ko-KR" altLang="en-US" sz="3600" dirty="0">
+                <a:solidFill>
+                  <a:schemeClr val="tx1"/>
+                </a:solidFill>
+                <a:latin typeface="배달의민족 주아" panose="02020603020101020101" pitchFamily="18" charset="-127"/>
+                <a:ea typeface="배달의민족 주아" panose="02020603020101020101" pitchFamily="18" charset="-127"/>
+              </a:rPr>
+              <a:t>자리요</a:t>
+            </a:r>
+            <a:r>
+              <a:rPr lang="en-US" altLang="ko-KR" sz="3600" dirty="0">
+                <a:solidFill>
+                  <a:schemeClr val="tx1"/>
+                </a:solidFill>
+                <a:latin typeface="배달의민족 주아" panose="02020603020101020101" pitchFamily="18" charset="-127"/>
+                <a:ea typeface="배달의민족 주아" panose="02020603020101020101" pitchFamily="18" charset="-127"/>
+              </a:rPr>
+              <a:t>;;</a:t>
+            </a:r>
+            <a:endParaRPr lang="ko-KR" altLang="en-US" sz="3600" dirty="0">
+              <a:solidFill>
+                <a:schemeClr val="tx1"/>
+              </a:solidFill>
+              <a:latin typeface="배달의민족 주아" panose="02020603020101020101" pitchFamily="18" charset="-127"/>
+              <a:ea typeface="배달의민족 주아" panose="02020603020101020101" pitchFamily="18" charset="-127"/>
+            </a:endParaRPr>
+          </a:p>
+        </p:txBody>
+      </p:sp>
+    </p:spTree>
+    <p:extLst>
+      <p:ext uri="{BB962C8B-B14F-4D97-AF65-F5344CB8AC3E}">
+        <p14:creationId xmlns:p14="http://schemas.microsoft.com/office/powerpoint/2010/main" val="2566510746"/>
+      </p:ext>
+    </p:extLst>
+  </p:cSld>
+  <p:clrMapOvr>
+    <a:masterClrMapping/>
+  </p:clrMapOvr>
+</p:sld>
+</file>
+
+<file path=ppt/slides/slide51.xml><?xml version="1.0" encoding="utf-8"?>
+<p:sld xmlns:a="http://schemas.openxmlformats.org/drawingml/2006/main" xmlns:r="http://schemas.openxmlformats.org/officeDocument/2006/relationships" xmlns:p="http://schemas.openxmlformats.org/presentationml/2006/main">
+  <p:cSld>
+    <p:spTree>
+      <p:nvGrpSpPr>
+        <p:cNvPr id="1" name=""/>
+        <p:cNvGrpSpPr/>
+        <p:nvPr/>
+      </p:nvGrpSpPr>
+      <p:grpSpPr>
+        <a:xfrm>
+          <a:off x="0" y="0"/>
+          <a:ext cx="0" cy="0"/>
+          <a:chOff x="0" y="0"/>
+          <a:chExt cx="0" cy="0"/>
+        </a:xfrm>
+      </p:grpSpPr>
+      <p:sp>
+        <p:nvSpPr>
+          <p:cNvPr id="3" name="직사각형 2">
+            <a:extLst>
+              <a:ext uri="{FF2B5EF4-FFF2-40B4-BE49-F238E27FC236}">
+                <a16:creationId xmlns:a16="http://schemas.microsoft.com/office/drawing/2014/main" id="{CE97CBAA-9474-4762-9A45-7F1C1229323D}"/>
+              </a:ext>
+            </a:extLst>
+          </p:cNvPr>
+          <p:cNvSpPr/>
+          <p:nvPr/>
+        </p:nvSpPr>
+        <p:spPr>
+          <a:xfrm>
+            <a:off x="0" y="339365"/>
+            <a:ext cx="3619893" cy="1221117"/>
+          </a:xfrm>
+          <a:prstGeom prst="rect">
+            <a:avLst/>
+          </a:prstGeom>
+          <a:solidFill>
+            <a:schemeClr val="tx1"/>
+          </a:solidFill>
+          <a:ln>
+            <a:solidFill>
+              <a:schemeClr val="tx1"/>
+            </a:solidFill>
+          </a:ln>
+        </p:spPr>
+        <p:style>
+          <a:lnRef idx="2">
+            <a:schemeClr val="accent1">
+              <a:shade val="50000"/>
+            </a:schemeClr>
+          </a:lnRef>
+          <a:fillRef idx="1">
+            <a:schemeClr val="accent1"/>
+          </a:fillRef>
+          <a:effectRef idx="0">
+            <a:schemeClr val="accent1"/>
+          </a:effectRef>
+          <a:fontRef idx="minor">
+            <a:schemeClr val="lt1"/>
+          </a:fontRef>
+        </p:style>
+        <p:txBody>
+          <a:bodyPr rtlCol="0" anchor="ctr"/>
+          <a:lstStyle/>
+          <a:p>
+            <a:pPr algn="ctr"/>
+            <a:r>
+              <a:rPr lang="en-US" altLang="ko-KR" sz="4000" dirty="0">
+                <a:latin typeface="태나다체 " panose="02000000000000000000" pitchFamily="2" charset="-127"/>
+                <a:ea typeface="태나다체 " panose="02000000000000000000" pitchFamily="2" charset="-127"/>
+              </a:rPr>
+              <a:t>Lock </a:t>
+            </a:r>
+            <a:r>
+              <a:rPr lang="ko-KR" altLang="en-US" sz="4000" dirty="0">
+                <a:latin typeface="태나다체 " panose="02000000000000000000" pitchFamily="2" charset="-127"/>
+                <a:ea typeface="태나다체 " panose="02000000000000000000" pitchFamily="2" charset="-127"/>
+              </a:rPr>
+              <a:t>원리</a:t>
+            </a:r>
+          </a:p>
+        </p:txBody>
+      </p:sp>
+      <p:pic>
+        <p:nvPicPr>
+          <p:cNvPr id="1026" name="Picture 2" descr="Portable toilet - Free architecture and city icons">
+            <a:extLst>
+              <a:ext uri="{FF2B5EF4-FFF2-40B4-BE49-F238E27FC236}">
+                <a16:creationId xmlns:a16="http://schemas.microsoft.com/office/drawing/2014/main" id="{3AC4089B-DD7F-4885-BC39-1E1DA820D888}"/>
+              </a:ext>
+            </a:extLst>
+          </p:cNvPr>
+          <p:cNvPicPr>
+            <a:picLocks noChangeAspect="1" noChangeArrowheads="1"/>
+          </p:cNvPicPr>
+          <p:nvPr/>
+        </p:nvPicPr>
+        <p:blipFill>
+          <a:blip r:embed="rId3">
+            <a:extLst>
+              <a:ext uri="{28A0092B-C50C-407E-A947-70E740481C1C}">
+                <a14:useLocalDpi xmlns:a14="http://schemas.microsoft.com/office/drawing/2010/main" val="0"/>
+              </a:ext>
+            </a:extLst>
+          </a:blip>
+          <a:srcRect/>
+          <a:stretch>
+            <a:fillRect/>
+          </a:stretch>
+        </p:blipFill>
+        <p:spPr bwMode="auto">
+          <a:xfrm>
+            <a:off x="5995987" y="1457325"/>
+            <a:ext cx="4876800" cy="4876800"/>
+          </a:xfrm>
+          <a:prstGeom prst="rect">
+            <a:avLst/>
+          </a:prstGeom>
+          <a:noFill/>
+          <a:extLst>
+            <a:ext uri="{909E8E84-426E-40DD-AFC4-6F175D3DCCD1}">
+              <a14:hiddenFill xmlns:a14="http://schemas.microsoft.com/office/drawing/2010/main">
+                <a:solidFill>
+                  <a:srgbClr val="FFFFFF"/>
+                </a:solidFill>
+              </a14:hiddenFill>
+            </a:ext>
+          </a:extLst>
+        </p:spPr>
+      </p:pic>
+      <p:pic>
+        <p:nvPicPr>
+          <p:cNvPr id="6" name="Picture 6" descr="User, account, human, person icon - Free download">
+            <a:extLst>
+              <a:ext uri="{FF2B5EF4-FFF2-40B4-BE49-F238E27FC236}">
+                <a16:creationId xmlns:a16="http://schemas.microsoft.com/office/drawing/2014/main" id="{A5D8CC28-D3C4-4494-83E8-D6A4E64A7684}"/>
+              </a:ext>
+            </a:extLst>
+          </p:cNvPr>
+          <p:cNvPicPr>
+            <a:picLocks noChangeAspect="1" noChangeArrowheads="1"/>
+          </p:cNvPicPr>
+          <p:nvPr/>
+        </p:nvPicPr>
+        <p:blipFill>
+          <a:blip r:embed="rId4">
+            <a:extLst>
+              <a:ext uri="{28A0092B-C50C-407E-A947-70E740481C1C}">
+                <a14:useLocalDpi xmlns:a14="http://schemas.microsoft.com/office/drawing/2010/main" val="0"/>
+              </a:ext>
+            </a:extLst>
+          </a:blip>
+          <a:srcRect/>
+          <a:stretch>
+            <a:fillRect/>
+          </a:stretch>
+        </p:blipFill>
+        <p:spPr bwMode="auto">
+          <a:xfrm>
+            <a:off x="509589" y="2247900"/>
+            <a:ext cx="4876800" cy="4876800"/>
+          </a:xfrm>
+          <a:prstGeom prst="rect">
+            <a:avLst/>
+          </a:prstGeom>
+          <a:noFill/>
+          <a:extLst>
+            <a:ext uri="{909E8E84-426E-40DD-AFC4-6F175D3DCCD1}">
+              <a14:hiddenFill xmlns:a14="http://schemas.microsoft.com/office/drawing/2010/main">
+                <a:solidFill>
+                  <a:srgbClr val="FFFFFF"/>
+                </a:solidFill>
+              </a14:hiddenFill>
+            </a:ext>
+          </a:extLst>
+        </p:spPr>
+      </p:pic>
+      <p:pic>
+        <p:nvPicPr>
+          <p:cNvPr id="8" name="Picture 6" descr="User, account, human, person icon - Free download">
+            <a:extLst>
+              <a:ext uri="{FF2B5EF4-FFF2-40B4-BE49-F238E27FC236}">
+                <a16:creationId xmlns:a16="http://schemas.microsoft.com/office/drawing/2014/main" id="{FA951C7F-730D-4959-A06C-28108A8A91A1}"/>
+              </a:ext>
+            </a:extLst>
+          </p:cNvPr>
+          <p:cNvPicPr>
+            <a:picLocks noChangeAspect="1" noChangeArrowheads="1"/>
+          </p:cNvPicPr>
+          <p:nvPr/>
+        </p:nvPicPr>
+        <p:blipFill>
+          <a:blip r:embed="rId4">
+            <a:extLst>
+              <a:ext uri="{28A0092B-C50C-407E-A947-70E740481C1C}">
+                <a14:useLocalDpi xmlns:a14="http://schemas.microsoft.com/office/drawing/2010/main" val="0"/>
+              </a:ext>
+            </a:extLst>
+          </a:blip>
+          <a:srcRect/>
+          <a:stretch>
+            <a:fillRect/>
+          </a:stretch>
+        </p:blipFill>
+        <p:spPr bwMode="auto">
+          <a:xfrm>
+            <a:off x="9910761" y="4491037"/>
+            <a:ext cx="2209801" cy="2209801"/>
+          </a:xfrm>
+          <a:prstGeom prst="rect">
+            <a:avLst/>
+          </a:prstGeom>
+          <a:noFill/>
+          <a:extLst>
+            <a:ext uri="{909E8E84-426E-40DD-AFC4-6F175D3DCCD1}">
+              <a14:hiddenFill xmlns:a14="http://schemas.microsoft.com/office/drawing/2010/main">
+                <a:solidFill>
+                  <a:srgbClr val="FFFFFF"/>
+                </a:solidFill>
+              </a14:hiddenFill>
+            </a:ext>
+          </a:extLst>
+        </p:spPr>
+      </p:pic>
+      <p:sp>
+        <p:nvSpPr>
+          <p:cNvPr id="9" name="직사각형 8">
+            <a:extLst>
+              <a:ext uri="{FF2B5EF4-FFF2-40B4-BE49-F238E27FC236}">
+                <a16:creationId xmlns:a16="http://schemas.microsoft.com/office/drawing/2014/main" id="{50842C51-D755-4B15-AC3F-8FA44D93552E}"/>
+              </a:ext>
+            </a:extLst>
+          </p:cNvPr>
+          <p:cNvSpPr/>
+          <p:nvPr/>
+        </p:nvSpPr>
+        <p:spPr>
+          <a:xfrm>
+            <a:off x="10166710" y="3978414"/>
+            <a:ext cx="1697901" cy="707886"/>
+          </a:xfrm>
+          <a:prstGeom prst="rect">
+            <a:avLst/>
+          </a:prstGeom>
+        </p:spPr>
+        <p:txBody>
+          <a:bodyPr wrap="none">
+            <a:spAutoFit/>
+          </a:bodyPr>
+          <a:lstStyle/>
+          <a:p>
+            <a:r>
+              <a:rPr lang="ko-KR" altLang="en-US" sz="4000" dirty="0">
+                <a:latin typeface="배달의민족 주아" panose="02020603020101020101" pitchFamily="18" charset="-127"/>
+                <a:ea typeface="배달의민족 주아" panose="02020603020101020101" pitchFamily="18" charset="-127"/>
+              </a:rPr>
+              <a:t>나 다 씀</a:t>
+            </a:r>
+            <a:endParaRPr lang="en-US" altLang="ko-KR" sz="4000" dirty="0">
+              <a:latin typeface="배달의민족 주아" panose="02020603020101020101" pitchFamily="18" charset="-127"/>
+              <a:ea typeface="배달의민족 주아" panose="02020603020101020101" pitchFamily="18" charset="-127"/>
+            </a:endParaRPr>
+          </a:p>
+        </p:txBody>
+      </p:sp>
+    </p:spTree>
+    <p:extLst>
+      <p:ext uri="{BB962C8B-B14F-4D97-AF65-F5344CB8AC3E}">
+        <p14:creationId xmlns:p14="http://schemas.microsoft.com/office/powerpoint/2010/main" val="3124031609"/>
+      </p:ext>
+    </p:extLst>
+  </p:cSld>
+  <p:clrMapOvr>
+    <a:masterClrMapping/>
+  </p:clrMapOvr>
+</p:sld>
+</file>
+
+<file path=ppt/slides/slide52.xml><?xml version="1.0" encoding="utf-8"?>
+<p:sld xmlns:a="http://schemas.openxmlformats.org/drawingml/2006/main" xmlns:r="http://schemas.openxmlformats.org/officeDocument/2006/relationships" xmlns:p="http://schemas.openxmlformats.org/presentationml/2006/main">
+  <p:cSld>
+    <p:spTree>
+      <p:nvGrpSpPr>
+        <p:cNvPr id="1" name=""/>
+        <p:cNvGrpSpPr/>
+        <p:nvPr/>
+      </p:nvGrpSpPr>
+      <p:grpSpPr>
+        <a:xfrm>
+          <a:off x="0" y="0"/>
+          <a:ext cx="0" cy="0"/>
+          <a:chOff x="0" y="0"/>
+          <a:chExt cx="0" cy="0"/>
+        </a:xfrm>
+      </p:grpSpPr>
+      <p:sp>
+        <p:nvSpPr>
+          <p:cNvPr id="3" name="직사각형 2">
+            <a:extLst>
+              <a:ext uri="{FF2B5EF4-FFF2-40B4-BE49-F238E27FC236}">
+                <a16:creationId xmlns:a16="http://schemas.microsoft.com/office/drawing/2014/main" id="{CE97CBAA-9474-4762-9A45-7F1C1229323D}"/>
+              </a:ext>
+            </a:extLst>
+          </p:cNvPr>
+          <p:cNvSpPr/>
+          <p:nvPr/>
+        </p:nvSpPr>
+        <p:spPr>
+          <a:xfrm>
+            <a:off x="0" y="339365"/>
+            <a:ext cx="3619893" cy="1221117"/>
+          </a:xfrm>
+          <a:prstGeom prst="rect">
+            <a:avLst/>
+          </a:prstGeom>
+          <a:solidFill>
+            <a:schemeClr val="tx1"/>
+          </a:solidFill>
+          <a:ln>
+            <a:solidFill>
+              <a:schemeClr val="tx1"/>
+            </a:solidFill>
+          </a:ln>
+        </p:spPr>
+        <p:style>
+          <a:lnRef idx="2">
+            <a:schemeClr val="accent1">
+              <a:shade val="50000"/>
+            </a:schemeClr>
+          </a:lnRef>
+          <a:fillRef idx="1">
+            <a:schemeClr val="accent1"/>
+          </a:fillRef>
+          <a:effectRef idx="0">
+            <a:schemeClr val="accent1"/>
+          </a:effectRef>
+          <a:fontRef idx="minor">
+            <a:schemeClr val="lt1"/>
+          </a:fontRef>
+        </p:style>
+        <p:txBody>
+          <a:bodyPr rtlCol="0" anchor="ctr"/>
+          <a:lstStyle/>
+          <a:p>
+            <a:pPr algn="ctr"/>
+            <a:r>
+              <a:rPr lang="en-US" altLang="ko-KR" sz="4000" dirty="0">
+                <a:latin typeface="태나다체 " panose="02000000000000000000" pitchFamily="2" charset="-127"/>
+                <a:ea typeface="태나다체 " panose="02000000000000000000" pitchFamily="2" charset="-127"/>
+              </a:rPr>
+              <a:t>Lock </a:t>
+            </a:r>
+            <a:r>
+              <a:rPr lang="ko-KR" altLang="en-US" sz="4000" dirty="0">
+                <a:latin typeface="태나다체 " panose="02000000000000000000" pitchFamily="2" charset="-127"/>
+                <a:ea typeface="태나다체 " panose="02000000000000000000" pitchFamily="2" charset="-127"/>
+              </a:rPr>
+              <a:t>원리</a:t>
+            </a:r>
+          </a:p>
+        </p:txBody>
+      </p:sp>
+      <p:pic>
+        <p:nvPicPr>
+          <p:cNvPr id="1026" name="Picture 2" descr="Portable toilet - Free architecture and city icons">
+            <a:extLst>
+              <a:ext uri="{FF2B5EF4-FFF2-40B4-BE49-F238E27FC236}">
+                <a16:creationId xmlns:a16="http://schemas.microsoft.com/office/drawing/2014/main" id="{3AC4089B-DD7F-4885-BC39-1E1DA820D888}"/>
+              </a:ext>
+            </a:extLst>
+          </p:cNvPr>
+          <p:cNvPicPr>
+            <a:picLocks noChangeAspect="1" noChangeArrowheads="1"/>
+          </p:cNvPicPr>
+          <p:nvPr/>
+        </p:nvPicPr>
+        <p:blipFill>
+          <a:blip r:embed="rId3">
+            <a:extLst>
+              <a:ext uri="{28A0092B-C50C-407E-A947-70E740481C1C}">
+                <a14:useLocalDpi xmlns:a14="http://schemas.microsoft.com/office/drawing/2010/main" val="0"/>
+              </a:ext>
+            </a:extLst>
+          </a:blip>
+          <a:srcRect/>
+          <a:stretch>
+            <a:fillRect/>
+          </a:stretch>
+        </p:blipFill>
+        <p:spPr bwMode="auto">
+          <a:xfrm>
+            <a:off x="5995987" y="1457325"/>
+            <a:ext cx="4876800" cy="4876800"/>
+          </a:xfrm>
+          <a:prstGeom prst="rect">
+            <a:avLst/>
+          </a:prstGeom>
+          <a:noFill/>
+          <a:extLst>
+            <a:ext uri="{909E8E84-426E-40DD-AFC4-6F175D3DCCD1}">
+              <a14:hiddenFill xmlns:a14="http://schemas.microsoft.com/office/drawing/2010/main">
+                <a:solidFill>
+                  <a:srgbClr val="FFFFFF"/>
+                </a:solidFill>
+              </a14:hiddenFill>
+            </a:ext>
+          </a:extLst>
+        </p:spPr>
+      </p:pic>
+      <p:pic>
+        <p:nvPicPr>
+          <p:cNvPr id="6" name="Picture 6" descr="User, account, human, person icon - Free download">
+            <a:extLst>
+              <a:ext uri="{FF2B5EF4-FFF2-40B4-BE49-F238E27FC236}">
+                <a16:creationId xmlns:a16="http://schemas.microsoft.com/office/drawing/2014/main" id="{A5D8CC28-D3C4-4494-83E8-D6A4E64A7684}"/>
+              </a:ext>
+            </a:extLst>
+          </p:cNvPr>
+          <p:cNvPicPr>
+            <a:picLocks noChangeAspect="1" noChangeArrowheads="1"/>
+          </p:cNvPicPr>
+          <p:nvPr/>
+        </p:nvPicPr>
+        <p:blipFill>
+          <a:blip r:embed="rId4">
+            <a:extLst>
+              <a:ext uri="{28A0092B-C50C-407E-A947-70E740481C1C}">
+                <a14:useLocalDpi xmlns:a14="http://schemas.microsoft.com/office/drawing/2010/main" val="0"/>
+              </a:ext>
+            </a:extLst>
+          </a:blip>
+          <a:srcRect/>
+          <a:stretch>
+            <a:fillRect/>
+          </a:stretch>
+        </p:blipFill>
+        <p:spPr bwMode="auto">
+          <a:xfrm>
+            <a:off x="509589" y="2247900"/>
+            <a:ext cx="4876800" cy="4876800"/>
+          </a:xfrm>
+          <a:prstGeom prst="rect">
+            <a:avLst/>
+          </a:prstGeom>
+          <a:noFill/>
+          <a:extLst>
+            <a:ext uri="{909E8E84-426E-40DD-AFC4-6F175D3DCCD1}">
+              <a14:hiddenFill xmlns:a14="http://schemas.microsoft.com/office/drawing/2010/main">
+                <a:solidFill>
+                  <a:srgbClr val="FFFFFF"/>
+                </a:solidFill>
+              </a14:hiddenFill>
+            </a:ext>
+          </a:extLst>
+        </p:spPr>
+      </p:pic>
+      <p:sp>
+        <p:nvSpPr>
+          <p:cNvPr id="7" name="직사각형 6">
+            <a:extLst>
+              <a:ext uri="{FF2B5EF4-FFF2-40B4-BE49-F238E27FC236}">
+                <a16:creationId xmlns:a16="http://schemas.microsoft.com/office/drawing/2014/main" id="{89A01712-3737-4E3B-8F22-11F56740E94E}"/>
+              </a:ext>
+            </a:extLst>
+          </p:cNvPr>
+          <p:cNvSpPr/>
+          <p:nvPr/>
+        </p:nvSpPr>
+        <p:spPr>
+          <a:xfrm>
+            <a:off x="1250248" y="2028825"/>
+            <a:ext cx="3395481" cy="923330"/>
+          </a:xfrm>
+          <a:prstGeom prst="rect">
+            <a:avLst/>
+          </a:prstGeom>
+        </p:spPr>
+        <p:txBody>
+          <a:bodyPr wrap="none">
+            <a:spAutoFit/>
+          </a:bodyPr>
+          <a:lstStyle/>
+          <a:p>
+            <a:r>
+              <a:rPr lang="ko-KR" altLang="en-US" sz="5400" dirty="0" err="1">
+                <a:latin typeface="배달의민족 주아" panose="02020603020101020101" pitchFamily="18" charset="-127"/>
+                <a:ea typeface="배달의민족 주아" panose="02020603020101020101" pitchFamily="18" charset="-127"/>
+              </a:rPr>
+              <a:t>ㅇㅋ</a:t>
+            </a:r>
+            <a:r>
+              <a:rPr lang="ko-KR" altLang="en-US" sz="5400" dirty="0">
+                <a:latin typeface="배달의민족 주아" panose="02020603020101020101" pitchFamily="18" charset="-127"/>
+                <a:ea typeface="배달의민족 주아" panose="02020603020101020101" pitchFamily="18" charset="-127"/>
+              </a:rPr>
+              <a:t> 내 차례</a:t>
+            </a:r>
+            <a:endParaRPr lang="en-US" altLang="ko-KR" sz="5400" dirty="0">
+              <a:latin typeface="배달의민족 주아" panose="02020603020101020101" pitchFamily="18" charset="-127"/>
+              <a:ea typeface="배달의민족 주아" panose="02020603020101020101" pitchFamily="18" charset="-127"/>
+            </a:endParaRPr>
+          </a:p>
+        </p:txBody>
+      </p:sp>
+    </p:spTree>
+    <p:extLst>
+      <p:ext uri="{BB962C8B-B14F-4D97-AF65-F5344CB8AC3E}">
+        <p14:creationId xmlns:p14="http://schemas.microsoft.com/office/powerpoint/2010/main" val="1162170038"/>
+      </p:ext>
+    </p:extLst>
+  </p:cSld>
+  <p:clrMapOvr>
+    <a:masterClrMapping/>
+  </p:clrMapOvr>
+</p:sld>
+</file>
+
+<file path=ppt/slides/slide53.xml><?xml version="1.0" encoding="utf-8"?>
+<p:sld xmlns:a="http://schemas.openxmlformats.org/drawingml/2006/main" xmlns:r="http://schemas.openxmlformats.org/officeDocument/2006/relationships" xmlns:p="http://schemas.openxmlformats.org/presentationml/2006/main">
+  <p:cSld>
+    <p:spTree>
+      <p:nvGrpSpPr>
+        <p:cNvPr id="1" name=""/>
+        <p:cNvGrpSpPr/>
+        <p:nvPr/>
+      </p:nvGrpSpPr>
+      <p:grpSpPr>
+        <a:xfrm>
+          <a:off x="0" y="0"/>
+          <a:ext cx="0" cy="0"/>
+          <a:chOff x="0" y="0"/>
+          <a:chExt cx="0" cy="0"/>
+        </a:xfrm>
+      </p:grpSpPr>
+      <p:sp>
+        <p:nvSpPr>
+          <p:cNvPr id="3" name="직사각형 2">
+            <a:extLst>
+              <a:ext uri="{FF2B5EF4-FFF2-40B4-BE49-F238E27FC236}">
+                <a16:creationId xmlns:a16="http://schemas.microsoft.com/office/drawing/2014/main" id="{CE97CBAA-9474-4762-9A45-7F1C1229323D}"/>
+              </a:ext>
+            </a:extLst>
+          </p:cNvPr>
+          <p:cNvSpPr/>
+          <p:nvPr/>
+        </p:nvSpPr>
+        <p:spPr>
+          <a:xfrm>
+            <a:off x="0" y="339365"/>
+            <a:ext cx="3619893" cy="1221117"/>
+          </a:xfrm>
+          <a:prstGeom prst="rect">
+            <a:avLst/>
+          </a:prstGeom>
+          <a:solidFill>
+            <a:schemeClr val="tx1"/>
+          </a:solidFill>
+          <a:ln>
+            <a:solidFill>
+              <a:schemeClr val="tx1"/>
+            </a:solidFill>
+          </a:ln>
+        </p:spPr>
+        <p:style>
+          <a:lnRef idx="2">
+            <a:schemeClr val="accent1">
+              <a:shade val="50000"/>
+            </a:schemeClr>
+          </a:lnRef>
+          <a:fillRef idx="1">
+            <a:schemeClr val="accent1"/>
+          </a:fillRef>
+          <a:effectRef idx="0">
+            <a:schemeClr val="accent1"/>
+          </a:effectRef>
+          <a:fontRef idx="minor">
+            <a:schemeClr val="lt1"/>
+          </a:fontRef>
+        </p:style>
+        <p:txBody>
+          <a:bodyPr rtlCol="0" anchor="ctr"/>
+          <a:lstStyle/>
+          <a:p>
+            <a:pPr algn="ctr"/>
+            <a:r>
+              <a:rPr lang="en-US" altLang="ko-KR" sz="4000" dirty="0">
+                <a:latin typeface="태나다체 " panose="02000000000000000000" pitchFamily="2" charset="-127"/>
+                <a:ea typeface="태나다체 " panose="02000000000000000000" pitchFamily="2" charset="-127"/>
+              </a:rPr>
+              <a:t>Lock </a:t>
+            </a:r>
+            <a:r>
+              <a:rPr lang="ko-KR" altLang="en-US" sz="4000" dirty="0">
+                <a:latin typeface="태나다체 " panose="02000000000000000000" pitchFamily="2" charset="-127"/>
+                <a:ea typeface="태나다체 " panose="02000000000000000000" pitchFamily="2" charset="-127"/>
+              </a:rPr>
+              <a:t>원리</a:t>
+            </a:r>
+          </a:p>
+        </p:txBody>
+      </p:sp>
+      <p:pic>
+        <p:nvPicPr>
+          <p:cNvPr id="1026" name="Picture 2" descr="Portable toilet - Free architecture and city icons">
+            <a:extLst>
+              <a:ext uri="{FF2B5EF4-FFF2-40B4-BE49-F238E27FC236}">
+                <a16:creationId xmlns:a16="http://schemas.microsoft.com/office/drawing/2014/main" id="{3AC4089B-DD7F-4885-BC39-1E1DA820D888}"/>
+              </a:ext>
+            </a:extLst>
+          </p:cNvPr>
+          <p:cNvPicPr>
+            <a:picLocks noChangeAspect="1" noChangeArrowheads="1"/>
+          </p:cNvPicPr>
+          <p:nvPr/>
+        </p:nvPicPr>
+        <p:blipFill>
+          <a:blip r:embed="rId3">
+            <a:extLst>
+              <a:ext uri="{28A0092B-C50C-407E-A947-70E740481C1C}">
+                <a14:useLocalDpi xmlns:a14="http://schemas.microsoft.com/office/drawing/2010/main" val="0"/>
+              </a:ext>
+            </a:extLst>
+          </a:blip>
+          <a:srcRect/>
+          <a:stretch>
+            <a:fillRect/>
+          </a:stretch>
+        </p:blipFill>
+        <p:spPr bwMode="auto">
+          <a:xfrm>
+            <a:off x="5995987" y="1457325"/>
+            <a:ext cx="4876800" cy="4876800"/>
+          </a:xfrm>
+          <a:prstGeom prst="rect">
+            <a:avLst/>
+          </a:prstGeom>
+          <a:noFill/>
+          <a:extLst>
+            <a:ext uri="{909E8E84-426E-40DD-AFC4-6F175D3DCCD1}">
+              <a14:hiddenFill xmlns:a14="http://schemas.microsoft.com/office/drawing/2010/main">
+                <a:solidFill>
+                  <a:srgbClr val="FFFFFF"/>
+                </a:solidFill>
+              </a14:hiddenFill>
+            </a:ext>
+          </a:extLst>
+        </p:spPr>
+      </p:pic>
+      <p:pic>
+        <p:nvPicPr>
+          <p:cNvPr id="1030" name="Picture 6" descr="User, account, human, person icon - Free download">
+            <a:extLst>
+              <a:ext uri="{FF2B5EF4-FFF2-40B4-BE49-F238E27FC236}">
+                <a16:creationId xmlns:a16="http://schemas.microsoft.com/office/drawing/2014/main" id="{506EAF77-0444-41B3-A7BE-9D53450FE5D0}"/>
+              </a:ext>
+            </a:extLst>
+          </p:cNvPr>
+          <p:cNvPicPr>
+            <a:picLocks noChangeAspect="1" noChangeArrowheads="1"/>
+          </p:cNvPicPr>
+          <p:nvPr/>
+        </p:nvPicPr>
+        <p:blipFill>
+          <a:blip r:embed="rId4">
+            <a:extLst>
+              <a:ext uri="{28A0092B-C50C-407E-A947-70E740481C1C}">
+                <a14:useLocalDpi xmlns:a14="http://schemas.microsoft.com/office/drawing/2010/main" val="0"/>
+              </a:ext>
+            </a:extLst>
+          </a:blip>
+          <a:srcRect/>
+          <a:stretch>
+            <a:fillRect/>
+          </a:stretch>
+        </p:blipFill>
+        <p:spPr bwMode="auto">
+          <a:xfrm>
+            <a:off x="7758111" y="4229099"/>
+            <a:ext cx="2209801" cy="2209801"/>
+          </a:xfrm>
+          <a:prstGeom prst="rect">
+            <a:avLst/>
+          </a:prstGeom>
+          <a:noFill/>
+          <a:extLst>
+            <a:ext uri="{909E8E84-426E-40DD-AFC4-6F175D3DCCD1}">
+              <a14:hiddenFill xmlns:a14="http://schemas.microsoft.com/office/drawing/2010/main">
+                <a:solidFill>
+                  <a:srgbClr val="FFFFFF"/>
+                </a:solidFill>
+              </a14:hiddenFill>
+            </a:ext>
+          </a:extLst>
+        </p:spPr>
+      </p:pic>
+    </p:spTree>
+    <p:extLst>
+      <p:ext uri="{BB962C8B-B14F-4D97-AF65-F5344CB8AC3E}">
+        <p14:creationId xmlns:p14="http://schemas.microsoft.com/office/powerpoint/2010/main" val="1780832870"/>
+      </p:ext>
+    </p:extLst>
+  </p:cSld>
+  <p:clrMapOvr>
+    <a:masterClrMapping/>
+  </p:clrMapOvr>
+</p:sld>
+</file>
+
+<file path=ppt/slides/slide54.xml><?xml version="1.0" encoding="utf-8"?>
+<p:sld xmlns:a="http://schemas.openxmlformats.org/drawingml/2006/main" xmlns:r="http://schemas.openxmlformats.org/officeDocument/2006/relationships" xmlns:p="http://schemas.openxmlformats.org/presentationml/2006/main">
+  <p:cSld>
+    <p:spTree>
+      <p:nvGrpSpPr>
+        <p:cNvPr id="1" name=""/>
+        <p:cNvGrpSpPr/>
+        <p:nvPr/>
+      </p:nvGrpSpPr>
+      <p:grpSpPr>
+        <a:xfrm>
+          <a:off x="0" y="0"/>
+          <a:ext cx="0" cy="0"/>
+          <a:chOff x="0" y="0"/>
+          <a:chExt cx="0" cy="0"/>
+        </a:xfrm>
+      </p:grpSpPr>
+      <p:sp>
+        <p:nvSpPr>
+          <p:cNvPr id="3" name="직사각형 2">
+            <a:extLst>
+              <a:ext uri="{FF2B5EF4-FFF2-40B4-BE49-F238E27FC236}">
+                <a16:creationId xmlns:a16="http://schemas.microsoft.com/office/drawing/2014/main" id="{CE97CBAA-9474-4762-9A45-7F1C1229323D}"/>
+              </a:ext>
+            </a:extLst>
+          </p:cNvPr>
+          <p:cNvSpPr/>
+          <p:nvPr/>
+        </p:nvSpPr>
+        <p:spPr>
+          <a:xfrm>
+            <a:off x="0" y="339365"/>
+            <a:ext cx="3619893" cy="1221117"/>
+          </a:xfrm>
+          <a:prstGeom prst="rect">
+            <a:avLst/>
+          </a:prstGeom>
+          <a:solidFill>
+            <a:schemeClr val="tx1"/>
+          </a:solidFill>
+          <a:ln>
+            <a:solidFill>
+              <a:schemeClr val="tx1"/>
+            </a:solidFill>
+          </a:ln>
+        </p:spPr>
+        <p:style>
+          <a:lnRef idx="2">
+            <a:schemeClr val="accent1">
+              <a:shade val="50000"/>
+            </a:schemeClr>
+          </a:lnRef>
+          <a:fillRef idx="1">
+            <a:schemeClr val="accent1"/>
+          </a:fillRef>
+          <a:effectRef idx="0">
+            <a:schemeClr val="accent1"/>
+          </a:effectRef>
+          <a:fontRef idx="minor">
+            <a:schemeClr val="lt1"/>
+          </a:fontRef>
+        </p:style>
+        <p:txBody>
+          <a:bodyPr rtlCol="0" anchor="ctr"/>
+          <a:lstStyle/>
+          <a:p>
+            <a:pPr algn="ctr"/>
+            <a:r>
+              <a:rPr lang="en-US" altLang="ko-KR" sz="4000" dirty="0">
+                <a:latin typeface="태나다체 " panose="02000000000000000000" pitchFamily="2" charset="-127"/>
+                <a:ea typeface="태나다체 " panose="02000000000000000000" pitchFamily="2" charset="-127"/>
+              </a:rPr>
+              <a:t>Lock </a:t>
+            </a:r>
+            <a:r>
+              <a:rPr lang="ko-KR" altLang="en-US" sz="4000" dirty="0">
+                <a:latin typeface="태나다체 " panose="02000000000000000000" pitchFamily="2" charset="-127"/>
+                <a:ea typeface="태나다체 " panose="02000000000000000000" pitchFamily="2" charset="-127"/>
+              </a:rPr>
+              <a:t>원리</a:t>
+            </a:r>
+          </a:p>
+        </p:txBody>
+      </p:sp>
+      <p:pic>
+        <p:nvPicPr>
+          <p:cNvPr id="1026" name="Picture 2" descr="Portable toilet - Free architecture and city icons">
+            <a:extLst>
+              <a:ext uri="{FF2B5EF4-FFF2-40B4-BE49-F238E27FC236}">
+                <a16:creationId xmlns:a16="http://schemas.microsoft.com/office/drawing/2014/main" id="{3AC4089B-DD7F-4885-BC39-1E1DA820D888}"/>
+              </a:ext>
+            </a:extLst>
+          </p:cNvPr>
+          <p:cNvPicPr>
+            <a:picLocks noChangeAspect="1" noChangeArrowheads="1"/>
+          </p:cNvPicPr>
+          <p:nvPr/>
+        </p:nvPicPr>
+        <p:blipFill>
+          <a:blip r:embed="rId3">
+            <a:extLst>
+              <a:ext uri="{28A0092B-C50C-407E-A947-70E740481C1C}">
+                <a14:useLocalDpi xmlns:a14="http://schemas.microsoft.com/office/drawing/2010/main" val="0"/>
+              </a:ext>
+            </a:extLst>
+          </a:blip>
+          <a:srcRect/>
+          <a:stretch>
+            <a:fillRect/>
+          </a:stretch>
+        </p:blipFill>
+        <p:spPr bwMode="auto">
+          <a:xfrm>
+            <a:off x="5995987" y="1457325"/>
+            <a:ext cx="4876800" cy="4876800"/>
+          </a:xfrm>
+          <a:prstGeom prst="rect">
+            <a:avLst/>
+          </a:prstGeom>
+          <a:noFill/>
+          <a:extLst>
+            <a:ext uri="{909E8E84-426E-40DD-AFC4-6F175D3DCCD1}">
+              <a14:hiddenFill xmlns:a14="http://schemas.microsoft.com/office/drawing/2010/main">
+                <a:solidFill>
+                  <a:srgbClr val="FFFFFF"/>
+                </a:solidFill>
+              </a14:hiddenFill>
+            </a:ext>
+          </a:extLst>
+        </p:spPr>
+      </p:pic>
+      <p:pic>
+        <p:nvPicPr>
+          <p:cNvPr id="14" name="Picture 4" descr="Padlock Icon Png #330958 - Free Icons Library">
+            <a:extLst>
+              <a:ext uri="{FF2B5EF4-FFF2-40B4-BE49-F238E27FC236}">
+                <a16:creationId xmlns:a16="http://schemas.microsoft.com/office/drawing/2014/main" id="{63AF6384-8BC6-4B52-AB3C-9E5F96616F3E}"/>
+              </a:ext>
+            </a:extLst>
+          </p:cNvPr>
+          <p:cNvPicPr>
+            <a:picLocks noChangeAspect="1" noChangeArrowheads="1"/>
+          </p:cNvPicPr>
+          <p:nvPr/>
+        </p:nvPicPr>
+        <p:blipFill>
+          <a:blip r:embed="rId4">
+            <a:extLst>
+              <a:ext uri="{28A0092B-C50C-407E-A947-70E740481C1C}">
+                <a14:useLocalDpi xmlns:a14="http://schemas.microsoft.com/office/drawing/2010/main" val="0"/>
+              </a:ext>
+            </a:extLst>
+          </a:blip>
+          <a:srcRect/>
+          <a:stretch>
+            <a:fillRect/>
+          </a:stretch>
+        </p:blipFill>
+        <p:spPr bwMode="auto">
+          <a:xfrm>
+            <a:off x="7619999" y="3705225"/>
+            <a:ext cx="1628775" cy="1628775"/>
+          </a:xfrm>
+          <a:prstGeom prst="rect">
+            <a:avLst/>
+          </a:prstGeom>
+          <a:noFill/>
+          <a:extLst>
+            <a:ext uri="{909E8E84-426E-40DD-AFC4-6F175D3DCCD1}">
+              <a14:hiddenFill xmlns:a14="http://schemas.microsoft.com/office/drawing/2010/main">
+                <a:solidFill>
+                  <a:srgbClr val="FFFFFF"/>
+                </a:solidFill>
+              </a14:hiddenFill>
+            </a:ext>
+          </a:extLst>
+        </p:spPr>
+      </p:pic>
+    </p:spTree>
+    <p:extLst>
+      <p:ext uri="{BB962C8B-B14F-4D97-AF65-F5344CB8AC3E}">
+        <p14:creationId xmlns:p14="http://schemas.microsoft.com/office/powerpoint/2010/main" val="392069623"/>
+      </p:ext>
+    </p:extLst>
+  </p:cSld>
+  <p:clrMapOvr>
+    <a:masterClrMapping/>
+  </p:clrMapOvr>
+</p:sld>
+</file>
+
+<file path=ppt/slides/slide55.xml><?xml version="1.0" encoding="utf-8"?>
+<p:sld xmlns:a="http://schemas.openxmlformats.org/drawingml/2006/main" xmlns:r="http://schemas.openxmlformats.org/officeDocument/2006/relationships" xmlns:p="http://schemas.openxmlformats.org/presentationml/2006/main">
+  <p:cSld>
+    <p:spTree>
+      <p:nvGrpSpPr>
+        <p:cNvPr id="1" name=""/>
+        <p:cNvGrpSpPr/>
+        <p:nvPr/>
+      </p:nvGrpSpPr>
+      <p:grpSpPr>
+        <a:xfrm>
+          <a:off x="0" y="0"/>
+          <a:ext cx="0" cy="0"/>
+          <a:chOff x="0" y="0"/>
+          <a:chExt cx="0" cy="0"/>
+        </a:xfrm>
+      </p:grpSpPr>
+      <p:sp>
+        <p:nvSpPr>
+          <p:cNvPr id="3" name="직사각형 2">
+            <a:extLst>
+              <a:ext uri="{FF2B5EF4-FFF2-40B4-BE49-F238E27FC236}">
+                <a16:creationId xmlns:a16="http://schemas.microsoft.com/office/drawing/2014/main" id="{CE97CBAA-9474-4762-9A45-7F1C1229323D}"/>
+              </a:ext>
+            </a:extLst>
+          </p:cNvPr>
+          <p:cNvSpPr/>
+          <p:nvPr/>
+        </p:nvSpPr>
+        <p:spPr>
+          <a:xfrm>
+            <a:off x="0" y="339365"/>
+            <a:ext cx="3619893" cy="1221117"/>
+          </a:xfrm>
+          <a:prstGeom prst="rect">
+            <a:avLst/>
+          </a:prstGeom>
+          <a:solidFill>
+            <a:schemeClr val="tx1"/>
+          </a:solidFill>
+          <a:ln>
+            <a:solidFill>
+              <a:schemeClr val="tx1"/>
+            </a:solidFill>
+          </a:ln>
+        </p:spPr>
+        <p:style>
+          <a:lnRef idx="2">
+            <a:schemeClr val="accent1">
+              <a:shade val="50000"/>
+            </a:schemeClr>
+          </a:lnRef>
+          <a:fillRef idx="1">
+            <a:schemeClr val="accent1"/>
+          </a:fillRef>
+          <a:effectRef idx="0">
+            <a:schemeClr val="accent1"/>
+          </a:effectRef>
+          <a:fontRef idx="minor">
+            <a:schemeClr val="lt1"/>
+          </a:fontRef>
+        </p:style>
+        <p:txBody>
+          <a:bodyPr rtlCol="0" anchor="ctr"/>
+          <a:lstStyle/>
+          <a:p>
+            <a:pPr algn="ctr"/>
+            <a:r>
+              <a:rPr lang="en-US" altLang="ko-KR" sz="4000" dirty="0">
+                <a:latin typeface="태나다체 " panose="02000000000000000000" pitchFamily="2" charset="-127"/>
+                <a:ea typeface="태나다체 " panose="02000000000000000000" pitchFamily="2" charset="-127"/>
+              </a:rPr>
+              <a:t>Lock </a:t>
+            </a:r>
+            <a:r>
+              <a:rPr lang="ko-KR" altLang="en-US" sz="4000" dirty="0">
+                <a:latin typeface="태나다체 " panose="02000000000000000000" pitchFamily="2" charset="-127"/>
+                <a:ea typeface="태나다체 " panose="02000000000000000000" pitchFamily="2" charset="-127"/>
+              </a:rPr>
+              <a:t>원리</a:t>
+            </a:r>
+          </a:p>
+        </p:txBody>
+      </p:sp>
+      <p:pic>
+        <p:nvPicPr>
+          <p:cNvPr id="14" name="Picture 4" descr="Padlock Icon Png #330958 - Free Icons Library">
+            <a:extLst>
+              <a:ext uri="{FF2B5EF4-FFF2-40B4-BE49-F238E27FC236}">
+                <a16:creationId xmlns:a16="http://schemas.microsoft.com/office/drawing/2014/main" id="{63AF6384-8BC6-4B52-AB3C-9E5F96616F3E}"/>
+              </a:ext>
+            </a:extLst>
+          </p:cNvPr>
+          <p:cNvPicPr>
+            <a:picLocks noChangeAspect="1" noChangeArrowheads="1"/>
+          </p:cNvPicPr>
+          <p:nvPr/>
+        </p:nvPicPr>
+        <p:blipFill>
+          <a:blip r:embed="rId3">
+            <a:extLst>
+              <a:ext uri="{28A0092B-C50C-407E-A947-70E740481C1C}">
+                <a14:useLocalDpi xmlns:a14="http://schemas.microsoft.com/office/drawing/2010/main" val="0"/>
+              </a:ext>
+            </a:extLst>
+          </a:blip>
+          <a:srcRect/>
+          <a:stretch>
+            <a:fillRect/>
+          </a:stretch>
+        </p:blipFill>
+        <p:spPr bwMode="auto">
+          <a:xfrm>
+            <a:off x="2062162" y="2405062"/>
+            <a:ext cx="3033713" cy="3033713"/>
+          </a:xfrm>
+          <a:prstGeom prst="rect">
+            <a:avLst/>
+          </a:prstGeom>
+          <a:noFill/>
+          <a:extLst>
+            <a:ext uri="{909E8E84-426E-40DD-AFC4-6F175D3DCCD1}">
+              <a14:hiddenFill xmlns:a14="http://schemas.microsoft.com/office/drawing/2010/main">
+                <a:solidFill>
+                  <a:srgbClr val="FFFFFF"/>
+                </a:solidFill>
+              </a14:hiddenFill>
+            </a:ext>
+          </a:extLst>
+        </p:spPr>
+      </p:pic>
+      <p:sp>
+        <p:nvSpPr>
+          <p:cNvPr id="2" name="TextBox 1">
+            <a:extLst>
+              <a:ext uri="{FF2B5EF4-FFF2-40B4-BE49-F238E27FC236}">
+                <a16:creationId xmlns:a16="http://schemas.microsoft.com/office/drawing/2014/main" id="{DD8E6F95-DDBC-40FB-B1D7-75FC1551552A}"/>
+              </a:ext>
+            </a:extLst>
+          </p:cNvPr>
+          <p:cNvSpPr txBox="1"/>
+          <p:nvPr/>
+        </p:nvSpPr>
+        <p:spPr>
+          <a:xfrm>
+            <a:off x="5714999" y="3111579"/>
+            <a:ext cx="4181475" cy="1569660"/>
+          </a:xfrm>
+          <a:prstGeom prst="rect">
+            <a:avLst/>
+          </a:prstGeom>
+          <a:noFill/>
+        </p:spPr>
+        <p:txBody>
+          <a:bodyPr wrap="square" rtlCol="0">
+            <a:spAutoFit/>
+          </a:bodyPr>
+          <a:lstStyle/>
+          <a:p>
+            <a:r>
+              <a:rPr lang="en-US" altLang="ko-KR" sz="9600" dirty="0">
+                <a:latin typeface="배달의민족 주아" panose="02020603020101020101" pitchFamily="18" charset="-127"/>
+                <a:ea typeface="배달의민족 주아" panose="02020603020101020101" pitchFamily="18" charset="-127"/>
+              </a:rPr>
+              <a:t>&lt;-	lock</a:t>
+            </a:r>
+            <a:endParaRPr lang="ko-KR" altLang="en-US" sz="9600" dirty="0">
+              <a:latin typeface="배달의민족 주아" panose="02020603020101020101" pitchFamily="18" charset="-127"/>
+              <a:ea typeface="배달의민족 주아" panose="02020603020101020101" pitchFamily="18" charset="-127"/>
+            </a:endParaRPr>
+          </a:p>
+        </p:txBody>
+      </p:sp>
+    </p:spTree>
+    <p:extLst>
+      <p:ext uri="{BB962C8B-B14F-4D97-AF65-F5344CB8AC3E}">
+        <p14:creationId xmlns:p14="http://schemas.microsoft.com/office/powerpoint/2010/main" val="557265580"/>
+      </p:ext>
+    </p:extLst>
+  </p:cSld>
+  <p:clrMapOvr>
+    <a:masterClrMapping/>
+  </p:clrMapOvr>
+</p:sld>
+</file>
+
+<file path=ppt/slides/slide56.xml><?xml version="1.0" encoding="utf-8"?>
+<p:sld xmlns:a="http://schemas.openxmlformats.org/drawingml/2006/main" xmlns:r="http://schemas.openxmlformats.org/officeDocument/2006/relationships" xmlns:p="http://schemas.openxmlformats.org/presentationml/2006/main">
+  <p:cSld>
+    <p:spTree>
+      <p:nvGrpSpPr>
+        <p:cNvPr id="1" name=""/>
+        <p:cNvGrpSpPr/>
+        <p:nvPr/>
+      </p:nvGrpSpPr>
+      <p:grpSpPr>
+        <a:xfrm>
+          <a:off x="0" y="0"/>
+          <a:ext cx="0" cy="0"/>
+          <a:chOff x="0" y="0"/>
+          <a:chExt cx="0" cy="0"/>
+        </a:xfrm>
+      </p:grpSpPr>
+      <p:sp>
+        <p:nvSpPr>
+          <p:cNvPr id="3" name="직사각형 2">
+            <a:extLst>
+              <a:ext uri="{FF2B5EF4-FFF2-40B4-BE49-F238E27FC236}">
+                <a16:creationId xmlns:a16="http://schemas.microsoft.com/office/drawing/2014/main" id="{CE97CBAA-9474-4762-9A45-7F1C1229323D}"/>
+              </a:ext>
+            </a:extLst>
+          </p:cNvPr>
+          <p:cNvSpPr/>
+          <p:nvPr/>
+        </p:nvSpPr>
+        <p:spPr>
+          <a:xfrm>
+            <a:off x="0" y="339365"/>
+            <a:ext cx="3619893" cy="1221117"/>
+          </a:xfrm>
+          <a:prstGeom prst="rect">
+            <a:avLst/>
+          </a:prstGeom>
+          <a:solidFill>
+            <a:schemeClr val="tx1"/>
+          </a:solidFill>
+          <a:ln>
+            <a:solidFill>
+              <a:schemeClr val="tx1"/>
+            </a:solidFill>
+          </a:ln>
+        </p:spPr>
+        <p:style>
+          <a:lnRef idx="2">
+            <a:schemeClr val="accent1">
+              <a:shade val="50000"/>
+            </a:schemeClr>
+          </a:lnRef>
+          <a:fillRef idx="1">
+            <a:schemeClr val="accent1"/>
+          </a:fillRef>
+          <a:effectRef idx="0">
+            <a:schemeClr val="accent1"/>
+          </a:effectRef>
+          <a:fontRef idx="minor">
+            <a:schemeClr val="lt1"/>
+          </a:fontRef>
+        </p:style>
+        <p:txBody>
+          <a:bodyPr rtlCol="0" anchor="ctr"/>
+          <a:lstStyle/>
+          <a:p>
+            <a:pPr algn="ctr"/>
+            <a:r>
+              <a:rPr lang="en-US" altLang="ko-KR" sz="4000" dirty="0">
+                <a:latin typeface="태나다체 " panose="02000000000000000000" pitchFamily="2" charset="-127"/>
+                <a:ea typeface="태나다체 " panose="02000000000000000000" pitchFamily="2" charset="-127"/>
+              </a:rPr>
+              <a:t>Lock </a:t>
+            </a:r>
+            <a:r>
+              <a:rPr lang="ko-KR" altLang="en-US" sz="4000" dirty="0">
+                <a:latin typeface="태나다체 " panose="02000000000000000000" pitchFamily="2" charset="-127"/>
+                <a:ea typeface="태나다체 " panose="02000000000000000000" pitchFamily="2" charset="-127"/>
+              </a:rPr>
+              <a:t>사용</a:t>
+            </a:r>
+          </a:p>
+        </p:txBody>
+      </p:sp>
+      <p:pic>
+        <p:nvPicPr>
+          <p:cNvPr id="5" name="그림 4">
+            <a:extLst>
+              <a:ext uri="{FF2B5EF4-FFF2-40B4-BE49-F238E27FC236}">
+                <a16:creationId xmlns:a16="http://schemas.microsoft.com/office/drawing/2014/main" id="{7B783588-120E-4046-B8A0-1E05C9F4DCC3}"/>
+              </a:ext>
+            </a:extLst>
+          </p:cNvPr>
+          <p:cNvPicPr>
+            <a:picLocks noChangeAspect="1"/>
+          </p:cNvPicPr>
+          <p:nvPr/>
+        </p:nvPicPr>
+        <p:blipFill>
+          <a:blip r:embed="rId3">
+            <a:extLst>
+              <a:ext uri="{28A0092B-C50C-407E-A947-70E740481C1C}">
+                <a14:useLocalDpi xmlns:a14="http://schemas.microsoft.com/office/drawing/2010/main" val="0"/>
+              </a:ext>
+            </a:extLst>
+          </a:blip>
+          <a:stretch>
+            <a:fillRect/>
+          </a:stretch>
+        </p:blipFill>
+        <p:spPr>
+          <a:xfrm>
+            <a:off x="5264676" y="304800"/>
+            <a:ext cx="5298610" cy="6248400"/>
+          </a:xfrm>
+          <a:prstGeom prst="rect">
+            <a:avLst/>
+          </a:prstGeom>
+        </p:spPr>
+      </p:pic>
+    </p:spTree>
+    <p:extLst>
+      <p:ext uri="{BB962C8B-B14F-4D97-AF65-F5344CB8AC3E}">
+        <p14:creationId xmlns:p14="http://schemas.microsoft.com/office/powerpoint/2010/main" val="2131842165"/>
+      </p:ext>
+    </p:extLst>
+  </p:cSld>
+  <p:clrMapOvr>
+    <a:masterClrMapping/>
+  </p:clrMapOvr>
+</p:sld>
+</file>
+
+<file path=ppt/slides/slide57.xml><?xml version="1.0" encoding="utf-8"?>
+<p:sld xmlns:a="http://schemas.openxmlformats.org/drawingml/2006/main" xmlns:r="http://schemas.openxmlformats.org/officeDocument/2006/relationships" xmlns:p="http://schemas.openxmlformats.org/presentationml/2006/main">
+  <p:cSld>
+    <p:spTree>
+      <p:nvGrpSpPr>
+        <p:cNvPr id="1" name=""/>
+        <p:cNvGrpSpPr/>
+        <p:nvPr/>
+      </p:nvGrpSpPr>
+      <p:grpSpPr>
+        <a:xfrm>
+          <a:off x="0" y="0"/>
+          <a:ext cx="0" cy="0"/>
+          <a:chOff x="0" y="0"/>
+          <a:chExt cx="0" cy="0"/>
+        </a:xfrm>
+      </p:grpSpPr>
+      <p:sp>
+        <p:nvSpPr>
+          <p:cNvPr id="3" name="직사각형 2">
+            <a:extLst>
+              <a:ext uri="{FF2B5EF4-FFF2-40B4-BE49-F238E27FC236}">
+                <a16:creationId xmlns:a16="http://schemas.microsoft.com/office/drawing/2014/main" id="{CE97CBAA-9474-4762-9A45-7F1C1229323D}"/>
+              </a:ext>
+            </a:extLst>
+          </p:cNvPr>
+          <p:cNvSpPr/>
+          <p:nvPr/>
+        </p:nvSpPr>
+        <p:spPr>
+          <a:xfrm>
+            <a:off x="0" y="339365"/>
+            <a:ext cx="3619893" cy="1221117"/>
+          </a:xfrm>
+          <a:prstGeom prst="rect">
+            <a:avLst/>
+          </a:prstGeom>
+          <a:solidFill>
+            <a:schemeClr val="tx1"/>
+          </a:solidFill>
+          <a:ln>
+            <a:solidFill>
+              <a:schemeClr val="tx1"/>
+            </a:solidFill>
+          </a:ln>
+        </p:spPr>
+        <p:style>
+          <a:lnRef idx="2">
+            <a:schemeClr val="accent1">
+              <a:shade val="50000"/>
+            </a:schemeClr>
+          </a:lnRef>
+          <a:fillRef idx="1">
+            <a:schemeClr val="accent1"/>
+          </a:fillRef>
+          <a:effectRef idx="0">
+            <a:schemeClr val="accent1"/>
+          </a:effectRef>
+          <a:fontRef idx="minor">
+            <a:schemeClr val="lt1"/>
+          </a:fontRef>
+        </p:style>
+        <p:txBody>
+          <a:bodyPr rtlCol="0" anchor="ctr"/>
+          <a:lstStyle/>
+          <a:p>
+            <a:pPr algn="ctr"/>
+            <a:r>
+              <a:rPr lang="en-US" altLang="ko-KR" sz="4000" dirty="0">
+                <a:latin typeface="태나다체 " panose="02000000000000000000" pitchFamily="2" charset="-127"/>
+                <a:ea typeface="태나다체 " panose="02000000000000000000" pitchFamily="2" charset="-127"/>
+              </a:rPr>
+              <a:t>Lock </a:t>
+            </a:r>
+            <a:r>
+              <a:rPr lang="ko-KR" altLang="en-US" sz="4000" dirty="0">
+                <a:latin typeface="태나다체 " panose="02000000000000000000" pitchFamily="2" charset="-127"/>
+                <a:ea typeface="태나다체 " panose="02000000000000000000" pitchFamily="2" charset="-127"/>
+              </a:rPr>
+              <a:t>사용</a:t>
+            </a:r>
+          </a:p>
+        </p:txBody>
+      </p:sp>
+      <p:pic>
+        <p:nvPicPr>
+          <p:cNvPr id="4" name="그림 3">
+            <a:extLst>
+              <a:ext uri="{FF2B5EF4-FFF2-40B4-BE49-F238E27FC236}">
+                <a16:creationId xmlns:a16="http://schemas.microsoft.com/office/drawing/2014/main" id="{7FF24301-B847-43E4-AD7A-22A5037D9E19}"/>
+              </a:ext>
+            </a:extLst>
+          </p:cNvPr>
+          <p:cNvPicPr>
+            <a:picLocks noChangeAspect="1"/>
+          </p:cNvPicPr>
+          <p:nvPr/>
+        </p:nvPicPr>
+        <p:blipFill>
+          <a:blip r:embed="rId3">
+            <a:extLst>
+              <a:ext uri="{28A0092B-C50C-407E-A947-70E740481C1C}">
+                <a14:useLocalDpi xmlns:a14="http://schemas.microsoft.com/office/drawing/2010/main" val="0"/>
+              </a:ext>
+            </a:extLst>
+          </a:blip>
+          <a:stretch>
+            <a:fillRect/>
+          </a:stretch>
+        </p:blipFill>
+        <p:spPr>
+          <a:xfrm>
+            <a:off x="4480455" y="619125"/>
+            <a:ext cx="7001136" cy="4387518"/>
+          </a:xfrm>
+          <a:prstGeom prst="rect">
+            <a:avLst/>
+          </a:prstGeom>
+        </p:spPr>
+      </p:pic>
+      <p:sp>
+        <p:nvSpPr>
+          <p:cNvPr id="6" name="직사각형 5">
+            <a:extLst>
+              <a:ext uri="{FF2B5EF4-FFF2-40B4-BE49-F238E27FC236}">
+                <a16:creationId xmlns:a16="http://schemas.microsoft.com/office/drawing/2014/main" id="{6CF24A29-E199-4B5B-AE2F-2286E7D3A594}"/>
+              </a:ext>
+            </a:extLst>
+          </p:cNvPr>
+          <p:cNvSpPr/>
+          <p:nvPr/>
+        </p:nvSpPr>
+        <p:spPr>
+          <a:xfrm>
+            <a:off x="2509328" y="5186385"/>
+            <a:ext cx="7459093" cy="1446550"/>
+          </a:xfrm>
+          <a:prstGeom prst="rect">
+            <a:avLst/>
+          </a:prstGeom>
+        </p:spPr>
+        <p:txBody>
+          <a:bodyPr wrap="none">
+            <a:spAutoFit/>
+          </a:bodyPr>
+          <a:lstStyle/>
+          <a:p>
+            <a:r>
+              <a:rPr lang="ko-KR" altLang="en-US" sz="4400" dirty="0" err="1">
+                <a:latin typeface="배달의민족 주아" panose="02020603020101020101" pitchFamily="18" charset="-127"/>
+                <a:ea typeface="배달의민족 주아" panose="02020603020101020101" pitchFamily="18" charset="-127"/>
+              </a:rPr>
+              <a:t>기대값</a:t>
+            </a:r>
+            <a:r>
+              <a:rPr lang="ko-KR" altLang="en-US" sz="4400" dirty="0">
+                <a:latin typeface="배달의민족 주아" panose="02020603020101020101" pitchFamily="18" charset="-127"/>
+                <a:ea typeface="배달의민족 주아" panose="02020603020101020101" pitchFamily="18" charset="-127"/>
+              </a:rPr>
+              <a:t> </a:t>
+            </a:r>
+            <a:r>
+              <a:rPr lang="en-US" altLang="ko-KR" sz="4400" dirty="0">
+                <a:latin typeface="배달의민족 주아" panose="02020603020101020101" pitchFamily="18" charset="-127"/>
+                <a:ea typeface="배달의민족 주아" panose="02020603020101020101" pitchFamily="18" charset="-127"/>
+              </a:rPr>
+              <a:t>: 5000000050000000</a:t>
+            </a:r>
+          </a:p>
+          <a:p>
+            <a:r>
+              <a:rPr lang="ko-KR" altLang="en-US" sz="4400" dirty="0">
+                <a:latin typeface="배달의민족 주아" panose="02020603020101020101" pitchFamily="18" charset="-127"/>
+                <a:ea typeface="배달의민족 주아" panose="02020603020101020101" pitchFamily="18" charset="-127"/>
+              </a:rPr>
+              <a:t>결과값 </a:t>
+            </a:r>
+            <a:r>
+              <a:rPr lang="en-US" altLang="ko-KR" sz="4400" dirty="0">
+                <a:latin typeface="배달의민족 주아" panose="02020603020101020101" pitchFamily="18" charset="-127"/>
+                <a:ea typeface="배달의민족 주아" panose="02020603020101020101" pitchFamily="18" charset="-127"/>
+              </a:rPr>
+              <a:t>: 5000000050000000</a:t>
+            </a:r>
+          </a:p>
+        </p:txBody>
+      </p:sp>
+    </p:spTree>
+    <p:extLst>
+      <p:ext uri="{BB962C8B-B14F-4D97-AF65-F5344CB8AC3E}">
+        <p14:creationId xmlns:p14="http://schemas.microsoft.com/office/powerpoint/2010/main" val="3481720628"/>
+      </p:ext>
+    </p:extLst>
+  </p:cSld>
+  <p:clrMapOvr>
+    <a:masterClrMapping/>
+  </p:clrMapOvr>
+</p:sld>
+</file>
+
+<file path=ppt/slides/slide58.xml><?xml version="1.0" encoding="utf-8"?>
+<p:sld xmlns:a="http://schemas.openxmlformats.org/drawingml/2006/main" xmlns:r="http://schemas.openxmlformats.org/officeDocument/2006/relationships" xmlns:p="http://schemas.openxmlformats.org/presentationml/2006/main">
+  <p:cSld>
+    <p:spTree>
+      <p:nvGrpSpPr>
+        <p:cNvPr id="1" name=""/>
+        <p:cNvGrpSpPr/>
+        <p:nvPr/>
+      </p:nvGrpSpPr>
+      <p:grpSpPr>
+        <a:xfrm>
+          <a:off x="0" y="0"/>
+          <a:ext cx="0" cy="0"/>
+          <a:chOff x="0" y="0"/>
+          <a:chExt cx="0" cy="0"/>
+        </a:xfrm>
+      </p:grpSpPr>
+      <p:sp>
+        <p:nvSpPr>
+          <p:cNvPr id="3" name="직사각형 2">
+            <a:extLst>
+              <a:ext uri="{FF2B5EF4-FFF2-40B4-BE49-F238E27FC236}">
+                <a16:creationId xmlns:a16="http://schemas.microsoft.com/office/drawing/2014/main" id="{CE97CBAA-9474-4762-9A45-7F1C1229323D}"/>
+              </a:ext>
+            </a:extLst>
+          </p:cNvPr>
+          <p:cNvSpPr/>
+          <p:nvPr/>
+        </p:nvSpPr>
+        <p:spPr>
+          <a:xfrm>
+            <a:off x="0" y="339365"/>
+            <a:ext cx="3619893" cy="1221117"/>
+          </a:xfrm>
+          <a:prstGeom prst="rect">
+            <a:avLst/>
+          </a:prstGeom>
+          <a:solidFill>
+            <a:schemeClr val="tx1"/>
+          </a:solidFill>
+          <a:ln>
+            <a:solidFill>
+              <a:schemeClr val="tx1"/>
+            </a:solidFill>
+          </a:ln>
+        </p:spPr>
+        <p:style>
+          <a:lnRef idx="2">
+            <a:schemeClr val="accent1">
+              <a:shade val="50000"/>
+            </a:schemeClr>
+          </a:lnRef>
+          <a:fillRef idx="1">
+            <a:schemeClr val="accent1"/>
+          </a:fillRef>
+          <a:effectRef idx="0">
+            <a:schemeClr val="accent1"/>
+          </a:effectRef>
+          <a:fontRef idx="minor">
+            <a:schemeClr val="lt1"/>
+          </a:fontRef>
+        </p:style>
+        <p:txBody>
+          <a:bodyPr rtlCol="0" anchor="ctr"/>
+          <a:lstStyle/>
+          <a:p>
+            <a:pPr algn="ctr"/>
+            <a:r>
+              <a:rPr lang="en-US" altLang="ko-KR" sz="4000" dirty="0">
+                <a:latin typeface="태나다체 " panose="02000000000000000000" pitchFamily="2" charset="-127"/>
+                <a:ea typeface="태나다체 " panose="02000000000000000000" pitchFamily="2" charset="-127"/>
+              </a:rPr>
+              <a:t>Lock </a:t>
+            </a:r>
+            <a:r>
+              <a:rPr lang="ko-KR" altLang="en-US" sz="4000" dirty="0">
+                <a:latin typeface="태나다체 " panose="02000000000000000000" pitchFamily="2" charset="-127"/>
+                <a:ea typeface="태나다체 " panose="02000000000000000000" pitchFamily="2" charset="-127"/>
+              </a:rPr>
+              <a:t>사용</a:t>
+            </a:r>
+          </a:p>
+        </p:txBody>
+      </p:sp>
+      <p:pic>
+        <p:nvPicPr>
+          <p:cNvPr id="4" name="그림 3">
+            <a:extLst>
+              <a:ext uri="{FF2B5EF4-FFF2-40B4-BE49-F238E27FC236}">
+                <a16:creationId xmlns:a16="http://schemas.microsoft.com/office/drawing/2014/main" id="{7FF24301-B847-43E4-AD7A-22A5037D9E19}"/>
+              </a:ext>
+            </a:extLst>
+          </p:cNvPr>
+          <p:cNvPicPr>
+            <a:picLocks noChangeAspect="1"/>
+          </p:cNvPicPr>
+          <p:nvPr/>
+        </p:nvPicPr>
+        <p:blipFill>
+          <a:blip r:embed="rId3">
+            <a:extLst>
+              <a:ext uri="{28A0092B-C50C-407E-A947-70E740481C1C}">
+                <a14:useLocalDpi xmlns:a14="http://schemas.microsoft.com/office/drawing/2010/main" val="0"/>
+              </a:ext>
+            </a:extLst>
+          </a:blip>
+          <a:stretch>
+            <a:fillRect/>
+          </a:stretch>
+        </p:blipFill>
+        <p:spPr>
+          <a:xfrm>
+            <a:off x="4480455" y="619125"/>
+            <a:ext cx="7001136" cy="4387518"/>
+          </a:xfrm>
+          <a:prstGeom prst="rect">
+            <a:avLst/>
+          </a:prstGeom>
+        </p:spPr>
+      </p:pic>
+      <p:sp>
+        <p:nvSpPr>
+          <p:cNvPr id="6" name="직사각형 5">
+            <a:extLst>
+              <a:ext uri="{FF2B5EF4-FFF2-40B4-BE49-F238E27FC236}">
+                <a16:creationId xmlns:a16="http://schemas.microsoft.com/office/drawing/2014/main" id="{6CF24A29-E199-4B5B-AE2F-2286E7D3A594}"/>
+              </a:ext>
+            </a:extLst>
+          </p:cNvPr>
+          <p:cNvSpPr/>
+          <p:nvPr/>
+        </p:nvSpPr>
+        <p:spPr>
+          <a:xfrm>
+            <a:off x="4332536" y="5615010"/>
+            <a:ext cx="3526928" cy="769441"/>
+          </a:xfrm>
+          <a:prstGeom prst="rect">
+            <a:avLst/>
+          </a:prstGeom>
+        </p:spPr>
+        <p:txBody>
+          <a:bodyPr wrap="none">
+            <a:spAutoFit/>
+          </a:bodyPr>
+          <a:lstStyle/>
+          <a:p>
+            <a:r>
+              <a:rPr lang="ko-KR" altLang="en-US" sz="4400" dirty="0">
+                <a:latin typeface="배달의민족 주아" panose="02020603020101020101" pitchFamily="18" charset="-127"/>
+                <a:ea typeface="배달의민족 주아" panose="02020603020101020101" pitchFamily="18" charset="-127"/>
+              </a:rPr>
+              <a:t>시간이 왜 </a:t>
+            </a:r>
+            <a:r>
+              <a:rPr lang="ko-KR" altLang="en-US" sz="4400" dirty="0" err="1">
+                <a:latin typeface="배달의민족 주아" panose="02020603020101020101" pitchFamily="18" charset="-127"/>
+                <a:ea typeface="배달의민족 주아" panose="02020603020101020101" pitchFamily="18" charset="-127"/>
+              </a:rPr>
+              <a:t>저래</a:t>
+            </a:r>
+            <a:r>
+              <a:rPr lang="en-US" altLang="ko-KR" sz="4400" dirty="0">
+                <a:latin typeface="배달의민족 주아" panose="02020603020101020101" pitchFamily="18" charset="-127"/>
+                <a:ea typeface="배달의민족 주아" panose="02020603020101020101" pitchFamily="18" charset="-127"/>
+              </a:rPr>
+              <a:t>?</a:t>
+            </a:r>
+          </a:p>
+        </p:txBody>
+      </p:sp>
+    </p:spTree>
+    <p:extLst>
+      <p:ext uri="{BB962C8B-B14F-4D97-AF65-F5344CB8AC3E}">
+        <p14:creationId xmlns:p14="http://schemas.microsoft.com/office/powerpoint/2010/main" val="3650471758"/>
+      </p:ext>
+    </p:extLst>
+  </p:cSld>
+  <p:clrMapOvr>
+    <a:masterClrMapping/>
+  </p:clrMapOvr>
+</p:sld>
+</file>
+
+<file path=ppt/slides/slide59.xml><?xml version="1.0" encoding="utf-8"?>
+<p:sld xmlns:a="http://schemas.openxmlformats.org/drawingml/2006/main" xmlns:r="http://schemas.openxmlformats.org/officeDocument/2006/relationships" xmlns:p="http://schemas.openxmlformats.org/presentationml/2006/main">
+  <p:cSld>
+    <p:spTree>
+      <p:nvGrpSpPr>
+        <p:cNvPr id="1" name=""/>
+        <p:cNvGrpSpPr/>
+        <p:nvPr/>
+      </p:nvGrpSpPr>
+      <p:grpSpPr>
+        <a:xfrm>
+          <a:off x="0" y="0"/>
+          <a:ext cx="0" cy="0"/>
+          <a:chOff x="0" y="0"/>
+          <a:chExt cx="0" cy="0"/>
+        </a:xfrm>
+      </p:grpSpPr>
+      <p:sp>
+        <p:nvSpPr>
+          <p:cNvPr id="3" name="직사각형 2">
+            <a:extLst>
+              <a:ext uri="{FF2B5EF4-FFF2-40B4-BE49-F238E27FC236}">
+                <a16:creationId xmlns:a16="http://schemas.microsoft.com/office/drawing/2014/main" id="{CE97CBAA-9474-4762-9A45-7F1C1229323D}"/>
+              </a:ext>
+            </a:extLst>
+          </p:cNvPr>
+          <p:cNvSpPr/>
+          <p:nvPr/>
+        </p:nvSpPr>
+        <p:spPr>
+          <a:xfrm>
+            <a:off x="0" y="339365"/>
+            <a:ext cx="3619893" cy="1221117"/>
+          </a:xfrm>
+          <a:prstGeom prst="rect">
+            <a:avLst/>
+          </a:prstGeom>
+          <a:solidFill>
+            <a:schemeClr val="tx1"/>
+          </a:solidFill>
+          <a:ln>
+            <a:solidFill>
+              <a:schemeClr val="tx1"/>
+            </a:solidFill>
+          </a:ln>
+        </p:spPr>
+        <p:style>
+          <a:lnRef idx="2">
+            <a:schemeClr val="accent1">
+              <a:shade val="50000"/>
+            </a:schemeClr>
+          </a:lnRef>
+          <a:fillRef idx="1">
+            <a:schemeClr val="accent1"/>
+          </a:fillRef>
+          <a:effectRef idx="0">
+            <a:schemeClr val="accent1"/>
+          </a:effectRef>
+          <a:fontRef idx="minor">
+            <a:schemeClr val="lt1"/>
+          </a:fontRef>
+        </p:style>
+        <p:txBody>
+          <a:bodyPr rtlCol="0" anchor="ctr"/>
+          <a:lstStyle/>
+          <a:p>
+            <a:pPr algn="ctr"/>
+            <a:r>
+              <a:rPr lang="en-US" altLang="ko-KR" sz="4000" dirty="0">
+                <a:latin typeface="태나다체 " panose="02000000000000000000" pitchFamily="2" charset="-127"/>
+                <a:ea typeface="태나다체 " panose="02000000000000000000" pitchFamily="2" charset="-127"/>
+              </a:rPr>
+              <a:t>Lock </a:t>
+            </a:r>
+            <a:r>
+              <a:rPr lang="ko-KR" altLang="en-US" sz="4000" dirty="0">
+                <a:latin typeface="태나다체 " panose="02000000000000000000" pitchFamily="2" charset="-127"/>
+                <a:ea typeface="태나다체 " panose="02000000000000000000" pitchFamily="2" charset="-127"/>
+              </a:rPr>
+              <a:t>사용</a:t>
+            </a:r>
+          </a:p>
+        </p:txBody>
+      </p:sp>
+      <p:pic>
+        <p:nvPicPr>
+          <p:cNvPr id="1026" name="Picture 2" descr="Portable toilet - Free architecture and city icons">
+            <a:extLst>
+              <a:ext uri="{FF2B5EF4-FFF2-40B4-BE49-F238E27FC236}">
+                <a16:creationId xmlns:a16="http://schemas.microsoft.com/office/drawing/2014/main" id="{3AC4089B-DD7F-4885-BC39-1E1DA820D888}"/>
+              </a:ext>
+            </a:extLst>
+          </p:cNvPr>
+          <p:cNvPicPr>
+            <a:picLocks noChangeAspect="1" noChangeArrowheads="1"/>
+          </p:cNvPicPr>
+          <p:nvPr/>
+        </p:nvPicPr>
+        <p:blipFill>
+          <a:blip r:embed="rId3">
+            <a:extLst>
+              <a:ext uri="{28A0092B-C50C-407E-A947-70E740481C1C}">
+                <a14:useLocalDpi xmlns:a14="http://schemas.microsoft.com/office/drawing/2010/main" val="0"/>
+              </a:ext>
+            </a:extLst>
+          </a:blip>
+          <a:srcRect/>
+          <a:stretch>
+            <a:fillRect/>
+          </a:stretch>
+        </p:blipFill>
+        <p:spPr bwMode="auto">
+          <a:xfrm>
+            <a:off x="5995987" y="1457325"/>
+            <a:ext cx="4876800" cy="4876800"/>
+          </a:xfrm>
+          <a:prstGeom prst="rect">
+            <a:avLst/>
+          </a:prstGeom>
+          <a:noFill/>
+          <a:extLst>
+            <a:ext uri="{909E8E84-426E-40DD-AFC4-6F175D3DCCD1}">
+              <a14:hiddenFill xmlns:a14="http://schemas.microsoft.com/office/drawing/2010/main">
+                <a:solidFill>
+                  <a:srgbClr val="FFFFFF"/>
+                </a:solidFill>
+              </a14:hiddenFill>
+            </a:ext>
+          </a:extLst>
+        </p:spPr>
+      </p:pic>
+      <p:pic>
+        <p:nvPicPr>
+          <p:cNvPr id="14" name="Picture 4" descr="Padlock Icon Png #330958 - Free Icons Library">
+            <a:extLst>
+              <a:ext uri="{FF2B5EF4-FFF2-40B4-BE49-F238E27FC236}">
+                <a16:creationId xmlns:a16="http://schemas.microsoft.com/office/drawing/2014/main" id="{63AF6384-8BC6-4B52-AB3C-9E5F96616F3E}"/>
+              </a:ext>
+            </a:extLst>
+          </p:cNvPr>
+          <p:cNvPicPr>
+            <a:picLocks noChangeAspect="1" noChangeArrowheads="1"/>
+          </p:cNvPicPr>
+          <p:nvPr/>
+        </p:nvPicPr>
+        <p:blipFill>
+          <a:blip r:embed="rId4">
+            <a:extLst>
+              <a:ext uri="{28A0092B-C50C-407E-A947-70E740481C1C}">
+                <a14:useLocalDpi xmlns:a14="http://schemas.microsoft.com/office/drawing/2010/main" val="0"/>
+              </a:ext>
+            </a:extLst>
+          </a:blip>
+          <a:srcRect/>
+          <a:stretch>
+            <a:fillRect/>
+          </a:stretch>
+        </p:blipFill>
+        <p:spPr bwMode="auto">
+          <a:xfrm>
+            <a:off x="7619999" y="3705225"/>
+            <a:ext cx="1628775" cy="1628775"/>
+          </a:xfrm>
+          <a:prstGeom prst="rect">
+            <a:avLst/>
+          </a:prstGeom>
+          <a:noFill/>
+          <a:extLst>
+            <a:ext uri="{909E8E84-426E-40DD-AFC4-6F175D3DCCD1}">
+              <a14:hiddenFill xmlns:a14="http://schemas.microsoft.com/office/drawing/2010/main">
+                <a:solidFill>
+                  <a:srgbClr val="FFFFFF"/>
+                </a:solidFill>
+              </a14:hiddenFill>
+            </a:ext>
+          </a:extLst>
+        </p:spPr>
+      </p:pic>
+      <p:pic>
+        <p:nvPicPr>
+          <p:cNvPr id="6" name="Picture 6" descr="User, account, human, person icon - Free download">
+            <a:extLst>
+              <a:ext uri="{FF2B5EF4-FFF2-40B4-BE49-F238E27FC236}">
+                <a16:creationId xmlns:a16="http://schemas.microsoft.com/office/drawing/2014/main" id="{A5D8CC28-D3C4-4494-83E8-D6A4E64A7684}"/>
+              </a:ext>
+            </a:extLst>
+          </p:cNvPr>
+          <p:cNvPicPr>
+            <a:picLocks noChangeAspect="1" noChangeArrowheads="1"/>
+          </p:cNvPicPr>
+          <p:nvPr/>
+        </p:nvPicPr>
+        <p:blipFill>
+          <a:blip r:embed="rId5">
+            <a:extLst>
+              <a:ext uri="{28A0092B-C50C-407E-A947-70E740481C1C}">
+                <a14:useLocalDpi xmlns:a14="http://schemas.microsoft.com/office/drawing/2010/main" val="0"/>
+              </a:ext>
+            </a:extLst>
+          </a:blip>
+          <a:srcRect/>
+          <a:stretch>
+            <a:fillRect/>
+          </a:stretch>
+        </p:blipFill>
+        <p:spPr bwMode="auto">
+          <a:xfrm>
+            <a:off x="509589" y="2247900"/>
+            <a:ext cx="4876800" cy="4876800"/>
+          </a:xfrm>
+          <a:prstGeom prst="rect">
+            <a:avLst/>
+          </a:prstGeom>
+          <a:noFill/>
+          <a:extLst>
+            <a:ext uri="{909E8E84-426E-40DD-AFC4-6F175D3DCCD1}">
+              <a14:hiddenFill xmlns:a14="http://schemas.microsoft.com/office/drawing/2010/main">
+                <a:solidFill>
+                  <a:srgbClr val="FFFFFF"/>
+                </a:solidFill>
+              </a14:hiddenFill>
+            </a:ext>
+          </a:extLst>
+        </p:spPr>
+      </p:pic>
+      <p:sp>
+        <p:nvSpPr>
+          <p:cNvPr id="7" name="직사각형 6">
+            <a:extLst>
+              <a:ext uri="{FF2B5EF4-FFF2-40B4-BE49-F238E27FC236}">
+                <a16:creationId xmlns:a16="http://schemas.microsoft.com/office/drawing/2014/main" id="{89A01712-3737-4E3B-8F22-11F56740E94E}"/>
+              </a:ext>
+            </a:extLst>
+          </p:cNvPr>
+          <p:cNvSpPr/>
+          <p:nvPr/>
+        </p:nvSpPr>
+        <p:spPr>
+          <a:xfrm>
+            <a:off x="427106" y="2019300"/>
+            <a:ext cx="5041765" cy="923330"/>
+          </a:xfrm>
+          <a:prstGeom prst="rect">
+            <a:avLst/>
+          </a:prstGeom>
+        </p:spPr>
+        <p:txBody>
+          <a:bodyPr wrap="none">
+            <a:spAutoFit/>
+          </a:bodyPr>
+          <a:lstStyle/>
+          <a:p>
+            <a:r>
+              <a:rPr lang="ko-KR" altLang="en-US" sz="5400" dirty="0">
+                <a:latin typeface="배달의민족 주아" panose="02020603020101020101" pitchFamily="18" charset="-127"/>
+                <a:ea typeface="배달의민족 주아" panose="02020603020101020101" pitchFamily="18" charset="-127"/>
+              </a:rPr>
+              <a:t>아씨 나도 </a:t>
+            </a:r>
+            <a:r>
+              <a:rPr lang="ko-KR" altLang="en-US" sz="5400" dirty="0" err="1">
+                <a:latin typeface="배달의민족 주아" panose="02020603020101020101" pitchFamily="18" charset="-127"/>
+                <a:ea typeface="배달의민족 주아" panose="02020603020101020101" pitchFamily="18" charset="-127"/>
+              </a:rPr>
+              <a:t>똥매린데</a:t>
+            </a:r>
+            <a:endParaRPr lang="en-US" altLang="ko-KR" sz="5400" dirty="0">
+              <a:latin typeface="배달의민족 주아" panose="02020603020101020101" pitchFamily="18" charset="-127"/>
+              <a:ea typeface="배달의민족 주아" panose="02020603020101020101" pitchFamily="18" charset="-127"/>
+            </a:endParaRPr>
+          </a:p>
+        </p:txBody>
+      </p:sp>
+      <p:sp>
+        <p:nvSpPr>
+          <p:cNvPr id="2" name="말풍선: 타원형 1">
+            <a:extLst>
+              <a:ext uri="{FF2B5EF4-FFF2-40B4-BE49-F238E27FC236}">
+                <a16:creationId xmlns:a16="http://schemas.microsoft.com/office/drawing/2014/main" id="{B29B4394-28BA-4E5F-A511-6BAC7B8E6C33}"/>
+              </a:ext>
+            </a:extLst>
+          </p:cNvPr>
+          <p:cNvSpPr/>
+          <p:nvPr/>
+        </p:nvSpPr>
+        <p:spPr>
+          <a:xfrm>
+            <a:off x="10010775" y="770566"/>
+            <a:ext cx="2105025" cy="1373517"/>
+          </a:xfrm>
+          <a:prstGeom prst="wedgeEllipseCallout">
+            <a:avLst>
+              <a:gd name="adj1" fmla="val -43457"/>
+              <a:gd name="adj2" fmla="val 48661"/>
+            </a:avLst>
+          </a:prstGeom>
+          <a:solidFill>
+            <a:schemeClr val="bg1"/>
+          </a:solidFill>
+          <a:ln w="57150">
+            <a:solidFill>
+              <a:schemeClr val="tx1"/>
+            </a:solidFill>
+          </a:ln>
+        </p:spPr>
+        <p:style>
+          <a:lnRef idx="2">
+            <a:schemeClr val="accent1">
+              <a:shade val="50000"/>
+            </a:schemeClr>
+          </a:lnRef>
+          <a:fillRef idx="1">
+            <a:schemeClr val="accent1"/>
+          </a:fillRef>
+          <a:effectRef idx="0">
+            <a:schemeClr val="accent1"/>
+          </a:effectRef>
+          <a:fontRef idx="minor">
+            <a:schemeClr val="lt1"/>
+          </a:fontRef>
+        </p:style>
+        <p:txBody>
+          <a:bodyPr rtlCol="0" anchor="ctr"/>
+          <a:lstStyle/>
+          <a:p>
+            <a:pPr algn="ctr"/>
+            <a:r>
+              <a:rPr lang="ko-KR" altLang="en-US" sz="3600" dirty="0">
+                <a:solidFill>
+                  <a:schemeClr val="tx1"/>
+                </a:solidFill>
+                <a:latin typeface="배달의민족 주아" panose="02020603020101020101" pitchFamily="18" charset="-127"/>
+                <a:ea typeface="배달의민족 주아" panose="02020603020101020101" pitchFamily="18" charset="-127"/>
+              </a:rPr>
+              <a:t>자리요</a:t>
+            </a:r>
+            <a:r>
+              <a:rPr lang="en-US" altLang="ko-KR" sz="3600" dirty="0">
+                <a:solidFill>
+                  <a:schemeClr val="tx1"/>
+                </a:solidFill>
+                <a:latin typeface="배달의민족 주아" panose="02020603020101020101" pitchFamily="18" charset="-127"/>
+                <a:ea typeface="배달의민족 주아" panose="02020603020101020101" pitchFamily="18" charset="-127"/>
+              </a:rPr>
+              <a:t>;;</a:t>
+            </a:r>
+            <a:endParaRPr lang="ko-KR" altLang="en-US" sz="3600" dirty="0">
+              <a:solidFill>
+                <a:schemeClr val="tx1"/>
+              </a:solidFill>
+              <a:latin typeface="배달의민족 주아" panose="02020603020101020101" pitchFamily="18" charset="-127"/>
+              <a:ea typeface="배달의민족 주아" panose="02020603020101020101" pitchFamily="18" charset="-127"/>
+            </a:endParaRPr>
+          </a:p>
+        </p:txBody>
+      </p:sp>
+    </p:spTree>
+    <p:extLst>
+      <p:ext uri="{BB962C8B-B14F-4D97-AF65-F5344CB8AC3E}">
+        <p14:creationId xmlns:p14="http://schemas.microsoft.com/office/powerpoint/2010/main" val="2940351162"/>
+      </p:ext>
+    </p:extLst>
+  </p:cSld>
+  <p:clrMapOvr>
+    <a:masterClrMapping/>
+  </p:clrMapOvr>
+</p:sld>
+</file>
+
 <file path=ppt/slides/slide6.xml><?xml version="1.0" encoding="utf-8"?>
 <p:sld xmlns:a="http://schemas.openxmlformats.org/drawingml/2006/main" xmlns:r="http://schemas.openxmlformats.org/officeDocument/2006/relationships" xmlns:p="http://schemas.openxmlformats.org/presentationml/2006/main">
   <p:cSld>
@@ -10046,6 +17070,1707 @@
     <p:extLst>
       <p:ext uri="{BB962C8B-B14F-4D97-AF65-F5344CB8AC3E}">
         <p14:creationId xmlns:p14="http://schemas.microsoft.com/office/powerpoint/2010/main" val="3487256954"/>
+      </p:ext>
+    </p:extLst>
+  </p:cSld>
+  <p:clrMapOvr>
+    <a:masterClrMapping/>
+  </p:clrMapOvr>
+</p:sld>
+</file>
+
+<file path=ppt/slides/slide60.xml><?xml version="1.0" encoding="utf-8"?>
+<p:sld xmlns:a="http://schemas.openxmlformats.org/drawingml/2006/main" xmlns:r="http://schemas.openxmlformats.org/officeDocument/2006/relationships" xmlns:p="http://schemas.openxmlformats.org/presentationml/2006/main">
+  <p:cSld>
+    <p:spTree>
+      <p:nvGrpSpPr>
+        <p:cNvPr id="1" name=""/>
+        <p:cNvGrpSpPr/>
+        <p:nvPr/>
+      </p:nvGrpSpPr>
+      <p:grpSpPr>
+        <a:xfrm>
+          <a:off x="0" y="0"/>
+          <a:ext cx="0" cy="0"/>
+          <a:chOff x="0" y="0"/>
+          <a:chExt cx="0" cy="0"/>
+        </a:xfrm>
+      </p:grpSpPr>
+      <p:sp>
+        <p:nvSpPr>
+          <p:cNvPr id="3" name="직사각형 2">
+            <a:extLst>
+              <a:ext uri="{FF2B5EF4-FFF2-40B4-BE49-F238E27FC236}">
+                <a16:creationId xmlns:a16="http://schemas.microsoft.com/office/drawing/2014/main" id="{CE97CBAA-9474-4762-9A45-7F1C1229323D}"/>
+              </a:ext>
+            </a:extLst>
+          </p:cNvPr>
+          <p:cNvSpPr/>
+          <p:nvPr/>
+        </p:nvSpPr>
+        <p:spPr>
+          <a:xfrm>
+            <a:off x="0" y="339365"/>
+            <a:ext cx="3619893" cy="1221117"/>
+          </a:xfrm>
+          <a:prstGeom prst="rect">
+            <a:avLst/>
+          </a:prstGeom>
+          <a:solidFill>
+            <a:schemeClr val="tx1"/>
+          </a:solidFill>
+          <a:ln>
+            <a:solidFill>
+              <a:schemeClr val="tx1"/>
+            </a:solidFill>
+          </a:ln>
+        </p:spPr>
+        <p:style>
+          <a:lnRef idx="2">
+            <a:schemeClr val="accent1">
+              <a:shade val="50000"/>
+            </a:schemeClr>
+          </a:lnRef>
+          <a:fillRef idx="1">
+            <a:schemeClr val="accent1"/>
+          </a:fillRef>
+          <a:effectRef idx="0">
+            <a:schemeClr val="accent1"/>
+          </a:effectRef>
+          <a:fontRef idx="minor">
+            <a:schemeClr val="lt1"/>
+          </a:fontRef>
+        </p:style>
+        <p:txBody>
+          <a:bodyPr rtlCol="0" anchor="ctr"/>
+          <a:lstStyle/>
+          <a:p>
+            <a:pPr algn="ctr"/>
+            <a:r>
+              <a:rPr lang="en-US" altLang="ko-KR" sz="4000" dirty="0">
+                <a:latin typeface="태나다체 " panose="02000000000000000000" pitchFamily="2" charset="-127"/>
+                <a:ea typeface="태나다체 " panose="02000000000000000000" pitchFamily="2" charset="-127"/>
+              </a:rPr>
+              <a:t>Lock </a:t>
+            </a:r>
+            <a:r>
+              <a:rPr lang="ko-KR" altLang="en-US" sz="4000" dirty="0">
+                <a:latin typeface="태나다체 " panose="02000000000000000000" pitchFamily="2" charset="-127"/>
+                <a:ea typeface="태나다체 " panose="02000000000000000000" pitchFamily="2" charset="-127"/>
+              </a:rPr>
+              <a:t>사용</a:t>
+            </a:r>
+          </a:p>
+        </p:txBody>
+      </p:sp>
+      <p:pic>
+        <p:nvPicPr>
+          <p:cNvPr id="1026" name="Picture 2" descr="Portable toilet - Free architecture and city icons">
+            <a:extLst>
+              <a:ext uri="{FF2B5EF4-FFF2-40B4-BE49-F238E27FC236}">
+                <a16:creationId xmlns:a16="http://schemas.microsoft.com/office/drawing/2014/main" id="{3AC4089B-DD7F-4885-BC39-1E1DA820D888}"/>
+              </a:ext>
+            </a:extLst>
+          </p:cNvPr>
+          <p:cNvPicPr>
+            <a:picLocks noChangeAspect="1" noChangeArrowheads="1"/>
+          </p:cNvPicPr>
+          <p:nvPr/>
+        </p:nvPicPr>
+        <p:blipFill>
+          <a:blip r:embed="rId3">
+            <a:extLst>
+              <a:ext uri="{28A0092B-C50C-407E-A947-70E740481C1C}">
+                <a14:useLocalDpi xmlns:a14="http://schemas.microsoft.com/office/drawing/2010/main" val="0"/>
+              </a:ext>
+            </a:extLst>
+          </a:blip>
+          <a:srcRect/>
+          <a:stretch>
+            <a:fillRect/>
+          </a:stretch>
+        </p:blipFill>
+        <p:spPr bwMode="auto">
+          <a:xfrm>
+            <a:off x="5995987" y="1457325"/>
+            <a:ext cx="4876800" cy="4876800"/>
+          </a:xfrm>
+          <a:prstGeom prst="rect">
+            <a:avLst/>
+          </a:prstGeom>
+          <a:noFill/>
+          <a:extLst>
+            <a:ext uri="{909E8E84-426E-40DD-AFC4-6F175D3DCCD1}">
+              <a14:hiddenFill xmlns:a14="http://schemas.microsoft.com/office/drawing/2010/main">
+                <a:solidFill>
+                  <a:srgbClr val="FFFFFF"/>
+                </a:solidFill>
+              </a14:hiddenFill>
+            </a:ext>
+          </a:extLst>
+        </p:spPr>
+      </p:pic>
+      <p:pic>
+        <p:nvPicPr>
+          <p:cNvPr id="14" name="Picture 4" descr="Padlock Icon Png #330958 - Free Icons Library">
+            <a:extLst>
+              <a:ext uri="{FF2B5EF4-FFF2-40B4-BE49-F238E27FC236}">
+                <a16:creationId xmlns:a16="http://schemas.microsoft.com/office/drawing/2014/main" id="{63AF6384-8BC6-4B52-AB3C-9E5F96616F3E}"/>
+              </a:ext>
+            </a:extLst>
+          </p:cNvPr>
+          <p:cNvPicPr>
+            <a:picLocks noChangeAspect="1" noChangeArrowheads="1"/>
+          </p:cNvPicPr>
+          <p:nvPr/>
+        </p:nvPicPr>
+        <p:blipFill>
+          <a:blip r:embed="rId4">
+            <a:extLst>
+              <a:ext uri="{28A0092B-C50C-407E-A947-70E740481C1C}">
+                <a14:useLocalDpi xmlns:a14="http://schemas.microsoft.com/office/drawing/2010/main" val="0"/>
+              </a:ext>
+            </a:extLst>
+          </a:blip>
+          <a:srcRect/>
+          <a:stretch>
+            <a:fillRect/>
+          </a:stretch>
+        </p:blipFill>
+        <p:spPr bwMode="auto">
+          <a:xfrm>
+            <a:off x="7619999" y="3705225"/>
+            <a:ext cx="1628775" cy="1628775"/>
+          </a:xfrm>
+          <a:prstGeom prst="rect">
+            <a:avLst/>
+          </a:prstGeom>
+          <a:noFill/>
+          <a:extLst>
+            <a:ext uri="{909E8E84-426E-40DD-AFC4-6F175D3DCCD1}">
+              <a14:hiddenFill xmlns:a14="http://schemas.microsoft.com/office/drawing/2010/main">
+                <a:solidFill>
+                  <a:srgbClr val="FFFFFF"/>
+                </a:solidFill>
+              </a14:hiddenFill>
+            </a:ext>
+          </a:extLst>
+        </p:spPr>
+      </p:pic>
+      <p:pic>
+        <p:nvPicPr>
+          <p:cNvPr id="6" name="Picture 6" descr="User, account, human, person icon - Free download">
+            <a:extLst>
+              <a:ext uri="{FF2B5EF4-FFF2-40B4-BE49-F238E27FC236}">
+                <a16:creationId xmlns:a16="http://schemas.microsoft.com/office/drawing/2014/main" id="{A5D8CC28-D3C4-4494-83E8-D6A4E64A7684}"/>
+              </a:ext>
+            </a:extLst>
+          </p:cNvPr>
+          <p:cNvPicPr>
+            <a:picLocks noChangeAspect="1" noChangeArrowheads="1"/>
+          </p:cNvPicPr>
+          <p:nvPr/>
+        </p:nvPicPr>
+        <p:blipFill>
+          <a:blip r:embed="rId5">
+            <a:extLst>
+              <a:ext uri="{28A0092B-C50C-407E-A947-70E740481C1C}">
+                <a14:useLocalDpi xmlns:a14="http://schemas.microsoft.com/office/drawing/2010/main" val="0"/>
+              </a:ext>
+            </a:extLst>
+          </a:blip>
+          <a:srcRect/>
+          <a:stretch>
+            <a:fillRect/>
+          </a:stretch>
+        </p:blipFill>
+        <p:spPr bwMode="auto">
+          <a:xfrm>
+            <a:off x="509589" y="2247900"/>
+            <a:ext cx="4876800" cy="4876800"/>
+          </a:xfrm>
+          <a:prstGeom prst="rect">
+            <a:avLst/>
+          </a:prstGeom>
+          <a:noFill/>
+          <a:extLst>
+            <a:ext uri="{909E8E84-426E-40DD-AFC4-6F175D3DCCD1}">
+              <a14:hiddenFill xmlns:a14="http://schemas.microsoft.com/office/drawing/2010/main">
+                <a:solidFill>
+                  <a:srgbClr val="FFFFFF"/>
+                </a:solidFill>
+              </a14:hiddenFill>
+            </a:ext>
+          </a:extLst>
+        </p:spPr>
+      </p:pic>
+      <p:sp>
+        <p:nvSpPr>
+          <p:cNvPr id="7" name="직사각형 6">
+            <a:extLst>
+              <a:ext uri="{FF2B5EF4-FFF2-40B4-BE49-F238E27FC236}">
+                <a16:creationId xmlns:a16="http://schemas.microsoft.com/office/drawing/2014/main" id="{89A01712-3737-4E3B-8F22-11F56740E94E}"/>
+              </a:ext>
+            </a:extLst>
+          </p:cNvPr>
+          <p:cNvSpPr/>
+          <p:nvPr/>
+        </p:nvSpPr>
+        <p:spPr>
+          <a:xfrm>
+            <a:off x="1372076" y="2057400"/>
+            <a:ext cx="3151825" cy="923330"/>
+          </a:xfrm>
+          <a:prstGeom prst="rect">
+            <a:avLst/>
+          </a:prstGeom>
+        </p:spPr>
+        <p:txBody>
+          <a:bodyPr wrap="none">
+            <a:spAutoFit/>
+          </a:bodyPr>
+          <a:lstStyle/>
+          <a:p>
+            <a:r>
+              <a:rPr lang="ko-KR" altLang="en-US" sz="5400" dirty="0">
+                <a:latin typeface="배달의민족 주아" panose="02020603020101020101" pitchFamily="18" charset="-127"/>
+                <a:ea typeface="배달의민족 주아" panose="02020603020101020101" pitchFamily="18" charset="-127"/>
+              </a:rPr>
+              <a:t>나 스레드 </a:t>
+            </a:r>
+            <a:r>
+              <a:rPr lang="en-US" altLang="ko-KR" sz="5400" dirty="0">
+                <a:latin typeface="배달의민족 주아" panose="02020603020101020101" pitchFamily="18" charset="-127"/>
+                <a:ea typeface="배달의민족 주아" panose="02020603020101020101" pitchFamily="18" charset="-127"/>
+              </a:rPr>
+              <a:t>2</a:t>
+            </a:r>
+          </a:p>
+        </p:txBody>
+      </p:sp>
+      <p:sp>
+        <p:nvSpPr>
+          <p:cNvPr id="2" name="말풍선: 타원형 1">
+            <a:extLst>
+              <a:ext uri="{FF2B5EF4-FFF2-40B4-BE49-F238E27FC236}">
+                <a16:creationId xmlns:a16="http://schemas.microsoft.com/office/drawing/2014/main" id="{B29B4394-28BA-4E5F-A511-6BAC7B8E6C33}"/>
+              </a:ext>
+            </a:extLst>
+          </p:cNvPr>
+          <p:cNvSpPr/>
+          <p:nvPr/>
+        </p:nvSpPr>
+        <p:spPr>
+          <a:xfrm>
+            <a:off x="10010775" y="628650"/>
+            <a:ext cx="2105025" cy="1515433"/>
+          </a:xfrm>
+          <a:prstGeom prst="wedgeEllipseCallout">
+            <a:avLst>
+              <a:gd name="adj1" fmla="val -43457"/>
+              <a:gd name="adj2" fmla="val 48661"/>
+            </a:avLst>
+          </a:prstGeom>
+          <a:solidFill>
+            <a:schemeClr val="bg1"/>
+          </a:solidFill>
+          <a:ln w="57150">
+            <a:solidFill>
+              <a:schemeClr val="tx1"/>
+            </a:solidFill>
+          </a:ln>
+        </p:spPr>
+        <p:style>
+          <a:lnRef idx="2">
+            <a:schemeClr val="accent1">
+              <a:shade val="50000"/>
+            </a:schemeClr>
+          </a:lnRef>
+          <a:fillRef idx="1">
+            <a:schemeClr val="accent1"/>
+          </a:fillRef>
+          <a:effectRef idx="0">
+            <a:schemeClr val="accent1"/>
+          </a:effectRef>
+          <a:fontRef idx="minor">
+            <a:schemeClr val="lt1"/>
+          </a:fontRef>
+        </p:style>
+        <p:txBody>
+          <a:bodyPr rtlCol="0" anchor="ctr"/>
+          <a:lstStyle/>
+          <a:p>
+            <a:pPr algn="ctr"/>
+            <a:r>
+              <a:rPr lang="ko-KR" altLang="en-US" sz="2400" dirty="0">
+                <a:solidFill>
+                  <a:schemeClr val="tx1"/>
+                </a:solidFill>
+                <a:latin typeface="배달의민족 주아" panose="02020603020101020101" pitchFamily="18" charset="-127"/>
+                <a:ea typeface="배달의민족 주아" panose="02020603020101020101" pitchFamily="18" charset="-127"/>
+              </a:rPr>
+              <a:t>나 스레드 </a:t>
+            </a:r>
+            <a:r>
+              <a:rPr lang="en-US" altLang="ko-KR" sz="2400" dirty="0">
+                <a:solidFill>
+                  <a:schemeClr val="tx1"/>
+                </a:solidFill>
+                <a:latin typeface="배달의민족 주아" panose="02020603020101020101" pitchFamily="18" charset="-127"/>
+                <a:ea typeface="배달의민족 주아" panose="02020603020101020101" pitchFamily="18" charset="-127"/>
+              </a:rPr>
+              <a:t>1</a:t>
+            </a:r>
+            <a:endParaRPr lang="ko-KR" altLang="en-US" sz="2400" dirty="0">
+              <a:solidFill>
+                <a:schemeClr val="tx1"/>
+              </a:solidFill>
+              <a:latin typeface="배달의민족 주아" panose="02020603020101020101" pitchFamily="18" charset="-127"/>
+              <a:ea typeface="배달의민족 주아" panose="02020603020101020101" pitchFamily="18" charset="-127"/>
+            </a:endParaRPr>
+          </a:p>
+        </p:txBody>
+      </p:sp>
+    </p:spTree>
+    <p:extLst>
+      <p:ext uri="{BB962C8B-B14F-4D97-AF65-F5344CB8AC3E}">
+        <p14:creationId xmlns:p14="http://schemas.microsoft.com/office/powerpoint/2010/main" val="4094726143"/>
+      </p:ext>
+    </p:extLst>
+  </p:cSld>
+  <p:clrMapOvr>
+    <a:masterClrMapping/>
+  </p:clrMapOvr>
+</p:sld>
+</file>
+
+<file path=ppt/slides/slide61.xml><?xml version="1.0" encoding="utf-8"?>
+<p:sld xmlns:a="http://schemas.openxmlformats.org/drawingml/2006/main" xmlns:r="http://schemas.openxmlformats.org/officeDocument/2006/relationships" xmlns:p="http://schemas.openxmlformats.org/presentationml/2006/main">
+  <p:cSld>
+    <p:spTree>
+      <p:nvGrpSpPr>
+        <p:cNvPr id="1" name=""/>
+        <p:cNvGrpSpPr/>
+        <p:nvPr/>
+      </p:nvGrpSpPr>
+      <p:grpSpPr>
+        <a:xfrm>
+          <a:off x="0" y="0"/>
+          <a:ext cx="0" cy="0"/>
+          <a:chOff x="0" y="0"/>
+          <a:chExt cx="0" cy="0"/>
+        </a:xfrm>
+      </p:grpSpPr>
+      <p:pic>
+        <p:nvPicPr>
+          <p:cNvPr id="1026" name="Picture 2" descr="Portable toilet - Free architecture and city icons">
+            <a:extLst>
+              <a:ext uri="{FF2B5EF4-FFF2-40B4-BE49-F238E27FC236}">
+                <a16:creationId xmlns:a16="http://schemas.microsoft.com/office/drawing/2014/main" id="{3AC4089B-DD7F-4885-BC39-1E1DA820D888}"/>
+              </a:ext>
+            </a:extLst>
+          </p:cNvPr>
+          <p:cNvPicPr>
+            <a:picLocks noChangeAspect="1" noChangeArrowheads="1"/>
+          </p:cNvPicPr>
+          <p:nvPr/>
+        </p:nvPicPr>
+        <p:blipFill>
+          <a:blip r:embed="rId3">
+            <a:extLst>
+              <a:ext uri="{28A0092B-C50C-407E-A947-70E740481C1C}">
+                <a14:useLocalDpi xmlns:a14="http://schemas.microsoft.com/office/drawing/2010/main" val="0"/>
+              </a:ext>
+            </a:extLst>
+          </a:blip>
+          <a:srcRect/>
+          <a:stretch>
+            <a:fillRect/>
+          </a:stretch>
+        </p:blipFill>
+        <p:spPr bwMode="auto">
+          <a:xfrm>
+            <a:off x="5995987" y="1457325"/>
+            <a:ext cx="4876800" cy="4876800"/>
+          </a:xfrm>
+          <a:prstGeom prst="rect">
+            <a:avLst/>
+          </a:prstGeom>
+          <a:noFill/>
+          <a:extLst>
+            <a:ext uri="{909E8E84-426E-40DD-AFC4-6F175D3DCCD1}">
+              <a14:hiddenFill xmlns:a14="http://schemas.microsoft.com/office/drawing/2010/main">
+                <a:solidFill>
+                  <a:srgbClr val="FFFFFF"/>
+                </a:solidFill>
+              </a14:hiddenFill>
+            </a:ext>
+          </a:extLst>
+        </p:spPr>
+      </p:pic>
+      <p:pic>
+        <p:nvPicPr>
+          <p:cNvPr id="14" name="Picture 4" descr="Padlock Icon Png #330958 - Free Icons Library">
+            <a:extLst>
+              <a:ext uri="{FF2B5EF4-FFF2-40B4-BE49-F238E27FC236}">
+                <a16:creationId xmlns:a16="http://schemas.microsoft.com/office/drawing/2014/main" id="{63AF6384-8BC6-4B52-AB3C-9E5F96616F3E}"/>
+              </a:ext>
+            </a:extLst>
+          </p:cNvPr>
+          <p:cNvPicPr>
+            <a:picLocks noChangeAspect="1" noChangeArrowheads="1"/>
+          </p:cNvPicPr>
+          <p:nvPr/>
+        </p:nvPicPr>
+        <p:blipFill>
+          <a:blip r:embed="rId4">
+            <a:extLst>
+              <a:ext uri="{28A0092B-C50C-407E-A947-70E740481C1C}">
+                <a14:useLocalDpi xmlns:a14="http://schemas.microsoft.com/office/drawing/2010/main" val="0"/>
+              </a:ext>
+            </a:extLst>
+          </a:blip>
+          <a:srcRect/>
+          <a:stretch>
+            <a:fillRect/>
+          </a:stretch>
+        </p:blipFill>
+        <p:spPr bwMode="auto">
+          <a:xfrm>
+            <a:off x="7619999" y="3705225"/>
+            <a:ext cx="1628775" cy="1628775"/>
+          </a:xfrm>
+          <a:prstGeom prst="rect">
+            <a:avLst/>
+          </a:prstGeom>
+          <a:noFill/>
+          <a:extLst>
+            <a:ext uri="{909E8E84-426E-40DD-AFC4-6F175D3DCCD1}">
+              <a14:hiddenFill xmlns:a14="http://schemas.microsoft.com/office/drawing/2010/main">
+                <a:solidFill>
+                  <a:srgbClr val="FFFFFF"/>
+                </a:solidFill>
+              </a14:hiddenFill>
+            </a:ext>
+          </a:extLst>
+        </p:spPr>
+      </p:pic>
+      <p:pic>
+        <p:nvPicPr>
+          <p:cNvPr id="6" name="Picture 6" descr="User, account, human, person icon - Free download">
+            <a:extLst>
+              <a:ext uri="{FF2B5EF4-FFF2-40B4-BE49-F238E27FC236}">
+                <a16:creationId xmlns:a16="http://schemas.microsoft.com/office/drawing/2014/main" id="{A5D8CC28-D3C4-4494-83E8-D6A4E64A7684}"/>
+              </a:ext>
+            </a:extLst>
+          </p:cNvPr>
+          <p:cNvPicPr>
+            <a:picLocks noChangeAspect="1" noChangeArrowheads="1"/>
+          </p:cNvPicPr>
+          <p:nvPr/>
+        </p:nvPicPr>
+        <p:blipFill>
+          <a:blip r:embed="rId5">
+            <a:extLst>
+              <a:ext uri="{28A0092B-C50C-407E-A947-70E740481C1C}">
+                <a14:useLocalDpi xmlns:a14="http://schemas.microsoft.com/office/drawing/2010/main" val="0"/>
+              </a:ext>
+            </a:extLst>
+          </a:blip>
+          <a:srcRect/>
+          <a:stretch>
+            <a:fillRect/>
+          </a:stretch>
+        </p:blipFill>
+        <p:spPr bwMode="auto">
+          <a:xfrm>
+            <a:off x="509589" y="2247900"/>
+            <a:ext cx="4876800" cy="4876800"/>
+          </a:xfrm>
+          <a:prstGeom prst="rect">
+            <a:avLst/>
+          </a:prstGeom>
+          <a:noFill/>
+          <a:extLst>
+            <a:ext uri="{909E8E84-426E-40DD-AFC4-6F175D3DCCD1}">
+              <a14:hiddenFill xmlns:a14="http://schemas.microsoft.com/office/drawing/2010/main">
+                <a:solidFill>
+                  <a:srgbClr val="FFFFFF"/>
+                </a:solidFill>
+              </a14:hiddenFill>
+            </a:ext>
+          </a:extLst>
+        </p:spPr>
+      </p:pic>
+      <p:sp>
+        <p:nvSpPr>
+          <p:cNvPr id="7" name="직사각형 6">
+            <a:extLst>
+              <a:ext uri="{FF2B5EF4-FFF2-40B4-BE49-F238E27FC236}">
+                <a16:creationId xmlns:a16="http://schemas.microsoft.com/office/drawing/2014/main" id="{89A01712-3737-4E3B-8F22-11F56740E94E}"/>
+              </a:ext>
+            </a:extLst>
+          </p:cNvPr>
+          <p:cNvSpPr/>
+          <p:nvPr/>
+        </p:nvSpPr>
+        <p:spPr>
+          <a:xfrm>
+            <a:off x="1372076" y="2057400"/>
+            <a:ext cx="3151825" cy="923330"/>
+          </a:xfrm>
+          <a:prstGeom prst="rect">
+            <a:avLst/>
+          </a:prstGeom>
+        </p:spPr>
+        <p:txBody>
+          <a:bodyPr wrap="none">
+            <a:spAutoFit/>
+          </a:bodyPr>
+          <a:lstStyle/>
+          <a:p>
+            <a:r>
+              <a:rPr lang="ko-KR" altLang="en-US" sz="5400" dirty="0">
+                <a:latin typeface="배달의민족 주아" panose="02020603020101020101" pitchFamily="18" charset="-127"/>
+                <a:ea typeface="배달의민족 주아" panose="02020603020101020101" pitchFamily="18" charset="-127"/>
+              </a:rPr>
+              <a:t>나 스레드 </a:t>
+            </a:r>
+            <a:r>
+              <a:rPr lang="en-US" altLang="ko-KR" sz="5400" dirty="0">
+                <a:latin typeface="배달의민족 주아" panose="02020603020101020101" pitchFamily="18" charset="-127"/>
+                <a:ea typeface="배달의민족 주아" panose="02020603020101020101" pitchFamily="18" charset="-127"/>
+              </a:rPr>
+              <a:t>2</a:t>
+            </a:r>
+          </a:p>
+        </p:txBody>
+      </p:sp>
+      <p:sp>
+        <p:nvSpPr>
+          <p:cNvPr id="2" name="말풍선: 타원형 1">
+            <a:extLst>
+              <a:ext uri="{FF2B5EF4-FFF2-40B4-BE49-F238E27FC236}">
+                <a16:creationId xmlns:a16="http://schemas.microsoft.com/office/drawing/2014/main" id="{B29B4394-28BA-4E5F-A511-6BAC7B8E6C33}"/>
+              </a:ext>
+            </a:extLst>
+          </p:cNvPr>
+          <p:cNvSpPr/>
+          <p:nvPr/>
+        </p:nvSpPr>
+        <p:spPr>
+          <a:xfrm>
+            <a:off x="10010775" y="628650"/>
+            <a:ext cx="2105025" cy="1515433"/>
+          </a:xfrm>
+          <a:prstGeom prst="wedgeEllipseCallout">
+            <a:avLst>
+              <a:gd name="adj1" fmla="val -43457"/>
+              <a:gd name="adj2" fmla="val 48661"/>
+            </a:avLst>
+          </a:prstGeom>
+          <a:solidFill>
+            <a:schemeClr val="bg1"/>
+          </a:solidFill>
+          <a:ln w="57150">
+            <a:solidFill>
+              <a:schemeClr val="tx1"/>
+            </a:solidFill>
+          </a:ln>
+        </p:spPr>
+        <p:style>
+          <a:lnRef idx="2">
+            <a:schemeClr val="accent1">
+              <a:shade val="50000"/>
+            </a:schemeClr>
+          </a:lnRef>
+          <a:fillRef idx="1">
+            <a:schemeClr val="accent1"/>
+          </a:fillRef>
+          <a:effectRef idx="0">
+            <a:schemeClr val="accent1"/>
+          </a:effectRef>
+          <a:fontRef idx="minor">
+            <a:schemeClr val="lt1"/>
+          </a:fontRef>
+        </p:style>
+        <p:txBody>
+          <a:bodyPr rtlCol="0" anchor="ctr"/>
+          <a:lstStyle/>
+          <a:p>
+            <a:pPr algn="ctr"/>
+            <a:r>
+              <a:rPr lang="ko-KR" altLang="en-US" sz="2400" dirty="0">
+                <a:solidFill>
+                  <a:schemeClr val="tx1"/>
+                </a:solidFill>
+                <a:latin typeface="배달의민족 주아" panose="02020603020101020101" pitchFamily="18" charset="-127"/>
+                <a:ea typeface="배달의민족 주아" panose="02020603020101020101" pitchFamily="18" charset="-127"/>
+              </a:rPr>
+              <a:t>나 스레드 </a:t>
+            </a:r>
+            <a:r>
+              <a:rPr lang="en-US" altLang="ko-KR" sz="2400" dirty="0">
+                <a:solidFill>
+                  <a:schemeClr val="tx1"/>
+                </a:solidFill>
+                <a:latin typeface="배달의민족 주아" panose="02020603020101020101" pitchFamily="18" charset="-127"/>
+                <a:ea typeface="배달의민족 주아" panose="02020603020101020101" pitchFamily="18" charset="-127"/>
+              </a:rPr>
+              <a:t>1</a:t>
+            </a:r>
+            <a:endParaRPr lang="ko-KR" altLang="en-US" sz="2400" dirty="0">
+              <a:solidFill>
+                <a:schemeClr val="tx1"/>
+              </a:solidFill>
+              <a:latin typeface="배달의민족 주아" panose="02020603020101020101" pitchFamily="18" charset="-127"/>
+              <a:ea typeface="배달의민족 주아" panose="02020603020101020101" pitchFamily="18" charset="-127"/>
+            </a:endParaRPr>
+          </a:p>
+        </p:txBody>
+      </p:sp>
+      <p:sp>
+        <p:nvSpPr>
+          <p:cNvPr id="8" name="직사각형 7">
+            <a:extLst>
+              <a:ext uri="{FF2B5EF4-FFF2-40B4-BE49-F238E27FC236}">
+                <a16:creationId xmlns:a16="http://schemas.microsoft.com/office/drawing/2014/main" id="{5B891196-E5F8-40AA-9640-992658EB9707}"/>
+              </a:ext>
+            </a:extLst>
+          </p:cNvPr>
+          <p:cNvSpPr/>
+          <p:nvPr/>
+        </p:nvSpPr>
+        <p:spPr>
+          <a:xfrm>
+            <a:off x="0" y="0"/>
+            <a:ext cx="12192000" cy="6858000"/>
+          </a:xfrm>
+          <a:prstGeom prst="rect">
+            <a:avLst/>
+          </a:prstGeom>
+          <a:solidFill>
+            <a:schemeClr val="tx1">
+              <a:alpha val="80000"/>
+            </a:schemeClr>
+          </a:solidFill>
+          <a:ln>
+            <a:solidFill>
+              <a:schemeClr val="tx1"/>
+            </a:solidFill>
+          </a:ln>
+        </p:spPr>
+        <p:style>
+          <a:lnRef idx="2">
+            <a:schemeClr val="accent1">
+              <a:shade val="50000"/>
+            </a:schemeClr>
+          </a:lnRef>
+          <a:fillRef idx="1">
+            <a:schemeClr val="accent1"/>
+          </a:fillRef>
+          <a:effectRef idx="0">
+            <a:schemeClr val="accent1"/>
+          </a:effectRef>
+          <a:fontRef idx="minor">
+            <a:schemeClr val="lt1"/>
+          </a:fontRef>
+        </p:style>
+        <p:txBody>
+          <a:bodyPr rtlCol="0" anchor="ctr"/>
+          <a:lstStyle/>
+          <a:p>
+            <a:pPr algn="ctr"/>
+            <a:endParaRPr lang="ko-KR" altLang="en-US" sz="1600" dirty="0"/>
+          </a:p>
+        </p:txBody>
+      </p:sp>
+      <p:sp>
+        <p:nvSpPr>
+          <p:cNvPr id="3" name="직사각형 2">
+            <a:extLst>
+              <a:ext uri="{FF2B5EF4-FFF2-40B4-BE49-F238E27FC236}">
+                <a16:creationId xmlns:a16="http://schemas.microsoft.com/office/drawing/2014/main" id="{CE97CBAA-9474-4762-9A45-7F1C1229323D}"/>
+              </a:ext>
+            </a:extLst>
+          </p:cNvPr>
+          <p:cNvSpPr/>
+          <p:nvPr/>
+        </p:nvSpPr>
+        <p:spPr>
+          <a:xfrm>
+            <a:off x="0" y="339365"/>
+            <a:ext cx="3619893" cy="1221117"/>
+          </a:xfrm>
+          <a:prstGeom prst="rect">
+            <a:avLst/>
+          </a:prstGeom>
+          <a:solidFill>
+            <a:schemeClr val="tx1"/>
+          </a:solidFill>
+          <a:ln>
+            <a:solidFill>
+              <a:schemeClr val="tx1"/>
+            </a:solidFill>
+          </a:ln>
+        </p:spPr>
+        <p:style>
+          <a:lnRef idx="2">
+            <a:schemeClr val="accent1">
+              <a:shade val="50000"/>
+            </a:schemeClr>
+          </a:lnRef>
+          <a:fillRef idx="1">
+            <a:schemeClr val="accent1"/>
+          </a:fillRef>
+          <a:effectRef idx="0">
+            <a:schemeClr val="accent1"/>
+          </a:effectRef>
+          <a:fontRef idx="minor">
+            <a:schemeClr val="lt1"/>
+          </a:fontRef>
+        </p:style>
+        <p:txBody>
+          <a:bodyPr rtlCol="0" anchor="ctr"/>
+          <a:lstStyle/>
+          <a:p>
+            <a:pPr algn="ctr"/>
+            <a:r>
+              <a:rPr lang="en-US" altLang="ko-KR" sz="4000" dirty="0">
+                <a:latin typeface="태나다체 " panose="02000000000000000000" pitchFamily="2" charset="-127"/>
+                <a:ea typeface="태나다체 " panose="02000000000000000000" pitchFamily="2" charset="-127"/>
+              </a:rPr>
+              <a:t>Lock </a:t>
+            </a:r>
+            <a:r>
+              <a:rPr lang="ko-KR" altLang="en-US" sz="4000" dirty="0">
+                <a:latin typeface="태나다체 " panose="02000000000000000000" pitchFamily="2" charset="-127"/>
+                <a:ea typeface="태나다체 " panose="02000000000000000000" pitchFamily="2" charset="-127"/>
+              </a:rPr>
+              <a:t>사용</a:t>
+            </a:r>
+          </a:p>
+        </p:txBody>
+      </p:sp>
+      <p:sp>
+        <p:nvSpPr>
+          <p:cNvPr id="9" name="직사각형 8">
+            <a:extLst>
+              <a:ext uri="{FF2B5EF4-FFF2-40B4-BE49-F238E27FC236}">
+                <a16:creationId xmlns:a16="http://schemas.microsoft.com/office/drawing/2014/main" id="{2D9182DC-B255-45E0-B040-79922341B47B}"/>
+              </a:ext>
+            </a:extLst>
+          </p:cNvPr>
+          <p:cNvSpPr/>
+          <p:nvPr/>
+        </p:nvSpPr>
+        <p:spPr>
+          <a:xfrm>
+            <a:off x="866042" y="2976860"/>
+            <a:ext cx="10459915" cy="923330"/>
+          </a:xfrm>
+          <a:prstGeom prst="rect">
+            <a:avLst/>
+          </a:prstGeom>
+        </p:spPr>
+        <p:txBody>
+          <a:bodyPr wrap="none">
+            <a:spAutoFit/>
+          </a:bodyPr>
+          <a:lstStyle/>
+          <a:p>
+            <a:r>
+              <a:rPr lang="ko-KR" altLang="en-US" sz="5400" dirty="0">
+                <a:solidFill>
+                  <a:schemeClr val="bg1"/>
+                </a:solidFill>
+                <a:latin typeface="배달의민족 주아" panose="02020603020101020101" pitchFamily="18" charset="-127"/>
+                <a:ea typeface="배달의민족 주아" panose="02020603020101020101" pitchFamily="18" charset="-127"/>
+              </a:rPr>
+              <a:t>스레드 </a:t>
+            </a:r>
+            <a:r>
+              <a:rPr lang="en-US" altLang="ko-KR" sz="5400" dirty="0">
+                <a:solidFill>
+                  <a:schemeClr val="bg1"/>
+                </a:solidFill>
+                <a:latin typeface="배달의민족 주아" panose="02020603020101020101" pitchFamily="18" charset="-127"/>
+                <a:ea typeface="배달의민족 주아" panose="02020603020101020101" pitchFamily="18" charset="-127"/>
+              </a:rPr>
+              <a:t>1</a:t>
+            </a:r>
+            <a:r>
+              <a:rPr lang="ko-KR" altLang="en-US" sz="5400" dirty="0">
+                <a:solidFill>
+                  <a:schemeClr val="bg1"/>
+                </a:solidFill>
+                <a:latin typeface="배달의민족 주아" panose="02020603020101020101" pitchFamily="18" charset="-127"/>
+                <a:ea typeface="배달의민족 주아" panose="02020603020101020101" pitchFamily="18" charset="-127"/>
+              </a:rPr>
+              <a:t>이 자리를 비울 때까지 무한 대기</a:t>
+            </a:r>
+          </a:p>
+        </p:txBody>
+      </p:sp>
+    </p:spTree>
+    <p:extLst>
+      <p:ext uri="{BB962C8B-B14F-4D97-AF65-F5344CB8AC3E}">
+        <p14:creationId xmlns:p14="http://schemas.microsoft.com/office/powerpoint/2010/main" val="682213051"/>
+      </p:ext>
+    </p:extLst>
+  </p:cSld>
+  <p:clrMapOvr>
+    <a:masterClrMapping/>
+  </p:clrMapOvr>
+</p:sld>
+</file>
+
+<file path=ppt/slides/slide62.xml><?xml version="1.0" encoding="utf-8"?>
+<p:sld xmlns:a="http://schemas.openxmlformats.org/drawingml/2006/main" xmlns:r="http://schemas.openxmlformats.org/officeDocument/2006/relationships" xmlns:p="http://schemas.openxmlformats.org/presentationml/2006/main">
+  <p:cSld>
+    <p:spTree>
+      <p:nvGrpSpPr>
+        <p:cNvPr id="1" name=""/>
+        <p:cNvGrpSpPr/>
+        <p:nvPr/>
+      </p:nvGrpSpPr>
+      <p:grpSpPr>
+        <a:xfrm>
+          <a:off x="0" y="0"/>
+          <a:ext cx="0" cy="0"/>
+          <a:chOff x="0" y="0"/>
+          <a:chExt cx="0" cy="0"/>
+        </a:xfrm>
+      </p:grpSpPr>
+      <p:pic>
+        <p:nvPicPr>
+          <p:cNvPr id="1026" name="Picture 2" descr="Portable toilet - Free architecture and city icons">
+            <a:extLst>
+              <a:ext uri="{FF2B5EF4-FFF2-40B4-BE49-F238E27FC236}">
+                <a16:creationId xmlns:a16="http://schemas.microsoft.com/office/drawing/2014/main" id="{3AC4089B-DD7F-4885-BC39-1E1DA820D888}"/>
+              </a:ext>
+            </a:extLst>
+          </p:cNvPr>
+          <p:cNvPicPr>
+            <a:picLocks noChangeAspect="1" noChangeArrowheads="1"/>
+          </p:cNvPicPr>
+          <p:nvPr/>
+        </p:nvPicPr>
+        <p:blipFill>
+          <a:blip r:embed="rId3">
+            <a:extLst>
+              <a:ext uri="{28A0092B-C50C-407E-A947-70E740481C1C}">
+                <a14:useLocalDpi xmlns:a14="http://schemas.microsoft.com/office/drawing/2010/main" val="0"/>
+              </a:ext>
+            </a:extLst>
+          </a:blip>
+          <a:srcRect/>
+          <a:stretch>
+            <a:fillRect/>
+          </a:stretch>
+        </p:blipFill>
+        <p:spPr bwMode="auto">
+          <a:xfrm>
+            <a:off x="5995987" y="1457325"/>
+            <a:ext cx="4876800" cy="4876800"/>
+          </a:xfrm>
+          <a:prstGeom prst="rect">
+            <a:avLst/>
+          </a:prstGeom>
+          <a:noFill/>
+          <a:extLst>
+            <a:ext uri="{909E8E84-426E-40DD-AFC4-6F175D3DCCD1}">
+              <a14:hiddenFill xmlns:a14="http://schemas.microsoft.com/office/drawing/2010/main">
+                <a:solidFill>
+                  <a:srgbClr val="FFFFFF"/>
+                </a:solidFill>
+              </a14:hiddenFill>
+            </a:ext>
+          </a:extLst>
+        </p:spPr>
+      </p:pic>
+      <p:pic>
+        <p:nvPicPr>
+          <p:cNvPr id="14" name="Picture 4" descr="Padlock Icon Png #330958 - Free Icons Library">
+            <a:extLst>
+              <a:ext uri="{FF2B5EF4-FFF2-40B4-BE49-F238E27FC236}">
+                <a16:creationId xmlns:a16="http://schemas.microsoft.com/office/drawing/2014/main" id="{63AF6384-8BC6-4B52-AB3C-9E5F96616F3E}"/>
+              </a:ext>
+            </a:extLst>
+          </p:cNvPr>
+          <p:cNvPicPr>
+            <a:picLocks noChangeAspect="1" noChangeArrowheads="1"/>
+          </p:cNvPicPr>
+          <p:nvPr/>
+        </p:nvPicPr>
+        <p:blipFill>
+          <a:blip r:embed="rId4">
+            <a:extLst>
+              <a:ext uri="{28A0092B-C50C-407E-A947-70E740481C1C}">
+                <a14:useLocalDpi xmlns:a14="http://schemas.microsoft.com/office/drawing/2010/main" val="0"/>
+              </a:ext>
+            </a:extLst>
+          </a:blip>
+          <a:srcRect/>
+          <a:stretch>
+            <a:fillRect/>
+          </a:stretch>
+        </p:blipFill>
+        <p:spPr bwMode="auto">
+          <a:xfrm>
+            <a:off x="7619999" y="3705225"/>
+            <a:ext cx="1628775" cy="1628775"/>
+          </a:xfrm>
+          <a:prstGeom prst="rect">
+            <a:avLst/>
+          </a:prstGeom>
+          <a:noFill/>
+          <a:extLst>
+            <a:ext uri="{909E8E84-426E-40DD-AFC4-6F175D3DCCD1}">
+              <a14:hiddenFill xmlns:a14="http://schemas.microsoft.com/office/drawing/2010/main">
+                <a:solidFill>
+                  <a:srgbClr val="FFFFFF"/>
+                </a:solidFill>
+              </a14:hiddenFill>
+            </a:ext>
+          </a:extLst>
+        </p:spPr>
+      </p:pic>
+      <p:pic>
+        <p:nvPicPr>
+          <p:cNvPr id="6" name="Picture 6" descr="User, account, human, person icon - Free download">
+            <a:extLst>
+              <a:ext uri="{FF2B5EF4-FFF2-40B4-BE49-F238E27FC236}">
+                <a16:creationId xmlns:a16="http://schemas.microsoft.com/office/drawing/2014/main" id="{A5D8CC28-D3C4-4494-83E8-D6A4E64A7684}"/>
+              </a:ext>
+            </a:extLst>
+          </p:cNvPr>
+          <p:cNvPicPr>
+            <a:picLocks noChangeAspect="1" noChangeArrowheads="1"/>
+          </p:cNvPicPr>
+          <p:nvPr/>
+        </p:nvPicPr>
+        <p:blipFill>
+          <a:blip r:embed="rId5">
+            <a:extLst>
+              <a:ext uri="{28A0092B-C50C-407E-A947-70E740481C1C}">
+                <a14:useLocalDpi xmlns:a14="http://schemas.microsoft.com/office/drawing/2010/main" val="0"/>
+              </a:ext>
+            </a:extLst>
+          </a:blip>
+          <a:srcRect/>
+          <a:stretch>
+            <a:fillRect/>
+          </a:stretch>
+        </p:blipFill>
+        <p:spPr bwMode="auto">
+          <a:xfrm>
+            <a:off x="509589" y="2247900"/>
+            <a:ext cx="4876800" cy="4876800"/>
+          </a:xfrm>
+          <a:prstGeom prst="rect">
+            <a:avLst/>
+          </a:prstGeom>
+          <a:noFill/>
+          <a:extLst>
+            <a:ext uri="{909E8E84-426E-40DD-AFC4-6F175D3DCCD1}">
+              <a14:hiddenFill xmlns:a14="http://schemas.microsoft.com/office/drawing/2010/main">
+                <a:solidFill>
+                  <a:srgbClr val="FFFFFF"/>
+                </a:solidFill>
+              </a14:hiddenFill>
+            </a:ext>
+          </a:extLst>
+        </p:spPr>
+      </p:pic>
+      <p:sp>
+        <p:nvSpPr>
+          <p:cNvPr id="7" name="직사각형 6">
+            <a:extLst>
+              <a:ext uri="{FF2B5EF4-FFF2-40B4-BE49-F238E27FC236}">
+                <a16:creationId xmlns:a16="http://schemas.microsoft.com/office/drawing/2014/main" id="{89A01712-3737-4E3B-8F22-11F56740E94E}"/>
+              </a:ext>
+            </a:extLst>
+          </p:cNvPr>
+          <p:cNvSpPr/>
+          <p:nvPr/>
+        </p:nvSpPr>
+        <p:spPr>
+          <a:xfrm>
+            <a:off x="1372076" y="2057400"/>
+            <a:ext cx="3151825" cy="923330"/>
+          </a:xfrm>
+          <a:prstGeom prst="rect">
+            <a:avLst/>
+          </a:prstGeom>
+        </p:spPr>
+        <p:txBody>
+          <a:bodyPr wrap="none">
+            <a:spAutoFit/>
+          </a:bodyPr>
+          <a:lstStyle/>
+          <a:p>
+            <a:r>
+              <a:rPr lang="ko-KR" altLang="en-US" sz="5400" dirty="0">
+                <a:latin typeface="배달의민족 주아" panose="02020603020101020101" pitchFamily="18" charset="-127"/>
+                <a:ea typeface="배달의민족 주아" panose="02020603020101020101" pitchFamily="18" charset="-127"/>
+              </a:rPr>
+              <a:t>나 스레드 </a:t>
+            </a:r>
+            <a:r>
+              <a:rPr lang="en-US" altLang="ko-KR" sz="5400" dirty="0">
+                <a:latin typeface="배달의민족 주아" panose="02020603020101020101" pitchFamily="18" charset="-127"/>
+                <a:ea typeface="배달의민족 주아" panose="02020603020101020101" pitchFamily="18" charset="-127"/>
+              </a:rPr>
+              <a:t>2</a:t>
+            </a:r>
+          </a:p>
+        </p:txBody>
+      </p:sp>
+      <p:sp>
+        <p:nvSpPr>
+          <p:cNvPr id="2" name="말풍선: 타원형 1">
+            <a:extLst>
+              <a:ext uri="{FF2B5EF4-FFF2-40B4-BE49-F238E27FC236}">
+                <a16:creationId xmlns:a16="http://schemas.microsoft.com/office/drawing/2014/main" id="{B29B4394-28BA-4E5F-A511-6BAC7B8E6C33}"/>
+              </a:ext>
+            </a:extLst>
+          </p:cNvPr>
+          <p:cNvSpPr/>
+          <p:nvPr/>
+        </p:nvSpPr>
+        <p:spPr>
+          <a:xfrm>
+            <a:off x="10010775" y="628650"/>
+            <a:ext cx="2105025" cy="1515433"/>
+          </a:xfrm>
+          <a:prstGeom prst="wedgeEllipseCallout">
+            <a:avLst>
+              <a:gd name="adj1" fmla="val -43457"/>
+              <a:gd name="adj2" fmla="val 48661"/>
+            </a:avLst>
+          </a:prstGeom>
+          <a:solidFill>
+            <a:schemeClr val="bg1"/>
+          </a:solidFill>
+          <a:ln w="57150">
+            <a:solidFill>
+              <a:schemeClr val="tx1"/>
+            </a:solidFill>
+          </a:ln>
+        </p:spPr>
+        <p:style>
+          <a:lnRef idx="2">
+            <a:schemeClr val="accent1">
+              <a:shade val="50000"/>
+            </a:schemeClr>
+          </a:lnRef>
+          <a:fillRef idx="1">
+            <a:schemeClr val="accent1"/>
+          </a:fillRef>
+          <a:effectRef idx="0">
+            <a:schemeClr val="accent1"/>
+          </a:effectRef>
+          <a:fontRef idx="minor">
+            <a:schemeClr val="lt1"/>
+          </a:fontRef>
+        </p:style>
+        <p:txBody>
+          <a:bodyPr rtlCol="0" anchor="ctr"/>
+          <a:lstStyle/>
+          <a:p>
+            <a:pPr algn="ctr"/>
+            <a:r>
+              <a:rPr lang="ko-KR" altLang="en-US" sz="2400" dirty="0">
+                <a:solidFill>
+                  <a:schemeClr val="tx1"/>
+                </a:solidFill>
+                <a:latin typeface="배달의민족 주아" panose="02020603020101020101" pitchFamily="18" charset="-127"/>
+                <a:ea typeface="배달의민족 주아" panose="02020603020101020101" pitchFamily="18" charset="-127"/>
+              </a:rPr>
+              <a:t>나 스레드 </a:t>
+            </a:r>
+            <a:r>
+              <a:rPr lang="en-US" altLang="ko-KR" sz="2400" dirty="0">
+                <a:solidFill>
+                  <a:schemeClr val="tx1"/>
+                </a:solidFill>
+                <a:latin typeface="배달의민족 주아" panose="02020603020101020101" pitchFamily="18" charset="-127"/>
+                <a:ea typeface="배달의민족 주아" panose="02020603020101020101" pitchFamily="18" charset="-127"/>
+              </a:rPr>
+              <a:t>1</a:t>
+            </a:r>
+            <a:endParaRPr lang="ko-KR" altLang="en-US" sz="2400" dirty="0">
+              <a:solidFill>
+                <a:schemeClr val="tx1"/>
+              </a:solidFill>
+              <a:latin typeface="배달의민족 주아" panose="02020603020101020101" pitchFamily="18" charset="-127"/>
+              <a:ea typeface="배달의민족 주아" panose="02020603020101020101" pitchFamily="18" charset="-127"/>
+            </a:endParaRPr>
+          </a:p>
+        </p:txBody>
+      </p:sp>
+      <p:sp>
+        <p:nvSpPr>
+          <p:cNvPr id="8" name="직사각형 7">
+            <a:extLst>
+              <a:ext uri="{FF2B5EF4-FFF2-40B4-BE49-F238E27FC236}">
+                <a16:creationId xmlns:a16="http://schemas.microsoft.com/office/drawing/2014/main" id="{5B891196-E5F8-40AA-9640-992658EB9707}"/>
+              </a:ext>
+            </a:extLst>
+          </p:cNvPr>
+          <p:cNvSpPr/>
+          <p:nvPr/>
+        </p:nvSpPr>
+        <p:spPr>
+          <a:xfrm>
+            <a:off x="0" y="0"/>
+            <a:ext cx="12192000" cy="6858000"/>
+          </a:xfrm>
+          <a:prstGeom prst="rect">
+            <a:avLst/>
+          </a:prstGeom>
+          <a:solidFill>
+            <a:schemeClr val="tx1">
+              <a:alpha val="80000"/>
+            </a:schemeClr>
+          </a:solidFill>
+          <a:ln>
+            <a:solidFill>
+              <a:schemeClr val="tx1"/>
+            </a:solidFill>
+          </a:ln>
+        </p:spPr>
+        <p:style>
+          <a:lnRef idx="2">
+            <a:schemeClr val="accent1">
+              <a:shade val="50000"/>
+            </a:schemeClr>
+          </a:lnRef>
+          <a:fillRef idx="1">
+            <a:schemeClr val="accent1"/>
+          </a:fillRef>
+          <a:effectRef idx="0">
+            <a:schemeClr val="accent1"/>
+          </a:effectRef>
+          <a:fontRef idx="minor">
+            <a:schemeClr val="lt1"/>
+          </a:fontRef>
+        </p:style>
+        <p:txBody>
+          <a:bodyPr rtlCol="0" anchor="ctr"/>
+          <a:lstStyle/>
+          <a:p>
+            <a:pPr algn="ctr"/>
+            <a:endParaRPr lang="ko-KR" altLang="en-US" sz="1600" dirty="0"/>
+          </a:p>
+        </p:txBody>
+      </p:sp>
+      <p:sp>
+        <p:nvSpPr>
+          <p:cNvPr id="3" name="직사각형 2">
+            <a:extLst>
+              <a:ext uri="{FF2B5EF4-FFF2-40B4-BE49-F238E27FC236}">
+                <a16:creationId xmlns:a16="http://schemas.microsoft.com/office/drawing/2014/main" id="{CE97CBAA-9474-4762-9A45-7F1C1229323D}"/>
+              </a:ext>
+            </a:extLst>
+          </p:cNvPr>
+          <p:cNvSpPr/>
+          <p:nvPr/>
+        </p:nvSpPr>
+        <p:spPr>
+          <a:xfrm>
+            <a:off x="0" y="339365"/>
+            <a:ext cx="3619893" cy="1221117"/>
+          </a:xfrm>
+          <a:prstGeom prst="rect">
+            <a:avLst/>
+          </a:prstGeom>
+          <a:solidFill>
+            <a:schemeClr val="tx1"/>
+          </a:solidFill>
+          <a:ln>
+            <a:solidFill>
+              <a:schemeClr val="tx1"/>
+            </a:solidFill>
+          </a:ln>
+        </p:spPr>
+        <p:style>
+          <a:lnRef idx="2">
+            <a:schemeClr val="accent1">
+              <a:shade val="50000"/>
+            </a:schemeClr>
+          </a:lnRef>
+          <a:fillRef idx="1">
+            <a:schemeClr val="accent1"/>
+          </a:fillRef>
+          <a:effectRef idx="0">
+            <a:schemeClr val="accent1"/>
+          </a:effectRef>
+          <a:fontRef idx="minor">
+            <a:schemeClr val="lt1"/>
+          </a:fontRef>
+        </p:style>
+        <p:txBody>
+          <a:bodyPr rtlCol="0" anchor="ctr"/>
+          <a:lstStyle/>
+          <a:p>
+            <a:pPr algn="ctr"/>
+            <a:r>
+              <a:rPr lang="en-US" altLang="ko-KR" sz="4000" dirty="0">
+                <a:latin typeface="태나다체 " panose="02000000000000000000" pitchFamily="2" charset="-127"/>
+                <a:ea typeface="태나다체 " panose="02000000000000000000" pitchFamily="2" charset="-127"/>
+              </a:rPr>
+              <a:t>Lock </a:t>
+            </a:r>
+            <a:r>
+              <a:rPr lang="ko-KR" altLang="en-US" sz="4000" dirty="0">
+                <a:latin typeface="태나다체 " panose="02000000000000000000" pitchFamily="2" charset="-127"/>
+                <a:ea typeface="태나다체 " panose="02000000000000000000" pitchFamily="2" charset="-127"/>
+              </a:rPr>
+              <a:t>사용</a:t>
+            </a:r>
+          </a:p>
+        </p:txBody>
+      </p:sp>
+      <p:sp>
+        <p:nvSpPr>
+          <p:cNvPr id="9" name="직사각형 8">
+            <a:extLst>
+              <a:ext uri="{FF2B5EF4-FFF2-40B4-BE49-F238E27FC236}">
+                <a16:creationId xmlns:a16="http://schemas.microsoft.com/office/drawing/2014/main" id="{2D9182DC-B255-45E0-B040-79922341B47B}"/>
+              </a:ext>
+            </a:extLst>
+          </p:cNvPr>
+          <p:cNvSpPr/>
+          <p:nvPr/>
+        </p:nvSpPr>
+        <p:spPr>
+          <a:xfrm>
+            <a:off x="2829093" y="3156217"/>
+            <a:ext cx="6333785" cy="923330"/>
+          </a:xfrm>
+          <a:prstGeom prst="rect">
+            <a:avLst/>
+          </a:prstGeom>
+        </p:spPr>
+        <p:txBody>
+          <a:bodyPr wrap="none">
+            <a:spAutoFit/>
+          </a:bodyPr>
+          <a:lstStyle/>
+          <a:p>
+            <a:r>
+              <a:rPr lang="en-US" altLang="ko-KR" sz="5400" dirty="0">
+                <a:solidFill>
+                  <a:schemeClr val="bg1"/>
+                </a:solidFill>
+                <a:latin typeface="배달의민족 주아" panose="02020603020101020101" pitchFamily="18" charset="-127"/>
+                <a:ea typeface="배달의민족 주아" panose="02020603020101020101" pitchFamily="18" charset="-127"/>
+              </a:rPr>
+              <a:t>lock</a:t>
+            </a:r>
+            <a:r>
+              <a:rPr lang="ko-KR" altLang="en-US" sz="5400" dirty="0">
+                <a:solidFill>
+                  <a:schemeClr val="bg1"/>
+                </a:solidFill>
+                <a:latin typeface="배달의민족 주아" panose="02020603020101020101" pitchFamily="18" charset="-127"/>
+                <a:ea typeface="배달의민족 주아" panose="02020603020101020101" pitchFamily="18" charset="-127"/>
+              </a:rPr>
+              <a:t>은 신중하게 쓰도록</a:t>
+            </a:r>
+            <a:r>
+              <a:rPr lang="en-US" altLang="ko-KR" sz="5400" dirty="0">
+                <a:solidFill>
+                  <a:schemeClr val="bg1"/>
+                </a:solidFill>
+                <a:latin typeface="배달의민족 주아" panose="02020603020101020101" pitchFamily="18" charset="-127"/>
+                <a:ea typeface="배달의민족 주아" panose="02020603020101020101" pitchFamily="18" charset="-127"/>
+              </a:rPr>
+              <a:t>!</a:t>
+            </a:r>
+            <a:endParaRPr lang="ko-KR" altLang="en-US" sz="5400" dirty="0">
+              <a:solidFill>
+                <a:schemeClr val="bg1"/>
+              </a:solidFill>
+              <a:latin typeface="배달의민족 주아" panose="02020603020101020101" pitchFamily="18" charset="-127"/>
+              <a:ea typeface="배달의민족 주아" panose="02020603020101020101" pitchFamily="18" charset="-127"/>
+            </a:endParaRPr>
+          </a:p>
+        </p:txBody>
+      </p:sp>
+    </p:spTree>
+    <p:extLst>
+      <p:ext uri="{BB962C8B-B14F-4D97-AF65-F5344CB8AC3E}">
+        <p14:creationId xmlns:p14="http://schemas.microsoft.com/office/powerpoint/2010/main" val="3259719090"/>
+      </p:ext>
+    </p:extLst>
+  </p:cSld>
+  <p:clrMapOvr>
+    <a:masterClrMapping/>
+  </p:clrMapOvr>
+</p:sld>
+</file>
+
+<file path=ppt/slides/slide63.xml><?xml version="1.0" encoding="utf-8"?>
+<p:sld xmlns:a="http://schemas.openxmlformats.org/drawingml/2006/main" xmlns:r="http://schemas.openxmlformats.org/officeDocument/2006/relationships" xmlns:p="http://schemas.openxmlformats.org/presentationml/2006/main">
+  <p:cSld>
+    <p:spTree>
+      <p:nvGrpSpPr>
+        <p:cNvPr id="1" name=""/>
+        <p:cNvGrpSpPr/>
+        <p:nvPr/>
+      </p:nvGrpSpPr>
+      <p:grpSpPr>
+        <a:xfrm>
+          <a:off x="0" y="0"/>
+          <a:ext cx="0" cy="0"/>
+          <a:chOff x="0" y="0"/>
+          <a:chExt cx="0" cy="0"/>
+        </a:xfrm>
+      </p:grpSpPr>
+      <p:sp>
+        <p:nvSpPr>
+          <p:cNvPr id="16" name="직사각형 15">
+            <a:extLst>
+              <a:ext uri="{FF2B5EF4-FFF2-40B4-BE49-F238E27FC236}">
+                <a16:creationId xmlns:a16="http://schemas.microsoft.com/office/drawing/2014/main" id="{B89DD7D4-9ED1-4D39-BC0C-EA5A5B8B6EF9}"/>
+              </a:ext>
+            </a:extLst>
+          </p:cNvPr>
+          <p:cNvSpPr/>
+          <p:nvPr/>
+        </p:nvSpPr>
+        <p:spPr>
+          <a:xfrm>
+            <a:off x="188540" y="197967"/>
+            <a:ext cx="12192000" cy="6858000"/>
+          </a:xfrm>
+          <a:prstGeom prst="rect">
+            <a:avLst/>
+          </a:prstGeom>
+          <a:solidFill>
+            <a:schemeClr val="tx1">
+              <a:alpha val="65000"/>
+            </a:schemeClr>
+          </a:solidFill>
+          <a:ln>
+            <a:solidFill>
+              <a:schemeClr val="tx1"/>
+            </a:solidFill>
+          </a:ln>
+        </p:spPr>
+        <p:style>
+          <a:lnRef idx="2">
+            <a:schemeClr val="accent1">
+              <a:shade val="50000"/>
+            </a:schemeClr>
+          </a:lnRef>
+          <a:fillRef idx="1">
+            <a:schemeClr val="accent1"/>
+          </a:fillRef>
+          <a:effectRef idx="0">
+            <a:schemeClr val="accent1"/>
+          </a:effectRef>
+          <a:fontRef idx="minor">
+            <a:schemeClr val="lt1"/>
+          </a:fontRef>
+        </p:style>
+        <p:txBody>
+          <a:bodyPr rtlCol="0" anchor="ctr"/>
+          <a:lstStyle/>
+          <a:p>
+            <a:pPr algn="ctr"/>
+            <a:endParaRPr lang="ko-KR" altLang="en-US" sz="1600" dirty="0"/>
+          </a:p>
+        </p:txBody>
+      </p:sp>
+      <p:sp>
+        <p:nvSpPr>
+          <p:cNvPr id="4" name="직사각형 3">
+            <a:extLst>
+              <a:ext uri="{FF2B5EF4-FFF2-40B4-BE49-F238E27FC236}">
+                <a16:creationId xmlns:a16="http://schemas.microsoft.com/office/drawing/2014/main" id="{CA35C8A5-4B03-43E5-B493-90F4E795A7AE}"/>
+              </a:ext>
+            </a:extLst>
+          </p:cNvPr>
+          <p:cNvSpPr/>
+          <p:nvPr/>
+        </p:nvSpPr>
+        <p:spPr>
+          <a:xfrm>
+            <a:off x="0" y="339365"/>
+            <a:ext cx="3619893" cy="1221117"/>
+          </a:xfrm>
+          <a:prstGeom prst="rect">
+            <a:avLst/>
+          </a:prstGeom>
+          <a:solidFill>
+            <a:schemeClr val="tx1"/>
+          </a:solidFill>
+          <a:ln>
+            <a:solidFill>
+              <a:schemeClr val="tx1"/>
+            </a:solidFill>
+          </a:ln>
+        </p:spPr>
+        <p:style>
+          <a:lnRef idx="2">
+            <a:schemeClr val="accent1">
+              <a:shade val="50000"/>
+            </a:schemeClr>
+          </a:lnRef>
+          <a:fillRef idx="1">
+            <a:schemeClr val="accent1"/>
+          </a:fillRef>
+          <a:effectRef idx="0">
+            <a:schemeClr val="accent1"/>
+          </a:effectRef>
+          <a:fontRef idx="minor">
+            <a:schemeClr val="lt1"/>
+          </a:fontRef>
+        </p:style>
+        <p:txBody>
+          <a:bodyPr rtlCol="0" anchor="ctr"/>
+          <a:lstStyle/>
+          <a:p>
+            <a:pPr algn="ctr"/>
+            <a:r>
+              <a:rPr lang="en-US" altLang="ko-KR" sz="4400" dirty="0">
+                <a:solidFill>
+                  <a:schemeClr val="bg1"/>
+                </a:solidFill>
+                <a:latin typeface="태나다체 " panose="02000000000000000000" pitchFamily="2" charset="-127"/>
+                <a:ea typeface="태나다체 " panose="02000000000000000000" pitchFamily="2" charset="-127"/>
+              </a:rPr>
+              <a:t>title</a:t>
+            </a:r>
+            <a:endParaRPr lang="ko-KR" altLang="en-US" sz="4400" dirty="0">
+              <a:solidFill>
+                <a:schemeClr val="bg1"/>
+              </a:solidFill>
+              <a:latin typeface="태나다체 " panose="02000000000000000000" pitchFamily="2" charset="-127"/>
+              <a:ea typeface="태나다체 " panose="02000000000000000000" pitchFamily="2" charset="-127"/>
+            </a:endParaRPr>
+          </a:p>
+        </p:txBody>
+      </p:sp>
+      <p:sp>
+        <p:nvSpPr>
+          <p:cNvPr id="11" name="직사각형 10">
+            <a:extLst>
+              <a:ext uri="{FF2B5EF4-FFF2-40B4-BE49-F238E27FC236}">
+                <a16:creationId xmlns:a16="http://schemas.microsoft.com/office/drawing/2014/main" id="{6C22D0AA-FCE8-49A4-888D-F1CCB0BBB1BD}"/>
+              </a:ext>
+            </a:extLst>
+          </p:cNvPr>
+          <p:cNvSpPr/>
+          <p:nvPr/>
+        </p:nvSpPr>
+        <p:spPr>
+          <a:xfrm>
+            <a:off x="0" y="2582771"/>
+            <a:ext cx="12192000" cy="1692458"/>
+          </a:xfrm>
+          <a:prstGeom prst="rect">
+            <a:avLst/>
+          </a:prstGeom>
+          <a:solidFill>
+            <a:schemeClr val="tx1"/>
+          </a:solidFill>
+          <a:ln>
+            <a:solidFill>
+              <a:schemeClr val="tx1"/>
+            </a:solidFill>
+          </a:ln>
+        </p:spPr>
+        <p:style>
+          <a:lnRef idx="2">
+            <a:schemeClr val="accent1">
+              <a:shade val="50000"/>
+            </a:schemeClr>
+          </a:lnRef>
+          <a:fillRef idx="1">
+            <a:schemeClr val="accent1"/>
+          </a:fillRef>
+          <a:effectRef idx="0">
+            <a:schemeClr val="accent1"/>
+          </a:effectRef>
+          <a:fontRef idx="minor">
+            <a:schemeClr val="lt1"/>
+          </a:fontRef>
+        </p:style>
+        <p:txBody>
+          <a:bodyPr rtlCol="0" anchor="ctr"/>
+          <a:lstStyle>
+            <a:defPPr>
+              <a:defRPr lang="ko-KR"/>
+            </a:defPPr>
+            <a:lvl1pPr marL="0" algn="l" defTabSz="914400" rtl="0" eaLnBrk="1" latinLnBrk="1" hangingPunct="1">
+              <a:defRPr sz="1800" kern="1200">
+                <a:solidFill>
+                  <a:schemeClr val="lt1"/>
+                </a:solidFill>
+                <a:latin typeface="+mn-lt"/>
+                <a:ea typeface="+mn-ea"/>
+                <a:cs typeface="+mn-cs"/>
+              </a:defRPr>
+            </a:lvl1pPr>
+            <a:lvl2pPr marL="457200" algn="l" defTabSz="914400" rtl="0" eaLnBrk="1" latinLnBrk="1" hangingPunct="1">
+              <a:defRPr sz="1800" kern="1200">
+                <a:solidFill>
+                  <a:schemeClr val="lt1"/>
+                </a:solidFill>
+                <a:latin typeface="+mn-lt"/>
+                <a:ea typeface="+mn-ea"/>
+                <a:cs typeface="+mn-cs"/>
+              </a:defRPr>
+            </a:lvl2pPr>
+            <a:lvl3pPr marL="914400" algn="l" defTabSz="914400" rtl="0" eaLnBrk="1" latinLnBrk="1" hangingPunct="1">
+              <a:defRPr sz="1800" kern="1200">
+                <a:solidFill>
+                  <a:schemeClr val="lt1"/>
+                </a:solidFill>
+                <a:latin typeface="+mn-lt"/>
+                <a:ea typeface="+mn-ea"/>
+                <a:cs typeface="+mn-cs"/>
+              </a:defRPr>
+            </a:lvl3pPr>
+            <a:lvl4pPr marL="1371600" algn="l" defTabSz="914400" rtl="0" eaLnBrk="1" latinLnBrk="1" hangingPunct="1">
+              <a:defRPr sz="1800" kern="1200">
+                <a:solidFill>
+                  <a:schemeClr val="lt1"/>
+                </a:solidFill>
+                <a:latin typeface="+mn-lt"/>
+                <a:ea typeface="+mn-ea"/>
+                <a:cs typeface="+mn-cs"/>
+              </a:defRPr>
+            </a:lvl4pPr>
+            <a:lvl5pPr marL="1828800" algn="l" defTabSz="914400" rtl="0" eaLnBrk="1" latinLnBrk="1" hangingPunct="1">
+              <a:defRPr sz="1800" kern="1200">
+                <a:solidFill>
+                  <a:schemeClr val="lt1"/>
+                </a:solidFill>
+                <a:latin typeface="+mn-lt"/>
+                <a:ea typeface="+mn-ea"/>
+                <a:cs typeface="+mn-cs"/>
+              </a:defRPr>
+            </a:lvl5pPr>
+            <a:lvl6pPr marL="2286000" algn="l" defTabSz="914400" rtl="0" eaLnBrk="1" latinLnBrk="1" hangingPunct="1">
+              <a:defRPr sz="1800" kern="1200">
+                <a:solidFill>
+                  <a:schemeClr val="lt1"/>
+                </a:solidFill>
+                <a:latin typeface="+mn-lt"/>
+                <a:ea typeface="+mn-ea"/>
+                <a:cs typeface="+mn-cs"/>
+              </a:defRPr>
+            </a:lvl6pPr>
+            <a:lvl7pPr marL="2743200" algn="l" defTabSz="914400" rtl="0" eaLnBrk="1" latinLnBrk="1" hangingPunct="1">
+              <a:defRPr sz="1800" kern="1200">
+                <a:solidFill>
+                  <a:schemeClr val="lt1"/>
+                </a:solidFill>
+                <a:latin typeface="+mn-lt"/>
+                <a:ea typeface="+mn-ea"/>
+                <a:cs typeface="+mn-cs"/>
+              </a:defRPr>
+            </a:lvl7pPr>
+            <a:lvl8pPr marL="3200400" algn="l" defTabSz="914400" rtl="0" eaLnBrk="1" latinLnBrk="1" hangingPunct="1">
+              <a:defRPr sz="1800" kern="1200">
+                <a:solidFill>
+                  <a:schemeClr val="lt1"/>
+                </a:solidFill>
+                <a:latin typeface="+mn-lt"/>
+                <a:ea typeface="+mn-ea"/>
+                <a:cs typeface="+mn-cs"/>
+              </a:defRPr>
+            </a:lvl8pPr>
+            <a:lvl9pPr marL="3657600" algn="l" defTabSz="914400" rtl="0" eaLnBrk="1" latinLnBrk="1" hangingPunct="1">
+              <a:defRPr sz="1800" kern="1200">
+                <a:solidFill>
+                  <a:schemeClr val="lt1"/>
+                </a:solidFill>
+                <a:latin typeface="+mn-lt"/>
+                <a:ea typeface="+mn-ea"/>
+                <a:cs typeface="+mn-cs"/>
+              </a:defRPr>
+            </a:lvl9pPr>
+          </a:lstStyle>
+          <a:p>
+            <a:pPr algn="ctr"/>
+            <a:r>
+              <a:rPr lang="en-US" altLang="ko-KR" sz="4800" dirty="0">
+                <a:solidFill>
+                  <a:schemeClr val="bg1"/>
+                </a:solidFill>
+                <a:latin typeface="태나다체 " panose="02000000000000000000" pitchFamily="2" charset="-127"/>
+                <a:ea typeface="태나다체 " panose="02000000000000000000" pitchFamily="2" charset="-127"/>
+              </a:rPr>
+              <a:t>embed</a:t>
+            </a:r>
+            <a:endParaRPr lang="ko-KR" altLang="en-US" sz="4800" dirty="0">
+              <a:solidFill>
+                <a:schemeClr val="bg1"/>
+              </a:solidFill>
+              <a:latin typeface="태나다체 " panose="02000000000000000000" pitchFamily="2" charset="-127"/>
+              <a:ea typeface="태나다체 " panose="02000000000000000000" pitchFamily="2" charset="-127"/>
+            </a:endParaRPr>
+          </a:p>
+        </p:txBody>
+      </p:sp>
+      <p:sp>
+        <p:nvSpPr>
+          <p:cNvPr id="17" name="직사각형 16">
+            <a:extLst>
+              <a:ext uri="{FF2B5EF4-FFF2-40B4-BE49-F238E27FC236}">
+                <a16:creationId xmlns:a16="http://schemas.microsoft.com/office/drawing/2014/main" id="{6421B016-1033-4C6F-947D-8DF71B6D0E2F}"/>
+              </a:ext>
+            </a:extLst>
+          </p:cNvPr>
+          <p:cNvSpPr/>
+          <p:nvPr/>
+        </p:nvSpPr>
+        <p:spPr>
+          <a:xfrm>
+            <a:off x="4822927" y="1098817"/>
+            <a:ext cx="2546146" cy="923330"/>
+          </a:xfrm>
+          <a:prstGeom prst="rect">
+            <a:avLst/>
+          </a:prstGeom>
+        </p:spPr>
+        <p:txBody>
+          <a:bodyPr wrap="none">
+            <a:spAutoFit/>
+          </a:bodyPr>
+          <a:lstStyle/>
+          <a:p>
+            <a:r>
+              <a:rPr lang="en-US" altLang="ko-KR" sz="5400" dirty="0">
+                <a:solidFill>
+                  <a:schemeClr val="bg1"/>
+                </a:solidFill>
+                <a:latin typeface="배달의민족 주아" panose="02020603020101020101" pitchFamily="18" charset="-127"/>
+                <a:ea typeface="배달의민족 주아" panose="02020603020101020101" pitchFamily="18" charset="-127"/>
+              </a:rPr>
+              <a:t>content</a:t>
+            </a:r>
+            <a:endParaRPr lang="ko-KR" altLang="en-US" sz="5400" dirty="0">
+              <a:solidFill>
+                <a:schemeClr val="bg1"/>
+              </a:solidFill>
+              <a:latin typeface="배달의민족 주아" panose="02020603020101020101" pitchFamily="18" charset="-127"/>
+              <a:ea typeface="배달의민족 주아" panose="02020603020101020101" pitchFamily="18" charset="-127"/>
+            </a:endParaRPr>
+          </a:p>
+        </p:txBody>
+      </p:sp>
+    </p:spTree>
+    <p:extLst>
+      <p:ext uri="{BB962C8B-B14F-4D97-AF65-F5344CB8AC3E}">
+        <p14:creationId xmlns:p14="http://schemas.microsoft.com/office/powerpoint/2010/main" val="1672426001"/>
       </p:ext>
     </p:extLst>
   </p:cSld>

--- a/ServerLecture/PT/4강 멀티스레딩 기초.pptx
+++ b/ServerLecture/PT/4강 멀티스레딩 기초.pptx
@@ -5,7 +5,7 @@
     <p:sldMasterId id="2147483648" r:id="rId1"/>
   </p:sldMasterIdLst>
   <p:notesMasterIdLst>
-    <p:notesMasterId r:id="rId65"/>
+    <p:notesMasterId r:id="rId64"/>
   </p:notesMasterIdLst>
   <p:sldIdLst>
     <p:sldId id="256" r:id="rId2"/>
@@ -70,7 +70,6 @@
     <p:sldId id="365" r:id="rId61"/>
     <p:sldId id="366" r:id="rId62"/>
     <p:sldId id="367" r:id="rId63"/>
-    <p:sldId id="305" r:id="rId64"/>
   </p:sldIdLst>
   <p:sldSz cx="12192000" cy="6858000"/>
   <p:notesSz cx="6858000" cy="9144000"/>
@@ -1525,90 +1524,6 @@
     <p:extLst>
       <p:ext uri="{BB962C8B-B14F-4D97-AF65-F5344CB8AC3E}">
         <p14:creationId xmlns:p14="http://schemas.microsoft.com/office/powerpoint/2010/main" val="989280586"/>
-      </p:ext>
-    </p:extLst>
-  </p:cSld>
-  <p:clrMapOvr>
-    <a:masterClrMapping/>
-  </p:clrMapOvr>
-</p:notes>
-</file>
-
-<file path=ppt/notesSlides/notesSlide20.xml><?xml version="1.0" encoding="utf-8"?>
-<p:notes xmlns:a="http://schemas.openxmlformats.org/drawingml/2006/main" xmlns:r="http://schemas.openxmlformats.org/officeDocument/2006/relationships" xmlns:p="http://schemas.openxmlformats.org/presentationml/2006/main">
-  <p:cSld>
-    <p:spTree>
-      <p:nvGrpSpPr>
-        <p:cNvPr id="1" name=""/>
-        <p:cNvGrpSpPr/>
-        <p:nvPr/>
-      </p:nvGrpSpPr>
-      <p:grpSpPr>
-        <a:xfrm>
-          <a:off x="0" y="0"/>
-          <a:ext cx="0" cy="0"/>
-          <a:chOff x="0" y="0"/>
-          <a:chExt cx="0" cy="0"/>
-        </a:xfrm>
-      </p:grpSpPr>
-      <p:sp>
-        <p:nvSpPr>
-          <p:cNvPr id="2" name="슬라이드 이미지 개체 틀 1"/>
-          <p:cNvSpPr>
-            <a:spLocks noGrp="1" noRot="1" noChangeAspect="1"/>
-          </p:cNvSpPr>
-          <p:nvPr>
-            <p:ph type="sldImg"/>
-          </p:nvPr>
-        </p:nvSpPr>
-        <p:spPr/>
-      </p:sp>
-      <p:sp>
-        <p:nvSpPr>
-          <p:cNvPr id="3" name="슬라이드 노트 개체 틀 2"/>
-          <p:cNvSpPr>
-            <a:spLocks noGrp="1"/>
-          </p:cNvSpPr>
-          <p:nvPr>
-            <p:ph type="body" idx="1"/>
-          </p:nvPr>
-        </p:nvSpPr>
-        <p:spPr/>
-        <p:txBody>
-          <a:bodyPr/>
-          <a:lstStyle/>
-          <a:p>
-            <a:endParaRPr lang="ko-KR" altLang="en-US" dirty="0"/>
-          </a:p>
-        </p:txBody>
-      </p:sp>
-      <p:sp>
-        <p:nvSpPr>
-          <p:cNvPr id="4" name="슬라이드 번호 개체 틀 3"/>
-          <p:cNvSpPr>
-            <a:spLocks noGrp="1"/>
-          </p:cNvSpPr>
-          <p:nvPr>
-            <p:ph type="sldNum" sz="quarter" idx="5"/>
-          </p:nvPr>
-        </p:nvSpPr>
-        <p:spPr/>
-        <p:txBody>
-          <a:bodyPr/>
-          <a:lstStyle/>
-          <a:p>
-            <a:fld id="{D8DCC404-E41A-4BC0-921C-BBFB3AB1AB4E}" type="slidenum">
-              <a:rPr lang="ko-KR" altLang="en-US" smtClean="0"/>
-              <a:t>63</a:t>
-            </a:fld>
-            <a:endParaRPr lang="ko-KR" altLang="en-US"/>
-          </a:p>
-        </p:txBody>
-      </p:sp>
-    </p:spTree>
-    <p:extLst>
-      <p:ext uri="{BB962C8B-B14F-4D97-AF65-F5344CB8AC3E}">
-        <p14:creationId xmlns:p14="http://schemas.microsoft.com/office/powerpoint/2010/main" val="260172559"/>
       </p:ext>
     </p:extLst>
   </p:cSld>
@@ -18404,373 +18319,6 @@
     <p:extLst>
       <p:ext uri="{BB962C8B-B14F-4D97-AF65-F5344CB8AC3E}">
         <p14:creationId xmlns:p14="http://schemas.microsoft.com/office/powerpoint/2010/main" val="3259719090"/>
-      </p:ext>
-    </p:extLst>
-  </p:cSld>
-  <p:clrMapOvr>
-    <a:masterClrMapping/>
-  </p:clrMapOvr>
-</p:sld>
-</file>
-
-<file path=ppt/slides/slide63.xml><?xml version="1.0" encoding="utf-8"?>
-<p:sld xmlns:a="http://schemas.openxmlformats.org/drawingml/2006/main" xmlns:r="http://schemas.openxmlformats.org/officeDocument/2006/relationships" xmlns:p="http://schemas.openxmlformats.org/presentationml/2006/main">
-  <p:cSld>
-    <p:spTree>
-      <p:nvGrpSpPr>
-        <p:cNvPr id="1" name=""/>
-        <p:cNvGrpSpPr/>
-        <p:nvPr/>
-      </p:nvGrpSpPr>
-      <p:grpSpPr>
-        <a:xfrm>
-          <a:off x="0" y="0"/>
-          <a:ext cx="0" cy="0"/>
-          <a:chOff x="0" y="0"/>
-          <a:chExt cx="0" cy="0"/>
-        </a:xfrm>
-      </p:grpSpPr>
-      <p:sp>
-        <p:nvSpPr>
-          <p:cNvPr id="16" name="직사각형 15">
-            <a:extLst>
-              <a:ext uri="{FF2B5EF4-FFF2-40B4-BE49-F238E27FC236}">
-                <a16:creationId xmlns:a16="http://schemas.microsoft.com/office/drawing/2014/main" id="{B89DD7D4-9ED1-4D39-BC0C-EA5A5B8B6EF9}"/>
-              </a:ext>
-            </a:extLst>
-          </p:cNvPr>
-          <p:cNvSpPr/>
-          <p:nvPr/>
-        </p:nvSpPr>
-        <p:spPr>
-          <a:xfrm>
-            <a:off x="188540" y="197967"/>
-            <a:ext cx="12192000" cy="6858000"/>
-          </a:xfrm>
-          <a:prstGeom prst="rect">
-            <a:avLst/>
-          </a:prstGeom>
-          <a:solidFill>
-            <a:schemeClr val="tx1">
-              <a:alpha val="65000"/>
-            </a:schemeClr>
-          </a:solidFill>
-          <a:ln>
-            <a:solidFill>
-              <a:schemeClr val="tx1"/>
-            </a:solidFill>
-          </a:ln>
-        </p:spPr>
-        <p:style>
-          <a:lnRef idx="2">
-            <a:schemeClr val="accent1">
-              <a:shade val="50000"/>
-            </a:schemeClr>
-          </a:lnRef>
-          <a:fillRef idx="1">
-            <a:schemeClr val="accent1"/>
-          </a:fillRef>
-          <a:effectRef idx="0">
-            <a:schemeClr val="accent1"/>
-          </a:effectRef>
-          <a:fontRef idx="minor">
-            <a:schemeClr val="lt1"/>
-          </a:fontRef>
-        </p:style>
-        <p:txBody>
-          <a:bodyPr rtlCol="0" anchor="ctr"/>
-          <a:lstStyle/>
-          <a:p>
-            <a:pPr algn="ctr"/>
-            <a:endParaRPr lang="ko-KR" altLang="en-US" sz="1600" dirty="0"/>
-          </a:p>
-        </p:txBody>
-      </p:sp>
-      <p:sp>
-        <p:nvSpPr>
-          <p:cNvPr id="4" name="직사각형 3">
-            <a:extLst>
-              <a:ext uri="{FF2B5EF4-FFF2-40B4-BE49-F238E27FC236}">
-                <a16:creationId xmlns:a16="http://schemas.microsoft.com/office/drawing/2014/main" id="{CA35C8A5-4B03-43E5-B493-90F4E795A7AE}"/>
-              </a:ext>
-            </a:extLst>
-          </p:cNvPr>
-          <p:cNvSpPr/>
-          <p:nvPr/>
-        </p:nvSpPr>
-        <p:spPr>
-          <a:xfrm>
-            <a:off x="0" y="339365"/>
-            <a:ext cx="3619893" cy="1221117"/>
-          </a:xfrm>
-          <a:prstGeom prst="rect">
-            <a:avLst/>
-          </a:prstGeom>
-          <a:solidFill>
-            <a:schemeClr val="tx1"/>
-          </a:solidFill>
-          <a:ln>
-            <a:solidFill>
-              <a:schemeClr val="tx1"/>
-            </a:solidFill>
-          </a:ln>
-        </p:spPr>
-        <p:style>
-          <a:lnRef idx="2">
-            <a:schemeClr val="accent1">
-              <a:shade val="50000"/>
-            </a:schemeClr>
-          </a:lnRef>
-          <a:fillRef idx="1">
-            <a:schemeClr val="accent1"/>
-          </a:fillRef>
-          <a:effectRef idx="0">
-            <a:schemeClr val="accent1"/>
-          </a:effectRef>
-          <a:fontRef idx="minor">
-            <a:schemeClr val="lt1"/>
-          </a:fontRef>
-        </p:style>
-        <p:txBody>
-          <a:bodyPr rtlCol="0" anchor="ctr"/>
-          <a:lstStyle/>
-          <a:p>
-            <a:pPr algn="ctr"/>
-            <a:r>
-              <a:rPr lang="en-US" altLang="ko-KR" sz="4400" dirty="0">
-                <a:solidFill>
-                  <a:schemeClr val="bg1"/>
-                </a:solidFill>
-                <a:latin typeface="태나다체 " panose="02000000000000000000" pitchFamily="2" charset="-127"/>
-                <a:ea typeface="태나다체 " panose="02000000000000000000" pitchFamily="2" charset="-127"/>
-              </a:rPr>
-              <a:t>title</a:t>
-            </a:r>
-            <a:endParaRPr lang="ko-KR" altLang="en-US" sz="4400" dirty="0">
-              <a:solidFill>
-                <a:schemeClr val="bg1"/>
-              </a:solidFill>
-              <a:latin typeface="태나다체 " panose="02000000000000000000" pitchFamily="2" charset="-127"/>
-              <a:ea typeface="태나다체 " panose="02000000000000000000" pitchFamily="2" charset="-127"/>
-            </a:endParaRPr>
-          </a:p>
-        </p:txBody>
-      </p:sp>
-      <p:sp>
-        <p:nvSpPr>
-          <p:cNvPr id="11" name="직사각형 10">
-            <a:extLst>
-              <a:ext uri="{FF2B5EF4-FFF2-40B4-BE49-F238E27FC236}">
-                <a16:creationId xmlns:a16="http://schemas.microsoft.com/office/drawing/2014/main" id="{6C22D0AA-FCE8-49A4-888D-F1CCB0BBB1BD}"/>
-              </a:ext>
-            </a:extLst>
-          </p:cNvPr>
-          <p:cNvSpPr/>
-          <p:nvPr/>
-        </p:nvSpPr>
-        <p:spPr>
-          <a:xfrm>
-            <a:off x="0" y="2582771"/>
-            <a:ext cx="12192000" cy="1692458"/>
-          </a:xfrm>
-          <a:prstGeom prst="rect">
-            <a:avLst/>
-          </a:prstGeom>
-          <a:solidFill>
-            <a:schemeClr val="tx1"/>
-          </a:solidFill>
-          <a:ln>
-            <a:solidFill>
-              <a:schemeClr val="tx1"/>
-            </a:solidFill>
-          </a:ln>
-        </p:spPr>
-        <p:style>
-          <a:lnRef idx="2">
-            <a:schemeClr val="accent1">
-              <a:shade val="50000"/>
-            </a:schemeClr>
-          </a:lnRef>
-          <a:fillRef idx="1">
-            <a:schemeClr val="accent1"/>
-          </a:fillRef>
-          <a:effectRef idx="0">
-            <a:schemeClr val="accent1"/>
-          </a:effectRef>
-          <a:fontRef idx="minor">
-            <a:schemeClr val="lt1"/>
-          </a:fontRef>
-        </p:style>
-        <p:txBody>
-          <a:bodyPr rtlCol="0" anchor="ctr"/>
-          <a:lstStyle>
-            <a:defPPr>
-              <a:defRPr lang="ko-KR"/>
-            </a:defPPr>
-            <a:lvl1pPr marL="0" algn="l" defTabSz="914400" rtl="0" eaLnBrk="1" latinLnBrk="1" hangingPunct="1">
-              <a:defRPr sz="1800" kern="1200">
-                <a:solidFill>
-                  <a:schemeClr val="lt1"/>
-                </a:solidFill>
-                <a:latin typeface="+mn-lt"/>
-                <a:ea typeface="+mn-ea"/>
-                <a:cs typeface="+mn-cs"/>
-              </a:defRPr>
-            </a:lvl1pPr>
-            <a:lvl2pPr marL="457200" algn="l" defTabSz="914400" rtl="0" eaLnBrk="1" latinLnBrk="1" hangingPunct="1">
-              <a:defRPr sz="1800" kern="1200">
-                <a:solidFill>
-                  <a:schemeClr val="lt1"/>
-                </a:solidFill>
-                <a:latin typeface="+mn-lt"/>
-                <a:ea typeface="+mn-ea"/>
-                <a:cs typeface="+mn-cs"/>
-              </a:defRPr>
-            </a:lvl2pPr>
-            <a:lvl3pPr marL="914400" algn="l" defTabSz="914400" rtl="0" eaLnBrk="1" latinLnBrk="1" hangingPunct="1">
-              <a:defRPr sz="1800" kern="1200">
-                <a:solidFill>
-                  <a:schemeClr val="lt1"/>
-                </a:solidFill>
-                <a:latin typeface="+mn-lt"/>
-                <a:ea typeface="+mn-ea"/>
-                <a:cs typeface="+mn-cs"/>
-              </a:defRPr>
-            </a:lvl3pPr>
-            <a:lvl4pPr marL="1371600" algn="l" defTabSz="914400" rtl="0" eaLnBrk="1" latinLnBrk="1" hangingPunct="1">
-              <a:defRPr sz="1800" kern="1200">
-                <a:solidFill>
-                  <a:schemeClr val="lt1"/>
-                </a:solidFill>
-                <a:latin typeface="+mn-lt"/>
-                <a:ea typeface="+mn-ea"/>
-                <a:cs typeface="+mn-cs"/>
-              </a:defRPr>
-            </a:lvl4pPr>
-            <a:lvl5pPr marL="1828800" algn="l" defTabSz="914400" rtl="0" eaLnBrk="1" latinLnBrk="1" hangingPunct="1">
-              <a:defRPr sz="1800" kern="1200">
-                <a:solidFill>
-                  <a:schemeClr val="lt1"/>
-                </a:solidFill>
-                <a:latin typeface="+mn-lt"/>
-                <a:ea typeface="+mn-ea"/>
-                <a:cs typeface="+mn-cs"/>
-              </a:defRPr>
-            </a:lvl5pPr>
-            <a:lvl6pPr marL="2286000" algn="l" defTabSz="914400" rtl="0" eaLnBrk="1" latinLnBrk="1" hangingPunct="1">
-              <a:defRPr sz="1800" kern="1200">
-                <a:solidFill>
-                  <a:schemeClr val="lt1"/>
-                </a:solidFill>
-                <a:latin typeface="+mn-lt"/>
-                <a:ea typeface="+mn-ea"/>
-                <a:cs typeface="+mn-cs"/>
-              </a:defRPr>
-            </a:lvl6pPr>
-            <a:lvl7pPr marL="2743200" algn="l" defTabSz="914400" rtl="0" eaLnBrk="1" latinLnBrk="1" hangingPunct="1">
-              <a:defRPr sz="1800" kern="1200">
-                <a:solidFill>
-                  <a:schemeClr val="lt1"/>
-                </a:solidFill>
-                <a:latin typeface="+mn-lt"/>
-                <a:ea typeface="+mn-ea"/>
-                <a:cs typeface="+mn-cs"/>
-              </a:defRPr>
-            </a:lvl7pPr>
-            <a:lvl8pPr marL="3200400" algn="l" defTabSz="914400" rtl="0" eaLnBrk="1" latinLnBrk="1" hangingPunct="1">
-              <a:defRPr sz="1800" kern="1200">
-                <a:solidFill>
-                  <a:schemeClr val="lt1"/>
-                </a:solidFill>
-                <a:latin typeface="+mn-lt"/>
-                <a:ea typeface="+mn-ea"/>
-                <a:cs typeface="+mn-cs"/>
-              </a:defRPr>
-            </a:lvl8pPr>
-            <a:lvl9pPr marL="3657600" algn="l" defTabSz="914400" rtl="0" eaLnBrk="1" latinLnBrk="1" hangingPunct="1">
-              <a:defRPr sz="1800" kern="1200">
-                <a:solidFill>
-                  <a:schemeClr val="lt1"/>
-                </a:solidFill>
-                <a:latin typeface="+mn-lt"/>
-                <a:ea typeface="+mn-ea"/>
-                <a:cs typeface="+mn-cs"/>
-              </a:defRPr>
-            </a:lvl9pPr>
-          </a:lstStyle>
-          <a:p>
-            <a:pPr algn="ctr"/>
-            <a:r>
-              <a:rPr lang="en-US" altLang="ko-KR" sz="4800" dirty="0">
-                <a:solidFill>
-                  <a:schemeClr val="bg1"/>
-                </a:solidFill>
-                <a:latin typeface="태나다체 " panose="02000000000000000000" pitchFamily="2" charset="-127"/>
-                <a:ea typeface="태나다체 " panose="02000000000000000000" pitchFamily="2" charset="-127"/>
-              </a:rPr>
-              <a:t>embed</a:t>
-            </a:r>
-            <a:endParaRPr lang="ko-KR" altLang="en-US" sz="4800" dirty="0">
-              <a:solidFill>
-                <a:schemeClr val="bg1"/>
-              </a:solidFill>
-              <a:latin typeface="태나다체 " panose="02000000000000000000" pitchFamily="2" charset="-127"/>
-              <a:ea typeface="태나다체 " panose="02000000000000000000" pitchFamily="2" charset="-127"/>
-            </a:endParaRPr>
-          </a:p>
-        </p:txBody>
-      </p:sp>
-      <p:sp>
-        <p:nvSpPr>
-          <p:cNvPr id="17" name="직사각형 16">
-            <a:extLst>
-              <a:ext uri="{FF2B5EF4-FFF2-40B4-BE49-F238E27FC236}">
-                <a16:creationId xmlns:a16="http://schemas.microsoft.com/office/drawing/2014/main" id="{6421B016-1033-4C6F-947D-8DF71B6D0E2F}"/>
-              </a:ext>
-            </a:extLst>
-          </p:cNvPr>
-          <p:cNvSpPr/>
-          <p:nvPr/>
-        </p:nvSpPr>
-        <p:spPr>
-          <a:xfrm>
-            <a:off x="4822927" y="1098817"/>
-            <a:ext cx="2546146" cy="923330"/>
-          </a:xfrm>
-          <a:prstGeom prst="rect">
-            <a:avLst/>
-          </a:prstGeom>
-        </p:spPr>
-        <p:txBody>
-          <a:bodyPr wrap="none">
-            <a:spAutoFit/>
-          </a:bodyPr>
-          <a:lstStyle/>
-          <a:p>
-            <a:r>
-              <a:rPr lang="en-US" altLang="ko-KR" sz="5400" dirty="0">
-                <a:solidFill>
-                  <a:schemeClr val="bg1"/>
-                </a:solidFill>
-                <a:latin typeface="배달의민족 주아" panose="02020603020101020101" pitchFamily="18" charset="-127"/>
-                <a:ea typeface="배달의민족 주아" panose="02020603020101020101" pitchFamily="18" charset="-127"/>
-              </a:rPr>
-              <a:t>content</a:t>
-            </a:r>
-            <a:endParaRPr lang="ko-KR" altLang="en-US" sz="5400" dirty="0">
-              <a:solidFill>
-                <a:schemeClr val="bg1"/>
-              </a:solidFill>
-              <a:latin typeface="배달의민족 주아" panose="02020603020101020101" pitchFamily="18" charset="-127"/>
-              <a:ea typeface="배달의민족 주아" panose="02020603020101020101" pitchFamily="18" charset="-127"/>
-            </a:endParaRPr>
-          </a:p>
-        </p:txBody>
-      </p:sp>
-    </p:spTree>
-    <p:extLst>
-      <p:ext uri="{BB962C8B-B14F-4D97-AF65-F5344CB8AC3E}">
-        <p14:creationId xmlns:p14="http://schemas.microsoft.com/office/powerpoint/2010/main" val="1672426001"/>
       </p:ext>
     </p:extLst>
   </p:cSld>
